--- a/課題研究/2016/中村真悟/最終発表/課題研究ポスター.pptx
+++ b/課題研究/2016/中村真悟/最終発表/課題研究ポスター.pptx
@@ -266,7 +266,7 @@
           <a:p>
             <a:fld id="{D7E88D98-2D16-4615-AC74-52C049EAF5DD}" type="datetimeFigureOut">
               <a:rPr kumimoji="1" lang="ja-JP" altLang="en-US" smtClean="0"/>
-              <a:t>2016/12/12</a:t>
+              <a:t>2016/12/14</a:t>
             </a:fld>
             <a:endParaRPr kumimoji="1" lang="ja-JP" altLang="en-US"/>
           </a:p>
@@ -468,7 +468,7 @@
           <a:p>
             <a:fld id="{D7E88D98-2D16-4615-AC74-52C049EAF5DD}" type="datetimeFigureOut">
               <a:rPr kumimoji="1" lang="ja-JP" altLang="en-US" smtClean="0"/>
-              <a:t>2016/12/12</a:t>
+              <a:t>2016/12/14</a:t>
             </a:fld>
             <a:endParaRPr kumimoji="1" lang="ja-JP" altLang="en-US"/>
           </a:p>
@@ -680,7 +680,7 @@
           <a:p>
             <a:fld id="{D7E88D98-2D16-4615-AC74-52C049EAF5DD}" type="datetimeFigureOut">
               <a:rPr kumimoji="1" lang="ja-JP" altLang="en-US" smtClean="0"/>
-              <a:t>2016/12/12</a:t>
+              <a:t>2016/12/14</a:t>
             </a:fld>
             <a:endParaRPr kumimoji="1" lang="ja-JP" altLang="en-US"/>
           </a:p>
@@ -882,7 +882,7 @@
           <a:p>
             <a:fld id="{D7E88D98-2D16-4615-AC74-52C049EAF5DD}" type="datetimeFigureOut">
               <a:rPr kumimoji="1" lang="ja-JP" altLang="en-US" smtClean="0"/>
-              <a:t>2016/12/12</a:t>
+              <a:t>2016/12/14</a:t>
             </a:fld>
             <a:endParaRPr kumimoji="1" lang="ja-JP" altLang="en-US"/>
           </a:p>
@@ -1126,7 +1126,7 @@
           <a:p>
             <a:fld id="{D7E88D98-2D16-4615-AC74-52C049EAF5DD}" type="datetimeFigureOut">
               <a:rPr kumimoji="1" lang="ja-JP" altLang="en-US" smtClean="0"/>
-              <a:t>2016/12/12</a:t>
+              <a:t>2016/12/14</a:t>
             </a:fld>
             <a:endParaRPr kumimoji="1" lang="ja-JP" altLang="en-US"/>
           </a:p>
@@ -1422,7 +1422,7 @@
           <a:p>
             <a:fld id="{D7E88D98-2D16-4615-AC74-52C049EAF5DD}" type="datetimeFigureOut">
               <a:rPr kumimoji="1" lang="ja-JP" altLang="en-US" smtClean="0"/>
-              <a:t>2016/12/12</a:t>
+              <a:t>2016/12/14</a:t>
             </a:fld>
             <a:endParaRPr kumimoji="1" lang="ja-JP" altLang="en-US"/>
           </a:p>
@@ -1853,7 +1853,7 @@
           <a:p>
             <a:fld id="{D7E88D98-2D16-4615-AC74-52C049EAF5DD}" type="datetimeFigureOut">
               <a:rPr kumimoji="1" lang="ja-JP" altLang="en-US" smtClean="0"/>
-              <a:t>2016/12/12</a:t>
+              <a:t>2016/12/14</a:t>
             </a:fld>
             <a:endParaRPr kumimoji="1" lang="ja-JP" altLang="en-US"/>
           </a:p>
@@ -1971,7 +1971,7 @@
           <a:p>
             <a:fld id="{D7E88D98-2D16-4615-AC74-52C049EAF5DD}" type="datetimeFigureOut">
               <a:rPr kumimoji="1" lang="ja-JP" altLang="en-US" smtClean="0"/>
-              <a:t>2016/12/12</a:t>
+              <a:t>2016/12/14</a:t>
             </a:fld>
             <a:endParaRPr kumimoji="1" lang="ja-JP" altLang="en-US"/>
           </a:p>
@@ -2066,7 +2066,7 @@
           <a:p>
             <a:fld id="{D7E88D98-2D16-4615-AC74-52C049EAF5DD}" type="datetimeFigureOut">
               <a:rPr kumimoji="1" lang="ja-JP" altLang="en-US" smtClean="0"/>
-              <a:t>2016/12/12</a:t>
+              <a:t>2016/12/14</a:t>
             </a:fld>
             <a:endParaRPr kumimoji="1" lang="ja-JP" altLang="en-US"/>
           </a:p>
@@ -2375,7 +2375,7 @@
           <a:p>
             <a:fld id="{D7E88D98-2D16-4615-AC74-52C049EAF5DD}" type="datetimeFigureOut">
               <a:rPr kumimoji="1" lang="ja-JP" altLang="en-US" smtClean="0"/>
-              <a:t>2016/12/12</a:t>
+              <a:t>2016/12/14</a:t>
             </a:fld>
             <a:endParaRPr kumimoji="1" lang="ja-JP" altLang="en-US"/>
           </a:p>
@@ -2632,7 +2632,7 @@
           <a:p>
             <a:fld id="{D7E88D98-2D16-4615-AC74-52C049EAF5DD}" type="datetimeFigureOut">
               <a:rPr kumimoji="1" lang="ja-JP" altLang="en-US" smtClean="0"/>
-              <a:t>2016/12/12</a:t>
+              <a:t>2016/12/14</a:t>
             </a:fld>
             <a:endParaRPr kumimoji="1" lang="ja-JP" altLang="en-US"/>
           </a:p>
@@ -2877,7 +2877,7 @@
           <a:p>
             <a:fld id="{D7E88D98-2D16-4615-AC74-52C049EAF5DD}" type="datetimeFigureOut">
               <a:rPr kumimoji="1" lang="ja-JP" altLang="en-US" smtClean="0"/>
-              <a:t>2016/12/12</a:t>
+              <a:t>2016/12/14</a:t>
             </a:fld>
             <a:endParaRPr kumimoji="1" lang="ja-JP" altLang="en-US"/>
           </a:p>
@@ -3284,19 +3284,17 @@
       </p:grpSpPr>
       <p:sp>
         <p:nvSpPr>
-          <p:cNvPr id="60" name="角丸四角形 59"/>
+          <p:cNvPr id="53" name="正方形/長方形 52"/>
           <p:cNvSpPr/>
           <p:nvPr/>
         </p:nvSpPr>
         <p:spPr>
           <a:xfrm>
-            <a:off x="3431285" y="3229305"/>
-            <a:ext cx="3243835" cy="715863"/>
+            <a:off x="1381209" y="6266230"/>
+            <a:ext cx="5333535" cy="2187394"/>
           </a:xfrm>
-          <a:prstGeom prst="roundRect">
-            <a:avLst>
-              <a:gd name="adj" fmla="val 10001"/>
-            </a:avLst>
+          <a:prstGeom prst="rect">
+            <a:avLst/>
           </a:prstGeom>
         </p:spPr>
         <p:style>
@@ -3318,19 +3316,7 @@
           <a:lstStyle/>
           <a:p>
             <a:pPr algn="ctr"/>
-            <a:r>
-              <a:rPr lang="en-US" altLang="ja-JP" dirty="0" smtClean="0"/>
-              <a:t>MBTI</a:t>
-            </a:r>
-            <a:r>
-              <a:rPr lang="ja-JP" altLang="en-US" dirty="0"/>
-              <a:t>と</a:t>
-            </a:r>
-            <a:r>
-              <a:rPr lang="ja-JP" altLang="en-US" dirty="0" smtClean="0"/>
-              <a:t>プロジェクトのリスクの相関関係を調べる</a:t>
-            </a:r>
-            <a:endParaRPr lang="en-US" altLang="ja-JP" dirty="0" smtClean="0"/>
+            <a:endParaRPr kumimoji="1" lang="ja-JP" altLang="en-US"/>
           </a:p>
         </p:txBody>
       </p:sp>
@@ -3342,8 +3328,8 @@
         </p:nvSpPr>
         <p:spPr>
           <a:xfrm>
-            <a:off x="2224079" y="4579972"/>
-            <a:ext cx="4633921" cy="738664"/>
+            <a:off x="2283271" y="4257857"/>
+            <a:ext cx="4633921" cy="954107"/>
           </a:xfrm>
           <a:prstGeom prst="rect">
             <a:avLst/>
@@ -3357,90 +3343,112 @@
           <a:lstStyle/>
           <a:p>
             <a:r>
+              <a:rPr lang="ja-JP" altLang="en-US" sz="1400" dirty="0" smtClean="0"/>
+              <a:t>・ </a:t>
+            </a:r>
+            <a:r>
               <a:rPr lang="en-US" altLang="ja-JP" sz="1400" dirty="0" smtClean="0"/>
-              <a:t>1.PM </a:t>
+              <a:t>PM </a:t>
             </a:r>
             <a:r>
               <a:rPr lang="ja-JP" altLang="en-US" sz="1400" dirty="0"/>
-              <a:t>実験を受講する</a:t>
+              <a:t>実験を受講する学生に</a:t>
             </a:r>
             <a:r>
               <a:rPr lang="ja-JP" altLang="en-US" sz="1400" dirty="0" smtClean="0"/>
-              <a:t>学生に</a:t>
+              <a:t>対し、</a:t>
+            </a:r>
+            <a:r>
+              <a:rPr lang="en-US" altLang="ja-JP" sz="1400" dirty="0" smtClean="0"/>
+              <a:t>MBTI</a:t>
+            </a:r>
+            <a:r>
+              <a:rPr lang="ja-JP" altLang="en-US" sz="1400" dirty="0" smtClean="0"/>
+              <a:t>診断を行う</a:t>
+            </a:r>
+            <a:endParaRPr lang="ja-JP" altLang="en-US" sz="1400" dirty="0"/>
+          </a:p>
+          <a:p>
+            <a:r>
+              <a:rPr lang="ja-JP" altLang="en-US" sz="1400" dirty="0" smtClean="0"/>
+              <a:t>・ </a:t>
             </a:r>
             <a:r>
               <a:rPr lang="ja-JP" altLang="en-US" sz="1400" dirty="0"/>
-              <a:t>対し、</a:t>
-            </a:r>
-            <a:r>
-              <a:rPr lang="en-US" altLang="ja-JP" sz="1400" dirty="0"/>
-              <a:t>MBTI </a:t>
+              <a:t>その</a:t>
+            </a:r>
+            <a:r>
+              <a:rPr lang="ja-JP" altLang="en-US" sz="1400" dirty="0" smtClean="0"/>
+              <a:t>学生達に</a:t>
+            </a:r>
+            <a:r>
+              <a:rPr lang="en-US" altLang="ja-JP" sz="1400" dirty="0" smtClean="0"/>
+              <a:t>PM</a:t>
+            </a:r>
+            <a:r>
+              <a:rPr lang="ja-JP" altLang="en-US" sz="1400" dirty="0" smtClean="0"/>
+              <a:t>実験に</a:t>
             </a:r>
             <a:r>
               <a:rPr lang="ja-JP" altLang="en-US" sz="1400" dirty="0"/>
-              <a:t>の性格検査</a:t>
+              <a:t>関</a:t>
             </a:r>
             <a:r>
               <a:rPr lang="ja-JP" altLang="en-US" sz="1400" dirty="0" smtClean="0"/>
+              <a:t>するアンケート</a:t>
+            </a:r>
+            <a:r>
+              <a:rPr lang="ja-JP" altLang="en-US" sz="1400" dirty="0"/>
               <a:t>を</a:t>
             </a:r>
             <a:r>
+              <a:rPr lang="ja-JP" altLang="en-US" sz="1400" dirty="0" smtClean="0"/>
+              <a:t>行い</a:t>
+            </a:r>
+            <a:r>
               <a:rPr lang="ja-JP" altLang="en-US" sz="1400" dirty="0"/>
-              <a:t>行</a:t>
+              <a:t>、</a:t>
             </a:r>
             <a:r>
               <a:rPr lang="ja-JP" altLang="en-US" sz="1400" dirty="0" smtClean="0"/>
-              <a:t>う</a:t>
-            </a:r>
-            <a:endParaRPr lang="ja-JP" altLang="en-US" sz="1400" dirty="0"/>
-          </a:p>
-          <a:p>
-            <a:r>
-              <a:rPr lang="en-US" altLang="ja-JP" sz="1400" dirty="0" smtClean="0"/>
-              <a:t>2.</a:t>
+              <a:t>起きた</a:t>
+            </a:r>
+            <a:endParaRPr lang="en-US" altLang="ja-JP" sz="1400" dirty="0"/>
+          </a:p>
+          <a:p>
+            <a:r>
+              <a:rPr lang="ja-JP" altLang="en-US" sz="1400" dirty="0" smtClean="0">
+                <a:solidFill>
+                  <a:schemeClr val="bg1"/>
+                </a:solidFill>
+              </a:rPr>
+              <a:t>・ </a:t>
             </a:r>
             <a:r>
               <a:rPr lang="ja-JP" altLang="en-US" sz="1400" dirty="0" smtClean="0"/>
-              <a:t>チーム</a:t>
+              <a:t>事象を調査</a:t>
             </a:r>
             <a:r>
               <a:rPr lang="ja-JP" altLang="en-US" sz="1400" dirty="0"/>
-              <a:t>に対し</a:t>
+              <a:t>する</a:t>
+            </a:r>
+          </a:p>
+          <a:p>
+            <a:r>
+              <a:rPr lang="ja-JP" altLang="en-US" sz="1400" dirty="0"/>
+              <a:t>・</a:t>
             </a:r>
             <a:r>
               <a:rPr lang="ja-JP" altLang="en-US" sz="1400" dirty="0" smtClean="0"/>
-              <a:t>、どの</a:t>
+              <a:t> </a:t>
             </a:r>
             <a:r>
               <a:rPr lang="ja-JP" altLang="en-US" sz="1400" dirty="0"/>
-              <a:t>ような事象が起きた</a:t>
+              <a:t>アンケートの結果と個人のタイプ</a:t>
             </a:r>
             <a:r>
               <a:rPr lang="ja-JP" altLang="en-US" sz="1400" dirty="0" smtClean="0"/>
-              <a:t>か</a:t>
-            </a:r>
-            <a:r>
-              <a:rPr lang="ja-JP" altLang="en-US" sz="1400" dirty="0"/>
-              <a:t>アンケートを</a:t>
-            </a:r>
-            <a:r>
-              <a:rPr lang="ja-JP" altLang="en-US" sz="1400" dirty="0" smtClean="0"/>
-              <a:t>行う</a:t>
-            </a:r>
-            <a:endParaRPr lang="en-US" altLang="ja-JP" sz="1400" dirty="0" smtClean="0"/>
-          </a:p>
-          <a:p>
-            <a:r>
-              <a:rPr lang="en-US" altLang="ja-JP" sz="1400" dirty="0" smtClean="0"/>
-              <a:t>3.MBTI </a:t>
-            </a:r>
-            <a:r>
-              <a:rPr lang="ja-JP" altLang="en-US" sz="1400" dirty="0"/>
-              <a:t>のタイプとチームに起こった</a:t>
-            </a:r>
-            <a:r>
-              <a:rPr lang="ja-JP" altLang="en-US" sz="1400" dirty="0" smtClean="0"/>
-              <a:t>事象の相関を調べる</a:t>
+              <a:t>での関連を分析する</a:t>
             </a:r>
             <a:endParaRPr kumimoji="1" lang="ja-JP" altLang="en-US" sz="1400" dirty="0"/>
           </a:p>
@@ -3656,7 +3664,7 @@
         </p:nvSpPr>
         <p:spPr>
           <a:xfrm>
-            <a:off x="132901" y="8505964"/>
+            <a:off x="132901" y="8582164"/>
             <a:ext cx="1486125" cy="302800"/>
           </a:xfrm>
           <a:prstGeom prst="roundRect">
@@ -3744,7 +3752,7 @@
         </p:nvSpPr>
         <p:spPr>
           <a:xfrm>
-            <a:off x="2224079" y="4234598"/>
+            <a:off x="2224079" y="3977423"/>
             <a:ext cx="1554425" cy="302400"/>
           </a:xfrm>
           <a:prstGeom prst="roundRect">
@@ -3788,7 +3796,7 @@
         </p:nvSpPr>
         <p:spPr>
           <a:xfrm>
-            <a:off x="206372" y="4229196"/>
+            <a:off x="206372" y="3972021"/>
             <a:ext cx="873576" cy="302400"/>
           </a:xfrm>
           <a:prstGeom prst="roundRect">
@@ -3832,8 +3840,8 @@
         </p:nvSpPr>
         <p:spPr>
           <a:xfrm>
-            <a:off x="206372" y="4557940"/>
-            <a:ext cx="1893093" cy="738664"/>
+            <a:off x="206372" y="4300765"/>
+            <a:ext cx="1893093" cy="954107"/>
           </a:xfrm>
           <a:prstGeom prst="rect">
             <a:avLst/>
@@ -3856,21 +3864,7 @@
             </a:r>
             <a:r>
               <a:rPr lang="ja-JP" altLang="en-US" sz="1400" dirty="0" smtClean="0"/>
-              <a:t>と</a:t>
-            </a:r>
-            <a:endParaRPr lang="en-US" altLang="ja-JP" sz="1400" dirty="0" smtClean="0"/>
-          </a:p>
-          <a:p>
-            <a:r>
-              <a:rPr lang="ja-JP" altLang="en-US" sz="1400" dirty="0" smtClean="0"/>
-              <a:t>プロジェクトのリスクの</a:t>
-            </a:r>
-            <a:endParaRPr lang="en-US" altLang="ja-JP" sz="1400" dirty="0" smtClean="0"/>
-          </a:p>
-          <a:p>
-            <a:r>
-              <a:rPr lang="ja-JP" altLang="en-US" sz="1400" dirty="0" smtClean="0"/>
-              <a:t>相関関係を調べる</a:t>
+              <a:t>のタイプとプロジェクトのリスクの相関関係を調べる</a:t>
             </a:r>
             <a:endParaRPr kumimoji="1" lang="ja-JP" altLang="en-US" sz="1400" dirty="0"/>
           </a:p>
@@ -3910,8 +3904,8 @@
         </p:nvSpPr>
         <p:spPr>
           <a:xfrm>
-            <a:off x="110645" y="8808764"/>
-            <a:ext cx="6564475" cy="954107"/>
+            <a:off x="110645" y="8884964"/>
+            <a:ext cx="6564475" cy="738664"/>
           </a:xfrm>
           <a:prstGeom prst="rect">
             <a:avLst/>
@@ -3929,1066 +3923,242 @@
               <a:t>・</a:t>
             </a:r>
             <a:r>
-              <a:rPr lang="ja-JP" altLang="en-US" sz="1400" dirty="0" smtClean="0">
-                <a:effectLst/>
-              </a:rPr>
+              <a:rPr lang="ja-JP" altLang="en-US" sz="1400" dirty="0"/>
               <a:t>今回のアンケート結果を</a:t>
             </a:r>
             <a:r>
-              <a:rPr lang="ja-JP" altLang="en-US" sz="1400" dirty="0" smtClean="0">
-                <a:effectLst/>
-              </a:rPr>
-              <a:t>踏まえ、質</a:t>
-            </a:r>
-            <a:r>
-              <a:rPr lang="ja-JP" altLang="en-US" sz="1400" dirty="0" smtClean="0">
-                <a:effectLst/>
-              </a:rPr>
-              <a:t>を高める</a:t>
-            </a:r>
-          </a:p>
-          <a:p>
-            <a:r>
-              <a:rPr lang="ja-JP" altLang="en-US" sz="1400" dirty="0" smtClean="0">
-                <a:effectLst/>
-              </a:rPr>
-              <a:t>・</a:t>
-            </a:r>
-            <a:r>
-              <a:rPr lang="en-US" altLang="ja-JP" sz="1400" dirty="0" smtClean="0">
-                <a:effectLst/>
-              </a:rPr>
-              <a:t>PM</a:t>
-            </a:r>
-            <a:r>
-              <a:rPr lang="ja-JP" altLang="en-US" sz="1400" dirty="0" smtClean="0">
-                <a:effectLst/>
-              </a:rPr>
-              <a:t>実験後半組のデータを用いて仮説を立てる</a:t>
-            </a:r>
-          </a:p>
-          <a:p>
-            <a:r>
-              <a:rPr lang="ja-JP" altLang="en-US" sz="1400" dirty="0" smtClean="0">
-                <a:effectLst/>
-              </a:rPr>
-              <a:t>・実証された相関が長期の場合どうなるの</a:t>
-            </a:r>
-            <a:r>
-              <a:rPr lang="ja-JP" altLang="en-US" sz="1400" dirty="0" smtClean="0">
-                <a:effectLst/>
-              </a:rPr>
-              <a:t>か、</a:t>
-            </a:r>
-            <a:r>
-              <a:rPr lang="en-US" altLang="ja-JP" sz="1400" dirty="0" smtClean="0">
-                <a:effectLst/>
-              </a:rPr>
-              <a:t>PM</a:t>
-            </a:r>
-            <a:r>
-              <a:rPr lang="ja-JP" altLang="en-US" sz="1400" dirty="0" smtClean="0">
-                <a:effectLst/>
-              </a:rPr>
-              <a:t>演習を受講する学生に対し同様</a:t>
-            </a:r>
-            <a:r>
-              <a:rPr lang="ja-JP" altLang="en-US" sz="1400" dirty="0" smtClean="0">
-                <a:effectLst/>
-              </a:rPr>
-              <a:t>の　　</a:t>
-            </a:r>
-            <a:endParaRPr lang="en-US" altLang="ja-JP" sz="1400" dirty="0" smtClean="0">
-              <a:effectLst/>
-            </a:endParaRPr>
-          </a:p>
-          <a:p>
-            <a:r>
-              <a:rPr lang="ja-JP" altLang="en-US" sz="1400" dirty="0" smtClean="0">
-                <a:solidFill>
-                  <a:schemeClr val="bg1"/>
-                </a:solidFill>
-              </a:rPr>
-              <a:t>・</a:t>
-            </a:r>
-            <a:r>
-              <a:rPr lang="ja-JP" altLang="en-US" sz="1400" dirty="0" smtClean="0">
-                <a:effectLst/>
-              </a:rPr>
-              <a:t>方法</a:t>
-            </a:r>
-            <a:r>
-              <a:rPr lang="ja-JP" altLang="en-US" sz="1400" dirty="0" smtClean="0">
-                <a:effectLst/>
-              </a:rPr>
-              <a:t>でアンケートを行い検証する</a:t>
-            </a:r>
-            <a:endParaRPr kumimoji="1" lang="ja-JP" altLang="en-US" sz="1400" dirty="0"/>
-          </a:p>
-        </p:txBody>
-      </p:sp>
-      <p:sp>
-        <p:nvSpPr>
-          <p:cNvPr id="37" name="角丸四角形 36"/>
-          <p:cNvSpPr/>
-          <p:nvPr/>
-        </p:nvSpPr>
-        <p:spPr>
-          <a:xfrm>
-            <a:off x="132901" y="1673476"/>
-            <a:ext cx="3319662" cy="457832"/>
-          </a:xfrm>
-          <a:prstGeom prst="roundRect">
-            <a:avLst/>
-          </a:prstGeom>
-        </p:spPr>
-        <p:style>
-          <a:lnRef idx="2">
-            <a:schemeClr val="accent1"/>
-          </a:lnRef>
-          <a:fillRef idx="1">
-            <a:schemeClr val="lt1"/>
-          </a:fillRef>
-          <a:effectRef idx="0">
-            <a:schemeClr val="accent1"/>
-          </a:effectRef>
-          <a:fontRef idx="minor">
-            <a:schemeClr val="dk1"/>
-          </a:fontRef>
-        </p:style>
-        <p:txBody>
-          <a:bodyPr rtlCol="0" anchor="ctr"/>
-          <a:lstStyle/>
-          <a:p>
-            <a:pPr algn="ctr"/>
-            <a:r>
-              <a:rPr lang="ja-JP" altLang="en-US" sz="1400" dirty="0">
-                <a:solidFill>
-                  <a:schemeClr val="tx1"/>
-                </a:solidFill>
-              </a:rPr>
-              <a:t>早期</a:t>
-            </a:r>
-            <a:r>
-              <a:rPr lang="ja-JP" altLang="en-US" sz="1400" dirty="0" smtClean="0">
-                <a:solidFill>
-                  <a:schemeClr val="tx1"/>
-                </a:solidFill>
-              </a:rPr>
-              <a:t>にメンバに関するリスクを特定したい</a:t>
-            </a:r>
-            <a:endParaRPr lang="en-US" altLang="ja-JP" sz="1400" dirty="0">
-              <a:solidFill>
-                <a:schemeClr val="tx1"/>
-              </a:solidFill>
-            </a:endParaRPr>
-          </a:p>
-        </p:txBody>
-      </p:sp>
-      <p:sp>
-        <p:nvSpPr>
-          <p:cNvPr id="38" name="角丸四角形 37"/>
-          <p:cNvSpPr/>
-          <p:nvPr/>
-        </p:nvSpPr>
-        <p:spPr>
-          <a:xfrm>
-            <a:off x="199197" y="3695969"/>
-            <a:ext cx="3187070" cy="457832"/>
-          </a:xfrm>
-          <a:prstGeom prst="roundRect">
-            <a:avLst/>
-          </a:prstGeom>
-        </p:spPr>
-        <p:style>
-          <a:lnRef idx="2">
-            <a:schemeClr val="accent1"/>
-          </a:lnRef>
-          <a:fillRef idx="1">
-            <a:schemeClr val="lt1"/>
-          </a:fillRef>
-          <a:effectRef idx="0">
-            <a:schemeClr val="accent1"/>
-          </a:effectRef>
-          <a:fontRef idx="minor">
-            <a:schemeClr val="dk1"/>
-          </a:fontRef>
-        </p:style>
-        <p:txBody>
-          <a:bodyPr rtlCol="0" anchor="ctr"/>
-          <a:lstStyle/>
-          <a:p>
-            <a:pPr algn="ctr"/>
-            <a:r>
-              <a:rPr lang="ja-JP" altLang="en-US" dirty="0" smtClean="0">
-                <a:solidFill>
-                  <a:schemeClr val="tx1"/>
-                </a:solidFill>
-              </a:rPr>
-              <a:t>メンバ間のリスクを特定できる</a:t>
-            </a:r>
-            <a:endParaRPr lang="en-US" altLang="ja-JP" dirty="0">
-              <a:solidFill>
-                <a:schemeClr val="tx1"/>
-              </a:solidFill>
-            </a:endParaRPr>
-          </a:p>
-        </p:txBody>
-      </p:sp>
-      <p:sp>
-        <p:nvSpPr>
-          <p:cNvPr id="47" name="雲形吹き出し 46"/>
-          <p:cNvSpPr/>
-          <p:nvPr/>
-        </p:nvSpPr>
-        <p:spPr>
-          <a:xfrm>
-            <a:off x="422083" y="2394798"/>
-            <a:ext cx="2741299" cy="935322"/>
-          </a:xfrm>
-          <a:prstGeom prst="cloudCallout">
-            <a:avLst>
-              <a:gd name="adj1" fmla="val -127603"/>
-              <a:gd name="adj2" fmla="val 57366"/>
-            </a:avLst>
-          </a:prstGeom>
-        </p:spPr>
-        <p:style>
-          <a:lnRef idx="2">
-            <a:schemeClr val="accent1"/>
-          </a:lnRef>
-          <a:fillRef idx="1">
-            <a:schemeClr val="lt1"/>
-          </a:fillRef>
-          <a:effectRef idx="0">
-            <a:schemeClr val="accent1"/>
-          </a:effectRef>
-          <a:fontRef idx="minor">
-            <a:schemeClr val="dk1"/>
-          </a:fontRef>
-        </p:style>
-        <p:txBody>
-          <a:bodyPr rtlCol="0" anchor="ctr"/>
-          <a:lstStyle/>
-          <a:p>
-            <a:pPr algn="ctr"/>
+              <a:rPr lang="ja-JP" altLang="en-US" sz="1400" dirty="0" smtClean="0"/>
+              <a:t>踏まえ、アンケート</a:t>
+            </a:r>
             <a:r>
               <a:rPr lang="ja-JP" altLang="en-US" sz="1400" dirty="0"/>
-              <a:t>出会</a:t>
-            </a:r>
+              <a:t>の項目を増やす</a:t>
+            </a:r>
+          </a:p>
+          <a:p>
             <a:r>
               <a:rPr lang="ja-JP" altLang="en-US" sz="1400" dirty="0" smtClean="0"/>
-              <a:t>ってすぐの人を知ることは難しい</a:t>
+              <a:t>・ </a:t>
+            </a:r>
+            <a:r>
+              <a:rPr lang="en-US" altLang="ja-JP" sz="1400" dirty="0"/>
+              <a:t>PM </a:t>
+            </a:r>
+            <a:r>
+              <a:rPr lang="ja-JP" altLang="en-US" sz="1400" dirty="0"/>
+              <a:t>演習を受講する学生</a:t>
+            </a:r>
+            <a:r>
+              <a:rPr lang="ja-JP" altLang="en-US" sz="1400" dirty="0" smtClean="0"/>
+              <a:t>に、同様</a:t>
+            </a:r>
+            <a:r>
+              <a:rPr lang="ja-JP" altLang="en-US" sz="1400" dirty="0"/>
+              <a:t>の方法でアンケートを行い検証</a:t>
+            </a:r>
+            <a:r>
+              <a:rPr lang="ja-JP" altLang="en-US" sz="1400" dirty="0" smtClean="0"/>
+              <a:t>する</a:t>
+            </a:r>
+            <a:endParaRPr lang="ja-JP" altLang="en-US" sz="1400" dirty="0"/>
+          </a:p>
+          <a:p>
+            <a:r>
+              <a:rPr lang="ja-JP" altLang="en-US" sz="1400" dirty="0" smtClean="0"/>
+              <a:t>・ </a:t>
+            </a:r>
+            <a:r>
+              <a:rPr lang="en-US" altLang="ja-JP" sz="1400" dirty="0"/>
+              <a:t>PM </a:t>
+            </a:r>
+            <a:r>
+              <a:rPr lang="ja-JP" altLang="en-US" sz="1400" dirty="0"/>
+              <a:t>演習の</a:t>
+            </a:r>
+            <a:r>
+              <a:rPr lang="ja-JP" altLang="en-US" sz="1400" dirty="0" smtClean="0"/>
+              <a:t>間</a:t>
+            </a:r>
+            <a:r>
+              <a:rPr lang="ja-JP" altLang="en-US" sz="1400" dirty="0"/>
+              <a:t>複数</a:t>
             </a:r>
             <a:r>
               <a:rPr lang="en-US" altLang="ja-JP" sz="1400" dirty="0" smtClean="0"/>
-              <a:t>……</a:t>
-            </a:r>
-            <a:endParaRPr kumimoji="1" lang="ja-JP" altLang="en-US" sz="1400" dirty="0"/>
-          </a:p>
-        </p:txBody>
-      </p:sp>
-      <p:sp>
-        <p:nvSpPr>
-          <p:cNvPr id="53" name="山形 52"/>
-          <p:cNvSpPr/>
-          <p:nvPr/>
-        </p:nvSpPr>
-        <p:spPr>
-          <a:xfrm rot="5400000">
-            <a:off x="1710048" y="2036548"/>
-            <a:ext cx="165368" cy="453009"/>
-          </a:xfrm>
-          <a:prstGeom prst="chevron">
-            <a:avLst/>
-          </a:prstGeom>
-        </p:spPr>
-        <p:style>
-          <a:lnRef idx="2">
-            <a:schemeClr val="accent1">
-              <a:shade val="50000"/>
-            </a:schemeClr>
-          </a:lnRef>
-          <a:fillRef idx="1">
-            <a:schemeClr val="accent1"/>
-          </a:fillRef>
-          <a:effectRef idx="0">
-            <a:schemeClr val="accent1"/>
-          </a:effectRef>
-          <a:fontRef idx="minor">
-            <a:schemeClr val="lt1"/>
-          </a:fontRef>
-        </p:style>
-        <p:txBody>
-          <a:bodyPr rtlCol="0" anchor="ctr"/>
-          <a:lstStyle/>
-          <a:p>
-            <a:pPr algn="ctr"/>
-            <a:endParaRPr kumimoji="1" lang="ja-JP" altLang="en-US">
-              <a:solidFill>
-                <a:schemeClr val="tx1"/>
-              </a:solidFill>
-            </a:endParaRPr>
-          </a:p>
-        </p:txBody>
-      </p:sp>
-      <p:sp>
-        <p:nvSpPr>
-          <p:cNvPr id="54" name="左矢印 53"/>
-          <p:cNvSpPr/>
-          <p:nvPr/>
-        </p:nvSpPr>
-        <p:spPr>
-          <a:xfrm>
-            <a:off x="2064255" y="3348792"/>
-            <a:ext cx="1322012" cy="315865"/>
-          </a:xfrm>
-          <a:prstGeom prst="leftArrow">
-            <a:avLst/>
-          </a:prstGeom>
-        </p:spPr>
-        <p:style>
-          <a:lnRef idx="2">
-            <a:schemeClr val="accent1">
-              <a:shade val="50000"/>
-            </a:schemeClr>
-          </a:lnRef>
-          <a:fillRef idx="1">
-            <a:schemeClr val="accent1"/>
-          </a:fillRef>
-          <a:effectRef idx="0">
-            <a:schemeClr val="accent1"/>
-          </a:effectRef>
-          <a:fontRef idx="minor">
-            <a:schemeClr val="lt1"/>
-          </a:fontRef>
-        </p:style>
-        <p:txBody>
-          <a:bodyPr rtlCol="0" anchor="ctr"/>
-          <a:lstStyle/>
-          <a:p>
-            <a:pPr algn="ctr"/>
-            <a:endParaRPr kumimoji="1" lang="ja-JP" altLang="en-US"/>
-          </a:p>
-        </p:txBody>
-      </p:sp>
-      <p:sp>
-        <p:nvSpPr>
-          <p:cNvPr id="56" name="山形 55"/>
-          <p:cNvSpPr/>
-          <p:nvPr/>
-        </p:nvSpPr>
-        <p:spPr>
-          <a:xfrm rot="5400000">
-            <a:off x="1710048" y="3262821"/>
-            <a:ext cx="165368" cy="453009"/>
-          </a:xfrm>
-          <a:prstGeom prst="chevron">
-            <a:avLst/>
-          </a:prstGeom>
-        </p:spPr>
-        <p:style>
-          <a:lnRef idx="2">
-            <a:schemeClr val="accent1">
-              <a:shade val="50000"/>
-            </a:schemeClr>
-          </a:lnRef>
-          <a:fillRef idx="1">
-            <a:schemeClr val="accent1"/>
-          </a:fillRef>
-          <a:effectRef idx="0">
-            <a:schemeClr val="accent1"/>
-          </a:effectRef>
-          <a:fontRef idx="minor">
-            <a:schemeClr val="lt1"/>
-          </a:fontRef>
-        </p:style>
-        <p:txBody>
-          <a:bodyPr rtlCol="0" anchor="ctr"/>
-          <a:lstStyle/>
-          <a:p>
-            <a:pPr algn="ctr"/>
-            <a:endParaRPr kumimoji="1" lang="ja-JP" altLang="en-US">
-              <a:solidFill>
-                <a:schemeClr val="tx1"/>
-              </a:solidFill>
-            </a:endParaRPr>
+              <a:t> </a:t>
+            </a:r>
+            <a:r>
+              <a:rPr lang="ja-JP" altLang="en-US" sz="1400" dirty="0" smtClean="0"/>
+              <a:t>回、発表</a:t>
+            </a:r>
+            <a:r>
+              <a:rPr lang="ja-JP" altLang="en-US" sz="1400" dirty="0"/>
+              <a:t>後</a:t>
+            </a:r>
+            <a:r>
+              <a:rPr lang="en-US" altLang="ja-JP" sz="1400" dirty="0"/>
+              <a:t>1 </a:t>
+            </a:r>
+            <a:r>
+              <a:rPr lang="ja-JP" altLang="en-US" sz="1400" dirty="0"/>
+              <a:t>回アンケートを</a:t>
+            </a:r>
+            <a:r>
+              <a:rPr lang="ja-JP" altLang="en-US" sz="1400" dirty="0" smtClean="0"/>
+              <a:t>行う</a:t>
+            </a:r>
+            <a:endParaRPr lang="ja-JP" altLang="en-US" sz="1400" dirty="0"/>
           </a:p>
         </p:txBody>
       </p:sp>
       <p:grpSp>
         <p:nvGrpSpPr>
-          <p:cNvPr id="62" name="グループ化 61"/>
+          <p:cNvPr id="15" name="グループ化 14"/>
           <p:cNvGrpSpPr/>
           <p:nvPr/>
         </p:nvGrpSpPr>
         <p:grpSpPr>
           <a:xfrm>
-            <a:off x="3657723" y="1594340"/>
-            <a:ext cx="2514600" cy="1554699"/>
-            <a:chOff x="3605432" y="1754659"/>
-            <a:chExt cx="2514600" cy="1562110"/>
+            <a:off x="457364" y="1534994"/>
+            <a:ext cx="2543011" cy="1715330"/>
+            <a:chOff x="254000" y="982519"/>
+            <a:chExt cx="2341563" cy="1602598"/>
           </a:xfrm>
         </p:grpSpPr>
         <p:grpSp>
           <p:nvGrpSpPr>
-            <p:cNvPr id="49" name="グループ化 48"/>
+            <p:cNvPr id="16" name="グループ化 15"/>
             <p:cNvGrpSpPr/>
             <p:nvPr/>
           </p:nvGrpSpPr>
           <p:grpSpPr>
             <a:xfrm>
-              <a:off x="3605432" y="1754659"/>
-              <a:ext cx="2514600" cy="1541540"/>
-              <a:chOff x="4160520" y="1672475"/>
-              <a:chExt cx="2514600" cy="1761647"/>
+              <a:off x="254000" y="1316170"/>
+              <a:ext cx="2341563" cy="1268947"/>
+              <a:chOff x="254000" y="1316170"/>
+              <a:chExt cx="2341563" cy="1268947"/>
             </a:xfrm>
           </p:grpSpPr>
-          <p:sp>
-            <p:nvSpPr>
-              <p:cNvPr id="48" name="角丸四角形吹き出し 47"/>
-              <p:cNvSpPr/>
-              <p:nvPr/>
-            </p:nvSpPr>
-            <p:spPr>
-              <a:xfrm>
-                <a:off x="4160520" y="1752559"/>
-                <a:ext cx="2514600" cy="1681563"/>
-              </a:xfrm>
-              <a:prstGeom prst="wedgeRoundRectCallout">
-                <a:avLst>
-                  <a:gd name="adj1" fmla="val -37285"/>
-                  <a:gd name="adj2" fmla="val 62460"/>
-                  <a:gd name="adj3" fmla="val 16667"/>
-                </a:avLst>
-              </a:prstGeom>
-            </p:spPr>
-            <p:style>
-              <a:lnRef idx="2">
-                <a:schemeClr val="accent1"/>
-              </a:lnRef>
-              <a:fillRef idx="1">
-                <a:schemeClr val="lt1"/>
-              </a:fillRef>
-              <a:effectRef idx="0">
-                <a:schemeClr val="accent1"/>
-              </a:effectRef>
-              <a:fontRef idx="minor">
-                <a:schemeClr val="dk1"/>
-              </a:fontRef>
-            </p:style>
-            <p:txBody>
-              <a:bodyPr rtlCol="0" anchor="ctr"/>
-              <a:lstStyle/>
-              <a:p>
-                <a:pPr algn="ctr"/>
-                <a:endParaRPr kumimoji="1" lang="ja-JP" altLang="en-US"/>
-              </a:p>
-            </p:txBody>
-          </p:sp>
           <p:grpSp>
             <p:nvGrpSpPr>
-              <p:cNvPr id="15" name="グループ化 14"/>
+              <p:cNvPr id="18" name="グループ化 17"/>
               <p:cNvGrpSpPr/>
               <p:nvPr/>
             </p:nvGrpSpPr>
             <p:grpSpPr>
               <a:xfrm>
-                <a:off x="4247512" y="1672475"/>
-                <a:ext cx="2341563" cy="1454005"/>
-                <a:chOff x="254000" y="1069500"/>
-                <a:chExt cx="2341563" cy="1454009"/>
+                <a:off x="254000" y="1316170"/>
+                <a:ext cx="2341563" cy="345059"/>
+                <a:chOff x="254000" y="1029481"/>
+                <a:chExt cx="2667000" cy="503491"/>
               </a:xfrm>
             </p:grpSpPr>
-            <p:grpSp>
-              <p:nvGrpSpPr>
-                <p:cNvPr id="16" name="グループ化 15"/>
-                <p:cNvGrpSpPr/>
-                <p:nvPr/>
-              </p:nvGrpSpPr>
-              <p:grpSpPr>
-                <a:xfrm>
-                  <a:off x="254000" y="1316170"/>
-                  <a:ext cx="2341563" cy="1207339"/>
-                  <a:chOff x="254000" y="1316170"/>
-                  <a:chExt cx="2341563" cy="1207339"/>
-                </a:xfrm>
-              </p:grpSpPr>
-              <p:grpSp>
-                <p:nvGrpSpPr>
-                  <p:cNvPr id="18" name="グループ化 17"/>
-                  <p:cNvGrpSpPr/>
-                  <p:nvPr/>
-                </p:nvGrpSpPr>
-                <p:grpSpPr>
-                  <a:xfrm>
-                    <a:off x="254000" y="1316170"/>
-                    <a:ext cx="2341563" cy="338554"/>
-                    <a:chOff x="254000" y="1029481"/>
-                    <a:chExt cx="2667000" cy="493999"/>
-                  </a:xfrm>
-                </p:grpSpPr>
-                <p:sp>
-                  <p:nvSpPr>
-                    <p:cNvPr id="31" name="円/楕円 30"/>
-                    <p:cNvSpPr/>
-                    <p:nvPr/>
-                  </p:nvSpPr>
-                  <p:spPr>
-                    <a:xfrm>
-                      <a:off x="254000" y="1098975"/>
-                      <a:ext cx="1174750" cy="330200"/>
-                    </a:xfrm>
-                    <a:prstGeom prst="ellipse">
-                      <a:avLst/>
-                    </a:prstGeom>
-                  </p:spPr>
-                  <p:style>
-                    <a:lnRef idx="2">
-                      <a:schemeClr val="accent1">
-                        <a:shade val="50000"/>
-                      </a:schemeClr>
-                    </a:lnRef>
-                    <a:fillRef idx="1">
-                      <a:schemeClr val="accent1"/>
-                    </a:fillRef>
-                    <a:effectRef idx="0">
-                      <a:schemeClr val="accent1"/>
-                    </a:effectRef>
-                    <a:fontRef idx="minor">
-                      <a:schemeClr val="lt1"/>
-                    </a:fontRef>
-                  </p:style>
-                  <p:txBody>
-                    <a:bodyPr rtlCol="0" anchor="ctr"/>
-                    <a:lstStyle/>
-                    <a:p>
-                      <a:pPr algn="ctr"/>
-                      <a:r>
-                        <a:rPr lang="ja-JP" altLang="en-US" sz="1400" dirty="0" smtClean="0"/>
-                        <a:t>内向</a:t>
-                      </a:r>
-                      <a:r>
-                        <a:rPr lang="en-US" altLang="ja-JP" sz="1400" dirty="0" smtClean="0"/>
-                        <a:t>:I</a:t>
-                      </a:r>
-                      <a:endParaRPr kumimoji="1" lang="ja-JP" altLang="en-US" sz="1400" dirty="0"/>
-                    </a:p>
-                  </p:txBody>
-                </p:sp>
-                <p:sp>
-                  <p:nvSpPr>
-                    <p:cNvPr id="32" name="円/楕円 31"/>
-                    <p:cNvSpPr/>
-                    <p:nvPr/>
-                  </p:nvSpPr>
-                  <p:spPr>
-                    <a:xfrm>
-                      <a:off x="1746250" y="1098975"/>
-                      <a:ext cx="1174750" cy="330200"/>
-                    </a:xfrm>
-                    <a:prstGeom prst="ellipse">
-                      <a:avLst/>
-                    </a:prstGeom>
-                  </p:spPr>
-                  <p:style>
-                    <a:lnRef idx="2">
-                      <a:schemeClr val="accent1">
-                        <a:shade val="50000"/>
-                      </a:schemeClr>
-                    </a:lnRef>
-                    <a:fillRef idx="1">
-                      <a:schemeClr val="accent1"/>
-                    </a:fillRef>
-                    <a:effectRef idx="0">
-                      <a:schemeClr val="accent1"/>
-                    </a:effectRef>
-                    <a:fontRef idx="minor">
-                      <a:schemeClr val="lt1"/>
-                    </a:fontRef>
-                  </p:style>
-                  <p:txBody>
-                    <a:bodyPr rtlCol="0" anchor="ctr"/>
-                    <a:lstStyle/>
-                    <a:p>
-                      <a:pPr algn="ctr"/>
-                      <a:r>
-                        <a:rPr lang="ja-JP" altLang="en-US" sz="1400" dirty="0" smtClean="0"/>
-                        <a:t>外向</a:t>
-                      </a:r>
-                      <a:r>
-                        <a:rPr lang="en-US" altLang="ja-JP" sz="1400" dirty="0" smtClean="0"/>
-                        <a:t>:E</a:t>
-                      </a:r>
-                      <a:endParaRPr kumimoji="1" lang="ja-JP" altLang="en-US" sz="1400" dirty="0"/>
-                    </a:p>
-                  </p:txBody>
-                </p:sp>
-                <p:sp>
-                  <p:nvSpPr>
-                    <p:cNvPr id="33" name="テキスト ボックス 32"/>
-                    <p:cNvSpPr txBox="1"/>
-                    <p:nvPr/>
-                  </p:nvSpPr>
-                  <p:spPr>
-                    <a:xfrm>
-                      <a:off x="1381125" y="1029481"/>
-                      <a:ext cx="412750" cy="493999"/>
-                    </a:xfrm>
-                    <a:prstGeom prst="rect">
-                      <a:avLst/>
-                    </a:prstGeom>
-                    <a:noFill/>
-                  </p:spPr>
-                  <p:txBody>
-                    <a:bodyPr wrap="square" rtlCol="0">
-                      <a:spAutoFit/>
-                    </a:bodyPr>
-                    <a:lstStyle/>
-                    <a:p>
-                      <a:r>
-                        <a:rPr kumimoji="1" lang="en-US" altLang="ja-JP" sz="1600" dirty="0" smtClean="0"/>
-                        <a:t>or</a:t>
-                      </a:r>
-                      <a:endParaRPr kumimoji="1" lang="ja-JP" altLang="en-US" sz="1600" dirty="0"/>
-                    </a:p>
-                  </p:txBody>
-                </p:sp>
-              </p:grpSp>
-              <p:grpSp>
-                <p:nvGrpSpPr>
-                  <p:cNvPr id="19" name="グループ化 18"/>
-                  <p:cNvGrpSpPr/>
-                  <p:nvPr/>
-                </p:nvGrpSpPr>
-                <p:grpSpPr>
-                  <a:xfrm>
-                    <a:off x="254000" y="1625946"/>
-                    <a:ext cx="2341563" cy="283455"/>
-                    <a:chOff x="254000" y="1015575"/>
-                    <a:chExt cx="2667000" cy="413601"/>
-                  </a:xfrm>
-                </p:grpSpPr>
-                <p:sp>
-                  <p:nvSpPr>
-                    <p:cNvPr id="28" name="円/楕円 27"/>
-                    <p:cNvSpPr/>
-                    <p:nvPr/>
-                  </p:nvSpPr>
-                  <p:spPr>
-                    <a:xfrm>
-                      <a:off x="254000" y="1098976"/>
-                      <a:ext cx="1174750" cy="330200"/>
-                    </a:xfrm>
-                    <a:prstGeom prst="ellipse">
-                      <a:avLst/>
-                    </a:prstGeom>
-                  </p:spPr>
-                  <p:style>
-                    <a:lnRef idx="2">
-                      <a:schemeClr val="accent1">
-                        <a:shade val="50000"/>
-                      </a:schemeClr>
-                    </a:lnRef>
-                    <a:fillRef idx="1">
-                      <a:schemeClr val="accent1"/>
-                    </a:fillRef>
-                    <a:effectRef idx="0">
-                      <a:schemeClr val="accent1"/>
-                    </a:effectRef>
-                    <a:fontRef idx="minor">
-                      <a:schemeClr val="lt1"/>
-                    </a:fontRef>
-                  </p:style>
-                  <p:txBody>
-                    <a:bodyPr rtlCol="0" anchor="ctr"/>
-                    <a:lstStyle/>
-                    <a:p>
-                      <a:pPr algn="ctr"/>
-                      <a:r>
-                        <a:rPr lang="ja-JP" altLang="en-US" sz="1400" dirty="0"/>
-                        <a:t>感覚</a:t>
-                      </a:r>
-                      <a:r>
-                        <a:rPr lang="en-US" altLang="ja-JP" sz="1400" dirty="0" smtClean="0"/>
-                        <a:t>:S</a:t>
-                      </a:r>
-                      <a:endParaRPr kumimoji="1" lang="ja-JP" altLang="en-US" sz="1400" dirty="0"/>
-                    </a:p>
-                  </p:txBody>
-                </p:sp>
-                <p:sp>
-                  <p:nvSpPr>
-                    <p:cNvPr id="29" name="円/楕円 28"/>
-                    <p:cNvSpPr/>
-                    <p:nvPr/>
-                  </p:nvSpPr>
-                  <p:spPr>
-                    <a:xfrm>
-                      <a:off x="1746250" y="1098976"/>
-                      <a:ext cx="1174750" cy="330200"/>
-                    </a:xfrm>
-                    <a:prstGeom prst="ellipse">
-                      <a:avLst/>
-                    </a:prstGeom>
-                  </p:spPr>
-                  <p:style>
-                    <a:lnRef idx="2">
-                      <a:schemeClr val="accent1">
-                        <a:shade val="50000"/>
-                      </a:schemeClr>
-                    </a:lnRef>
-                    <a:fillRef idx="1">
-                      <a:schemeClr val="accent1"/>
-                    </a:fillRef>
-                    <a:effectRef idx="0">
-                      <a:schemeClr val="accent1"/>
-                    </a:effectRef>
-                    <a:fontRef idx="minor">
-                      <a:schemeClr val="lt1"/>
-                    </a:fontRef>
-                  </p:style>
-                  <p:txBody>
-                    <a:bodyPr rtlCol="0" anchor="ctr"/>
-                    <a:lstStyle/>
-                    <a:p>
-                      <a:pPr algn="ctr"/>
-                      <a:r>
-                        <a:rPr lang="ja-JP" altLang="en-US" sz="1400" dirty="0" smtClean="0"/>
-                        <a:t>直感</a:t>
-                      </a:r>
-                      <a:r>
-                        <a:rPr lang="en-US" altLang="ja-JP" sz="1400" dirty="0" smtClean="0"/>
-                        <a:t>:N</a:t>
-                      </a:r>
-                      <a:endParaRPr kumimoji="1" lang="ja-JP" altLang="en-US" sz="1400" dirty="0"/>
-                    </a:p>
-                  </p:txBody>
-                </p:sp>
-                <p:sp>
-                  <p:nvSpPr>
-                    <p:cNvPr id="30" name="テキスト ボックス 29"/>
-                    <p:cNvSpPr txBox="1"/>
-                    <p:nvPr/>
-                  </p:nvSpPr>
-                  <p:spPr>
-                    <a:xfrm>
-                      <a:off x="1381125" y="1015575"/>
-                      <a:ext cx="412750" cy="338554"/>
-                    </a:xfrm>
-                    <a:prstGeom prst="rect">
-                      <a:avLst/>
-                    </a:prstGeom>
-                    <a:noFill/>
-                  </p:spPr>
-                  <p:txBody>
-                    <a:bodyPr wrap="square" rtlCol="0">
-                      <a:spAutoFit/>
-                    </a:bodyPr>
-                    <a:lstStyle/>
-                    <a:p>
-                      <a:r>
-                        <a:rPr kumimoji="1" lang="en-US" altLang="ja-JP" sz="1600" dirty="0" smtClean="0"/>
-                        <a:t>or</a:t>
-                      </a:r>
-                      <a:endParaRPr kumimoji="1" lang="ja-JP" altLang="en-US" sz="1600" dirty="0"/>
-                    </a:p>
-                  </p:txBody>
-                </p:sp>
-              </p:grpSp>
-              <p:grpSp>
-                <p:nvGrpSpPr>
-                  <p:cNvPr id="20" name="グループ化 19"/>
-                  <p:cNvGrpSpPr/>
-                  <p:nvPr/>
-                </p:nvGrpSpPr>
-                <p:grpSpPr>
-                  <a:xfrm>
-                    <a:off x="254000" y="1937769"/>
-                    <a:ext cx="2341563" cy="273927"/>
-                    <a:chOff x="254000" y="1029477"/>
-                    <a:chExt cx="2667000" cy="399701"/>
-                  </a:xfrm>
-                </p:grpSpPr>
-                <p:sp>
-                  <p:nvSpPr>
-                    <p:cNvPr id="25" name="円/楕円 24"/>
-                    <p:cNvSpPr/>
-                    <p:nvPr/>
-                  </p:nvSpPr>
-                  <p:spPr>
-                    <a:xfrm>
-                      <a:off x="254000" y="1098977"/>
-                      <a:ext cx="1174750" cy="330201"/>
-                    </a:xfrm>
-                    <a:prstGeom prst="ellipse">
-                      <a:avLst/>
-                    </a:prstGeom>
-                  </p:spPr>
-                  <p:style>
-                    <a:lnRef idx="2">
-                      <a:schemeClr val="accent1">
-                        <a:shade val="50000"/>
-                      </a:schemeClr>
-                    </a:lnRef>
-                    <a:fillRef idx="1">
-                      <a:schemeClr val="accent1"/>
-                    </a:fillRef>
-                    <a:effectRef idx="0">
-                      <a:schemeClr val="accent1"/>
-                    </a:effectRef>
-                    <a:fontRef idx="minor">
-                      <a:schemeClr val="lt1"/>
-                    </a:fontRef>
-                  </p:style>
-                  <p:txBody>
-                    <a:bodyPr rtlCol="0" anchor="ctr"/>
-                    <a:lstStyle/>
-                    <a:p>
-                      <a:pPr algn="ctr"/>
-                      <a:r>
-                        <a:rPr lang="ja-JP" altLang="en-US" sz="1400" dirty="0"/>
-                        <a:t>思考</a:t>
-                      </a:r>
-                      <a:r>
-                        <a:rPr lang="en-US" altLang="ja-JP" sz="1400" dirty="0" smtClean="0"/>
-                        <a:t>:T</a:t>
-                      </a:r>
-                      <a:endParaRPr kumimoji="1" lang="ja-JP" altLang="en-US" sz="1400" dirty="0"/>
-                    </a:p>
-                  </p:txBody>
-                </p:sp>
-                <p:sp>
-                  <p:nvSpPr>
-                    <p:cNvPr id="26" name="円/楕円 25"/>
-                    <p:cNvSpPr/>
-                    <p:nvPr/>
-                  </p:nvSpPr>
-                  <p:spPr>
-                    <a:xfrm>
-                      <a:off x="1746250" y="1098977"/>
-                      <a:ext cx="1174750" cy="330199"/>
-                    </a:xfrm>
-                    <a:prstGeom prst="ellipse">
-                      <a:avLst/>
-                    </a:prstGeom>
-                  </p:spPr>
-                  <p:style>
-                    <a:lnRef idx="2">
-                      <a:schemeClr val="accent1">
-                        <a:shade val="50000"/>
-                      </a:schemeClr>
-                    </a:lnRef>
-                    <a:fillRef idx="1">
-                      <a:schemeClr val="accent1"/>
-                    </a:fillRef>
-                    <a:effectRef idx="0">
-                      <a:schemeClr val="accent1"/>
-                    </a:effectRef>
-                    <a:fontRef idx="minor">
-                      <a:schemeClr val="lt1"/>
-                    </a:fontRef>
-                  </p:style>
-                  <p:txBody>
-                    <a:bodyPr rtlCol="0" anchor="ctr"/>
-                    <a:lstStyle/>
-                    <a:p>
-                      <a:pPr algn="ctr"/>
-                      <a:r>
-                        <a:rPr lang="ja-JP" altLang="en-US" sz="1400" dirty="0"/>
-                        <a:t>感情</a:t>
-                      </a:r>
-                      <a:r>
-                        <a:rPr lang="en-US" altLang="ja-JP" sz="1400" dirty="0" smtClean="0"/>
-                        <a:t>:F</a:t>
-                      </a:r>
-                      <a:endParaRPr kumimoji="1" lang="ja-JP" altLang="en-US" sz="1400" dirty="0"/>
-                    </a:p>
-                  </p:txBody>
-                </p:sp>
-                <p:sp>
-                  <p:nvSpPr>
-                    <p:cNvPr id="27" name="テキスト ボックス 26"/>
-                    <p:cNvSpPr txBox="1"/>
-                    <p:nvPr/>
-                  </p:nvSpPr>
-                  <p:spPr>
-                    <a:xfrm>
-                      <a:off x="1381125" y="1029477"/>
-                      <a:ext cx="412750" cy="338555"/>
-                    </a:xfrm>
-                    <a:prstGeom prst="rect">
-                      <a:avLst/>
-                    </a:prstGeom>
-                    <a:noFill/>
-                  </p:spPr>
-                  <p:txBody>
-                    <a:bodyPr wrap="square" rtlCol="0">
-                      <a:spAutoFit/>
-                    </a:bodyPr>
-                    <a:lstStyle/>
-                    <a:p>
-                      <a:r>
-                        <a:rPr kumimoji="1" lang="en-US" altLang="ja-JP" sz="1600" dirty="0" smtClean="0"/>
-                        <a:t>or</a:t>
-                      </a:r>
-                      <a:endParaRPr kumimoji="1" lang="ja-JP" altLang="en-US" sz="1600" dirty="0"/>
-                    </a:p>
-                  </p:txBody>
-                </p:sp>
-              </p:grpSp>
-              <p:grpSp>
-                <p:nvGrpSpPr>
-                  <p:cNvPr id="21" name="グループ化 20"/>
-                  <p:cNvGrpSpPr/>
-                  <p:nvPr/>
-                </p:nvGrpSpPr>
-                <p:grpSpPr>
-                  <a:xfrm>
-                    <a:off x="254000" y="2240058"/>
-                    <a:ext cx="2341563" cy="283451"/>
-                    <a:chOff x="254000" y="1015570"/>
-                    <a:chExt cx="2667000" cy="413601"/>
-                  </a:xfrm>
-                </p:grpSpPr>
-                <p:sp>
-                  <p:nvSpPr>
-                    <p:cNvPr id="22" name="円/楕円 21"/>
-                    <p:cNvSpPr/>
-                    <p:nvPr/>
-                  </p:nvSpPr>
-                  <p:spPr>
-                    <a:xfrm>
-                      <a:off x="254000" y="1098972"/>
-                      <a:ext cx="1174750" cy="330199"/>
-                    </a:xfrm>
-                    <a:prstGeom prst="ellipse">
-                      <a:avLst/>
-                    </a:prstGeom>
-                  </p:spPr>
-                  <p:style>
-                    <a:lnRef idx="2">
-                      <a:schemeClr val="accent1">
-                        <a:shade val="50000"/>
-                      </a:schemeClr>
-                    </a:lnRef>
-                    <a:fillRef idx="1">
-                      <a:schemeClr val="accent1"/>
-                    </a:fillRef>
-                    <a:effectRef idx="0">
-                      <a:schemeClr val="accent1"/>
-                    </a:effectRef>
-                    <a:fontRef idx="minor">
-                      <a:schemeClr val="lt1"/>
-                    </a:fontRef>
-                  </p:style>
-                  <p:txBody>
-                    <a:bodyPr rtlCol="0" anchor="ctr"/>
-                    <a:lstStyle/>
-                    <a:p>
-                      <a:pPr algn="ctr"/>
-                      <a:r>
-                        <a:rPr lang="ja-JP" altLang="en-US" sz="1400" dirty="0"/>
-                        <a:t>規則</a:t>
-                      </a:r>
-                      <a:r>
-                        <a:rPr lang="en-US" altLang="ja-JP" sz="1400" dirty="0" smtClean="0"/>
-                        <a:t>:J</a:t>
-                      </a:r>
-                      <a:endParaRPr kumimoji="1" lang="ja-JP" altLang="en-US" sz="1400" dirty="0"/>
-                    </a:p>
-                  </p:txBody>
-                </p:sp>
-                <p:sp>
-                  <p:nvSpPr>
-                    <p:cNvPr id="23" name="円/楕円 22"/>
-                    <p:cNvSpPr/>
-                    <p:nvPr/>
-                  </p:nvSpPr>
-                  <p:spPr>
-                    <a:xfrm>
-                      <a:off x="1746250" y="1098972"/>
-                      <a:ext cx="1174750" cy="330199"/>
-                    </a:xfrm>
-                    <a:prstGeom prst="ellipse">
-                      <a:avLst/>
-                    </a:prstGeom>
-                  </p:spPr>
-                  <p:style>
-                    <a:lnRef idx="2">
-                      <a:schemeClr val="accent1">
-                        <a:shade val="50000"/>
-                      </a:schemeClr>
-                    </a:lnRef>
-                    <a:fillRef idx="1">
-                      <a:schemeClr val="accent1"/>
-                    </a:fillRef>
-                    <a:effectRef idx="0">
-                      <a:schemeClr val="accent1"/>
-                    </a:effectRef>
-                    <a:fontRef idx="minor">
-                      <a:schemeClr val="lt1"/>
-                    </a:fontRef>
-                  </p:style>
-                  <p:txBody>
-                    <a:bodyPr rtlCol="0" anchor="ctr"/>
-                    <a:lstStyle/>
-                    <a:p>
-                      <a:pPr algn="ctr"/>
-                      <a:r>
-                        <a:rPr lang="ja-JP" altLang="en-US" sz="1400" dirty="0" smtClean="0"/>
-                        <a:t>柔軟</a:t>
-                      </a:r>
-                      <a:r>
-                        <a:rPr lang="en-US" altLang="ja-JP" sz="1400" dirty="0" smtClean="0"/>
-                        <a:t>:P</a:t>
-                      </a:r>
-                      <a:endParaRPr kumimoji="1" lang="ja-JP" altLang="en-US" sz="1400" dirty="0"/>
-                    </a:p>
-                  </p:txBody>
-                </p:sp>
-                <p:sp>
-                  <p:nvSpPr>
-                    <p:cNvPr id="24" name="テキスト ボックス 23"/>
-                    <p:cNvSpPr txBox="1"/>
-                    <p:nvPr/>
-                  </p:nvSpPr>
-                  <p:spPr>
-                    <a:xfrm>
-                      <a:off x="1381125" y="1015570"/>
-                      <a:ext cx="412750" cy="338555"/>
-                    </a:xfrm>
-                    <a:prstGeom prst="rect">
-                      <a:avLst/>
-                    </a:prstGeom>
-                    <a:noFill/>
-                  </p:spPr>
-                  <p:txBody>
-                    <a:bodyPr wrap="square" rtlCol="0">
-                      <a:spAutoFit/>
-                    </a:bodyPr>
-                    <a:lstStyle/>
-                    <a:p>
-                      <a:r>
-                        <a:rPr kumimoji="1" lang="en-US" altLang="ja-JP" sz="1600" dirty="0" smtClean="0"/>
-                        <a:t>or</a:t>
-                      </a:r>
-                      <a:endParaRPr kumimoji="1" lang="ja-JP" altLang="en-US" sz="1600" dirty="0"/>
-                    </a:p>
-                  </p:txBody>
-                </p:sp>
-              </p:grpSp>
-            </p:grpSp>
             <p:sp>
               <p:nvSpPr>
-                <p:cNvPr id="17" name="テキスト ボックス 16"/>
+                <p:cNvPr id="31" name="円/楕円 30"/>
+                <p:cNvSpPr/>
+                <p:nvPr/>
+              </p:nvSpPr>
+              <p:spPr>
+                <a:xfrm>
+                  <a:off x="254000" y="1098975"/>
+                  <a:ext cx="1174750" cy="330200"/>
+                </a:xfrm>
+                <a:prstGeom prst="ellipse">
+                  <a:avLst/>
+                </a:prstGeom>
+              </p:spPr>
+              <p:style>
+                <a:lnRef idx="2">
+                  <a:schemeClr val="accent1">
+                    <a:shade val="50000"/>
+                  </a:schemeClr>
+                </a:lnRef>
+                <a:fillRef idx="1">
+                  <a:schemeClr val="accent1"/>
+                </a:fillRef>
+                <a:effectRef idx="0">
+                  <a:schemeClr val="accent1"/>
+                </a:effectRef>
+                <a:fontRef idx="minor">
+                  <a:schemeClr val="lt1"/>
+                </a:fontRef>
+              </p:style>
+              <p:txBody>
+                <a:bodyPr rtlCol="0" anchor="ctr"/>
+                <a:lstStyle/>
+                <a:p>
+                  <a:pPr algn="ctr"/>
+                  <a:r>
+                    <a:rPr lang="ja-JP" altLang="en-US" sz="1600" dirty="0" smtClean="0"/>
+                    <a:t>内向</a:t>
+                  </a:r>
+                  <a:r>
+                    <a:rPr lang="en-US" altLang="ja-JP" sz="1600" dirty="0" smtClean="0"/>
+                    <a:t>:I</a:t>
+                  </a:r>
+                  <a:endParaRPr kumimoji="1" lang="ja-JP" altLang="en-US" sz="1600" dirty="0"/>
+                </a:p>
+              </p:txBody>
+            </p:sp>
+            <p:sp>
+              <p:nvSpPr>
+                <p:cNvPr id="32" name="円/楕円 31"/>
+                <p:cNvSpPr/>
+                <p:nvPr/>
+              </p:nvSpPr>
+              <p:spPr>
+                <a:xfrm>
+                  <a:off x="1746250" y="1098975"/>
+                  <a:ext cx="1174750" cy="330200"/>
+                </a:xfrm>
+                <a:prstGeom prst="ellipse">
+                  <a:avLst/>
+                </a:prstGeom>
+              </p:spPr>
+              <p:style>
+                <a:lnRef idx="2">
+                  <a:schemeClr val="accent1">
+                    <a:shade val="50000"/>
+                  </a:schemeClr>
+                </a:lnRef>
+                <a:fillRef idx="1">
+                  <a:schemeClr val="accent1"/>
+                </a:fillRef>
+                <a:effectRef idx="0">
+                  <a:schemeClr val="accent1"/>
+                </a:effectRef>
+                <a:fontRef idx="minor">
+                  <a:schemeClr val="lt1"/>
+                </a:fontRef>
+              </p:style>
+              <p:txBody>
+                <a:bodyPr rtlCol="0" anchor="ctr"/>
+                <a:lstStyle/>
+                <a:p>
+                  <a:pPr algn="ctr"/>
+                  <a:r>
+                    <a:rPr lang="ja-JP" altLang="en-US" sz="1600" dirty="0" smtClean="0"/>
+                    <a:t>外向</a:t>
+                  </a:r>
+                  <a:r>
+                    <a:rPr lang="en-US" altLang="ja-JP" sz="1600" dirty="0" smtClean="0"/>
+                    <a:t>:E</a:t>
+                  </a:r>
+                  <a:endParaRPr kumimoji="1" lang="ja-JP" altLang="en-US" sz="1600" dirty="0"/>
+                </a:p>
+              </p:txBody>
+            </p:sp>
+            <p:sp>
+              <p:nvSpPr>
+                <p:cNvPr id="33" name="テキスト ボックス 32"/>
                 <p:cNvSpPr txBox="1"/>
                 <p:nvPr/>
               </p:nvSpPr>
               <p:spPr>
                 <a:xfrm>
-                  <a:off x="701995" y="1069500"/>
-                  <a:ext cx="1444626" cy="353400"/>
+                  <a:off x="1381125" y="1029481"/>
+                  <a:ext cx="412750" cy="503491"/>
                 </a:xfrm>
                 <a:prstGeom prst="rect">
                   <a:avLst/>
@@ -5001,11 +4171,434 @@
                 </a:bodyPr>
                 <a:lstStyle/>
                 <a:p>
+                  <a:r>
+                    <a:rPr kumimoji="1" lang="en-US" altLang="ja-JP" dirty="0" smtClean="0"/>
+                    <a:t>or</a:t>
+                  </a:r>
+                  <a:endParaRPr kumimoji="1" lang="ja-JP" altLang="en-US" dirty="0"/>
+                </a:p>
+              </p:txBody>
+            </p:sp>
+          </p:grpSp>
+          <p:grpSp>
+            <p:nvGrpSpPr>
+              <p:cNvPr id="19" name="グループ化 18"/>
+              <p:cNvGrpSpPr/>
+              <p:nvPr/>
+            </p:nvGrpSpPr>
+            <p:grpSpPr>
+              <a:xfrm>
+                <a:off x="254000" y="1625947"/>
+                <a:ext cx="2341563" cy="345059"/>
+                <a:chOff x="254000" y="1015575"/>
+                <a:chExt cx="2667000" cy="503489"/>
+              </a:xfrm>
+            </p:grpSpPr>
+            <p:sp>
+              <p:nvSpPr>
+                <p:cNvPr id="28" name="円/楕円 27"/>
+                <p:cNvSpPr/>
+                <p:nvPr/>
+              </p:nvSpPr>
+              <p:spPr>
+                <a:xfrm>
+                  <a:off x="254000" y="1098976"/>
+                  <a:ext cx="1174750" cy="330200"/>
+                </a:xfrm>
+                <a:prstGeom prst="ellipse">
+                  <a:avLst/>
+                </a:prstGeom>
+              </p:spPr>
+              <p:style>
+                <a:lnRef idx="2">
+                  <a:schemeClr val="accent1">
+                    <a:shade val="50000"/>
+                  </a:schemeClr>
+                </a:lnRef>
+                <a:fillRef idx="1">
+                  <a:schemeClr val="accent1"/>
+                </a:fillRef>
+                <a:effectRef idx="0">
+                  <a:schemeClr val="accent1"/>
+                </a:effectRef>
+                <a:fontRef idx="minor">
+                  <a:schemeClr val="lt1"/>
+                </a:fontRef>
+              </p:style>
+              <p:txBody>
+                <a:bodyPr rtlCol="0" anchor="ctr"/>
+                <a:lstStyle/>
+                <a:p>
                   <a:pPr algn="ctr"/>
                   <a:r>
-                    <a:rPr kumimoji="1" lang="en-US" altLang="ja-JP" sz="1400" dirty="0" smtClean="0"/>
-                    <a:t>MBTI</a:t>
+                    <a:rPr lang="ja-JP" altLang="en-US" sz="1600" dirty="0"/>
+                    <a:t>感覚</a:t>
                   </a:r>
+                  <a:r>
+                    <a:rPr lang="en-US" altLang="ja-JP" sz="1600" dirty="0" smtClean="0"/>
+                    <a:t>:S</a:t>
+                  </a:r>
+                  <a:endParaRPr kumimoji="1" lang="ja-JP" altLang="en-US" sz="1600" dirty="0"/>
+                </a:p>
+              </p:txBody>
+            </p:sp>
+            <p:sp>
+              <p:nvSpPr>
+                <p:cNvPr id="29" name="円/楕円 28"/>
+                <p:cNvSpPr/>
+                <p:nvPr/>
+              </p:nvSpPr>
+              <p:spPr>
+                <a:xfrm>
+                  <a:off x="1746250" y="1098976"/>
+                  <a:ext cx="1174750" cy="330200"/>
+                </a:xfrm>
+                <a:prstGeom prst="ellipse">
+                  <a:avLst/>
+                </a:prstGeom>
+              </p:spPr>
+              <p:style>
+                <a:lnRef idx="2">
+                  <a:schemeClr val="accent1">
+                    <a:shade val="50000"/>
+                  </a:schemeClr>
+                </a:lnRef>
+                <a:fillRef idx="1">
+                  <a:schemeClr val="accent1"/>
+                </a:fillRef>
+                <a:effectRef idx="0">
+                  <a:schemeClr val="accent1"/>
+                </a:effectRef>
+                <a:fontRef idx="minor">
+                  <a:schemeClr val="lt1"/>
+                </a:fontRef>
+              </p:style>
+              <p:txBody>
+                <a:bodyPr rtlCol="0" anchor="ctr"/>
+                <a:lstStyle/>
+                <a:p>
+                  <a:pPr algn="ctr"/>
+                  <a:r>
+                    <a:rPr lang="ja-JP" altLang="en-US" sz="1600" dirty="0" smtClean="0"/>
+                    <a:t>直感</a:t>
+                  </a:r>
+                  <a:r>
+                    <a:rPr lang="en-US" altLang="ja-JP" sz="1600" dirty="0" smtClean="0"/>
+                    <a:t>:N</a:t>
+                  </a:r>
+                  <a:endParaRPr kumimoji="1" lang="ja-JP" altLang="en-US" sz="1600" dirty="0"/>
+                </a:p>
+              </p:txBody>
+            </p:sp>
+            <p:sp>
+              <p:nvSpPr>
+                <p:cNvPr id="30" name="テキスト ボックス 29"/>
+                <p:cNvSpPr txBox="1"/>
+                <p:nvPr/>
+              </p:nvSpPr>
+              <p:spPr>
+                <a:xfrm>
+                  <a:off x="1381125" y="1015575"/>
+                  <a:ext cx="412750" cy="503489"/>
+                </a:xfrm>
+                <a:prstGeom prst="rect">
+                  <a:avLst/>
+                </a:prstGeom>
+                <a:noFill/>
+              </p:spPr>
+              <p:txBody>
+                <a:bodyPr wrap="square" rtlCol="0">
+                  <a:spAutoFit/>
+                </a:bodyPr>
+                <a:lstStyle/>
+                <a:p>
+                  <a:r>
+                    <a:rPr kumimoji="1" lang="en-US" altLang="ja-JP" dirty="0" smtClean="0"/>
+                    <a:t>or</a:t>
+                  </a:r>
+                  <a:endParaRPr kumimoji="1" lang="ja-JP" altLang="en-US" dirty="0"/>
+                </a:p>
+              </p:txBody>
+            </p:sp>
+          </p:grpSp>
+          <p:grpSp>
+            <p:nvGrpSpPr>
+              <p:cNvPr id="20" name="グループ化 19"/>
+              <p:cNvGrpSpPr/>
+              <p:nvPr/>
+            </p:nvGrpSpPr>
+            <p:grpSpPr>
+              <a:xfrm>
+                <a:off x="254000" y="1937768"/>
+                <a:ext cx="2341563" cy="345059"/>
+                <a:chOff x="254000" y="1029477"/>
+                <a:chExt cx="2667000" cy="503494"/>
+              </a:xfrm>
+            </p:grpSpPr>
+            <p:sp>
+              <p:nvSpPr>
+                <p:cNvPr id="25" name="円/楕円 24"/>
+                <p:cNvSpPr/>
+                <p:nvPr/>
+              </p:nvSpPr>
+              <p:spPr>
+                <a:xfrm>
+                  <a:off x="254000" y="1098977"/>
+                  <a:ext cx="1174750" cy="330201"/>
+                </a:xfrm>
+                <a:prstGeom prst="ellipse">
+                  <a:avLst/>
+                </a:prstGeom>
+              </p:spPr>
+              <p:style>
+                <a:lnRef idx="2">
+                  <a:schemeClr val="accent1">
+                    <a:shade val="50000"/>
+                  </a:schemeClr>
+                </a:lnRef>
+                <a:fillRef idx="1">
+                  <a:schemeClr val="accent1"/>
+                </a:fillRef>
+                <a:effectRef idx="0">
+                  <a:schemeClr val="accent1"/>
+                </a:effectRef>
+                <a:fontRef idx="minor">
+                  <a:schemeClr val="lt1"/>
+                </a:fontRef>
+              </p:style>
+              <p:txBody>
+                <a:bodyPr rtlCol="0" anchor="ctr"/>
+                <a:lstStyle/>
+                <a:p>
+                  <a:pPr algn="ctr"/>
+                  <a:r>
+                    <a:rPr lang="ja-JP" altLang="en-US" sz="1600" dirty="0"/>
+                    <a:t>思考</a:t>
+                  </a:r>
+                  <a:r>
+                    <a:rPr lang="en-US" altLang="ja-JP" sz="1600" dirty="0" smtClean="0"/>
+                    <a:t>:T</a:t>
+                  </a:r>
+                  <a:endParaRPr kumimoji="1" lang="ja-JP" altLang="en-US" sz="1600" dirty="0"/>
+                </a:p>
+              </p:txBody>
+            </p:sp>
+            <p:sp>
+              <p:nvSpPr>
+                <p:cNvPr id="26" name="円/楕円 25"/>
+                <p:cNvSpPr/>
+                <p:nvPr/>
+              </p:nvSpPr>
+              <p:spPr>
+                <a:xfrm>
+                  <a:off x="1746250" y="1098977"/>
+                  <a:ext cx="1174750" cy="330199"/>
+                </a:xfrm>
+                <a:prstGeom prst="ellipse">
+                  <a:avLst/>
+                </a:prstGeom>
+              </p:spPr>
+              <p:style>
+                <a:lnRef idx="2">
+                  <a:schemeClr val="accent1">
+                    <a:shade val="50000"/>
+                  </a:schemeClr>
+                </a:lnRef>
+                <a:fillRef idx="1">
+                  <a:schemeClr val="accent1"/>
+                </a:fillRef>
+                <a:effectRef idx="0">
+                  <a:schemeClr val="accent1"/>
+                </a:effectRef>
+                <a:fontRef idx="minor">
+                  <a:schemeClr val="lt1"/>
+                </a:fontRef>
+              </p:style>
+              <p:txBody>
+                <a:bodyPr rtlCol="0" anchor="ctr"/>
+                <a:lstStyle/>
+                <a:p>
+                  <a:pPr algn="ctr"/>
+                  <a:r>
+                    <a:rPr lang="ja-JP" altLang="en-US" sz="1600" dirty="0"/>
+                    <a:t>感情</a:t>
+                  </a:r>
+                  <a:r>
+                    <a:rPr lang="en-US" altLang="ja-JP" sz="1600" dirty="0" smtClean="0"/>
+                    <a:t>:F</a:t>
+                  </a:r>
+                  <a:endParaRPr kumimoji="1" lang="ja-JP" altLang="en-US" sz="1600" dirty="0"/>
+                </a:p>
+              </p:txBody>
+            </p:sp>
+            <p:sp>
+              <p:nvSpPr>
+                <p:cNvPr id="27" name="テキスト ボックス 26"/>
+                <p:cNvSpPr txBox="1"/>
+                <p:nvPr/>
+              </p:nvSpPr>
+              <p:spPr>
+                <a:xfrm>
+                  <a:off x="1381125" y="1029477"/>
+                  <a:ext cx="412750" cy="503494"/>
+                </a:xfrm>
+                <a:prstGeom prst="rect">
+                  <a:avLst/>
+                </a:prstGeom>
+                <a:noFill/>
+              </p:spPr>
+              <p:txBody>
+                <a:bodyPr wrap="square" rtlCol="0">
+                  <a:spAutoFit/>
+                </a:bodyPr>
+                <a:lstStyle/>
+                <a:p>
+                  <a:r>
+                    <a:rPr kumimoji="1" lang="en-US" altLang="ja-JP" dirty="0" smtClean="0"/>
+                    <a:t>or</a:t>
+                  </a:r>
+                  <a:endParaRPr kumimoji="1" lang="ja-JP" altLang="en-US" dirty="0"/>
+                </a:p>
+              </p:txBody>
+            </p:sp>
+          </p:grpSp>
+          <p:grpSp>
+            <p:nvGrpSpPr>
+              <p:cNvPr id="21" name="グループ化 20"/>
+              <p:cNvGrpSpPr/>
+              <p:nvPr/>
+            </p:nvGrpSpPr>
+            <p:grpSpPr>
+              <a:xfrm>
+                <a:off x="254000" y="2240058"/>
+                <a:ext cx="2341563" cy="345059"/>
+                <a:chOff x="254000" y="1015570"/>
+                <a:chExt cx="2667000" cy="503497"/>
+              </a:xfrm>
+            </p:grpSpPr>
+            <p:sp>
+              <p:nvSpPr>
+                <p:cNvPr id="22" name="円/楕円 21"/>
+                <p:cNvSpPr/>
+                <p:nvPr/>
+              </p:nvSpPr>
+              <p:spPr>
+                <a:xfrm>
+                  <a:off x="254000" y="1098972"/>
+                  <a:ext cx="1174750" cy="330199"/>
+                </a:xfrm>
+                <a:prstGeom prst="ellipse">
+                  <a:avLst/>
+                </a:prstGeom>
+              </p:spPr>
+              <p:style>
+                <a:lnRef idx="2">
+                  <a:schemeClr val="accent1">
+                    <a:shade val="50000"/>
+                  </a:schemeClr>
+                </a:lnRef>
+                <a:fillRef idx="1">
+                  <a:schemeClr val="accent1"/>
+                </a:fillRef>
+                <a:effectRef idx="0">
+                  <a:schemeClr val="accent1"/>
+                </a:effectRef>
+                <a:fontRef idx="minor">
+                  <a:schemeClr val="lt1"/>
+                </a:fontRef>
+              </p:style>
+              <p:txBody>
+                <a:bodyPr rtlCol="0" anchor="ctr"/>
+                <a:lstStyle/>
+                <a:p>
+                  <a:pPr algn="ctr"/>
+                  <a:r>
+                    <a:rPr lang="ja-JP" altLang="en-US" sz="1600" dirty="0"/>
+                    <a:t>規則</a:t>
+                  </a:r>
+                  <a:r>
+                    <a:rPr lang="en-US" altLang="ja-JP" sz="1600" dirty="0" smtClean="0"/>
+                    <a:t>:J</a:t>
+                  </a:r>
+                  <a:endParaRPr kumimoji="1" lang="ja-JP" altLang="en-US" sz="1600" dirty="0"/>
+                </a:p>
+              </p:txBody>
+            </p:sp>
+            <p:sp>
+              <p:nvSpPr>
+                <p:cNvPr id="23" name="円/楕円 22"/>
+                <p:cNvSpPr/>
+                <p:nvPr/>
+              </p:nvSpPr>
+              <p:spPr>
+                <a:xfrm>
+                  <a:off x="1746250" y="1098972"/>
+                  <a:ext cx="1174750" cy="330199"/>
+                </a:xfrm>
+                <a:prstGeom prst="ellipse">
+                  <a:avLst/>
+                </a:prstGeom>
+              </p:spPr>
+              <p:style>
+                <a:lnRef idx="2">
+                  <a:schemeClr val="accent1">
+                    <a:shade val="50000"/>
+                  </a:schemeClr>
+                </a:lnRef>
+                <a:fillRef idx="1">
+                  <a:schemeClr val="accent1"/>
+                </a:fillRef>
+                <a:effectRef idx="0">
+                  <a:schemeClr val="accent1"/>
+                </a:effectRef>
+                <a:fontRef idx="minor">
+                  <a:schemeClr val="lt1"/>
+                </a:fontRef>
+              </p:style>
+              <p:txBody>
+                <a:bodyPr rtlCol="0" anchor="ctr"/>
+                <a:lstStyle/>
+                <a:p>
+                  <a:pPr algn="ctr"/>
+                  <a:r>
+                    <a:rPr lang="ja-JP" altLang="en-US" sz="1600" dirty="0" smtClean="0"/>
+                    <a:t>柔軟</a:t>
+                  </a:r>
+                  <a:r>
+                    <a:rPr lang="en-US" altLang="ja-JP" sz="1600" dirty="0" smtClean="0"/>
+                    <a:t>:P</a:t>
+                  </a:r>
+                  <a:endParaRPr kumimoji="1" lang="ja-JP" altLang="en-US" sz="1600" dirty="0"/>
+                </a:p>
+              </p:txBody>
+            </p:sp>
+            <p:sp>
+              <p:nvSpPr>
+                <p:cNvPr id="24" name="テキスト ボックス 23"/>
+                <p:cNvSpPr txBox="1"/>
+                <p:nvPr/>
+              </p:nvSpPr>
+              <p:spPr>
+                <a:xfrm>
+                  <a:off x="1381125" y="1015570"/>
+                  <a:ext cx="412750" cy="503497"/>
+                </a:xfrm>
+                <a:prstGeom prst="rect">
+                  <a:avLst/>
+                </a:prstGeom>
+                <a:noFill/>
+              </p:spPr>
+              <p:txBody>
+                <a:bodyPr wrap="square" rtlCol="0">
+                  <a:spAutoFit/>
+                </a:bodyPr>
+                <a:lstStyle/>
+                <a:p>
+                  <a:r>
+                    <a:rPr kumimoji="1" lang="en-US" altLang="ja-JP" dirty="0" smtClean="0"/>
+                    <a:t>or</a:t>
+                  </a:r>
+                  <a:endParaRPr kumimoji="1" lang="ja-JP" altLang="en-US" dirty="0"/>
                 </a:p>
               </p:txBody>
             </p:sp>
@@ -5013,14 +4606,14 @@
         </p:grpSp>
         <p:sp>
           <p:nvSpPr>
-            <p:cNvPr id="61" name="テキスト ボックス 60"/>
+            <p:cNvPr id="17" name="テキスト ボックス 16"/>
             <p:cNvSpPr txBox="1"/>
             <p:nvPr/>
           </p:nvSpPr>
           <p:spPr>
             <a:xfrm>
-              <a:off x="3778504" y="3008992"/>
-              <a:ext cx="2155642" cy="307777"/>
+              <a:off x="696993" y="982519"/>
+              <a:ext cx="1444626" cy="373815"/>
             </a:xfrm>
             <a:prstGeom prst="rect">
               <a:avLst/>
@@ -5035,30 +4628,9 @@
             <a:p>
               <a:pPr algn="ctr"/>
               <a:r>
-                <a:rPr kumimoji="1" lang="ja-JP" altLang="en-US" sz="1400" dirty="0" smtClean="0"/>
-                <a:t>の</a:t>
+                <a:rPr kumimoji="1" lang="en-US" altLang="ja-JP" sz="2000" dirty="0" smtClean="0"/>
+                <a:t>MBTI</a:t>
               </a:r>
-              <a:r>
-                <a:rPr kumimoji="1" lang="en-US" altLang="ja-JP" sz="1400" dirty="0" smtClean="0"/>
-                <a:t>4</a:t>
-              </a:r>
-              <a:r>
-                <a:rPr kumimoji="1" lang="ja-JP" altLang="en-US" sz="1400" dirty="0" smtClean="0"/>
-                <a:t>指標</a:t>
-              </a:r>
-              <a:r>
-                <a:rPr lang="ja-JP" altLang="en-US" sz="1400" dirty="0" smtClean="0"/>
-                <a:t>で</a:t>
-              </a:r>
-              <a:r>
-                <a:rPr lang="en-US" altLang="ja-JP" sz="1400" dirty="0" smtClean="0"/>
-                <a:t>16</a:t>
-              </a:r>
-              <a:r>
-                <a:rPr lang="ja-JP" altLang="en-US" sz="1400" dirty="0" smtClean="0"/>
-                <a:t>タイプに分類</a:t>
-              </a:r>
-              <a:endParaRPr kumimoji="1" lang="ja-JP" altLang="en-US" sz="1400" dirty="0"/>
             </a:p>
           </p:txBody>
         </p:sp>
@@ -5072,13 +4644,13 @@
           <p:nvPr>
             <p:extLst>
               <p:ext uri="{D42A27DB-BD31-4B8C-83A1-F6EECF244321}">
-                <p14:modId xmlns:p14="http://schemas.microsoft.com/office/powerpoint/2010/main" val="1699153092"/>
+                <p14:modId xmlns:p14="http://schemas.microsoft.com/office/powerpoint/2010/main" val="910488595"/>
               </p:ext>
             </p:extLst>
           </p:nvPr>
         </p:nvGraphicFramePr>
         <p:xfrm>
-          <a:off x="223476" y="5709558"/>
+          <a:off x="1479031" y="7406600"/>
           <a:ext cx="1346200" cy="708660"/>
         </p:xfrm>
         <a:graphic>
@@ -5103,6 +4675,8 @@
                       <a:r>
                         <a:rPr lang="ja-JP" altLang="en-US" sz="1100" u="none" strike="noStrike" dirty="0">
                           <a:effectLst/>
+                          <a:latin typeface="+mn-ea"/>
+                          <a:ea typeface="+mn-ea"/>
                         </a:rPr>
                         <a:t>集計表</a:t>
                       </a:r>
@@ -5111,8 +4685,8 @@
                           <a:srgbClr val="000000"/>
                         </a:solidFill>
                         <a:effectLst/>
-                        <a:latin typeface="ＭＳ Ｐゴシック" panose="020B0600070205080204" pitchFamily="50" charset="-128"/>
-                        <a:ea typeface="ＭＳ Ｐゴシック" panose="020B0600070205080204" pitchFamily="50" charset="-128"/>
+                        <a:latin typeface="+mn-ea"/>
+                        <a:ea typeface="+mn-ea"/>
                       </a:endParaRPr>
                     </a:p>
                   </a:txBody>
@@ -5127,6 +4701,8 @@
                       <a:r>
                         <a:rPr lang="en-US" sz="1100" u="none" strike="noStrike">
                           <a:effectLst/>
+                          <a:latin typeface="+mn-ea"/>
+                          <a:ea typeface="+mn-ea"/>
                         </a:rPr>
                         <a:t>T</a:t>
                       </a:r>
@@ -5135,8 +4711,8 @@
                           <a:srgbClr val="000000"/>
                         </a:solidFill>
                         <a:effectLst/>
-                        <a:latin typeface="ＭＳ Ｐゴシック" panose="020B0600070205080204" pitchFamily="50" charset="-128"/>
-                        <a:ea typeface="ＭＳ Ｐゴシック" panose="020B0600070205080204" pitchFamily="50" charset="-128"/>
+                        <a:latin typeface="+mn-ea"/>
+                        <a:ea typeface="+mn-ea"/>
                       </a:endParaRPr>
                     </a:p>
                   </a:txBody>
@@ -5151,6 +4727,8 @@
                       <a:r>
                         <a:rPr lang="en-US" sz="1100" u="none" strike="noStrike">
                           <a:effectLst/>
+                          <a:latin typeface="+mn-ea"/>
+                          <a:ea typeface="+mn-ea"/>
                         </a:rPr>
                         <a:t>F</a:t>
                       </a:r>
@@ -5159,8 +4737,8 @@
                           <a:srgbClr val="000000"/>
                         </a:solidFill>
                         <a:effectLst/>
-                        <a:latin typeface="ＭＳ Ｐゴシック" panose="020B0600070205080204" pitchFamily="50" charset="-128"/>
-                        <a:ea typeface="ＭＳ Ｐゴシック" panose="020B0600070205080204" pitchFamily="50" charset="-128"/>
+                        <a:latin typeface="+mn-ea"/>
+                        <a:ea typeface="+mn-ea"/>
                       </a:endParaRPr>
                     </a:p>
                   </a:txBody>
@@ -5175,6 +4753,8 @@
                       <a:r>
                         <a:rPr lang="ja-JP" altLang="en-US" sz="1100" u="none" strike="noStrike">
                           <a:effectLst/>
+                          <a:latin typeface="+mn-ea"/>
+                          <a:ea typeface="+mn-ea"/>
                         </a:rPr>
                         <a:t>計</a:t>
                       </a:r>
@@ -5183,106 +4763,8 @@
                           <a:srgbClr val="000000"/>
                         </a:solidFill>
                         <a:effectLst/>
-                        <a:latin typeface="ＭＳ Ｐゴシック" panose="020B0600070205080204" pitchFamily="50" charset="-128"/>
-                        <a:ea typeface="ＭＳ Ｐゴシック" panose="020B0600070205080204" pitchFamily="50" charset="-128"/>
-                      </a:endParaRPr>
-                    </a:p>
-                  </a:txBody>
-                  <a:tcPr marL="9525" marR="9525" marT="9525" marB="0" anchor="ctr"/>
-                </a:tc>
-              </a:tr>
-              <a:tr h="171450">
-                <a:tc>
-                  <a:txBody>
-                    <a:bodyPr/>
-                    <a:lstStyle/>
-                    <a:p>
-                      <a:pPr algn="l" fontAlgn="ctr"/>
-                      <a:r>
-                        <a:rPr lang="ja-JP" altLang="en-US" sz="1100" u="none" strike="noStrike">
-                          <a:effectLst/>
-                        </a:rPr>
-                        <a:t>はい</a:t>
-                      </a:r>
-                      <a:endParaRPr lang="ja-JP" altLang="en-US" sz="1100" b="0" i="0" u="none" strike="noStrike">
-                        <a:solidFill>
-                          <a:srgbClr val="000000"/>
-                        </a:solidFill>
-                        <a:effectLst/>
-                        <a:latin typeface="ＭＳ Ｐゴシック" panose="020B0600070205080204" pitchFamily="50" charset="-128"/>
-                        <a:ea typeface="ＭＳ Ｐゴシック" panose="020B0600070205080204" pitchFamily="50" charset="-128"/>
-                      </a:endParaRPr>
-                    </a:p>
-                  </a:txBody>
-                  <a:tcPr marL="9525" marR="9525" marT="9525" marB="0" anchor="ctr"/>
-                </a:tc>
-                <a:tc>
-                  <a:txBody>
-                    <a:bodyPr/>
-                    <a:lstStyle/>
-                    <a:p>
-                      <a:pPr algn="r" fontAlgn="ctr"/>
-                      <a:r>
-                        <a:rPr lang="en-US" altLang="ja-JP" sz="1100" u="none" strike="noStrike">
-                          <a:effectLst/>
-                        </a:rPr>
-                        <a:t>18</a:t>
-                      </a:r>
-                      <a:endParaRPr lang="en-US" altLang="ja-JP" sz="1100" b="0" i="0" u="none" strike="noStrike">
-                        <a:solidFill>
-                          <a:srgbClr val="000000"/>
-                        </a:solidFill>
-                        <a:effectLst/>
-                        <a:latin typeface="ＭＳ Ｐゴシック" panose="020B0600070205080204" pitchFamily="50" charset="-128"/>
-                        <a:ea typeface="ＭＳ Ｐゴシック" panose="020B0600070205080204" pitchFamily="50" charset="-128"/>
-                      </a:endParaRPr>
-                    </a:p>
-                  </a:txBody>
-                  <a:tcPr marL="9525" marR="9525" marT="9525" marB="0" anchor="ctr"/>
-                </a:tc>
-                <a:tc>
-                  <a:txBody>
-                    <a:bodyPr/>
-                    <a:lstStyle/>
-                    <a:p>
-                      <a:pPr algn="r" fontAlgn="ctr"/>
-                      <a:r>
-                        <a:rPr lang="en-US" altLang="ja-JP" sz="1100" u="none" strike="noStrike">
-                          <a:effectLst/>
-                        </a:rPr>
-                        <a:t>16</a:t>
-                      </a:r>
-                      <a:endParaRPr lang="en-US" altLang="ja-JP" sz="1100" b="0" i="0" u="none" strike="noStrike">
-                        <a:solidFill>
-                          <a:srgbClr val="000000"/>
-                        </a:solidFill>
-                        <a:effectLst/>
-                        <a:latin typeface="ＭＳ Ｐゴシック" panose="020B0600070205080204" pitchFamily="50" charset="-128"/>
-                        <a:ea typeface="ＭＳ Ｐゴシック" panose="020B0600070205080204" pitchFamily="50" charset="-128"/>
-                      </a:endParaRPr>
-                    </a:p>
-                  </a:txBody>
-                  <a:tcPr marL="9525" marR="9525" marT="9525" marB="0" anchor="ctr"/>
-                </a:tc>
-                <a:tc>
-                  <a:txBody>
-                    <a:bodyPr/>
-                    <a:lstStyle/>
-                    <a:p>
-                      <a:pPr algn="r" fontAlgn="ctr"/>
-                      <a:r>
-                        <a:rPr lang="en-US" altLang="ja-JP" sz="1100" u="none" strike="noStrike">
-                          <a:effectLst/>
-                        </a:rPr>
-                        <a:t>34</a:t>
-                      </a:r>
-                      <a:endParaRPr lang="en-US" altLang="ja-JP" sz="1100" b="0" i="0" u="none" strike="noStrike">
-                        <a:solidFill>
-                          <a:srgbClr val="000000"/>
-                        </a:solidFill>
-                        <a:effectLst/>
-                        <a:latin typeface="ＭＳ Ｐゴシック" panose="020B0600070205080204" pitchFamily="50" charset="-128"/>
-                        <a:ea typeface="ＭＳ Ｐゴシック" panose="020B0600070205080204" pitchFamily="50" charset="-128"/>
+                        <a:latin typeface="+mn-ea"/>
+                        <a:ea typeface="+mn-ea"/>
                       </a:endParaRPr>
                     </a:p>
                   </a:txBody>
@@ -5299,64 +4781,18 @@
                       <a:r>
                         <a:rPr lang="ja-JP" altLang="en-US" sz="1100" u="none" strike="noStrike" dirty="0">
                           <a:effectLst/>
+                          <a:latin typeface="+mn-ea"/>
+                          <a:ea typeface="+mn-ea"/>
                         </a:rPr>
-                        <a:t>いいえ</a:t>
+                        <a:t>はい</a:t>
                       </a:r>
                       <a:endParaRPr lang="ja-JP" altLang="en-US" sz="1100" b="0" i="0" u="none" strike="noStrike" dirty="0">
                         <a:solidFill>
                           <a:srgbClr val="000000"/>
                         </a:solidFill>
                         <a:effectLst/>
-                        <a:latin typeface="ＭＳ Ｐゴシック" panose="020B0600070205080204" pitchFamily="50" charset="-128"/>
-                        <a:ea typeface="ＭＳ Ｐゴシック" panose="020B0600070205080204" pitchFamily="50" charset="-128"/>
-                      </a:endParaRPr>
-                    </a:p>
-                  </a:txBody>
-                  <a:tcPr marL="9525" marR="9525" marT="9525" marB="0" anchor="ctr"/>
-                </a:tc>
-                <a:tc>
-                  <a:txBody>
-                    <a:bodyPr/>
-                    <a:lstStyle/>
-                    <a:p>
-                      <a:pPr algn="r" fontAlgn="ctr"/>
-                      <a:r>
-                        <a:rPr lang="en-US" altLang="ja-JP" sz="1100" u="none" strike="noStrike">
-                          <a:effectLst/>
-                        </a:rPr>
-                        <a:t>0</a:t>
-                      </a:r>
-                      <a:endParaRPr lang="en-US" altLang="ja-JP" sz="1100" b="0" i="0" u="none" strike="noStrike">
-                        <a:solidFill>
-                          <a:srgbClr val="000000"/>
-                        </a:solidFill>
-                        <a:effectLst/>
-                        <a:latin typeface="ＭＳ Ｐゴシック" panose="020B0600070205080204" pitchFamily="50" charset="-128"/>
-                        <a:ea typeface="ＭＳ Ｐゴシック" panose="020B0600070205080204" pitchFamily="50" charset="-128"/>
-                      </a:endParaRPr>
-                    </a:p>
-                  </a:txBody>
-                  <a:tcPr marL="9525" marR="9525" marT="9525" marB="0" anchor="ctr"/>
-                </a:tc>
-                <a:tc>
-                  <a:txBody>
-                    <a:bodyPr/>
-                    <a:lstStyle/>
-                    <a:p>
-                      <a:pPr algn="r" fontAlgn="ctr"/>
-                      <a:r>
-                        <a:rPr lang="en-US" altLang="ja-JP" sz="1100" u="none" strike="noStrike">
-                          <a:effectLst/>
-                        </a:rPr>
-                        <a:t>4</a:t>
-                      </a:r>
-                      <a:endParaRPr lang="en-US" altLang="ja-JP" sz="1100" b="0" i="0" u="none" strike="noStrike">
-                        <a:solidFill>
-                          <a:srgbClr val="000000"/>
-                        </a:solidFill>
-                        <a:effectLst/>
-                        <a:latin typeface="ＭＳ Ｐゴシック" panose="020B0600070205080204" pitchFamily="50" charset="-128"/>
-                        <a:ea typeface="ＭＳ Ｐゴシック" panose="020B0600070205080204" pitchFamily="50" charset="-128"/>
+                        <a:latin typeface="+mn-ea"/>
+                        <a:ea typeface="+mn-ea"/>
                       </a:endParaRPr>
                     </a:p>
                   </a:txBody>
@@ -5371,6 +4807,140 @@
                       <a:r>
                         <a:rPr lang="en-US" altLang="ja-JP" sz="1100" u="none" strike="noStrike" dirty="0">
                           <a:effectLst/>
+                          <a:latin typeface="+mn-ea"/>
+                          <a:ea typeface="+mn-ea"/>
+                        </a:rPr>
+                        <a:t>18</a:t>
+                      </a:r>
+                      <a:endParaRPr lang="en-US" altLang="ja-JP" sz="1100" b="0" i="0" u="none" strike="noStrike" dirty="0">
+                        <a:solidFill>
+                          <a:srgbClr val="000000"/>
+                        </a:solidFill>
+                        <a:effectLst/>
+                        <a:latin typeface="+mn-ea"/>
+                        <a:ea typeface="+mn-ea"/>
+                      </a:endParaRPr>
+                    </a:p>
+                  </a:txBody>
+                  <a:tcPr marL="9525" marR="9525" marT="9525" marB="0" anchor="ctr"/>
+                </a:tc>
+                <a:tc>
+                  <a:txBody>
+                    <a:bodyPr/>
+                    <a:lstStyle/>
+                    <a:p>
+                      <a:pPr algn="r" fontAlgn="ctr"/>
+                      <a:r>
+                        <a:rPr lang="en-US" altLang="ja-JP" sz="1100" u="none" strike="noStrike" dirty="0">
+                          <a:effectLst/>
+                          <a:latin typeface="+mn-ea"/>
+                          <a:ea typeface="+mn-ea"/>
+                        </a:rPr>
+                        <a:t>16</a:t>
+                      </a:r>
+                      <a:endParaRPr lang="en-US" altLang="ja-JP" sz="1100" b="0" i="0" u="none" strike="noStrike" dirty="0">
+                        <a:solidFill>
+                          <a:srgbClr val="000000"/>
+                        </a:solidFill>
+                        <a:effectLst/>
+                        <a:latin typeface="+mn-ea"/>
+                        <a:ea typeface="+mn-ea"/>
+                      </a:endParaRPr>
+                    </a:p>
+                  </a:txBody>
+                  <a:tcPr marL="9525" marR="9525" marT="9525" marB="0" anchor="ctr"/>
+                </a:tc>
+                <a:tc>
+                  <a:txBody>
+                    <a:bodyPr/>
+                    <a:lstStyle/>
+                    <a:p>
+                      <a:pPr algn="r" fontAlgn="ctr"/>
+                      <a:r>
+                        <a:rPr lang="en-US" altLang="ja-JP" sz="1100" u="none" strike="noStrike" dirty="0">
+                          <a:effectLst/>
+                          <a:latin typeface="+mn-ea"/>
+                          <a:ea typeface="+mn-ea"/>
+                        </a:rPr>
+                        <a:t>34</a:t>
+                      </a:r>
+                      <a:endParaRPr lang="en-US" altLang="ja-JP" sz="1100" b="0" i="0" u="none" strike="noStrike" dirty="0">
+                        <a:solidFill>
+                          <a:srgbClr val="000000"/>
+                        </a:solidFill>
+                        <a:effectLst/>
+                        <a:latin typeface="+mn-ea"/>
+                        <a:ea typeface="+mn-ea"/>
+                      </a:endParaRPr>
+                    </a:p>
+                  </a:txBody>
+                  <a:tcPr marL="9525" marR="9525" marT="9525" marB="0" anchor="ctr"/>
+                </a:tc>
+              </a:tr>
+              <a:tr h="171450">
+                <a:tc>
+                  <a:txBody>
+                    <a:bodyPr/>
+                    <a:lstStyle/>
+                    <a:p>
+                      <a:pPr algn="l" fontAlgn="ctr"/>
+                      <a:r>
+                        <a:rPr lang="ja-JP" altLang="en-US" sz="1100" u="none" strike="noStrike" dirty="0">
+                          <a:effectLst/>
+                          <a:latin typeface="+mn-ea"/>
+                          <a:ea typeface="+mn-ea"/>
+                        </a:rPr>
+                        <a:t>いいえ</a:t>
+                      </a:r>
+                      <a:endParaRPr lang="ja-JP" altLang="en-US" sz="1100" b="0" i="0" u="none" strike="noStrike" dirty="0">
+                        <a:solidFill>
+                          <a:srgbClr val="000000"/>
+                        </a:solidFill>
+                        <a:effectLst/>
+                        <a:latin typeface="+mn-ea"/>
+                        <a:ea typeface="+mn-ea"/>
+                      </a:endParaRPr>
+                    </a:p>
+                  </a:txBody>
+                  <a:tcPr marL="9525" marR="9525" marT="9525" marB="0" anchor="ctr"/>
+                </a:tc>
+                <a:tc>
+                  <a:txBody>
+                    <a:bodyPr/>
+                    <a:lstStyle/>
+                    <a:p>
+                      <a:pPr algn="r" fontAlgn="ctr"/>
+                      <a:r>
+                        <a:rPr lang="en-US" altLang="ja-JP" sz="1100" u="none" strike="noStrike" dirty="0">
+                          <a:effectLst/>
+                          <a:latin typeface="+mn-ea"/>
+                          <a:ea typeface="+mn-ea"/>
+                        </a:rPr>
+                        <a:t>0</a:t>
+                      </a:r>
+                      <a:endParaRPr lang="en-US" altLang="ja-JP" sz="1100" b="0" i="0" u="none" strike="noStrike" dirty="0">
+                        <a:solidFill>
+                          <a:srgbClr val="000000"/>
+                        </a:solidFill>
+                        <a:effectLst/>
+                        <a:latin typeface="+mn-ea"/>
+                        <a:ea typeface="+mn-ea"/>
+                      </a:endParaRPr>
+                    </a:p>
+                  </a:txBody>
+                  <a:tcPr marL="9525" marR="9525" marT="9525" marB="0" anchor="ctr"/>
+                </a:tc>
+                <a:tc>
+                  <a:txBody>
+                    <a:bodyPr/>
+                    <a:lstStyle/>
+                    <a:p>
+                      <a:pPr algn="r" fontAlgn="ctr"/>
+                      <a:r>
+                        <a:rPr lang="en-US" altLang="ja-JP" sz="1100" u="none" strike="noStrike" dirty="0">
+                          <a:effectLst/>
+                          <a:latin typeface="+mn-ea"/>
+                          <a:ea typeface="+mn-ea"/>
                         </a:rPr>
                         <a:t>4</a:t>
                       </a:r>
@@ -5379,8 +4949,34 @@
                           <a:srgbClr val="000000"/>
                         </a:solidFill>
                         <a:effectLst/>
-                        <a:latin typeface="ＭＳ Ｐゴシック" panose="020B0600070205080204" pitchFamily="50" charset="-128"/>
-                        <a:ea typeface="ＭＳ Ｐゴシック" panose="020B0600070205080204" pitchFamily="50" charset="-128"/>
+                        <a:latin typeface="+mn-ea"/>
+                        <a:ea typeface="+mn-ea"/>
+                      </a:endParaRPr>
+                    </a:p>
+                  </a:txBody>
+                  <a:tcPr marL="9525" marR="9525" marT="9525" marB="0" anchor="ctr"/>
+                </a:tc>
+                <a:tc>
+                  <a:txBody>
+                    <a:bodyPr/>
+                    <a:lstStyle/>
+                    <a:p>
+                      <a:pPr algn="r" fontAlgn="ctr"/>
+                      <a:r>
+                        <a:rPr lang="en-US" altLang="ja-JP" sz="1100" u="none" strike="noStrike" dirty="0">
+                          <a:effectLst/>
+                          <a:latin typeface="+mn-ea"/>
+                          <a:ea typeface="+mn-ea"/>
+                        </a:rPr>
+                        <a:t>4</a:t>
+                      </a:r>
+                      <a:endParaRPr lang="en-US" altLang="ja-JP" sz="1100" b="0" i="0" u="none" strike="noStrike" dirty="0">
+                        <a:solidFill>
+                          <a:srgbClr val="000000"/>
+                        </a:solidFill>
+                        <a:effectLst/>
+                        <a:latin typeface="+mn-ea"/>
+                        <a:ea typeface="+mn-ea"/>
                       </a:endParaRPr>
                     </a:p>
                   </a:txBody>
@@ -5397,6 +4993,8 @@
                       <a:r>
                         <a:rPr lang="ja-JP" altLang="en-US" sz="1100" u="none" strike="noStrike">
                           <a:effectLst/>
+                          <a:latin typeface="+mn-ea"/>
+                          <a:ea typeface="+mn-ea"/>
                         </a:rPr>
                         <a:t>計</a:t>
                       </a:r>
@@ -5405,8 +5003,8 @@
                           <a:srgbClr val="000000"/>
                         </a:solidFill>
                         <a:effectLst/>
-                        <a:latin typeface="ＭＳ Ｐゴシック" panose="020B0600070205080204" pitchFamily="50" charset="-128"/>
-                        <a:ea typeface="ＭＳ Ｐゴシック" panose="020B0600070205080204" pitchFamily="50" charset="-128"/>
+                        <a:latin typeface="+mn-ea"/>
+                        <a:ea typeface="+mn-ea"/>
                       </a:endParaRPr>
                     </a:p>
                   </a:txBody>
@@ -5421,6 +5019,8 @@
                       <a:r>
                         <a:rPr lang="en-US" altLang="ja-JP" sz="1100" u="none" strike="noStrike">
                           <a:effectLst/>
+                          <a:latin typeface="+mn-ea"/>
+                          <a:ea typeface="+mn-ea"/>
                         </a:rPr>
                         <a:t>18</a:t>
                       </a:r>
@@ -5429,8 +5029,8 @@
                           <a:srgbClr val="000000"/>
                         </a:solidFill>
                         <a:effectLst/>
-                        <a:latin typeface="ＭＳ Ｐゴシック" panose="020B0600070205080204" pitchFamily="50" charset="-128"/>
-                        <a:ea typeface="ＭＳ Ｐゴシック" panose="020B0600070205080204" pitchFamily="50" charset="-128"/>
+                        <a:latin typeface="+mn-ea"/>
+                        <a:ea typeface="+mn-ea"/>
                       </a:endParaRPr>
                     </a:p>
                   </a:txBody>
@@ -5445,6 +5045,8 @@
                       <a:r>
                         <a:rPr lang="en-US" altLang="ja-JP" sz="1100" u="none" strike="noStrike">
                           <a:effectLst/>
+                          <a:latin typeface="+mn-ea"/>
+                          <a:ea typeface="+mn-ea"/>
                         </a:rPr>
                         <a:t>20</a:t>
                       </a:r>
@@ -5453,8 +5055,8 @@
                           <a:srgbClr val="000000"/>
                         </a:solidFill>
                         <a:effectLst/>
-                        <a:latin typeface="ＭＳ Ｐゴシック" panose="020B0600070205080204" pitchFamily="50" charset="-128"/>
-                        <a:ea typeface="ＭＳ Ｐゴシック" panose="020B0600070205080204" pitchFamily="50" charset="-128"/>
+                        <a:latin typeface="+mn-ea"/>
+                        <a:ea typeface="+mn-ea"/>
                       </a:endParaRPr>
                     </a:p>
                   </a:txBody>
@@ -5469,6 +5071,8 @@
                       <a:r>
                         <a:rPr lang="en-US" altLang="ja-JP" sz="1100" u="none" strike="noStrike" dirty="0">
                           <a:effectLst/>
+                          <a:latin typeface="+mn-ea"/>
+                          <a:ea typeface="+mn-ea"/>
                         </a:rPr>
                         <a:t>38</a:t>
                       </a:r>
@@ -5477,8 +5081,8 @@
                           <a:srgbClr val="000000"/>
                         </a:solidFill>
                         <a:effectLst/>
-                        <a:latin typeface="ＭＳ Ｐゴシック" panose="020B0600070205080204" pitchFamily="50" charset="-128"/>
-                        <a:ea typeface="ＭＳ Ｐゴシック" panose="020B0600070205080204" pitchFamily="50" charset="-128"/>
+                        <a:latin typeface="+mn-ea"/>
+                        <a:ea typeface="+mn-ea"/>
                       </a:endParaRPr>
                     </a:p>
                   </a:txBody>
@@ -5498,13 +5102,13 @@
           <p:nvPr>
             <p:extLst>
               <p:ext uri="{D42A27DB-BD31-4B8C-83A1-F6EECF244321}">
-                <p14:modId xmlns:p14="http://schemas.microsoft.com/office/powerpoint/2010/main" val="1175359201"/>
+                <p14:modId xmlns:p14="http://schemas.microsoft.com/office/powerpoint/2010/main" val="1136379393"/>
               </p:ext>
             </p:extLst>
           </p:nvPr>
         </p:nvGraphicFramePr>
         <p:xfrm>
-          <a:off x="1880214" y="5708171"/>
+          <a:off x="3135769" y="7405213"/>
           <a:ext cx="2006600" cy="708660"/>
         </p:xfrm>
         <a:graphic>
@@ -5529,6 +5133,8 @@
                       <a:r>
                         <a:rPr lang="ja-JP" altLang="en-US" sz="1100" u="none" strike="noStrike" dirty="0">
                           <a:effectLst/>
+                          <a:latin typeface="+mn-ea"/>
+                          <a:ea typeface="+mn-ea"/>
                         </a:rPr>
                         <a:t>期待度</a:t>
                       </a:r>
@@ -5537,8 +5143,8 @@
                           <a:srgbClr val="000000"/>
                         </a:solidFill>
                         <a:effectLst/>
-                        <a:latin typeface="ＭＳ Ｐゴシック" panose="020B0600070205080204" pitchFamily="50" charset="-128"/>
-                        <a:ea typeface="ＭＳ Ｐゴシック" panose="020B0600070205080204" pitchFamily="50" charset="-128"/>
+                        <a:latin typeface="+mn-ea"/>
+                        <a:ea typeface="+mn-ea"/>
                       </a:endParaRPr>
                     </a:p>
                   </a:txBody>
@@ -5553,6 +5159,8 @@
                       <a:r>
                         <a:rPr lang="en-US" sz="1100" u="none" strike="noStrike" dirty="0">
                           <a:effectLst/>
+                          <a:latin typeface="+mn-ea"/>
+                          <a:ea typeface="+mn-ea"/>
                         </a:rPr>
                         <a:t>T</a:t>
                       </a:r>
@@ -5561,8 +5169,8 @@
                           <a:srgbClr val="000000"/>
                         </a:solidFill>
                         <a:effectLst/>
-                        <a:latin typeface="ＭＳ Ｐゴシック" panose="020B0600070205080204" pitchFamily="50" charset="-128"/>
-                        <a:ea typeface="ＭＳ Ｐゴシック" panose="020B0600070205080204" pitchFamily="50" charset="-128"/>
+                        <a:latin typeface="+mn-ea"/>
+                        <a:ea typeface="+mn-ea"/>
                       </a:endParaRPr>
                     </a:p>
                   </a:txBody>
@@ -5577,6 +5185,8 @@
                       <a:r>
                         <a:rPr lang="en-US" sz="1100" u="none" strike="noStrike" dirty="0">
                           <a:effectLst/>
+                          <a:latin typeface="+mn-ea"/>
+                          <a:ea typeface="+mn-ea"/>
                         </a:rPr>
                         <a:t>F</a:t>
                       </a:r>
@@ -5585,8 +5195,8 @@
                           <a:srgbClr val="000000"/>
                         </a:solidFill>
                         <a:effectLst/>
-                        <a:latin typeface="ＭＳ Ｐゴシック" panose="020B0600070205080204" pitchFamily="50" charset="-128"/>
-                        <a:ea typeface="ＭＳ Ｐゴシック" panose="020B0600070205080204" pitchFamily="50" charset="-128"/>
+                        <a:latin typeface="+mn-ea"/>
+                        <a:ea typeface="+mn-ea"/>
                       </a:endParaRPr>
                     </a:p>
                   </a:txBody>
@@ -5601,6 +5211,8 @@
                       <a:r>
                         <a:rPr lang="ja-JP" altLang="en-US" sz="1100" u="none" strike="noStrike" dirty="0">
                           <a:effectLst/>
+                          <a:latin typeface="+mn-ea"/>
+                          <a:ea typeface="+mn-ea"/>
                         </a:rPr>
                         <a:t>計</a:t>
                       </a:r>
@@ -5609,8 +5221,114 @@
                           <a:srgbClr val="000000"/>
                         </a:solidFill>
                         <a:effectLst/>
-                        <a:latin typeface="ＭＳ Ｐゴシック" panose="020B0600070205080204" pitchFamily="50" charset="-128"/>
-                        <a:ea typeface="ＭＳ Ｐゴシック" panose="020B0600070205080204" pitchFamily="50" charset="-128"/>
+                        <a:latin typeface="+mn-ea"/>
+                        <a:ea typeface="+mn-ea"/>
+                      </a:endParaRPr>
+                    </a:p>
+                  </a:txBody>
+                  <a:tcPr marL="9525" marR="9525" marT="9525" marB="0" anchor="ctr"/>
+                </a:tc>
+              </a:tr>
+              <a:tr h="171450">
+                <a:tc>
+                  <a:txBody>
+                    <a:bodyPr/>
+                    <a:lstStyle/>
+                    <a:p>
+                      <a:pPr algn="l" fontAlgn="ctr"/>
+                      <a:r>
+                        <a:rPr lang="ja-JP" altLang="en-US" sz="1100" u="none" strike="noStrike" dirty="0">
+                          <a:effectLst/>
+                          <a:latin typeface="+mn-ea"/>
+                          <a:ea typeface="+mn-ea"/>
+                        </a:rPr>
+                        <a:t>はい</a:t>
+                      </a:r>
+                      <a:endParaRPr lang="ja-JP" altLang="en-US" sz="1100" b="0" i="0" u="none" strike="noStrike" dirty="0">
+                        <a:solidFill>
+                          <a:srgbClr val="000000"/>
+                        </a:solidFill>
+                        <a:effectLst/>
+                        <a:latin typeface="+mn-ea"/>
+                        <a:ea typeface="+mn-ea"/>
+                      </a:endParaRPr>
+                    </a:p>
+                  </a:txBody>
+                  <a:tcPr marL="9525" marR="9525" marT="9525" marB="0" anchor="ctr"/>
+                </a:tc>
+                <a:tc>
+                  <a:txBody>
+                    <a:bodyPr/>
+                    <a:lstStyle/>
+                    <a:p>
+                      <a:pPr algn="r" fontAlgn="ctr"/>
+                      <a:r>
+                        <a:rPr lang="en-US" altLang="ja-JP" sz="1100" u="none" strike="noStrike" dirty="0">
+                          <a:effectLst/>
+                          <a:latin typeface="+mn-ea"/>
+                          <a:ea typeface="+mn-ea"/>
+                        </a:rPr>
+                        <a:t>16.1053</a:t>
+                      </a:r>
+                      <a:endParaRPr lang="en-US" altLang="ja-JP" sz="1100" b="0" i="0" u="none" strike="noStrike" dirty="0">
+                        <a:solidFill>
+                          <a:srgbClr val="000000"/>
+                        </a:solidFill>
+                        <a:effectLst/>
+                        <a:latin typeface="+mn-ea"/>
+                        <a:ea typeface="+mn-ea"/>
+                      </a:endParaRPr>
+                    </a:p>
+                  </a:txBody>
+                  <a:tcPr marL="9525" marR="9525" marT="9525" marB="0" anchor="ctr"/>
+                </a:tc>
+                <a:tc>
+                  <a:txBody>
+                    <a:bodyPr/>
+                    <a:lstStyle/>
+                    <a:p>
+                      <a:pPr algn="r" fontAlgn="ctr"/>
+                      <a:r>
+                        <a:rPr lang="en-US" altLang="ja-JP" sz="1100" u="none" strike="noStrike">
+                          <a:effectLst/>
+                          <a:latin typeface="+mn-ea"/>
+                          <a:ea typeface="+mn-ea"/>
+                        </a:rPr>
+                        <a:t>17.8947</a:t>
+                      </a:r>
+                      <a:endParaRPr lang="en-US" altLang="ja-JP" sz="1100" b="0" i="0" u="none" strike="noStrike">
+                        <a:solidFill>
+                          <a:srgbClr val="000000"/>
+                        </a:solidFill>
+                        <a:effectLst/>
+                        <a:latin typeface="+mn-ea"/>
+                        <a:ea typeface="+mn-ea"/>
+                      </a:endParaRPr>
+                    </a:p>
+                  </a:txBody>
+                  <a:tcPr marL="9525" marR="9525" marT="9525" marB="0" anchor="ctr"/>
+                </a:tc>
+                <a:tc>
+                  <a:txBody>
+                    <a:bodyPr/>
+                    <a:lstStyle/>
+                    <a:p>
+                      <a:pPr algn="r" fontAlgn="ctr"/>
+                      <a:r>
+                        <a:rPr lang="en-US" altLang="ja-JP" sz="1100" u="none" strike="noStrike">
+                          <a:effectLst/>
+                          <a:latin typeface="+mn-ea"/>
+                          <a:ea typeface="+mn-ea"/>
+                        </a:rPr>
+                        <a:t>34</a:t>
+                      </a:r>
+                      <a:endParaRPr lang="en-US" altLang="ja-JP" sz="1100" b="0" i="0" u="none" strike="noStrike">
+                        <a:solidFill>
+                          <a:srgbClr val="000000"/>
+                        </a:solidFill>
+                        <a:effectLst/>
+                        <a:latin typeface="+mn-ea"/>
+                        <a:ea typeface="+mn-ea"/>
                       </a:endParaRPr>
                     </a:p>
                   </a:txBody>
@@ -5627,104 +5345,8 @@
                       <a:r>
                         <a:rPr lang="ja-JP" altLang="en-US" sz="1100" u="none" strike="noStrike">
                           <a:effectLst/>
-                        </a:rPr>
-                        <a:t>はい</a:t>
-                      </a:r>
-                      <a:endParaRPr lang="ja-JP" altLang="en-US" sz="1100" b="0" i="0" u="none" strike="noStrike">
-                        <a:solidFill>
-                          <a:srgbClr val="000000"/>
-                        </a:solidFill>
-                        <a:effectLst/>
-                        <a:latin typeface="ＭＳ Ｐゴシック" panose="020B0600070205080204" pitchFamily="50" charset="-128"/>
-                        <a:ea typeface="ＭＳ Ｐゴシック" panose="020B0600070205080204" pitchFamily="50" charset="-128"/>
-                      </a:endParaRPr>
-                    </a:p>
-                  </a:txBody>
-                  <a:tcPr marL="9525" marR="9525" marT="9525" marB="0" anchor="ctr"/>
-                </a:tc>
-                <a:tc>
-                  <a:txBody>
-                    <a:bodyPr/>
-                    <a:lstStyle/>
-                    <a:p>
-                      <a:pPr algn="r" fontAlgn="ctr"/>
-                      <a:r>
-                        <a:rPr lang="en-US" altLang="ja-JP" sz="1100" u="none" strike="noStrike">
-                          <a:effectLst/>
-                        </a:rPr>
-                        <a:t>16.1053</a:t>
-                      </a:r>
-                      <a:endParaRPr lang="en-US" altLang="ja-JP" sz="1100" b="0" i="0" u="none" strike="noStrike">
-                        <a:solidFill>
-                          <a:srgbClr val="000000"/>
-                        </a:solidFill>
-                        <a:effectLst/>
-                        <a:latin typeface="ＭＳ Ｐゴシック" panose="020B0600070205080204" pitchFamily="50" charset="-128"/>
-                        <a:ea typeface="ＭＳ Ｐゴシック" panose="020B0600070205080204" pitchFamily="50" charset="-128"/>
-                      </a:endParaRPr>
-                    </a:p>
-                  </a:txBody>
-                  <a:tcPr marL="9525" marR="9525" marT="9525" marB="0" anchor="ctr"/>
-                </a:tc>
-                <a:tc>
-                  <a:txBody>
-                    <a:bodyPr/>
-                    <a:lstStyle/>
-                    <a:p>
-                      <a:pPr algn="r" fontAlgn="ctr"/>
-                      <a:r>
-                        <a:rPr lang="en-US" altLang="ja-JP" sz="1100" u="none" strike="noStrike">
-                          <a:effectLst/>
-                        </a:rPr>
-                        <a:t>17.8947</a:t>
-                      </a:r>
-                      <a:endParaRPr lang="en-US" altLang="ja-JP" sz="1100" b="0" i="0" u="none" strike="noStrike">
-                        <a:solidFill>
-                          <a:srgbClr val="000000"/>
-                        </a:solidFill>
-                        <a:effectLst/>
-                        <a:latin typeface="ＭＳ Ｐゴシック" panose="020B0600070205080204" pitchFamily="50" charset="-128"/>
-                        <a:ea typeface="ＭＳ Ｐゴシック" panose="020B0600070205080204" pitchFamily="50" charset="-128"/>
-                      </a:endParaRPr>
-                    </a:p>
-                  </a:txBody>
-                  <a:tcPr marL="9525" marR="9525" marT="9525" marB="0" anchor="ctr"/>
-                </a:tc>
-                <a:tc>
-                  <a:txBody>
-                    <a:bodyPr/>
-                    <a:lstStyle/>
-                    <a:p>
-                      <a:pPr algn="r" fontAlgn="ctr"/>
-                      <a:r>
-                        <a:rPr lang="en-US" altLang="ja-JP" sz="1100" u="none" strike="noStrike">
-                          <a:effectLst/>
-                        </a:rPr>
-                        <a:t>34</a:t>
-                      </a:r>
-                      <a:endParaRPr lang="en-US" altLang="ja-JP" sz="1100" b="0" i="0" u="none" strike="noStrike">
-                        <a:solidFill>
-                          <a:srgbClr val="000000"/>
-                        </a:solidFill>
-                        <a:effectLst/>
-                        <a:latin typeface="ＭＳ Ｐゴシック" panose="020B0600070205080204" pitchFamily="50" charset="-128"/>
-                        <a:ea typeface="ＭＳ Ｐゴシック" panose="020B0600070205080204" pitchFamily="50" charset="-128"/>
-                      </a:endParaRPr>
-                    </a:p>
-                  </a:txBody>
-                  <a:tcPr marL="9525" marR="9525" marT="9525" marB="0" anchor="ctr"/>
-                </a:tc>
-              </a:tr>
-              <a:tr h="171450">
-                <a:tc>
-                  <a:txBody>
-                    <a:bodyPr/>
-                    <a:lstStyle/>
-                    <a:p>
-                      <a:pPr algn="l" fontAlgn="ctr"/>
-                      <a:r>
-                        <a:rPr lang="ja-JP" altLang="en-US" sz="1100" u="none" strike="noStrike">
-                          <a:effectLst/>
+                          <a:latin typeface="+mn-ea"/>
+                          <a:ea typeface="+mn-ea"/>
                         </a:rPr>
                         <a:t>いいえ</a:t>
                       </a:r>
@@ -5733,8 +5355,8 @@
                           <a:srgbClr val="000000"/>
                         </a:solidFill>
                         <a:effectLst/>
-                        <a:latin typeface="ＭＳ Ｐゴシック" panose="020B0600070205080204" pitchFamily="50" charset="-128"/>
-                        <a:ea typeface="ＭＳ Ｐゴシック" panose="020B0600070205080204" pitchFamily="50" charset="-128"/>
+                        <a:latin typeface="+mn-ea"/>
+                        <a:ea typeface="+mn-ea"/>
                       </a:endParaRPr>
                     </a:p>
                   </a:txBody>
@@ -5749,6 +5371,8 @@
                       <a:r>
                         <a:rPr lang="en-US" altLang="ja-JP" sz="1100" u="none" strike="noStrike" dirty="0">
                           <a:effectLst/>
+                          <a:latin typeface="+mn-ea"/>
+                          <a:ea typeface="+mn-ea"/>
                         </a:rPr>
                         <a:t>1.8947</a:t>
                       </a:r>
@@ -5757,8 +5381,8 @@
                           <a:srgbClr val="000000"/>
                         </a:solidFill>
                         <a:effectLst/>
-                        <a:latin typeface="ＭＳ Ｐゴシック" panose="020B0600070205080204" pitchFamily="50" charset="-128"/>
-                        <a:ea typeface="ＭＳ Ｐゴシック" panose="020B0600070205080204" pitchFamily="50" charset="-128"/>
+                        <a:latin typeface="+mn-ea"/>
+                        <a:ea typeface="+mn-ea"/>
                       </a:endParaRPr>
                     </a:p>
                   </a:txBody>
@@ -5773,6 +5397,8 @@
                       <a:r>
                         <a:rPr lang="en-US" altLang="ja-JP" sz="1100" u="none" strike="noStrike" dirty="0">
                           <a:effectLst/>
+                          <a:latin typeface="+mn-ea"/>
+                          <a:ea typeface="+mn-ea"/>
                         </a:rPr>
                         <a:t>2.1053</a:t>
                       </a:r>
@@ -5781,8 +5407,8 @@
                           <a:srgbClr val="000000"/>
                         </a:solidFill>
                         <a:effectLst/>
-                        <a:latin typeface="ＭＳ Ｐゴシック" panose="020B0600070205080204" pitchFamily="50" charset="-128"/>
-                        <a:ea typeface="ＭＳ Ｐゴシック" panose="020B0600070205080204" pitchFamily="50" charset="-128"/>
+                        <a:latin typeface="+mn-ea"/>
+                        <a:ea typeface="+mn-ea"/>
                       </a:endParaRPr>
                     </a:p>
                   </a:txBody>
@@ -5797,6 +5423,8 @@
                       <a:r>
                         <a:rPr lang="en-US" altLang="ja-JP" sz="1100" u="none" strike="noStrike" dirty="0">
                           <a:effectLst/>
+                          <a:latin typeface="+mn-ea"/>
+                          <a:ea typeface="+mn-ea"/>
                         </a:rPr>
                         <a:t>4</a:t>
                       </a:r>
@@ -5805,8 +5433,8 @@
                           <a:srgbClr val="000000"/>
                         </a:solidFill>
                         <a:effectLst/>
-                        <a:latin typeface="ＭＳ Ｐゴシック" panose="020B0600070205080204" pitchFamily="50" charset="-128"/>
-                        <a:ea typeface="ＭＳ Ｐゴシック" panose="020B0600070205080204" pitchFamily="50" charset="-128"/>
+                        <a:latin typeface="+mn-ea"/>
+                        <a:ea typeface="+mn-ea"/>
                       </a:endParaRPr>
                     </a:p>
                   </a:txBody>
@@ -5823,6 +5451,8 @@
                       <a:r>
                         <a:rPr lang="ja-JP" altLang="en-US" sz="1100" u="none" strike="noStrike">
                           <a:effectLst/>
+                          <a:latin typeface="+mn-ea"/>
+                          <a:ea typeface="+mn-ea"/>
                         </a:rPr>
                         <a:t>計</a:t>
                       </a:r>
@@ -5831,8 +5461,8 @@
                           <a:srgbClr val="000000"/>
                         </a:solidFill>
                         <a:effectLst/>
-                        <a:latin typeface="ＭＳ Ｐゴシック" panose="020B0600070205080204" pitchFamily="50" charset="-128"/>
-                        <a:ea typeface="ＭＳ Ｐゴシック" panose="020B0600070205080204" pitchFamily="50" charset="-128"/>
+                        <a:latin typeface="+mn-ea"/>
+                        <a:ea typeface="+mn-ea"/>
                       </a:endParaRPr>
                     </a:p>
                   </a:txBody>
@@ -5847,6 +5477,8 @@
                       <a:r>
                         <a:rPr lang="en-US" altLang="ja-JP" sz="1100" u="none" strike="noStrike" dirty="0">
                           <a:effectLst/>
+                          <a:latin typeface="+mn-ea"/>
+                          <a:ea typeface="+mn-ea"/>
                         </a:rPr>
                         <a:t>18</a:t>
                       </a:r>
@@ -5855,8 +5487,8 @@
                           <a:srgbClr val="000000"/>
                         </a:solidFill>
                         <a:effectLst/>
-                        <a:latin typeface="ＭＳ Ｐゴシック" panose="020B0600070205080204" pitchFamily="50" charset="-128"/>
-                        <a:ea typeface="ＭＳ Ｐゴシック" panose="020B0600070205080204" pitchFamily="50" charset="-128"/>
+                        <a:latin typeface="+mn-ea"/>
+                        <a:ea typeface="+mn-ea"/>
                       </a:endParaRPr>
                     </a:p>
                   </a:txBody>
@@ -5871,6 +5503,8 @@
                       <a:r>
                         <a:rPr lang="en-US" altLang="ja-JP" sz="1100" u="none" strike="noStrike" dirty="0">
                           <a:effectLst/>
+                          <a:latin typeface="+mn-ea"/>
+                          <a:ea typeface="+mn-ea"/>
                         </a:rPr>
                         <a:t>20</a:t>
                       </a:r>
@@ -5879,8 +5513,8 @@
                           <a:srgbClr val="000000"/>
                         </a:solidFill>
                         <a:effectLst/>
-                        <a:latin typeface="ＭＳ Ｐゴシック" panose="020B0600070205080204" pitchFamily="50" charset="-128"/>
-                        <a:ea typeface="ＭＳ Ｐゴシック" panose="020B0600070205080204" pitchFamily="50" charset="-128"/>
+                        <a:latin typeface="+mn-ea"/>
+                        <a:ea typeface="+mn-ea"/>
                       </a:endParaRPr>
                     </a:p>
                   </a:txBody>
@@ -5895,6 +5529,8 @@
                       <a:r>
                         <a:rPr lang="en-US" altLang="ja-JP" sz="1100" u="none" strike="noStrike" dirty="0">
                           <a:effectLst/>
+                          <a:latin typeface="+mn-ea"/>
+                          <a:ea typeface="+mn-ea"/>
                         </a:rPr>
                         <a:t>38</a:t>
                       </a:r>
@@ -5903,8 +5539,8 @@
                           <a:srgbClr val="000000"/>
                         </a:solidFill>
                         <a:effectLst/>
-                        <a:latin typeface="ＭＳ Ｐゴシック" panose="020B0600070205080204" pitchFamily="50" charset="-128"/>
-                        <a:ea typeface="ＭＳ Ｐゴシック" panose="020B0600070205080204" pitchFamily="50" charset="-128"/>
+                        <a:latin typeface="+mn-ea"/>
+                        <a:ea typeface="+mn-ea"/>
                       </a:endParaRPr>
                     </a:p>
                   </a:txBody>
@@ -5923,8 +5559,8 @@
         </p:nvSpPr>
         <p:spPr>
           <a:xfrm>
-            <a:off x="206372" y="6474818"/>
-            <a:ext cx="5312693" cy="338554"/>
+            <a:off x="1451836" y="8145847"/>
+            <a:ext cx="5312693" cy="307777"/>
           </a:xfrm>
           <a:prstGeom prst="rect">
             <a:avLst/>
@@ -5938,26 +5574,30 @@
           <a:lstStyle/>
           <a:p>
             <a:r>
-              <a:rPr kumimoji="1" lang="ja-JP" altLang="en-US" sz="1600" dirty="0" smtClean="0"/>
-              <a:t>↑積極的に発言したかという質問の回答と</a:t>
-            </a:r>
-            <a:r>
-              <a:rPr kumimoji="1" lang="en-US" altLang="ja-JP" sz="1600" dirty="0" smtClean="0"/>
+              <a:rPr lang="ja-JP" altLang="en-US" sz="1400" dirty="0"/>
+              <a:t>↑</a:t>
+            </a:r>
+            <a:r>
+              <a:rPr kumimoji="1" lang="ja-JP" altLang="en-US" sz="1400" dirty="0" smtClean="0"/>
+              <a:t>積極的に発言したかという質問の回答と</a:t>
+            </a:r>
+            <a:r>
+              <a:rPr kumimoji="1" lang="en-US" altLang="ja-JP" sz="1400" dirty="0" smtClean="0"/>
               <a:t>T</a:t>
             </a:r>
             <a:r>
-              <a:rPr kumimoji="1" lang="ja-JP" altLang="en-US" sz="1600" dirty="0" smtClean="0"/>
+              <a:rPr kumimoji="1" lang="ja-JP" altLang="en-US" sz="1400" dirty="0" smtClean="0"/>
               <a:t>・</a:t>
             </a:r>
             <a:r>
-              <a:rPr kumimoji="1" lang="en-US" altLang="ja-JP" sz="1600" dirty="0" smtClean="0"/>
+              <a:rPr kumimoji="1" lang="en-US" altLang="ja-JP" sz="1400" dirty="0" smtClean="0"/>
               <a:t>F</a:t>
             </a:r>
             <a:r>
-              <a:rPr kumimoji="1" lang="ja-JP" altLang="en-US" sz="1600" dirty="0" smtClean="0"/>
+              <a:rPr kumimoji="1" lang="ja-JP" altLang="en-US" sz="1400" dirty="0" smtClean="0"/>
               <a:t>のクロス集計</a:t>
             </a:r>
-            <a:endParaRPr kumimoji="1" lang="ja-JP" altLang="en-US" sz="1600" dirty="0"/>
+            <a:endParaRPr kumimoji="1" lang="ja-JP" altLang="en-US" sz="1400" dirty="0"/>
           </a:p>
         </p:txBody>
       </p:sp>
@@ -5969,8 +5609,8 @@
         </p:nvSpPr>
         <p:spPr>
           <a:xfrm>
-            <a:off x="221731" y="7296072"/>
-            <a:ext cx="5950592" cy="1200329"/>
+            <a:off x="1412297" y="6217803"/>
+            <a:ext cx="4714940" cy="1200329"/>
           </a:xfrm>
           <a:prstGeom prst="rect">
             <a:avLst/>
@@ -5985,34 +5625,34 @@
           <a:p>
             <a:r>
               <a:rPr lang="ja-JP" altLang="en-US" sz="1400" dirty="0"/>
-              <a:t>クロス</a:t>
+              <a:t>上記</a:t>
             </a:r>
             <a:r>
               <a:rPr lang="ja-JP" altLang="en-US" sz="1400" dirty="0" smtClean="0"/>
-              <a:t>集計の結果</a:t>
+              <a:t>の表から算出された</a:t>
+            </a:r>
+            <a:r>
+              <a:rPr lang="en-US" altLang="ja-JP" sz="1400" dirty="0"/>
+              <a:t>p</a:t>
+            </a:r>
+            <a:r>
+              <a:rPr lang="ja-JP" altLang="en-US" sz="1400" dirty="0" smtClean="0"/>
+              <a:t>値が</a:t>
             </a:r>
             <a:endParaRPr lang="en-US" altLang="ja-JP" sz="1400" dirty="0" smtClean="0"/>
           </a:p>
           <a:p>
             <a:r>
               <a:rPr lang="ja-JP" altLang="en-US" sz="1400" dirty="0" smtClean="0"/>
-              <a:t>値</a:t>
-            </a:r>
-            <a:r>
-              <a:rPr lang="en-US" altLang="ja-JP" sz="1400" dirty="0" smtClean="0"/>
-              <a:t>p</a:t>
+              <a:t>ずれとの差である</a:t>
+            </a:r>
+            <a:r>
+              <a:rPr lang="en-US" altLang="ja-JP" sz="1400" dirty="0"/>
+              <a:t>Z</a:t>
             </a:r>
             <a:r>
               <a:rPr lang="ja-JP" altLang="en-US" sz="1400" dirty="0" smtClean="0"/>
-              <a:t>が値</a:t>
-            </a:r>
-            <a:r>
-              <a:rPr lang="en-US" altLang="ja-JP" sz="1400" dirty="0" smtClean="0"/>
-              <a:t>Z</a:t>
-            </a:r>
-            <a:r>
-              <a:rPr lang="ja-JP" altLang="en-US" sz="1400" dirty="0" smtClean="0"/>
-              <a:t>の</a:t>
+              <a:t>値の</a:t>
             </a:r>
             <a:r>
               <a:rPr lang="en-US" altLang="ja-JP" sz="1400" dirty="0" smtClean="0"/>
@@ -6069,7 +5709,7 @@
             </a:r>
             <a:r>
               <a:rPr lang="ja-JP" altLang="en-US" sz="1600" b="1" u="sng" dirty="0" smtClean="0"/>
-              <a:t>タイプの人は積極的に発言する傾向にある</a:t>
+              <a:t>タイプの人は積極的に発言する傾向がある</a:t>
             </a:r>
             <a:r>
               <a:rPr lang="ja-JP" altLang="en-US" sz="1400" dirty="0" smtClean="0"/>
@@ -6087,8 +5727,8 @@
         </p:nvSpPr>
         <p:spPr>
           <a:xfrm>
-            <a:off x="206372" y="6800797"/>
-            <a:ext cx="4401069" cy="523220"/>
+            <a:off x="1412297" y="5764034"/>
+            <a:ext cx="5190913" cy="523220"/>
           </a:xfrm>
           <a:prstGeom prst="rect">
             <a:avLst/>
@@ -6127,7 +5767,7 @@
             </a:r>
             <a:r>
               <a:rPr lang="ja-JP" altLang="en-US" sz="1400" dirty="0" smtClean="0"/>
-              <a:t>診断を行った結果は表</a:t>
+              <a:t>診断を行った結果は左にある表</a:t>
             </a:r>
             <a:r>
               <a:rPr lang="en-US" altLang="ja-JP" sz="1400" dirty="0" smtClean="0"/>
@@ -6138,823 +5778,6 @@
               <a:t>のとおりである</a:t>
             </a:r>
             <a:endParaRPr lang="en-US" altLang="ja-JP" sz="1400" dirty="0" smtClean="0"/>
-          </a:p>
-        </p:txBody>
-      </p:sp>
-      <p:graphicFrame>
-        <p:nvGraphicFramePr>
-          <p:cNvPr id="43" name="表 42"/>
-          <p:cNvGraphicFramePr>
-            <a:graphicFrameLocks noGrp="1"/>
-          </p:cNvGraphicFramePr>
-          <p:nvPr>
-            <p:extLst>
-              <p:ext uri="{D42A27DB-BD31-4B8C-83A1-F6EECF244321}">
-                <p14:modId xmlns:p14="http://schemas.microsoft.com/office/powerpoint/2010/main" val="402259155"/>
-              </p:ext>
-            </p:extLst>
-          </p:nvPr>
-        </p:nvGraphicFramePr>
-        <p:xfrm>
-          <a:off x="5705208" y="5881613"/>
-          <a:ext cx="693920" cy="2301240"/>
-        </p:xfrm>
-        <a:graphic>
-          <a:graphicData uri="http://schemas.openxmlformats.org/drawingml/2006/table">
-            <a:tbl>
-              <a:tblPr>
-                <a:tableStyleId>{5C22544A-7EE6-4342-B048-85BDC9FD1C3A}</a:tableStyleId>
-              </a:tblPr>
-              <a:tblGrid>
-                <a:gridCol w="349357"/>
-                <a:gridCol w="344563"/>
-              </a:tblGrid>
-              <a:tr h="149657">
-                <a:tc>
-                  <a:txBody>
-                    <a:bodyPr/>
-                    <a:lstStyle/>
-                    <a:p>
-                      <a:pPr algn="l" fontAlgn="ctr"/>
-                      <a:r>
-                        <a:rPr lang="ja-JP" altLang="en-US" sz="1000" u="none" strike="noStrike" dirty="0">
-                          <a:effectLst/>
-                        </a:rPr>
-                        <a:t>タイプ</a:t>
-                      </a:r>
-                      <a:endParaRPr lang="ja-JP" altLang="en-US" sz="1000" b="0" i="0" u="none" strike="noStrike" dirty="0">
-                        <a:solidFill>
-                          <a:srgbClr val="000000"/>
-                        </a:solidFill>
-                        <a:effectLst/>
-                        <a:latin typeface="ＭＳ Ｐゴシック" panose="020B0600070205080204" pitchFamily="50" charset="-128"/>
-                        <a:ea typeface="ＭＳ Ｐゴシック" panose="020B0600070205080204" pitchFamily="50" charset="-128"/>
-                      </a:endParaRPr>
-                    </a:p>
-                  </a:txBody>
-                  <a:tcPr marL="0" marR="0" marT="0" marB="0" anchor="ctr"/>
-                </a:tc>
-                <a:tc>
-                  <a:txBody>
-                    <a:bodyPr/>
-                    <a:lstStyle/>
-                    <a:p>
-                      <a:pPr algn="l" fontAlgn="ctr"/>
-                      <a:r>
-                        <a:rPr lang="ja-JP" altLang="en-US" sz="1000" u="none" strike="noStrike">
-                          <a:effectLst/>
-                        </a:rPr>
-                        <a:t>人数</a:t>
-                      </a:r>
-                      <a:endParaRPr lang="ja-JP" altLang="en-US" sz="1000" b="0" i="0" u="none" strike="noStrike">
-                        <a:solidFill>
-                          <a:srgbClr val="000000"/>
-                        </a:solidFill>
-                        <a:effectLst/>
-                        <a:latin typeface="ＭＳ Ｐゴシック" panose="020B0600070205080204" pitchFamily="50" charset="-128"/>
-                        <a:ea typeface="ＭＳ Ｐゴシック" panose="020B0600070205080204" pitchFamily="50" charset="-128"/>
-                      </a:endParaRPr>
-                    </a:p>
-                  </a:txBody>
-                  <a:tcPr marL="0" marR="0" marT="0" marB="0" anchor="ctr"/>
-                </a:tc>
-              </a:tr>
-              <a:tr h="74829">
-                <a:tc>
-                  <a:txBody>
-                    <a:bodyPr/>
-                    <a:lstStyle/>
-                    <a:p>
-                      <a:pPr algn="l" fontAlgn="ctr"/>
-                      <a:r>
-                        <a:rPr lang="en-US" sz="1000" u="none" strike="noStrike">
-                          <a:effectLst/>
-                        </a:rPr>
-                        <a:t>INFP</a:t>
-                      </a:r>
-                      <a:endParaRPr lang="en-US" sz="1000" b="0" i="0" u="none" strike="noStrike">
-                        <a:solidFill>
-                          <a:srgbClr val="000000"/>
-                        </a:solidFill>
-                        <a:effectLst/>
-                        <a:latin typeface="ＭＳ Ｐゴシック" panose="020B0600070205080204" pitchFamily="50" charset="-128"/>
-                        <a:ea typeface="ＭＳ Ｐゴシック" panose="020B0600070205080204" pitchFamily="50" charset="-128"/>
-                      </a:endParaRPr>
-                    </a:p>
-                  </a:txBody>
-                  <a:tcPr marL="0" marR="0" marT="0" marB="0" anchor="ctr"/>
-                </a:tc>
-                <a:tc>
-                  <a:txBody>
-                    <a:bodyPr/>
-                    <a:lstStyle/>
-                    <a:p>
-                      <a:pPr algn="r" fontAlgn="ctr"/>
-                      <a:r>
-                        <a:rPr lang="en-US" altLang="ja-JP" sz="1000" u="none" strike="noStrike">
-                          <a:effectLst/>
-                        </a:rPr>
-                        <a:t>4</a:t>
-                      </a:r>
-                      <a:endParaRPr lang="en-US" altLang="ja-JP" sz="1000" b="0" i="0" u="none" strike="noStrike">
-                        <a:solidFill>
-                          <a:srgbClr val="000000"/>
-                        </a:solidFill>
-                        <a:effectLst/>
-                        <a:latin typeface="ＭＳ Ｐゴシック" panose="020B0600070205080204" pitchFamily="50" charset="-128"/>
-                        <a:ea typeface="ＭＳ Ｐゴシック" panose="020B0600070205080204" pitchFamily="50" charset="-128"/>
-                      </a:endParaRPr>
-                    </a:p>
-                  </a:txBody>
-                  <a:tcPr marL="0" marR="0" marT="0" marB="0" anchor="ctr"/>
-                </a:tc>
-              </a:tr>
-              <a:tr h="74829">
-                <a:tc>
-                  <a:txBody>
-                    <a:bodyPr/>
-                    <a:lstStyle/>
-                    <a:p>
-                      <a:pPr algn="l" fontAlgn="ctr"/>
-                      <a:r>
-                        <a:rPr lang="en-US" sz="1000" u="none" strike="noStrike">
-                          <a:effectLst/>
-                        </a:rPr>
-                        <a:t>ESTP</a:t>
-                      </a:r>
-                      <a:endParaRPr lang="en-US" sz="1000" b="0" i="0" u="none" strike="noStrike">
-                        <a:solidFill>
-                          <a:srgbClr val="000000"/>
-                        </a:solidFill>
-                        <a:effectLst/>
-                        <a:latin typeface="ＭＳ Ｐゴシック" panose="020B0600070205080204" pitchFamily="50" charset="-128"/>
-                        <a:ea typeface="ＭＳ Ｐゴシック" panose="020B0600070205080204" pitchFamily="50" charset="-128"/>
-                      </a:endParaRPr>
-                    </a:p>
-                  </a:txBody>
-                  <a:tcPr marL="0" marR="0" marT="0" marB="0" anchor="ctr"/>
-                </a:tc>
-                <a:tc>
-                  <a:txBody>
-                    <a:bodyPr/>
-                    <a:lstStyle/>
-                    <a:p>
-                      <a:pPr algn="r" fontAlgn="ctr"/>
-                      <a:r>
-                        <a:rPr lang="en-US" altLang="ja-JP" sz="1000" u="none" strike="noStrike">
-                          <a:effectLst/>
-                        </a:rPr>
-                        <a:t>4</a:t>
-                      </a:r>
-                      <a:endParaRPr lang="en-US" altLang="ja-JP" sz="1000" b="0" i="0" u="none" strike="noStrike">
-                        <a:solidFill>
-                          <a:srgbClr val="000000"/>
-                        </a:solidFill>
-                        <a:effectLst/>
-                        <a:latin typeface="ＭＳ Ｐゴシック" panose="020B0600070205080204" pitchFamily="50" charset="-128"/>
-                        <a:ea typeface="ＭＳ Ｐゴシック" panose="020B0600070205080204" pitchFamily="50" charset="-128"/>
-                      </a:endParaRPr>
-                    </a:p>
-                  </a:txBody>
-                  <a:tcPr marL="0" marR="0" marT="0" marB="0" anchor="ctr"/>
-                </a:tc>
-              </a:tr>
-              <a:tr h="74829">
-                <a:tc>
-                  <a:txBody>
-                    <a:bodyPr/>
-                    <a:lstStyle/>
-                    <a:p>
-                      <a:pPr algn="l" fontAlgn="ctr"/>
-                      <a:r>
-                        <a:rPr lang="en-US" sz="1000" u="none" strike="noStrike">
-                          <a:effectLst/>
-                        </a:rPr>
-                        <a:t>ENTP</a:t>
-                      </a:r>
-                      <a:endParaRPr lang="en-US" sz="1000" b="0" i="0" u="none" strike="noStrike">
-                        <a:solidFill>
-                          <a:srgbClr val="000000"/>
-                        </a:solidFill>
-                        <a:effectLst/>
-                        <a:latin typeface="ＭＳ Ｐゴシック" panose="020B0600070205080204" pitchFamily="50" charset="-128"/>
-                        <a:ea typeface="ＭＳ Ｐゴシック" panose="020B0600070205080204" pitchFamily="50" charset="-128"/>
-                      </a:endParaRPr>
-                    </a:p>
-                  </a:txBody>
-                  <a:tcPr marL="0" marR="0" marT="0" marB="0" anchor="ctr"/>
-                </a:tc>
-                <a:tc>
-                  <a:txBody>
-                    <a:bodyPr/>
-                    <a:lstStyle/>
-                    <a:p>
-                      <a:pPr algn="r" fontAlgn="ctr"/>
-                      <a:r>
-                        <a:rPr lang="en-US" altLang="ja-JP" sz="1000" u="none" strike="noStrike">
-                          <a:effectLst/>
-                        </a:rPr>
-                        <a:t>4</a:t>
-                      </a:r>
-                      <a:endParaRPr lang="en-US" altLang="ja-JP" sz="1000" b="0" i="0" u="none" strike="noStrike">
-                        <a:solidFill>
-                          <a:srgbClr val="000000"/>
-                        </a:solidFill>
-                        <a:effectLst/>
-                        <a:latin typeface="ＭＳ Ｐゴシック" panose="020B0600070205080204" pitchFamily="50" charset="-128"/>
-                        <a:ea typeface="ＭＳ Ｐゴシック" panose="020B0600070205080204" pitchFamily="50" charset="-128"/>
-                      </a:endParaRPr>
-                    </a:p>
-                  </a:txBody>
-                  <a:tcPr marL="0" marR="0" marT="0" marB="0" anchor="ctr"/>
-                </a:tc>
-              </a:tr>
-              <a:tr h="74829">
-                <a:tc>
-                  <a:txBody>
-                    <a:bodyPr/>
-                    <a:lstStyle/>
-                    <a:p>
-                      <a:pPr algn="l" fontAlgn="ctr"/>
-                      <a:r>
-                        <a:rPr lang="en-US" sz="1000" u="none" strike="noStrike" dirty="0">
-                          <a:effectLst/>
-                        </a:rPr>
-                        <a:t>ISTP</a:t>
-                      </a:r>
-                      <a:endParaRPr lang="en-US" sz="1000" b="0" i="0" u="none" strike="noStrike" dirty="0">
-                        <a:solidFill>
-                          <a:srgbClr val="000000"/>
-                        </a:solidFill>
-                        <a:effectLst/>
-                        <a:latin typeface="ＭＳ Ｐゴシック" panose="020B0600070205080204" pitchFamily="50" charset="-128"/>
-                        <a:ea typeface="ＭＳ Ｐゴシック" panose="020B0600070205080204" pitchFamily="50" charset="-128"/>
-                      </a:endParaRPr>
-                    </a:p>
-                  </a:txBody>
-                  <a:tcPr marL="0" marR="0" marT="0" marB="0" anchor="ctr"/>
-                </a:tc>
-                <a:tc>
-                  <a:txBody>
-                    <a:bodyPr/>
-                    <a:lstStyle/>
-                    <a:p>
-                      <a:pPr algn="r" fontAlgn="ctr"/>
-                      <a:r>
-                        <a:rPr lang="en-US" altLang="ja-JP" sz="1000" u="none" strike="noStrike">
-                          <a:effectLst/>
-                        </a:rPr>
-                        <a:t>3</a:t>
-                      </a:r>
-                      <a:endParaRPr lang="en-US" altLang="ja-JP" sz="1000" b="0" i="0" u="none" strike="noStrike">
-                        <a:solidFill>
-                          <a:srgbClr val="000000"/>
-                        </a:solidFill>
-                        <a:effectLst/>
-                        <a:latin typeface="ＭＳ Ｐゴシック" panose="020B0600070205080204" pitchFamily="50" charset="-128"/>
-                        <a:ea typeface="ＭＳ Ｐゴシック" panose="020B0600070205080204" pitchFamily="50" charset="-128"/>
-                      </a:endParaRPr>
-                    </a:p>
-                  </a:txBody>
-                  <a:tcPr marL="0" marR="0" marT="0" marB="0" anchor="ctr"/>
-                </a:tc>
-              </a:tr>
-              <a:tr h="74829">
-                <a:tc>
-                  <a:txBody>
-                    <a:bodyPr/>
-                    <a:lstStyle/>
-                    <a:p>
-                      <a:pPr algn="l" fontAlgn="ctr"/>
-                      <a:r>
-                        <a:rPr lang="en-US" sz="1000" u="none" strike="noStrike" dirty="0">
-                          <a:effectLst/>
-                        </a:rPr>
-                        <a:t>ISFP</a:t>
-                      </a:r>
-                      <a:endParaRPr lang="en-US" sz="1000" b="0" i="0" u="none" strike="noStrike" dirty="0">
-                        <a:solidFill>
-                          <a:srgbClr val="000000"/>
-                        </a:solidFill>
-                        <a:effectLst/>
-                        <a:latin typeface="ＭＳ Ｐゴシック" panose="020B0600070205080204" pitchFamily="50" charset="-128"/>
-                        <a:ea typeface="ＭＳ Ｐゴシック" panose="020B0600070205080204" pitchFamily="50" charset="-128"/>
-                      </a:endParaRPr>
-                    </a:p>
-                  </a:txBody>
-                  <a:tcPr marL="0" marR="0" marT="0" marB="0" anchor="ctr"/>
-                </a:tc>
-                <a:tc>
-                  <a:txBody>
-                    <a:bodyPr/>
-                    <a:lstStyle/>
-                    <a:p>
-                      <a:pPr algn="r" fontAlgn="ctr"/>
-                      <a:r>
-                        <a:rPr lang="en-US" altLang="ja-JP" sz="1000" u="none" strike="noStrike" dirty="0">
-                          <a:effectLst/>
-                        </a:rPr>
-                        <a:t>3</a:t>
-                      </a:r>
-                      <a:endParaRPr lang="en-US" altLang="ja-JP" sz="1000" b="0" i="0" u="none" strike="noStrike" dirty="0">
-                        <a:solidFill>
-                          <a:srgbClr val="000000"/>
-                        </a:solidFill>
-                        <a:effectLst/>
-                        <a:latin typeface="ＭＳ Ｐゴシック" panose="020B0600070205080204" pitchFamily="50" charset="-128"/>
-                        <a:ea typeface="ＭＳ Ｐゴシック" panose="020B0600070205080204" pitchFamily="50" charset="-128"/>
-                      </a:endParaRPr>
-                    </a:p>
-                  </a:txBody>
-                  <a:tcPr marL="0" marR="0" marT="0" marB="0" anchor="ctr"/>
-                </a:tc>
-              </a:tr>
-              <a:tr h="74829">
-                <a:tc>
-                  <a:txBody>
-                    <a:bodyPr/>
-                    <a:lstStyle/>
-                    <a:p>
-                      <a:pPr algn="l" fontAlgn="ctr"/>
-                      <a:r>
-                        <a:rPr lang="en-US" sz="1000" u="none" strike="noStrike">
-                          <a:effectLst/>
-                        </a:rPr>
-                        <a:t>ISFJ</a:t>
-                      </a:r>
-                      <a:endParaRPr lang="en-US" sz="1000" b="0" i="0" u="none" strike="noStrike">
-                        <a:solidFill>
-                          <a:srgbClr val="000000"/>
-                        </a:solidFill>
-                        <a:effectLst/>
-                        <a:latin typeface="ＭＳ Ｐゴシック" panose="020B0600070205080204" pitchFamily="50" charset="-128"/>
-                        <a:ea typeface="ＭＳ Ｐゴシック" panose="020B0600070205080204" pitchFamily="50" charset="-128"/>
-                      </a:endParaRPr>
-                    </a:p>
-                  </a:txBody>
-                  <a:tcPr marL="0" marR="0" marT="0" marB="0" anchor="ctr"/>
-                </a:tc>
-                <a:tc>
-                  <a:txBody>
-                    <a:bodyPr/>
-                    <a:lstStyle/>
-                    <a:p>
-                      <a:pPr algn="r" fontAlgn="ctr"/>
-                      <a:r>
-                        <a:rPr lang="en-US" altLang="ja-JP" sz="1000" u="none" strike="noStrike">
-                          <a:effectLst/>
-                        </a:rPr>
-                        <a:t>3</a:t>
-                      </a:r>
-                      <a:endParaRPr lang="en-US" altLang="ja-JP" sz="1000" b="0" i="0" u="none" strike="noStrike">
-                        <a:solidFill>
-                          <a:srgbClr val="000000"/>
-                        </a:solidFill>
-                        <a:effectLst/>
-                        <a:latin typeface="ＭＳ Ｐゴシック" panose="020B0600070205080204" pitchFamily="50" charset="-128"/>
-                        <a:ea typeface="ＭＳ Ｐゴシック" panose="020B0600070205080204" pitchFamily="50" charset="-128"/>
-                      </a:endParaRPr>
-                    </a:p>
-                  </a:txBody>
-                  <a:tcPr marL="0" marR="0" marT="0" marB="0" anchor="ctr"/>
-                </a:tc>
-              </a:tr>
-              <a:tr h="74829">
-                <a:tc>
-                  <a:txBody>
-                    <a:bodyPr/>
-                    <a:lstStyle/>
-                    <a:p>
-                      <a:pPr algn="l" fontAlgn="ctr"/>
-                      <a:r>
-                        <a:rPr lang="en-US" sz="1100" u="none" strike="noStrike" dirty="0">
-                          <a:effectLst/>
-                        </a:rPr>
-                        <a:t>ESFP</a:t>
-                      </a:r>
-                      <a:endParaRPr lang="en-US" sz="1000" b="0" i="0" u="none" strike="noStrike" dirty="0">
-                        <a:solidFill>
-                          <a:srgbClr val="000000"/>
-                        </a:solidFill>
-                        <a:effectLst/>
-                        <a:latin typeface="ＭＳ Ｐゴシック" panose="020B0600070205080204" pitchFamily="50" charset="-128"/>
-                        <a:ea typeface="ＭＳ Ｐゴシック" panose="020B0600070205080204" pitchFamily="50" charset="-128"/>
-                      </a:endParaRPr>
-                    </a:p>
-                  </a:txBody>
-                  <a:tcPr marL="0" marR="0" marT="0" marB="0" anchor="ctr"/>
-                </a:tc>
-                <a:tc>
-                  <a:txBody>
-                    <a:bodyPr/>
-                    <a:lstStyle/>
-                    <a:p>
-                      <a:pPr algn="r" fontAlgn="ctr"/>
-                      <a:r>
-                        <a:rPr lang="en-US" altLang="ja-JP" sz="1000" u="none" strike="noStrike">
-                          <a:effectLst/>
-                        </a:rPr>
-                        <a:t>3</a:t>
-                      </a:r>
-                      <a:endParaRPr lang="en-US" altLang="ja-JP" sz="1000" b="0" i="0" u="none" strike="noStrike">
-                        <a:solidFill>
-                          <a:srgbClr val="000000"/>
-                        </a:solidFill>
-                        <a:effectLst/>
-                        <a:latin typeface="ＭＳ Ｐゴシック" panose="020B0600070205080204" pitchFamily="50" charset="-128"/>
-                        <a:ea typeface="ＭＳ Ｐゴシック" panose="020B0600070205080204" pitchFamily="50" charset="-128"/>
-                      </a:endParaRPr>
-                    </a:p>
-                  </a:txBody>
-                  <a:tcPr marL="0" marR="0" marT="0" marB="0" anchor="ctr"/>
-                </a:tc>
-              </a:tr>
-              <a:tr h="74829">
-                <a:tc>
-                  <a:txBody>
-                    <a:bodyPr/>
-                    <a:lstStyle/>
-                    <a:p>
-                      <a:pPr algn="l" fontAlgn="ctr"/>
-                      <a:r>
-                        <a:rPr lang="en-US" sz="1000" u="none" strike="noStrike">
-                          <a:effectLst/>
-                        </a:rPr>
-                        <a:t>ESFJ</a:t>
-                      </a:r>
-                      <a:endParaRPr lang="en-US" sz="1000" b="0" i="0" u="none" strike="noStrike">
-                        <a:solidFill>
-                          <a:srgbClr val="000000"/>
-                        </a:solidFill>
-                        <a:effectLst/>
-                        <a:latin typeface="ＭＳ Ｐゴシック" panose="020B0600070205080204" pitchFamily="50" charset="-128"/>
-                        <a:ea typeface="ＭＳ Ｐゴシック" panose="020B0600070205080204" pitchFamily="50" charset="-128"/>
-                      </a:endParaRPr>
-                    </a:p>
-                  </a:txBody>
-                  <a:tcPr marL="0" marR="0" marT="0" marB="0" anchor="ctr"/>
-                </a:tc>
-                <a:tc>
-                  <a:txBody>
-                    <a:bodyPr/>
-                    <a:lstStyle/>
-                    <a:p>
-                      <a:pPr algn="r" fontAlgn="ctr"/>
-                      <a:r>
-                        <a:rPr lang="en-US" altLang="ja-JP" sz="1000" u="none" strike="noStrike">
-                          <a:effectLst/>
-                        </a:rPr>
-                        <a:t>3</a:t>
-                      </a:r>
-                      <a:endParaRPr lang="en-US" altLang="ja-JP" sz="1000" b="0" i="0" u="none" strike="noStrike">
-                        <a:solidFill>
-                          <a:srgbClr val="000000"/>
-                        </a:solidFill>
-                        <a:effectLst/>
-                        <a:latin typeface="ＭＳ Ｐゴシック" panose="020B0600070205080204" pitchFamily="50" charset="-128"/>
-                        <a:ea typeface="ＭＳ Ｐゴシック" panose="020B0600070205080204" pitchFamily="50" charset="-128"/>
-                      </a:endParaRPr>
-                    </a:p>
-                  </a:txBody>
-                  <a:tcPr marL="0" marR="0" marT="0" marB="0" anchor="ctr"/>
-                </a:tc>
-              </a:tr>
-              <a:tr h="74829">
-                <a:tc>
-                  <a:txBody>
-                    <a:bodyPr/>
-                    <a:lstStyle/>
-                    <a:p>
-                      <a:pPr algn="l" fontAlgn="ctr"/>
-                      <a:r>
-                        <a:rPr lang="en-US" sz="1000" u="none" strike="noStrike">
-                          <a:effectLst/>
-                        </a:rPr>
-                        <a:t>INTP</a:t>
-                      </a:r>
-                      <a:endParaRPr lang="en-US" sz="1000" b="0" i="0" u="none" strike="noStrike">
-                        <a:solidFill>
-                          <a:srgbClr val="000000"/>
-                        </a:solidFill>
-                        <a:effectLst/>
-                        <a:latin typeface="ＭＳ Ｐゴシック" panose="020B0600070205080204" pitchFamily="50" charset="-128"/>
-                        <a:ea typeface="ＭＳ Ｐゴシック" panose="020B0600070205080204" pitchFamily="50" charset="-128"/>
-                      </a:endParaRPr>
-                    </a:p>
-                  </a:txBody>
-                  <a:tcPr marL="0" marR="0" marT="0" marB="0" anchor="ctr"/>
-                </a:tc>
-                <a:tc>
-                  <a:txBody>
-                    <a:bodyPr/>
-                    <a:lstStyle/>
-                    <a:p>
-                      <a:pPr algn="r" fontAlgn="ctr"/>
-                      <a:r>
-                        <a:rPr lang="en-US" altLang="ja-JP" sz="1000" u="none" strike="noStrike">
-                          <a:effectLst/>
-                        </a:rPr>
-                        <a:t>3</a:t>
-                      </a:r>
-                      <a:endParaRPr lang="en-US" altLang="ja-JP" sz="1000" b="0" i="0" u="none" strike="noStrike">
-                        <a:solidFill>
-                          <a:srgbClr val="000000"/>
-                        </a:solidFill>
-                        <a:effectLst/>
-                        <a:latin typeface="ＭＳ Ｐゴシック" panose="020B0600070205080204" pitchFamily="50" charset="-128"/>
-                        <a:ea typeface="ＭＳ Ｐゴシック" panose="020B0600070205080204" pitchFamily="50" charset="-128"/>
-                      </a:endParaRPr>
-                    </a:p>
-                  </a:txBody>
-                  <a:tcPr marL="0" marR="0" marT="0" marB="0" anchor="ctr"/>
-                </a:tc>
-              </a:tr>
-              <a:tr h="74829">
-                <a:tc>
-                  <a:txBody>
-                    <a:bodyPr/>
-                    <a:lstStyle/>
-                    <a:p>
-                      <a:pPr algn="l" fontAlgn="ctr"/>
-                      <a:r>
-                        <a:rPr lang="en-US" sz="1000" u="none" strike="noStrike">
-                          <a:effectLst/>
-                        </a:rPr>
-                        <a:t>ESTJ</a:t>
-                      </a:r>
-                      <a:endParaRPr lang="en-US" sz="1000" b="0" i="0" u="none" strike="noStrike">
-                        <a:solidFill>
-                          <a:srgbClr val="000000"/>
-                        </a:solidFill>
-                        <a:effectLst/>
-                        <a:latin typeface="ＭＳ Ｐゴシック" panose="020B0600070205080204" pitchFamily="50" charset="-128"/>
-                        <a:ea typeface="ＭＳ Ｐゴシック" panose="020B0600070205080204" pitchFamily="50" charset="-128"/>
-                      </a:endParaRPr>
-                    </a:p>
-                  </a:txBody>
-                  <a:tcPr marL="0" marR="0" marT="0" marB="0" anchor="ctr"/>
-                </a:tc>
-                <a:tc>
-                  <a:txBody>
-                    <a:bodyPr/>
-                    <a:lstStyle/>
-                    <a:p>
-                      <a:pPr algn="r" fontAlgn="ctr"/>
-                      <a:r>
-                        <a:rPr lang="en-US" altLang="ja-JP" sz="1000" u="none" strike="noStrike">
-                          <a:effectLst/>
-                        </a:rPr>
-                        <a:t>3</a:t>
-                      </a:r>
-                      <a:endParaRPr lang="en-US" altLang="ja-JP" sz="1000" b="0" i="0" u="none" strike="noStrike">
-                        <a:solidFill>
-                          <a:srgbClr val="000000"/>
-                        </a:solidFill>
-                        <a:effectLst/>
-                        <a:latin typeface="ＭＳ Ｐゴシック" panose="020B0600070205080204" pitchFamily="50" charset="-128"/>
-                        <a:ea typeface="ＭＳ Ｐゴシック" panose="020B0600070205080204" pitchFamily="50" charset="-128"/>
-                      </a:endParaRPr>
-                    </a:p>
-                  </a:txBody>
-                  <a:tcPr marL="0" marR="0" marT="0" marB="0" anchor="ctr"/>
-                </a:tc>
-              </a:tr>
-              <a:tr h="74829">
-                <a:tc>
-                  <a:txBody>
-                    <a:bodyPr/>
-                    <a:lstStyle/>
-                    <a:p>
-                      <a:pPr algn="l" fontAlgn="ctr"/>
-                      <a:r>
-                        <a:rPr lang="en-US" sz="1000" u="none" strike="noStrike">
-                          <a:effectLst/>
-                        </a:rPr>
-                        <a:t>INFJ</a:t>
-                      </a:r>
-                      <a:endParaRPr lang="en-US" sz="1000" b="0" i="0" u="none" strike="noStrike">
-                        <a:solidFill>
-                          <a:srgbClr val="000000"/>
-                        </a:solidFill>
-                        <a:effectLst/>
-                        <a:latin typeface="ＭＳ Ｐゴシック" panose="020B0600070205080204" pitchFamily="50" charset="-128"/>
-                        <a:ea typeface="ＭＳ Ｐゴシック" panose="020B0600070205080204" pitchFamily="50" charset="-128"/>
-                      </a:endParaRPr>
-                    </a:p>
-                  </a:txBody>
-                  <a:tcPr marL="0" marR="0" marT="0" marB="0" anchor="ctr"/>
-                </a:tc>
-                <a:tc>
-                  <a:txBody>
-                    <a:bodyPr/>
-                    <a:lstStyle/>
-                    <a:p>
-                      <a:pPr algn="r" fontAlgn="ctr"/>
-                      <a:r>
-                        <a:rPr lang="en-US" altLang="ja-JP" sz="1000" u="none" strike="noStrike">
-                          <a:effectLst/>
-                        </a:rPr>
-                        <a:t>2</a:t>
-                      </a:r>
-                      <a:endParaRPr lang="en-US" altLang="ja-JP" sz="1000" b="0" i="0" u="none" strike="noStrike">
-                        <a:solidFill>
-                          <a:srgbClr val="000000"/>
-                        </a:solidFill>
-                        <a:effectLst/>
-                        <a:latin typeface="ＭＳ Ｐゴシック" panose="020B0600070205080204" pitchFamily="50" charset="-128"/>
-                        <a:ea typeface="ＭＳ Ｐゴシック" panose="020B0600070205080204" pitchFamily="50" charset="-128"/>
-                      </a:endParaRPr>
-                    </a:p>
-                  </a:txBody>
-                  <a:tcPr marL="0" marR="0" marT="0" marB="0" anchor="ctr"/>
-                </a:tc>
-              </a:tr>
-              <a:tr h="74829">
-                <a:tc>
-                  <a:txBody>
-                    <a:bodyPr/>
-                    <a:lstStyle/>
-                    <a:p>
-                      <a:pPr algn="l" fontAlgn="ctr"/>
-                      <a:r>
-                        <a:rPr lang="en-US" sz="1000" u="none" strike="noStrike">
-                          <a:effectLst/>
-                        </a:rPr>
-                        <a:t>ENFJ</a:t>
-                      </a:r>
-                      <a:endParaRPr lang="en-US" sz="1000" b="0" i="0" u="none" strike="noStrike">
-                        <a:solidFill>
-                          <a:srgbClr val="000000"/>
-                        </a:solidFill>
-                        <a:effectLst/>
-                        <a:latin typeface="ＭＳ Ｐゴシック" panose="020B0600070205080204" pitchFamily="50" charset="-128"/>
-                        <a:ea typeface="ＭＳ Ｐゴシック" panose="020B0600070205080204" pitchFamily="50" charset="-128"/>
-                      </a:endParaRPr>
-                    </a:p>
-                  </a:txBody>
-                  <a:tcPr marL="0" marR="0" marT="0" marB="0" anchor="ctr"/>
-                </a:tc>
-                <a:tc>
-                  <a:txBody>
-                    <a:bodyPr/>
-                    <a:lstStyle/>
-                    <a:p>
-                      <a:pPr algn="r" fontAlgn="ctr"/>
-                      <a:r>
-                        <a:rPr lang="en-US" altLang="ja-JP" sz="1000" u="none" strike="noStrike">
-                          <a:effectLst/>
-                        </a:rPr>
-                        <a:t>2</a:t>
-                      </a:r>
-                      <a:endParaRPr lang="en-US" altLang="ja-JP" sz="1000" b="0" i="0" u="none" strike="noStrike">
-                        <a:solidFill>
-                          <a:srgbClr val="000000"/>
-                        </a:solidFill>
-                        <a:effectLst/>
-                        <a:latin typeface="ＭＳ Ｐゴシック" panose="020B0600070205080204" pitchFamily="50" charset="-128"/>
-                        <a:ea typeface="ＭＳ Ｐゴシック" panose="020B0600070205080204" pitchFamily="50" charset="-128"/>
-                      </a:endParaRPr>
-                    </a:p>
-                  </a:txBody>
-                  <a:tcPr marL="0" marR="0" marT="0" marB="0" anchor="ctr"/>
-                </a:tc>
-              </a:tr>
-              <a:tr h="74829">
-                <a:tc>
-                  <a:txBody>
-                    <a:bodyPr/>
-                    <a:lstStyle/>
-                    <a:p>
-                      <a:pPr algn="l" fontAlgn="ctr"/>
-                      <a:r>
-                        <a:rPr lang="en-US" sz="1000" u="none" strike="noStrike">
-                          <a:effectLst/>
-                        </a:rPr>
-                        <a:t>ENTJ</a:t>
-                      </a:r>
-                      <a:endParaRPr lang="en-US" sz="1000" b="0" i="0" u="none" strike="noStrike">
-                        <a:solidFill>
-                          <a:srgbClr val="000000"/>
-                        </a:solidFill>
-                        <a:effectLst/>
-                        <a:latin typeface="ＭＳ Ｐゴシック" panose="020B0600070205080204" pitchFamily="50" charset="-128"/>
-                        <a:ea typeface="ＭＳ Ｐゴシック" panose="020B0600070205080204" pitchFamily="50" charset="-128"/>
-                      </a:endParaRPr>
-                    </a:p>
-                  </a:txBody>
-                  <a:tcPr marL="0" marR="0" marT="0" marB="0" anchor="ctr"/>
-                </a:tc>
-                <a:tc>
-                  <a:txBody>
-                    <a:bodyPr/>
-                    <a:lstStyle/>
-                    <a:p>
-                      <a:pPr algn="r" fontAlgn="ctr"/>
-                      <a:r>
-                        <a:rPr lang="en-US" altLang="ja-JP" sz="1000" u="none" strike="noStrike">
-                          <a:effectLst/>
-                        </a:rPr>
-                        <a:t>1</a:t>
-                      </a:r>
-                      <a:endParaRPr lang="en-US" altLang="ja-JP" sz="1000" b="0" i="0" u="none" strike="noStrike">
-                        <a:solidFill>
-                          <a:srgbClr val="000000"/>
-                        </a:solidFill>
-                        <a:effectLst/>
-                        <a:latin typeface="ＭＳ Ｐゴシック" panose="020B0600070205080204" pitchFamily="50" charset="-128"/>
-                        <a:ea typeface="ＭＳ Ｐゴシック" panose="020B0600070205080204" pitchFamily="50" charset="-128"/>
-                      </a:endParaRPr>
-                    </a:p>
-                  </a:txBody>
-                  <a:tcPr marL="0" marR="0" marT="0" marB="0" anchor="ctr"/>
-                </a:tc>
-              </a:tr>
-              <a:tr h="74829">
-                <a:tc>
-                  <a:txBody>
-                    <a:bodyPr/>
-                    <a:lstStyle/>
-                    <a:p>
-                      <a:pPr algn="l" fontAlgn="ctr"/>
-                      <a:r>
-                        <a:rPr lang="ja-JP" altLang="en-US" sz="1000" u="none" strike="noStrike">
-                          <a:effectLst/>
-                        </a:rPr>
-                        <a:t>合計</a:t>
-                      </a:r>
-                      <a:endParaRPr lang="ja-JP" altLang="en-US" sz="1000" b="0" i="0" u="none" strike="noStrike">
-                        <a:solidFill>
-                          <a:srgbClr val="000000"/>
-                        </a:solidFill>
-                        <a:effectLst/>
-                        <a:latin typeface="ＭＳ Ｐゴシック" panose="020B0600070205080204" pitchFamily="50" charset="-128"/>
-                        <a:ea typeface="ＭＳ Ｐゴシック" panose="020B0600070205080204" pitchFamily="50" charset="-128"/>
-                      </a:endParaRPr>
-                    </a:p>
-                  </a:txBody>
-                  <a:tcPr marL="0" marR="0" marT="0" marB="0" anchor="ctr"/>
-                </a:tc>
-                <a:tc>
-                  <a:txBody>
-                    <a:bodyPr/>
-                    <a:lstStyle/>
-                    <a:p>
-                      <a:pPr algn="r" fontAlgn="ctr"/>
-                      <a:r>
-                        <a:rPr lang="en-US" altLang="ja-JP" sz="1000" u="none" strike="noStrike" dirty="0">
-                          <a:effectLst/>
-                        </a:rPr>
-                        <a:t>38</a:t>
-                      </a:r>
-                      <a:endParaRPr lang="en-US" altLang="ja-JP" sz="1000" b="0" i="0" u="none" strike="noStrike" dirty="0">
-                        <a:solidFill>
-                          <a:srgbClr val="000000"/>
-                        </a:solidFill>
-                        <a:effectLst/>
-                        <a:latin typeface="ＭＳ Ｐゴシック" panose="020B0600070205080204" pitchFamily="50" charset="-128"/>
-                        <a:ea typeface="ＭＳ Ｐゴシック" panose="020B0600070205080204" pitchFamily="50" charset="-128"/>
-                      </a:endParaRPr>
-                    </a:p>
-                  </a:txBody>
-                  <a:tcPr marL="0" marR="0" marT="0" marB="0" anchor="ctr"/>
-                </a:tc>
-              </a:tr>
-            </a:tbl>
-          </a:graphicData>
-        </a:graphic>
-      </p:graphicFrame>
-      <p:sp>
-        <p:nvSpPr>
-          <p:cNvPr id="45" name="テキスト ボックス 44"/>
-          <p:cNvSpPr txBox="1"/>
-          <p:nvPr/>
-        </p:nvSpPr>
-        <p:spPr>
-          <a:xfrm>
-            <a:off x="5654741" y="5655755"/>
-            <a:ext cx="758489" cy="276999"/>
-          </a:xfrm>
-          <a:prstGeom prst="rect">
-            <a:avLst/>
-          </a:prstGeom>
-          <a:noFill/>
-        </p:spPr>
-        <p:txBody>
-          <a:bodyPr wrap="square" rtlCol="0">
-            <a:spAutoFit/>
-          </a:bodyPr>
-          <a:lstStyle/>
-          <a:p>
-            <a:pPr algn="ctr"/>
-            <a:r>
-              <a:rPr kumimoji="1" lang="ja-JP" altLang="en-US" sz="1200" dirty="0" smtClean="0"/>
-              <a:t>表</a:t>
-            </a:r>
-            <a:r>
-              <a:rPr kumimoji="1" lang="en-US" altLang="ja-JP" sz="1200" dirty="0" smtClean="0"/>
-              <a:t>1</a:t>
-            </a:r>
-            <a:endParaRPr kumimoji="1" lang="ja-JP" altLang="en-US" sz="1200" dirty="0"/>
           </a:p>
         </p:txBody>
       </p:sp>
@@ -6967,13 +5790,13 @@
           <p:nvPr>
             <p:extLst>
               <p:ext uri="{D42A27DB-BD31-4B8C-83A1-F6EECF244321}">
-                <p14:modId xmlns:p14="http://schemas.microsoft.com/office/powerpoint/2010/main" val="448132455"/>
+                <p14:modId xmlns:p14="http://schemas.microsoft.com/office/powerpoint/2010/main" val="1863228871"/>
               </p:ext>
             </p:extLst>
           </p:nvPr>
         </p:nvGraphicFramePr>
         <p:xfrm>
-          <a:off x="4124211" y="5722313"/>
+          <a:off x="5379766" y="7419355"/>
           <a:ext cx="885446" cy="354330"/>
         </p:xfrm>
         <a:graphic>
@@ -6986,7 +5809,7 @@
                 <a:gridCol w="442723"/>
                 <a:gridCol w="442723"/>
               </a:tblGrid>
-              <a:tr h="157802">
+              <a:tr h="170487">
                 <a:tc>
                   <a:txBody>
                     <a:bodyPr/>
@@ -6994,27 +5817,35 @@
                     <a:p>
                       <a:pPr algn="ctr" fontAlgn="ctr"/>
                       <a:r>
-                        <a:rPr lang="ja-JP" altLang="en-US" sz="1100" b="0" i="0" u="none" strike="noStrike" dirty="0">
+                        <a:rPr lang="en-US" altLang="ja-JP" sz="1100" b="0" i="0" u="none" strike="noStrike" dirty="0" smtClean="0">
                           <a:solidFill>
                             <a:srgbClr val="000000"/>
                           </a:solidFill>
                           <a:effectLst/>
-                          <a:latin typeface="ＭＳ Ｐゴシック" panose="020B0600070205080204" pitchFamily="50" charset="-128"/>
-                          <a:ea typeface="ＭＳ Ｐゴシック" panose="020B0600070205080204" pitchFamily="50" charset="-128"/>
+                          <a:latin typeface="+mn-ea"/>
+                          <a:ea typeface="+mn-ea"/>
                         </a:rPr>
-                        <a:t>値</a:t>
+                        <a:t>Z</a:t>
                       </a:r>
                       <a:r>
-                        <a:rPr lang="en-US" sz="1100" b="0" i="0" u="none" strike="noStrike" dirty="0">
+                        <a:rPr lang="ja-JP" altLang="en-US" sz="1100" b="0" i="0" u="none" strike="noStrike" dirty="0" smtClean="0">
                           <a:solidFill>
                             <a:srgbClr val="000000"/>
                           </a:solidFill>
                           <a:effectLst/>
-                          <a:latin typeface="ＭＳ Ｐゴシック" panose="020B0600070205080204" pitchFamily="50" charset="-128"/>
-                          <a:ea typeface="ＭＳ Ｐゴシック" panose="020B0600070205080204" pitchFamily="50" charset="-128"/>
+                          <a:latin typeface="+mn-ea"/>
+                          <a:ea typeface="+mn-ea"/>
                         </a:rPr>
-                        <a:t>Z</a:t>
+                        <a:t>値</a:t>
                       </a:r>
+                      <a:endParaRPr lang="en-US" sz="1100" b="0" i="0" u="none" strike="noStrike" dirty="0">
+                        <a:solidFill>
+                          <a:srgbClr val="000000"/>
+                        </a:solidFill>
+                        <a:effectLst/>
+                        <a:latin typeface="+mn-ea"/>
+                        <a:ea typeface="+mn-ea"/>
+                      </a:endParaRPr>
                     </a:p>
                   </a:txBody>
                   <a:tcPr marL="9525" marR="9525" marT="9525" marB="0" anchor="ctr">
@@ -7035,8 +5866,8 @@
                             <a:srgbClr val="000000"/>
                           </a:solidFill>
                           <a:effectLst/>
-                          <a:latin typeface="ＭＳ Ｐゴシック" panose="020B0600070205080204" pitchFamily="50" charset="-128"/>
-                          <a:ea typeface="ＭＳ Ｐゴシック" panose="020B0600070205080204" pitchFamily="50" charset="-128"/>
+                          <a:latin typeface="+mn-ea"/>
+                          <a:ea typeface="+mn-ea"/>
                         </a:rPr>
                         <a:t>4.0235</a:t>
                       </a:r>
@@ -7057,24 +5888,28 @@
                     <a:p>
                       <a:pPr algn="ctr" fontAlgn="ctr"/>
                       <a:r>
-                        <a:rPr lang="ja-JP" altLang="en-US" sz="1100" u="none" strike="noStrike" dirty="0">
+                        <a:rPr lang="en-US" altLang="ja-JP" sz="1100" u="none" strike="noStrike" dirty="0" smtClean="0">
                           <a:effectLst/>
+                          <a:latin typeface="+mn-ea"/>
+                          <a:ea typeface="+mn-ea"/>
+                        </a:rPr>
+                        <a:t>p</a:t>
+                      </a:r>
+                      <a:r>
+                        <a:rPr lang="ja-JP" altLang="en-US" sz="1100" u="none" strike="noStrike" dirty="0" smtClean="0">
+                          <a:effectLst/>
+                          <a:latin typeface="+mn-ea"/>
+                          <a:ea typeface="+mn-ea"/>
                         </a:rPr>
                         <a:t>値</a:t>
-                      </a:r>
-                      <a:r>
-                        <a:rPr lang="en-US" sz="1100" u="none" strike="noStrike" dirty="0">
-                          <a:effectLst/>
-                        </a:rPr>
-                        <a:t>p</a:t>
                       </a:r>
                       <a:endParaRPr lang="en-US" sz="1100" b="0" i="0" u="none" strike="noStrike" dirty="0">
                         <a:solidFill>
                           <a:srgbClr val="000000"/>
                         </a:solidFill>
                         <a:effectLst/>
-                        <a:latin typeface="ＭＳ Ｐゴシック" panose="020B0600070205080204" pitchFamily="50" charset="-128"/>
-                        <a:ea typeface="ＭＳ Ｐゴシック" panose="020B0600070205080204" pitchFamily="50" charset="-128"/>
+                        <a:latin typeface="+mn-ea"/>
+                        <a:ea typeface="+mn-ea"/>
                       </a:endParaRPr>
                     </a:p>
                   </a:txBody>
@@ -7093,6 +5928,8 @@
                       <a:r>
                         <a:rPr lang="en-US" altLang="ja-JP" sz="1100" u="none" strike="noStrike" dirty="0">
                           <a:effectLst/>
+                          <a:latin typeface="+mn-ea"/>
+                          <a:ea typeface="+mn-ea"/>
                         </a:rPr>
                         <a:t>0.0449</a:t>
                       </a:r>
@@ -7101,8 +5938,8 @@
                           <a:srgbClr val="000000"/>
                         </a:solidFill>
                         <a:effectLst/>
-                        <a:latin typeface="ＭＳ Ｐゴシック" panose="020B0600070205080204" pitchFamily="50" charset="-128"/>
-                        <a:ea typeface="ＭＳ Ｐゴシック" panose="020B0600070205080204" pitchFamily="50" charset="-128"/>
+                        <a:latin typeface="+mn-ea"/>
+                        <a:ea typeface="+mn-ea"/>
                       </a:endParaRPr>
                     </a:p>
                   </a:txBody>
@@ -7121,7 +5958,7 @@
         </p:nvSpPr>
         <p:spPr>
           <a:xfrm>
-            <a:off x="4116229" y="6157863"/>
+            <a:off x="5362259" y="7835855"/>
             <a:ext cx="1180586" cy="348302"/>
           </a:xfrm>
           <a:prstGeom prst="wedgeRoundRectCallout">
@@ -7177,34 +6014,76 @@
       </p:sp>
       <p:sp>
         <p:nvSpPr>
-          <p:cNvPr id="51" name="角丸四角形 50"/>
-          <p:cNvSpPr/>
+          <p:cNvPr id="38" name="テキスト ボックス 37"/>
+          <p:cNvSpPr txBox="1"/>
           <p:nvPr/>
         </p:nvSpPr>
         <p:spPr>
           <a:xfrm>
-            <a:off x="223476" y="7319966"/>
-            <a:ext cx="4786181" cy="1148393"/>
+            <a:off x="514350" y="3295650"/>
+            <a:ext cx="5848158" cy="646331"/>
           </a:xfrm>
-          <a:prstGeom prst="roundRect">
+          <a:prstGeom prst="rect">
             <a:avLst/>
           </a:prstGeom>
           <a:noFill/>
         </p:spPr>
+        <p:txBody>
+          <a:bodyPr wrap="square" rtlCol="0">
+            <a:spAutoFit/>
+          </a:bodyPr>
+          <a:lstStyle/>
+          <a:p>
+            <a:r>
+              <a:rPr lang="en-US" altLang="ja-JP" dirty="0"/>
+              <a:t>MBTI</a:t>
+            </a:r>
+            <a:r>
+              <a:rPr lang="ja-JP" altLang="en-US" dirty="0"/>
+              <a:t>を用いて</a:t>
+            </a:r>
+            <a:endParaRPr lang="en-US" altLang="ja-JP" dirty="0"/>
+          </a:p>
+          <a:p>
+            <a:r>
+              <a:rPr lang="ja-JP" altLang="en-US" dirty="0"/>
+              <a:t>メンバの相互作用が原因となって起きる事象を予測</a:t>
+            </a:r>
+            <a:r>
+              <a:rPr lang="ja-JP" altLang="en-US" dirty="0" smtClean="0"/>
+              <a:t>したい</a:t>
+            </a:r>
+            <a:endParaRPr lang="ja-JP" altLang="en-US" dirty="0"/>
+          </a:p>
+        </p:txBody>
+      </p:sp>
+      <p:sp>
+        <p:nvSpPr>
+          <p:cNvPr id="42" name="右矢印 41"/>
+          <p:cNvSpPr/>
+          <p:nvPr/>
+        </p:nvSpPr>
+        <p:spPr>
+          <a:xfrm>
+            <a:off x="3051700" y="2007977"/>
+            <a:ext cx="290654" cy="965463"/>
+          </a:xfrm>
+          <a:prstGeom prst="rightArrow">
+            <a:avLst/>
+          </a:prstGeom>
+        </p:spPr>
         <p:style>
           <a:lnRef idx="2">
-            <a:schemeClr val="accent1">
-              <a:shade val="50000"/>
-            </a:schemeClr>
+            <a:schemeClr val="accent1"/>
           </a:lnRef>
           <a:fillRef idx="1">
-            <a:schemeClr val="accent1"/>
+            <a:schemeClr val="lt1"/>
           </a:fillRef>
           <a:effectRef idx="0">
             <a:schemeClr val="accent1"/>
           </a:effectRef>
           <a:fontRef idx="minor">
-            <a:schemeClr val="lt1"/>
+            <a:schemeClr val="dk1"/>
           </a:fontRef>
         </p:style>
         <p:txBody>
@@ -7213,6 +6092,1107 @@
           <a:p>
             <a:pPr algn="ctr"/>
             <a:endParaRPr kumimoji="1" lang="ja-JP" altLang="en-US"/>
+          </a:p>
+        </p:txBody>
+      </p:sp>
+      <p:sp>
+        <p:nvSpPr>
+          <p:cNvPr id="52" name="右矢印 51"/>
+          <p:cNvSpPr/>
+          <p:nvPr/>
+        </p:nvSpPr>
+        <p:spPr>
+          <a:xfrm>
+            <a:off x="4470386" y="1973308"/>
+            <a:ext cx="290654" cy="965463"/>
+          </a:xfrm>
+          <a:prstGeom prst="rightArrow">
+            <a:avLst/>
+          </a:prstGeom>
+        </p:spPr>
+        <p:style>
+          <a:lnRef idx="2">
+            <a:schemeClr val="accent1"/>
+          </a:lnRef>
+          <a:fillRef idx="1">
+            <a:schemeClr val="lt1"/>
+          </a:fillRef>
+          <a:effectRef idx="0">
+            <a:schemeClr val="accent1"/>
+          </a:effectRef>
+          <a:fontRef idx="minor">
+            <a:schemeClr val="dk1"/>
+          </a:fontRef>
+        </p:style>
+        <p:txBody>
+          <a:bodyPr rtlCol="0" anchor="ctr"/>
+          <a:lstStyle/>
+          <a:p>
+            <a:pPr algn="ctr"/>
+            <a:endParaRPr kumimoji="1" lang="ja-JP" altLang="en-US"/>
+          </a:p>
+        </p:txBody>
+      </p:sp>
+      <p:sp>
+        <p:nvSpPr>
+          <p:cNvPr id="47" name="角丸四角形 46"/>
+          <p:cNvSpPr/>
+          <p:nvPr/>
+        </p:nvSpPr>
+        <p:spPr>
+          <a:xfrm>
+            <a:off x="3400943" y="1662504"/>
+            <a:ext cx="943896" cy="1635123"/>
+          </a:xfrm>
+          <a:prstGeom prst="roundRect">
+            <a:avLst/>
+          </a:prstGeom>
+        </p:spPr>
+        <p:style>
+          <a:lnRef idx="2">
+            <a:schemeClr val="accent1"/>
+          </a:lnRef>
+          <a:fillRef idx="1">
+            <a:schemeClr val="lt1"/>
+          </a:fillRef>
+          <a:effectRef idx="0">
+            <a:schemeClr val="accent1"/>
+          </a:effectRef>
+          <a:fontRef idx="minor">
+            <a:schemeClr val="dk1"/>
+          </a:fontRef>
+        </p:style>
+        <p:txBody>
+          <a:bodyPr rtlCol="0" anchor="ctr"/>
+          <a:lstStyle/>
+          <a:p>
+            <a:pPr algn="ctr">
+              <a:lnSpc>
+                <a:spcPct val="150000"/>
+              </a:lnSpc>
+            </a:pPr>
+            <a:r>
+              <a:rPr kumimoji="1" lang="ja-JP" altLang="en-US" sz="1600" dirty="0" smtClean="0"/>
+              <a:t>社交的</a:t>
+            </a:r>
+            <a:endParaRPr kumimoji="1" lang="en-US" altLang="ja-JP" sz="1600" dirty="0" smtClean="0"/>
+          </a:p>
+          <a:p>
+            <a:pPr algn="ctr">
+              <a:lnSpc>
+                <a:spcPct val="150000"/>
+              </a:lnSpc>
+            </a:pPr>
+            <a:r>
+              <a:rPr lang="ja-JP" altLang="en-US" sz="1600" dirty="0" smtClean="0"/>
+              <a:t>現実的</a:t>
+            </a:r>
+            <a:endParaRPr lang="en-US" altLang="ja-JP" sz="1600" dirty="0" smtClean="0"/>
+          </a:p>
+          <a:p>
+            <a:pPr algn="ctr">
+              <a:lnSpc>
+                <a:spcPct val="150000"/>
+              </a:lnSpc>
+            </a:pPr>
+            <a:r>
+              <a:rPr lang="ja-JP" altLang="en-US" sz="1600" dirty="0" smtClean="0"/>
+              <a:t>人情家</a:t>
+            </a:r>
+            <a:endParaRPr lang="en-US" altLang="ja-JP" sz="1600" dirty="0" smtClean="0"/>
+          </a:p>
+          <a:p>
+            <a:pPr algn="ctr">
+              <a:lnSpc>
+                <a:spcPct val="150000"/>
+              </a:lnSpc>
+            </a:pPr>
+            <a:r>
+              <a:rPr kumimoji="1" lang="ja-JP" altLang="en-US" sz="1600" dirty="0" smtClean="0"/>
+              <a:t>柔軟</a:t>
+            </a:r>
+            <a:endParaRPr kumimoji="1" lang="ja-JP" altLang="en-US" sz="1600" dirty="0"/>
+          </a:p>
+        </p:txBody>
+      </p:sp>
+      <p:sp>
+        <p:nvSpPr>
+          <p:cNvPr id="48" name="角丸四角形 47"/>
+          <p:cNvSpPr/>
+          <p:nvPr/>
+        </p:nvSpPr>
+        <p:spPr>
+          <a:xfrm>
+            <a:off x="4817647" y="2048419"/>
+            <a:ext cx="1836420" cy="754273"/>
+          </a:xfrm>
+          <a:prstGeom prst="roundRect">
+            <a:avLst/>
+          </a:prstGeom>
+        </p:spPr>
+        <p:style>
+          <a:lnRef idx="2">
+            <a:schemeClr val="accent1"/>
+          </a:lnRef>
+          <a:fillRef idx="1">
+            <a:schemeClr val="lt1"/>
+          </a:fillRef>
+          <a:effectRef idx="0">
+            <a:schemeClr val="accent1"/>
+          </a:effectRef>
+          <a:fontRef idx="minor">
+            <a:schemeClr val="dk1"/>
+          </a:fontRef>
+        </p:style>
+        <p:txBody>
+          <a:bodyPr rtlCol="0" anchor="ctr"/>
+          <a:lstStyle/>
+          <a:p>
+            <a:pPr algn="ctr"/>
+            <a:r>
+              <a:rPr kumimoji="1" lang="en-US" altLang="ja-JP" sz="4400" dirty="0" smtClean="0"/>
+              <a:t>ESNP</a:t>
+            </a:r>
+            <a:endParaRPr kumimoji="1" lang="ja-JP" altLang="en-US" sz="4400" dirty="0"/>
+          </a:p>
+        </p:txBody>
+      </p:sp>
+      <p:sp>
+        <p:nvSpPr>
+          <p:cNvPr id="49" name="テキスト ボックス 48"/>
+          <p:cNvSpPr txBox="1"/>
+          <p:nvPr/>
+        </p:nvSpPr>
+        <p:spPr>
+          <a:xfrm>
+            <a:off x="3555819" y="1396484"/>
+            <a:ext cx="634144" cy="307777"/>
+          </a:xfrm>
+          <a:prstGeom prst="rect">
+            <a:avLst/>
+          </a:prstGeom>
+          <a:noFill/>
+        </p:spPr>
+        <p:txBody>
+          <a:bodyPr wrap="square" rtlCol="0">
+            <a:spAutoFit/>
+          </a:bodyPr>
+          <a:lstStyle/>
+          <a:p>
+            <a:pPr algn="ctr"/>
+            <a:r>
+              <a:rPr kumimoji="1" lang="ja-JP" altLang="en-US" sz="1400" dirty="0" smtClean="0"/>
+              <a:t>特徴</a:t>
+            </a:r>
+            <a:endParaRPr kumimoji="1" lang="ja-JP" altLang="en-US" dirty="0"/>
+          </a:p>
+        </p:txBody>
+      </p:sp>
+      <p:sp>
+        <p:nvSpPr>
+          <p:cNvPr id="50" name="テキスト ボックス 49"/>
+          <p:cNvSpPr txBox="1"/>
+          <p:nvPr/>
+        </p:nvSpPr>
+        <p:spPr>
+          <a:xfrm>
+            <a:off x="5173805" y="1736056"/>
+            <a:ext cx="1124103" cy="369332"/>
+          </a:xfrm>
+          <a:prstGeom prst="rect">
+            <a:avLst/>
+          </a:prstGeom>
+          <a:noFill/>
+        </p:spPr>
+        <p:txBody>
+          <a:bodyPr wrap="square" rtlCol="0">
+            <a:spAutoFit/>
+          </a:bodyPr>
+          <a:lstStyle/>
+          <a:p>
+            <a:pPr algn="ctr"/>
+            <a:r>
+              <a:rPr kumimoji="1" lang="ja-JP" altLang="en-US" dirty="0" smtClean="0"/>
+              <a:t>その人は</a:t>
+            </a:r>
+            <a:endParaRPr kumimoji="1" lang="ja-JP" altLang="en-US" dirty="0"/>
+          </a:p>
+        </p:txBody>
+      </p:sp>
+      <p:graphicFrame>
+        <p:nvGraphicFramePr>
+          <p:cNvPr id="57" name="表 56"/>
+          <p:cNvGraphicFramePr>
+            <a:graphicFrameLocks noGrp="1"/>
+          </p:cNvGraphicFramePr>
+          <p:nvPr>
+            <p:extLst>
+              <p:ext uri="{D42A27DB-BD31-4B8C-83A1-F6EECF244321}">
+                <p14:modId xmlns:p14="http://schemas.microsoft.com/office/powerpoint/2010/main" val="2494517696"/>
+              </p:ext>
+            </p:extLst>
+          </p:nvPr>
+        </p:nvGraphicFramePr>
+        <p:xfrm>
+          <a:off x="358678" y="5923283"/>
+          <a:ext cx="911666" cy="2514600"/>
+        </p:xfrm>
+        <a:graphic>
+          <a:graphicData uri="http://schemas.openxmlformats.org/drawingml/2006/table">
+            <a:tbl>
+              <a:tblPr>
+                <a:tableStyleId>{5C22544A-7EE6-4342-B048-85BDC9FD1C3A}</a:tableStyleId>
+              </a:tblPr>
+              <a:tblGrid>
+                <a:gridCol w="458982"/>
+                <a:gridCol w="452684"/>
+              </a:tblGrid>
+              <a:tr h="154330">
+                <a:tc>
+                  <a:txBody>
+                    <a:bodyPr/>
+                    <a:lstStyle/>
+                    <a:p>
+                      <a:pPr algn="l" fontAlgn="ctr"/>
+                      <a:r>
+                        <a:rPr lang="ja-JP" altLang="en-US" sz="1100" u="none" strike="noStrike" dirty="0">
+                          <a:effectLst/>
+                          <a:latin typeface="+mn-ea"/>
+                          <a:ea typeface="+mn-ea"/>
+                        </a:rPr>
+                        <a:t>タイプ</a:t>
+                      </a:r>
+                      <a:endParaRPr lang="ja-JP" altLang="en-US" sz="1100" b="0" i="0" u="none" strike="noStrike" dirty="0">
+                        <a:solidFill>
+                          <a:srgbClr val="000000"/>
+                        </a:solidFill>
+                        <a:effectLst/>
+                        <a:latin typeface="+mn-ea"/>
+                        <a:ea typeface="+mn-ea"/>
+                      </a:endParaRPr>
+                    </a:p>
+                  </a:txBody>
+                  <a:tcPr marL="0" marR="0" marT="0" marB="0" anchor="ctr"/>
+                </a:tc>
+                <a:tc>
+                  <a:txBody>
+                    <a:bodyPr/>
+                    <a:lstStyle/>
+                    <a:p>
+                      <a:pPr algn="l" fontAlgn="ctr"/>
+                      <a:r>
+                        <a:rPr lang="ja-JP" altLang="en-US" sz="1100" u="none" strike="noStrike">
+                          <a:effectLst/>
+                          <a:latin typeface="+mn-ea"/>
+                          <a:ea typeface="+mn-ea"/>
+                        </a:rPr>
+                        <a:t>人数</a:t>
+                      </a:r>
+                      <a:endParaRPr lang="ja-JP" altLang="en-US" sz="1100" b="0" i="0" u="none" strike="noStrike">
+                        <a:solidFill>
+                          <a:srgbClr val="000000"/>
+                        </a:solidFill>
+                        <a:effectLst/>
+                        <a:latin typeface="+mn-ea"/>
+                        <a:ea typeface="+mn-ea"/>
+                      </a:endParaRPr>
+                    </a:p>
+                  </a:txBody>
+                  <a:tcPr marL="0" marR="0" marT="0" marB="0" anchor="ctr"/>
+                </a:tc>
+              </a:tr>
+              <a:tr h="154330">
+                <a:tc>
+                  <a:txBody>
+                    <a:bodyPr/>
+                    <a:lstStyle/>
+                    <a:p>
+                      <a:pPr algn="l" fontAlgn="ctr"/>
+                      <a:r>
+                        <a:rPr lang="en-US" sz="1100" u="none" strike="noStrike" dirty="0">
+                          <a:effectLst/>
+                          <a:latin typeface="+mn-ea"/>
+                          <a:ea typeface="+mn-ea"/>
+                        </a:rPr>
+                        <a:t>INFP</a:t>
+                      </a:r>
+                      <a:endParaRPr lang="en-US" sz="1100" b="0" i="0" u="none" strike="noStrike" dirty="0">
+                        <a:solidFill>
+                          <a:srgbClr val="000000"/>
+                        </a:solidFill>
+                        <a:effectLst/>
+                        <a:latin typeface="+mn-ea"/>
+                        <a:ea typeface="+mn-ea"/>
+                      </a:endParaRPr>
+                    </a:p>
+                  </a:txBody>
+                  <a:tcPr marL="0" marR="0" marT="0" marB="0" anchor="ctr"/>
+                </a:tc>
+                <a:tc>
+                  <a:txBody>
+                    <a:bodyPr/>
+                    <a:lstStyle/>
+                    <a:p>
+                      <a:pPr algn="r" fontAlgn="ctr"/>
+                      <a:r>
+                        <a:rPr lang="en-US" altLang="ja-JP" sz="1100" u="none" strike="noStrike">
+                          <a:effectLst/>
+                          <a:latin typeface="+mn-ea"/>
+                          <a:ea typeface="+mn-ea"/>
+                        </a:rPr>
+                        <a:t>4</a:t>
+                      </a:r>
+                      <a:endParaRPr lang="en-US" altLang="ja-JP" sz="1100" b="0" i="0" u="none" strike="noStrike">
+                        <a:solidFill>
+                          <a:srgbClr val="000000"/>
+                        </a:solidFill>
+                        <a:effectLst/>
+                        <a:latin typeface="+mn-ea"/>
+                        <a:ea typeface="+mn-ea"/>
+                      </a:endParaRPr>
+                    </a:p>
+                  </a:txBody>
+                  <a:tcPr marL="0" marR="0" marT="0" marB="0" anchor="ctr"/>
+                </a:tc>
+              </a:tr>
+              <a:tr h="154330">
+                <a:tc>
+                  <a:txBody>
+                    <a:bodyPr/>
+                    <a:lstStyle/>
+                    <a:p>
+                      <a:pPr algn="l" fontAlgn="ctr"/>
+                      <a:r>
+                        <a:rPr lang="en-US" sz="1100" u="none" strike="noStrike" dirty="0">
+                          <a:effectLst/>
+                          <a:latin typeface="+mn-ea"/>
+                          <a:ea typeface="+mn-ea"/>
+                        </a:rPr>
+                        <a:t>ESTP</a:t>
+                      </a:r>
+                      <a:endParaRPr lang="en-US" sz="1100" b="0" i="0" u="none" strike="noStrike" dirty="0">
+                        <a:solidFill>
+                          <a:srgbClr val="000000"/>
+                        </a:solidFill>
+                        <a:effectLst/>
+                        <a:latin typeface="+mn-ea"/>
+                        <a:ea typeface="+mn-ea"/>
+                      </a:endParaRPr>
+                    </a:p>
+                  </a:txBody>
+                  <a:tcPr marL="0" marR="0" marT="0" marB="0" anchor="ctr"/>
+                </a:tc>
+                <a:tc>
+                  <a:txBody>
+                    <a:bodyPr/>
+                    <a:lstStyle/>
+                    <a:p>
+                      <a:pPr algn="r" fontAlgn="ctr"/>
+                      <a:r>
+                        <a:rPr lang="en-US" altLang="ja-JP" sz="1100" u="none" strike="noStrike">
+                          <a:effectLst/>
+                          <a:latin typeface="+mn-ea"/>
+                          <a:ea typeface="+mn-ea"/>
+                        </a:rPr>
+                        <a:t>4</a:t>
+                      </a:r>
+                      <a:endParaRPr lang="en-US" altLang="ja-JP" sz="1100" b="0" i="0" u="none" strike="noStrike">
+                        <a:solidFill>
+                          <a:srgbClr val="000000"/>
+                        </a:solidFill>
+                        <a:effectLst/>
+                        <a:latin typeface="+mn-ea"/>
+                        <a:ea typeface="+mn-ea"/>
+                      </a:endParaRPr>
+                    </a:p>
+                  </a:txBody>
+                  <a:tcPr marL="0" marR="0" marT="0" marB="0" anchor="ctr"/>
+                </a:tc>
+              </a:tr>
+              <a:tr h="154330">
+                <a:tc>
+                  <a:txBody>
+                    <a:bodyPr/>
+                    <a:lstStyle/>
+                    <a:p>
+                      <a:pPr algn="l" fontAlgn="ctr"/>
+                      <a:r>
+                        <a:rPr lang="en-US" sz="1100" u="none" strike="noStrike" dirty="0">
+                          <a:effectLst/>
+                          <a:latin typeface="+mn-ea"/>
+                          <a:ea typeface="+mn-ea"/>
+                        </a:rPr>
+                        <a:t>ENTP</a:t>
+                      </a:r>
+                      <a:endParaRPr lang="en-US" sz="1100" b="0" i="0" u="none" strike="noStrike" dirty="0">
+                        <a:solidFill>
+                          <a:srgbClr val="000000"/>
+                        </a:solidFill>
+                        <a:effectLst/>
+                        <a:latin typeface="+mn-ea"/>
+                        <a:ea typeface="+mn-ea"/>
+                      </a:endParaRPr>
+                    </a:p>
+                  </a:txBody>
+                  <a:tcPr marL="0" marR="0" marT="0" marB="0" anchor="ctr"/>
+                </a:tc>
+                <a:tc>
+                  <a:txBody>
+                    <a:bodyPr/>
+                    <a:lstStyle/>
+                    <a:p>
+                      <a:pPr algn="r" fontAlgn="ctr"/>
+                      <a:r>
+                        <a:rPr lang="en-US" altLang="ja-JP" sz="1100" u="none" strike="noStrike" dirty="0">
+                          <a:effectLst/>
+                          <a:latin typeface="+mn-ea"/>
+                          <a:ea typeface="+mn-ea"/>
+                        </a:rPr>
+                        <a:t>4</a:t>
+                      </a:r>
+                      <a:endParaRPr lang="en-US" altLang="ja-JP" sz="1100" b="0" i="0" u="none" strike="noStrike" dirty="0">
+                        <a:solidFill>
+                          <a:srgbClr val="000000"/>
+                        </a:solidFill>
+                        <a:effectLst/>
+                        <a:latin typeface="+mn-ea"/>
+                        <a:ea typeface="+mn-ea"/>
+                      </a:endParaRPr>
+                    </a:p>
+                  </a:txBody>
+                  <a:tcPr marL="0" marR="0" marT="0" marB="0" anchor="ctr"/>
+                </a:tc>
+              </a:tr>
+              <a:tr h="154330">
+                <a:tc>
+                  <a:txBody>
+                    <a:bodyPr/>
+                    <a:lstStyle/>
+                    <a:p>
+                      <a:pPr algn="l" fontAlgn="ctr"/>
+                      <a:r>
+                        <a:rPr lang="en-US" sz="1100" u="none" strike="noStrike" dirty="0">
+                          <a:effectLst/>
+                          <a:latin typeface="+mn-ea"/>
+                          <a:ea typeface="+mn-ea"/>
+                        </a:rPr>
+                        <a:t>ISTP</a:t>
+                      </a:r>
+                      <a:endParaRPr lang="en-US" sz="1100" b="0" i="0" u="none" strike="noStrike" dirty="0">
+                        <a:solidFill>
+                          <a:srgbClr val="000000"/>
+                        </a:solidFill>
+                        <a:effectLst/>
+                        <a:latin typeface="+mn-ea"/>
+                        <a:ea typeface="+mn-ea"/>
+                      </a:endParaRPr>
+                    </a:p>
+                  </a:txBody>
+                  <a:tcPr marL="0" marR="0" marT="0" marB="0" anchor="ctr"/>
+                </a:tc>
+                <a:tc>
+                  <a:txBody>
+                    <a:bodyPr/>
+                    <a:lstStyle/>
+                    <a:p>
+                      <a:pPr algn="r" fontAlgn="ctr"/>
+                      <a:r>
+                        <a:rPr lang="en-US" altLang="ja-JP" sz="1100" u="none" strike="noStrike" dirty="0">
+                          <a:effectLst/>
+                          <a:latin typeface="+mn-ea"/>
+                          <a:ea typeface="+mn-ea"/>
+                        </a:rPr>
+                        <a:t>3</a:t>
+                      </a:r>
+                      <a:endParaRPr lang="en-US" altLang="ja-JP" sz="1100" b="0" i="0" u="none" strike="noStrike" dirty="0">
+                        <a:solidFill>
+                          <a:srgbClr val="000000"/>
+                        </a:solidFill>
+                        <a:effectLst/>
+                        <a:latin typeface="+mn-ea"/>
+                        <a:ea typeface="+mn-ea"/>
+                      </a:endParaRPr>
+                    </a:p>
+                  </a:txBody>
+                  <a:tcPr marL="0" marR="0" marT="0" marB="0" anchor="ctr"/>
+                </a:tc>
+              </a:tr>
+              <a:tr h="154330">
+                <a:tc>
+                  <a:txBody>
+                    <a:bodyPr/>
+                    <a:lstStyle/>
+                    <a:p>
+                      <a:pPr algn="l" fontAlgn="ctr"/>
+                      <a:r>
+                        <a:rPr lang="en-US" sz="1100" u="none" strike="noStrike" dirty="0">
+                          <a:effectLst/>
+                          <a:latin typeface="+mn-ea"/>
+                          <a:ea typeface="+mn-ea"/>
+                        </a:rPr>
+                        <a:t>ISFP</a:t>
+                      </a:r>
+                      <a:endParaRPr lang="en-US" sz="1100" b="0" i="0" u="none" strike="noStrike" dirty="0">
+                        <a:solidFill>
+                          <a:srgbClr val="000000"/>
+                        </a:solidFill>
+                        <a:effectLst/>
+                        <a:latin typeface="+mn-ea"/>
+                        <a:ea typeface="+mn-ea"/>
+                      </a:endParaRPr>
+                    </a:p>
+                  </a:txBody>
+                  <a:tcPr marL="0" marR="0" marT="0" marB="0" anchor="ctr"/>
+                </a:tc>
+                <a:tc>
+                  <a:txBody>
+                    <a:bodyPr/>
+                    <a:lstStyle/>
+                    <a:p>
+                      <a:pPr algn="r" fontAlgn="ctr"/>
+                      <a:r>
+                        <a:rPr lang="en-US" altLang="ja-JP" sz="1100" u="none" strike="noStrike" dirty="0">
+                          <a:effectLst/>
+                          <a:latin typeface="+mn-ea"/>
+                          <a:ea typeface="+mn-ea"/>
+                        </a:rPr>
+                        <a:t>3</a:t>
+                      </a:r>
+                      <a:endParaRPr lang="en-US" altLang="ja-JP" sz="1100" b="0" i="0" u="none" strike="noStrike" dirty="0">
+                        <a:solidFill>
+                          <a:srgbClr val="000000"/>
+                        </a:solidFill>
+                        <a:effectLst/>
+                        <a:latin typeface="+mn-ea"/>
+                        <a:ea typeface="+mn-ea"/>
+                      </a:endParaRPr>
+                    </a:p>
+                  </a:txBody>
+                  <a:tcPr marL="0" marR="0" marT="0" marB="0" anchor="ctr"/>
+                </a:tc>
+              </a:tr>
+              <a:tr h="154330">
+                <a:tc>
+                  <a:txBody>
+                    <a:bodyPr/>
+                    <a:lstStyle/>
+                    <a:p>
+                      <a:pPr algn="l" fontAlgn="ctr"/>
+                      <a:r>
+                        <a:rPr lang="en-US" sz="1100" u="none" strike="noStrike">
+                          <a:effectLst/>
+                          <a:latin typeface="+mn-ea"/>
+                          <a:ea typeface="+mn-ea"/>
+                        </a:rPr>
+                        <a:t>ISFJ</a:t>
+                      </a:r>
+                      <a:endParaRPr lang="en-US" sz="1100" b="0" i="0" u="none" strike="noStrike">
+                        <a:solidFill>
+                          <a:srgbClr val="000000"/>
+                        </a:solidFill>
+                        <a:effectLst/>
+                        <a:latin typeface="+mn-ea"/>
+                        <a:ea typeface="+mn-ea"/>
+                      </a:endParaRPr>
+                    </a:p>
+                  </a:txBody>
+                  <a:tcPr marL="0" marR="0" marT="0" marB="0" anchor="ctr"/>
+                </a:tc>
+                <a:tc>
+                  <a:txBody>
+                    <a:bodyPr/>
+                    <a:lstStyle/>
+                    <a:p>
+                      <a:pPr algn="r" fontAlgn="ctr"/>
+                      <a:r>
+                        <a:rPr lang="en-US" altLang="ja-JP" sz="1100" u="none" strike="noStrike" dirty="0">
+                          <a:effectLst/>
+                          <a:latin typeface="+mn-ea"/>
+                          <a:ea typeface="+mn-ea"/>
+                        </a:rPr>
+                        <a:t>3</a:t>
+                      </a:r>
+                      <a:endParaRPr lang="en-US" altLang="ja-JP" sz="1100" b="0" i="0" u="none" strike="noStrike" dirty="0">
+                        <a:solidFill>
+                          <a:srgbClr val="000000"/>
+                        </a:solidFill>
+                        <a:effectLst/>
+                        <a:latin typeface="+mn-ea"/>
+                        <a:ea typeface="+mn-ea"/>
+                      </a:endParaRPr>
+                    </a:p>
+                  </a:txBody>
+                  <a:tcPr marL="0" marR="0" marT="0" marB="0" anchor="ctr"/>
+                </a:tc>
+              </a:tr>
+              <a:tr h="154330">
+                <a:tc>
+                  <a:txBody>
+                    <a:bodyPr/>
+                    <a:lstStyle/>
+                    <a:p>
+                      <a:pPr algn="l" fontAlgn="ctr"/>
+                      <a:r>
+                        <a:rPr lang="en-US" sz="1100" u="none" strike="noStrike" dirty="0">
+                          <a:effectLst/>
+                          <a:latin typeface="+mn-ea"/>
+                          <a:ea typeface="+mn-ea"/>
+                        </a:rPr>
+                        <a:t>ESFP</a:t>
+                      </a:r>
+                      <a:endParaRPr lang="en-US" sz="1100" b="0" i="0" u="none" strike="noStrike" dirty="0">
+                        <a:solidFill>
+                          <a:srgbClr val="000000"/>
+                        </a:solidFill>
+                        <a:effectLst/>
+                        <a:latin typeface="+mn-ea"/>
+                        <a:ea typeface="+mn-ea"/>
+                      </a:endParaRPr>
+                    </a:p>
+                  </a:txBody>
+                  <a:tcPr marL="0" marR="0" marT="0" marB="0" anchor="ctr"/>
+                </a:tc>
+                <a:tc>
+                  <a:txBody>
+                    <a:bodyPr/>
+                    <a:lstStyle/>
+                    <a:p>
+                      <a:pPr algn="r" fontAlgn="ctr"/>
+                      <a:r>
+                        <a:rPr lang="en-US" altLang="ja-JP" sz="1100" u="none" strike="noStrike" dirty="0">
+                          <a:effectLst/>
+                          <a:latin typeface="+mn-ea"/>
+                          <a:ea typeface="+mn-ea"/>
+                        </a:rPr>
+                        <a:t>3</a:t>
+                      </a:r>
+                      <a:endParaRPr lang="en-US" altLang="ja-JP" sz="1100" b="0" i="0" u="none" strike="noStrike" dirty="0">
+                        <a:solidFill>
+                          <a:srgbClr val="000000"/>
+                        </a:solidFill>
+                        <a:effectLst/>
+                        <a:latin typeface="+mn-ea"/>
+                        <a:ea typeface="+mn-ea"/>
+                      </a:endParaRPr>
+                    </a:p>
+                  </a:txBody>
+                  <a:tcPr marL="0" marR="0" marT="0" marB="0" anchor="ctr"/>
+                </a:tc>
+              </a:tr>
+              <a:tr h="154330">
+                <a:tc>
+                  <a:txBody>
+                    <a:bodyPr/>
+                    <a:lstStyle/>
+                    <a:p>
+                      <a:pPr algn="l" fontAlgn="ctr"/>
+                      <a:r>
+                        <a:rPr lang="en-US" sz="1100" u="none" strike="noStrike">
+                          <a:effectLst/>
+                          <a:latin typeface="+mn-ea"/>
+                          <a:ea typeface="+mn-ea"/>
+                        </a:rPr>
+                        <a:t>ESFJ</a:t>
+                      </a:r>
+                      <a:endParaRPr lang="en-US" sz="1100" b="0" i="0" u="none" strike="noStrike">
+                        <a:solidFill>
+                          <a:srgbClr val="000000"/>
+                        </a:solidFill>
+                        <a:effectLst/>
+                        <a:latin typeface="+mn-ea"/>
+                        <a:ea typeface="+mn-ea"/>
+                      </a:endParaRPr>
+                    </a:p>
+                  </a:txBody>
+                  <a:tcPr marL="0" marR="0" marT="0" marB="0" anchor="ctr"/>
+                </a:tc>
+                <a:tc>
+                  <a:txBody>
+                    <a:bodyPr/>
+                    <a:lstStyle/>
+                    <a:p>
+                      <a:pPr algn="r" fontAlgn="ctr"/>
+                      <a:r>
+                        <a:rPr lang="en-US" altLang="ja-JP" sz="1100" u="none" strike="noStrike" dirty="0">
+                          <a:effectLst/>
+                          <a:latin typeface="+mn-ea"/>
+                          <a:ea typeface="+mn-ea"/>
+                        </a:rPr>
+                        <a:t>3</a:t>
+                      </a:r>
+                      <a:endParaRPr lang="en-US" altLang="ja-JP" sz="1100" b="0" i="0" u="none" strike="noStrike" dirty="0">
+                        <a:solidFill>
+                          <a:srgbClr val="000000"/>
+                        </a:solidFill>
+                        <a:effectLst/>
+                        <a:latin typeface="+mn-ea"/>
+                        <a:ea typeface="+mn-ea"/>
+                      </a:endParaRPr>
+                    </a:p>
+                  </a:txBody>
+                  <a:tcPr marL="0" marR="0" marT="0" marB="0" anchor="ctr"/>
+                </a:tc>
+              </a:tr>
+              <a:tr h="154330">
+                <a:tc>
+                  <a:txBody>
+                    <a:bodyPr/>
+                    <a:lstStyle/>
+                    <a:p>
+                      <a:pPr algn="l" fontAlgn="ctr"/>
+                      <a:r>
+                        <a:rPr lang="en-US" sz="1100" u="none" strike="noStrike">
+                          <a:effectLst/>
+                          <a:latin typeface="+mn-ea"/>
+                          <a:ea typeface="+mn-ea"/>
+                        </a:rPr>
+                        <a:t>INTP</a:t>
+                      </a:r>
+                      <a:endParaRPr lang="en-US" sz="1100" b="0" i="0" u="none" strike="noStrike">
+                        <a:solidFill>
+                          <a:srgbClr val="000000"/>
+                        </a:solidFill>
+                        <a:effectLst/>
+                        <a:latin typeface="+mn-ea"/>
+                        <a:ea typeface="+mn-ea"/>
+                      </a:endParaRPr>
+                    </a:p>
+                  </a:txBody>
+                  <a:tcPr marL="0" marR="0" marT="0" marB="0" anchor="ctr"/>
+                </a:tc>
+                <a:tc>
+                  <a:txBody>
+                    <a:bodyPr/>
+                    <a:lstStyle/>
+                    <a:p>
+                      <a:pPr algn="r" fontAlgn="ctr"/>
+                      <a:r>
+                        <a:rPr lang="en-US" altLang="ja-JP" sz="1100" u="none" strike="noStrike" dirty="0">
+                          <a:effectLst/>
+                          <a:latin typeface="+mn-ea"/>
+                          <a:ea typeface="+mn-ea"/>
+                        </a:rPr>
+                        <a:t>3</a:t>
+                      </a:r>
+                      <a:endParaRPr lang="en-US" altLang="ja-JP" sz="1100" b="0" i="0" u="none" strike="noStrike" dirty="0">
+                        <a:solidFill>
+                          <a:srgbClr val="000000"/>
+                        </a:solidFill>
+                        <a:effectLst/>
+                        <a:latin typeface="+mn-ea"/>
+                        <a:ea typeface="+mn-ea"/>
+                      </a:endParaRPr>
+                    </a:p>
+                  </a:txBody>
+                  <a:tcPr marL="0" marR="0" marT="0" marB="0" anchor="ctr"/>
+                </a:tc>
+              </a:tr>
+              <a:tr h="154330">
+                <a:tc>
+                  <a:txBody>
+                    <a:bodyPr/>
+                    <a:lstStyle/>
+                    <a:p>
+                      <a:pPr algn="l" fontAlgn="ctr"/>
+                      <a:r>
+                        <a:rPr lang="en-US" sz="1100" u="none" strike="noStrike">
+                          <a:effectLst/>
+                          <a:latin typeface="+mn-ea"/>
+                          <a:ea typeface="+mn-ea"/>
+                        </a:rPr>
+                        <a:t>ESTJ</a:t>
+                      </a:r>
+                      <a:endParaRPr lang="en-US" sz="1100" b="0" i="0" u="none" strike="noStrike">
+                        <a:solidFill>
+                          <a:srgbClr val="000000"/>
+                        </a:solidFill>
+                        <a:effectLst/>
+                        <a:latin typeface="+mn-ea"/>
+                        <a:ea typeface="+mn-ea"/>
+                      </a:endParaRPr>
+                    </a:p>
+                  </a:txBody>
+                  <a:tcPr marL="0" marR="0" marT="0" marB="0" anchor="ctr"/>
+                </a:tc>
+                <a:tc>
+                  <a:txBody>
+                    <a:bodyPr/>
+                    <a:lstStyle/>
+                    <a:p>
+                      <a:pPr algn="r" fontAlgn="ctr"/>
+                      <a:r>
+                        <a:rPr lang="en-US" altLang="ja-JP" sz="1100" u="none" strike="noStrike" dirty="0">
+                          <a:effectLst/>
+                          <a:latin typeface="+mn-ea"/>
+                          <a:ea typeface="+mn-ea"/>
+                        </a:rPr>
+                        <a:t>3</a:t>
+                      </a:r>
+                      <a:endParaRPr lang="en-US" altLang="ja-JP" sz="1100" b="0" i="0" u="none" strike="noStrike" dirty="0">
+                        <a:solidFill>
+                          <a:srgbClr val="000000"/>
+                        </a:solidFill>
+                        <a:effectLst/>
+                        <a:latin typeface="+mn-ea"/>
+                        <a:ea typeface="+mn-ea"/>
+                      </a:endParaRPr>
+                    </a:p>
+                  </a:txBody>
+                  <a:tcPr marL="0" marR="0" marT="0" marB="0" anchor="ctr"/>
+                </a:tc>
+              </a:tr>
+              <a:tr h="154330">
+                <a:tc>
+                  <a:txBody>
+                    <a:bodyPr/>
+                    <a:lstStyle/>
+                    <a:p>
+                      <a:pPr algn="l" fontAlgn="ctr"/>
+                      <a:r>
+                        <a:rPr lang="en-US" sz="1100" u="none" strike="noStrike">
+                          <a:effectLst/>
+                          <a:latin typeface="+mn-ea"/>
+                          <a:ea typeface="+mn-ea"/>
+                        </a:rPr>
+                        <a:t>INFJ</a:t>
+                      </a:r>
+                      <a:endParaRPr lang="en-US" sz="1100" b="0" i="0" u="none" strike="noStrike">
+                        <a:solidFill>
+                          <a:srgbClr val="000000"/>
+                        </a:solidFill>
+                        <a:effectLst/>
+                        <a:latin typeface="+mn-ea"/>
+                        <a:ea typeface="+mn-ea"/>
+                      </a:endParaRPr>
+                    </a:p>
+                  </a:txBody>
+                  <a:tcPr marL="0" marR="0" marT="0" marB="0" anchor="ctr"/>
+                </a:tc>
+                <a:tc>
+                  <a:txBody>
+                    <a:bodyPr/>
+                    <a:lstStyle/>
+                    <a:p>
+                      <a:pPr algn="r" fontAlgn="ctr"/>
+                      <a:r>
+                        <a:rPr lang="en-US" altLang="ja-JP" sz="1100" u="none" strike="noStrike" dirty="0">
+                          <a:effectLst/>
+                          <a:latin typeface="+mn-ea"/>
+                          <a:ea typeface="+mn-ea"/>
+                        </a:rPr>
+                        <a:t>2</a:t>
+                      </a:r>
+                      <a:endParaRPr lang="en-US" altLang="ja-JP" sz="1100" b="0" i="0" u="none" strike="noStrike" dirty="0">
+                        <a:solidFill>
+                          <a:srgbClr val="000000"/>
+                        </a:solidFill>
+                        <a:effectLst/>
+                        <a:latin typeface="+mn-ea"/>
+                        <a:ea typeface="+mn-ea"/>
+                      </a:endParaRPr>
+                    </a:p>
+                  </a:txBody>
+                  <a:tcPr marL="0" marR="0" marT="0" marB="0" anchor="ctr"/>
+                </a:tc>
+              </a:tr>
+              <a:tr h="154330">
+                <a:tc>
+                  <a:txBody>
+                    <a:bodyPr/>
+                    <a:lstStyle/>
+                    <a:p>
+                      <a:pPr algn="l" fontAlgn="ctr"/>
+                      <a:r>
+                        <a:rPr lang="en-US" sz="1100" u="none" strike="noStrike">
+                          <a:effectLst/>
+                          <a:latin typeface="+mn-ea"/>
+                          <a:ea typeface="+mn-ea"/>
+                        </a:rPr>
+                        <a:t>ENFJ</a:t>
+                      </a:r>
+                      <a:endParaRPr lang="en-US" sz="1100" b="0" i="0" u="none" strike="noStrike">
+                        <a:solidFill>
+                          <a:srgbClr val="000000"/>
+                        </a:solidFill>
+                        <a:effectLst/>
+                        <a:latin typeface="+mn-ea"/>
+                        <a:ea typeface="+mn-ea"/>
+                      </a:endParaRPr>
+                    </a:p>
+                  </a:txBody>
+                  <a:tcPr marL="0" marR="0" marT="0" marB="0" anchor="ctr"/>
+                </a:tc>
+                <a:tc>
+                  <a:txBody>
+                    <a:bodyPr/>
+                    <a:lstStyle/>
+                    <a:p>
+                      <a:pPr algn="r" fontAlgn="ctr"/>
+                      <a:r>
+                        <a:rPr lang="en-US" altLang="ja-JP" sz="1100" u="none" strike="noStrike" dirty="0">
+                          <a:effectLst/>
+                          <a:latin typeface="+mn-ea"/>
+                          <a:ea typeface="+mn-ea"/>
+                        </a:rPr>
+                        <a:t>2</a:t>
+                      </a:r>
+                      <a:endParaRPr lang="en-US" altLang="ja-JP" sz="1100" b="0" i="0" u="none" strike="noStrike" dirty="0">
+                        <a:solidFill>
+                          <a:srgbClr val="000000"/>
+                        </a:solidFill>
+                        <a:effectLst/>
+                        <a:latin typeface="+mn-ea"/>
+                        <a:ea typeface="+mn-ea"/>
+                      </a:endParaRPr>
+                    </a:p>
+                  </a:txBody>
+                  <a:tcPr marL="0" marR="0" marT="0" marB="0" anchor="ctr"/>
+                </a:tc>
+              </a:tr>
+              <a:tr h="154330">
+                <a:tc>
+                  <a:txBody>
+                    <a:bodyPr/>
+                    <a:lstStyle/>
+                    <a:p>
+                      <a:pPr algn="l" fontAlgn="ctr"/>
+                      <a:r>
+                        <a:rPr lang="en-US" sz="1100" u="none" strike="noStrike">
+                          <a:effectLst/>
+                          <a:latin typeface="+mn-ea"/>
+                          <a:ea typeface="+mn-ea"/>
+                        </a:rPr>
+                        <a:t>ENTJ</a:t>
+                      </a:r>
+                      <a:endParaRPr lang="en-US" sz="1100" b="0" i="0" u="none" strike="noStrike">
+                        <a:solidFill>
+                          <a:srgbClr val="000000"/>
+                        </a:solidFill>
+                        <a:effectLst/>
+                        <a:latin typeface="+mn-ea"/>
+                        <a:ea typeface="+mn-ea"/>
+                      </a:endParaRPr>
+                    </a:p>
+                  </a:txBody>
+                  <a:tcPr marL="0" marR="0" marT="0" marB="0" anchor="ctr"/>
+                </a:tc>
+                <a:tc>
+                  <a:txBody>
+                    <a:bodyPr/>
+                    <a:lstStyle/>
+                    <a:p>
+                      <a:pPr algn="r" fontAlgn="ctr"/>
+                      <a:r>
+                        <a:rPr lang="en-US" altLang="ja-JP" sz="1100" u="none" strike="noStrike" dirty="0">
+                          <a:effectLst/>
+                          <a:latin typeface="+mn-ea"/>
+                          <a:ea typeface="+mn-ea"/>
+                        </a:rPr>
+                        <a:t>1</a:t>
+                      </a:r>
+                      <a:endParaRPr lang="en-US" altLang="ja-JP" sz="1100" b="0" i="0" u="none" strike="noStrike" dirty="0">
+                        <a:solidFill>
+                          <a:srgbClr val="000000"/>
+                        </a:solidFill>
+                        <a:effectLst/>
+                        <a:latin typeface="+mn-ea"/>
+                        <a:ea typeface="+mn-ea"/>
+                      </a:endParaRPr>
+                    </a:p>
+                  </a:txBody>
+                  <a:tcPr marL="0" marR="0" marT="0" marB="0" anchor="ctr"/>
+                </a:tc>
+              </a:tr>
+              <a:tr h="154330">
+                <a:tc>
+                  <a:txBody>
+                    <a:bodyPr/>
+                    <a:lstStyle/>
+                    <a:p>
+                      <a:pPr algn="l" fontAlgn="ctr"/>
+                      <a:r>
+                        <a:rPr lang="ja-JP" altLang="en-US" sz="1100" u="none" strike="noStrike">
+                          <a:effectLst/>
+                          <a:latin typeface="+mn-ea"/>
+                          <a:ea typeface="+mn-ea"/>
+                        </a:rPr>
+                        <a:t>合計</a:t>
+                      </a:r>
+                      <a:endParaRPr lang="ja-JP" altLang="en-US" sz="1100" b="0" i="0" u="none" strike="noStrike">
+                        <a:solidFill>
+                          <a:srgbClr val="000000"/>
+                        </a:solidFill>
+                        <a:effectLst/>
+                        <a:latin typeface="+mn-ea"/>
+                        <a:ea typeface="+mn-ea"/>
+                      </a:endParaRPr>
+                    </a:p>
+                  </a:txBody>
+                  <a:tcPr marL="0" marR="0" marT="0" marB="0" anchor="ctr"/>
+                </a:tc>
+                <a:tc>
+                  <a:txBody>
+                    <a:bodyPr/>
+                    <a:lstStyle/>
+                    <a:p>
+                      <a:pPr algn="r" fontAlgn="ctr"/>
+                      <a:r>
+                        <a:rPr lang="en-US" altLang="ja-JP" sz="1100" u="none" strike="noStrike" dirty="0">
+                          <a:effectLst/>
+                          <a:latin typeface="+mn-ea"/>
+                          <a:ea typeface="+mn-ea"/>
+                        </a:rPr>
+                        <a:t>38</a:t>
+                      </a:r>
+                      <a:endParaRPr lang="en-US" altLang="ja-JP" sz="1100" b="0" i="0" u="none" strike="noStrike" dirty="0">
+                        <a:solidFill>
+                          <a:srgbClr val="000000"/>
+                        </a:solidFill>
+                        <a:effectLst/>
+                        <a:latin typeface="+mn-ea"/>
+                        <a:ea typeface="+mn-ea"/>
+                      </a:endParaRPr>
+                    </a:p>
+                  </a:txBody>
+                  <a:tcPr marL="0" marR="0" marT="0" marB="0" anchor="ctr"/>
+                </a:tc>
+              </a:tr>
+            </a:tbl>
+          </a:graphicData>
+        </a:graphic>
+      </p:graphicFrame>
+      <p:sp>
+        <p:nvSpPr>
+          <p:cNvPr id="58" name="テキスト ボックス 57"/>
+          <p:cNvSpPr txBox="1"/>
+          <p:nvPr/>
+        </p:nvSpPr>
+        <p:spPr>
+          <a:xfrm>
+            <a:off x="431169" y="5686898"/>
+            <a:ext cx="758489" cy="276999"/>
+          </a:xfrm>
+          <a:prstGeom prst="rect">
+            <a:avLst/>
+          </a:prstGeom>
+          <a:noFill/>
+        </p:spPr>
+        <p:txBody>
+          <a:bodyPr wrap="square" rtlCol="0">
+            <a:spAutoFit/>
+          </a:bodyPr>
+          <a:lstStyle/>
+          <a:p>
+            <a:pPr algn="ctr"/>
+            <a:r>
+              <a:rPr kumimoji="1" lang="ja-JP" altLang="en-US" sz="1200" dirty="0" smtClean="0"/>
+              <a:t>表</a:t>
+            </a:r>
+            <a:r>
+              <a:rPr kumimoji="1" lang="en-US" altLang="ja-JP" sz="1200" dirty="0" smtClean="0"/>
+              <a:t>1</a:t>
+            </a:r>
+            <a:endParaRPr kumimoji="1" lang="ja-JP" altLang="en-US" sz="1200" dirty="0"/>
           </a:p>
         </p:txBody>
       </p:sp>

--- a/課題研究/2016/中村真悟/最終発表/課題研究ポスター.pptx
+++ b/課題研究/2016/中村真悟/最終発表/課題研究ポスター.pptx
@@ -266,7 +266,7 @@
           <a:p>
             <a:fld id="{D7E88D98-2D16-4615-AC74-52C049EAF5DD}" type="datetimeFigureOut">
               <a:rPr kumimoji="1" lang="ja-JP" altLang="en-US" smtClean="0"/>
-              <a:t>2016/12/14</a:t>
+              <a:t>2016/12/15</a:t>
             </a:fld>
             <a:endParaRPr kumimoji="1" lang="ja-JP" altLang="en-US"/>
           </a:p>
@@ -468,7 +468,7 @@
           <a:p>
             <a:fld id="{D7E88D98-2D16-4615-AC74-52C049EAF5DD}" type="datetimeFigureOut">
               <a:rPr kumimoji="1" lang="ja-JP" altLang="en-US" smtClean="0"/>
-              <a:t>2016/12/14</a:t>
+              <a:t>2016/12/15</a:t>
             </a:fld>
             <a:endParaRPr kumimoji="1" lang="ja-JP" altLang="en-US"/>
           </a:p>
@@ -680,7 +680,7 @@
           <a:p>
             <a:fld id="{D7E88D98-2D16-4615-AC74-52C049EAF5DD}" type="datetimeFigureOut">
               <a:rPr kumimoji="1" lang="ja-JP" altLang="en-US" smtClean="0"/>
-              <a:t>2016/12/14</a:t>
+              <a:t>2016/12/15</a:t>
             </a:fld>
             <a:endParaRPr kumimoji="1" lang="ja-JP" altLang="en-US"/>
           </a:p>
@@ -882,7 +882,7 @@
           <a:p>
             <a:fld id="{D7E88D98-2D16-4615-AC74-52C049EAF5DD}" type="datetimeFigureOut">
               <a:rPr kumimoji="1" lang="ja-JP" altLang="en-US" smtClean="0"/>
-              <a:t>2016/12/14</a:t>
+              <a:t>2016/12/15</a:t>
             </a:fld>
             <a:endParaRPr kumimoji="1" lang="ja-JP" altLang="en-US"/>
           </a:p>
@@ -1126,7 +1126,7 @@
           <a:p>
             <a:fld id="{D7E88D98-2D16-4615-AC74-52C049EAF5DD}" type="datetimeFigureOut">
               <a:rPr kumimoji="1" lang="ja-JP" altLang="en-US" smtClean="0"/>
-              <a:t>2016/12/14</a:t>
+              <a:t>2016/12/15</a:t>
             </a:fld>
             <a:endParaRPr kumimoji="1" lang="ja-JP" altLang="en-US"/>
           </a:p>
@@ -1422,7 +1422,7 @@
           <a:p>
             <a:fld id="{D7E88D98-2D16-4615-AC74-52C049EAF5DD}" type="datetimeFigureOut">
               <a:rPr kumimoji="1" lang="ja-JP" altLang="en-US" smtClean="0"/>
-              <a:t>2016/12/14</a:t>
+              <a:t>2016/12/15</a:t>
             </a:fld>
             <a:endParaRPr kumimoji="1" lang="ja-JP" altLang="en-US"/>
           </a:p>
@@ -1853,7 +1853,7 @@
           <a:p>
             <a:fld id="{D7E88D98-2D16-4615-AC74-52C049EAF5DD}" type="datetimeFigureOut">
               <a:rPr kumimoji="1" lang="ja-JP" altLang="en-US" smtClean="0"/>
-              <a:t>2016/12/14</a:t>
+              <a:t>2016/12/15</a:t>
             </a:fld>
             <a:endParaRPr kumimoji="1" lang="ja-JP" altLang="en-US"/>
           </a:p>
@@ -1971,7 +1971,7 @@
           <a:p>
             <a:fld id="{D7E88D98-2D16-4615-AC74-52C049EAF5DD}" type="datetimeFigureOut">
               <a:rPr kumimoji="1" lang="ja-JP" altLang="en-US" smtClean="0"/>
-              <a:t>2016/12/14</a:t>
+              <a:t>2016/12/15</a:t>
             </a:fld>
             <a:endParaRPr kumimoji="1" lang="ja-JP" altLang="en-US"/>
           </a:p>
@@ -2066,7 +2066,7 @@
           <a:p>
             <a:fld id="{D7E88D98-2D16-4615-AC74-52C049EAF5DD}" type="datetimeFigureOut">
               <a:rPr kumimoji="1" lang="ja-JP" altLang="en-US" smtClean="0"/>
-              <a:t>2016/12/14</a:t>
+              <a:t>2016/12/15</a:t>
             </a:fld>
             <a:endParaRPr kumimoji="1" lang="ja-JP" altLang="en-US"/>
           </a:p>
@@ -2375,7 +2375,7 @@
           <a:p>
             <a:fld id="{D7E88D98-2D16-4615-AC74-52C049EAF5DD}" type="datetimeFigureOut">
               <a:rPr kumimoji="1" lang="ja-JP" altLang="en-US" smtClean="0"/>
-              <a:t>2016/12/14</a:t>
+              <a:t>2016/12/15</a:t>
             </a:fld>
             <a:endParaRPr kumimoji="1" lang="ja-JP" altLang="en-US"/>
           </a:p>
@@ -2632,7 +2632,7 @@
           <a:p>
             <a:fld id="{D7E88D98-2D16-4615-AC74-52C049EAF5DD}" type="datetimeFigureOut">
               <a:rPr kumimoji="1" lang="ja-JP" altLang="en-US" smtClean="0"/>
-              <a:t>2016/12/14</a:t>
+              <a:t>2016/12/15</a:t>
             </a:fld>
             <a:endParaRPr kumimoji="1" lang="ja-JP" altLang="en-US"/>
           </a:p>
@@ -2877,7 +2877,7 @@
           <a:p>
             <a:fld id="{D7E88D98-2D16-4615-AC74-52C049EAF5DD}" type="datetimeFigureOut">
               <a:rPr kumimoji="1" lang="ja-JP" altLang="en-US" smtClean="0"/>
-              <a:t>2016/12/14</a:t>
+              <a:t>2016/12/15</a:t>
             </a:fld>
             <a:endParaRPr kumimoji="1" lang="ja-JP" altLang="en-US"/>
           </a:p>
@@ -3290,8 +3290,8 @@
         </p:nvSpPr>
         <p:spPr>
           <a:xfrm>
-            <a:off x="1381209" y="6266230"/>
-            <a:ext cx="5333535" cy="2187394"/>
+            <a:off x="1162134" y="6252417"/>
+            <a:ext cx="5571659" cy="2201207"/>
           </a:xfrm>
           <a:prstGeom prst="rect">
             <a:avLst/>
@@ -3342,10 +3342,10 @@
           </a:bodyPr>
           <a:lstStyle/>
           <a:p>
-            <a:r>
-              <a:rPr lang="ja-JP" altLang="en-US" sz="1400" dirty="0" smtClean="0"/>
-              <a:t>・ </a:t>
-            </a:r>
+            <a:pPr marL="342900" indent="-342900">
+              <a:buFont typeface="+mj-lt"/>
+              <a:buAutoNum type="arabicPeriod"/>
+            </a:pPr>
             <a:r>
               <a:rPr lang="en-US" altLang="ja-JP" sz="1400" dirty="0" smtClean="0"/>
               <a:t>PM </a:t>
@@ -3369,12 +3369,12 @@
             <a:endParaRPr lang="ja-JP" altLang="en-US" sz="1400" dirty="0"/>
           </a:p>
           <a:p>
+            <a:pPr marL="342900" indent="-342900">
+              <a:buFont typeface="+mj-lt"/>
+              <a:buAutoNum type="arabicPeriod"/>
+            </a:pPr>
             <a:r>
               <a:rPr lang="ja-JP" altLang="en-US" sz="1400" dirty="0" smtClean="0"/>
-              <a:t>・ </a:t>
-            </a:r>
-            <a:r>
-              <a:rPr lang="ja-JP" altLang="en-US" sz="1400" dirty="0"/>
               <a:t>その</a:t>
             </a:r>
             <a:r>
@@ -3411,22 +3411,11 @@
             </a:r>
             <a:r>
               <a:rPr lang="ja-JP" altLang="en-US" sz="1400" dirty="0" smtClean="0"/>
-              <a:t>起きた</a:t>
-            </a:r>
-            <a:endParaRPr lang="en-US" altLang="ja-JP" sz="1400" dirty="0"/>
-          </a:p>
-          <a:p>
-            <a:r>
-              <a:rPr lang="ja-JP" altLang="en-US" sz="1400" dirty="0" smtClean="0">
-                <a:solidFill>
-                  <a:schemeClr val="bg1"/>
-                </a:solidFill>
-              </a:rPr>
-              <a:t>・ </a:t>
+              <a:t>起きた事象</a:t>
             </a:r>
             <a:r>
               <a:rPr lang="ja-JP" altLang="en-US" sz="1400" dirty="0" smtClean="0"/>
-              <a:t>事象を調査</a:t>
+              <a:t>を調査</a:t>
             </a:r>
             <a:r>
               <a:rPr lang="ja-JP" altLang="en-US" sz="1400" dirty="0"/>
@@ -3434,17 +3423,17 @@
             </a:r>
           </a:p>
           <a:p>
+            <a:pPr marL="342900" indent="-342900">
+              <a:buFont typeface="+mj-lt"/>
+              <a:buAutoNum type="arabicPeriod"/>
+            </a:pPr>
+            <a:r>
+              <a:rPr lang="ja-JP" altLang="en-US" sz="1400" dirty="0" smtClean="0"/>
+              <a:t>アンケート</a:t>
+            </a:r>
             <a:r>
               <a:rPr lang="ja-JP" altLang="en-US" sz="1400" dirty="0"/>
-              <a:t>・</a:t>
-            </a:r>
-            <a:r>
-              <a:rPr lang="ja-JP" altLang="en-US" sz="1400" dirty="0" smtClean="0"/>
-              <a:t> </a:t>
-            </a:r>
-            <a:r>
-              <a:rPr lang="ja-JP" altLang="en-US" sz="1400" dirty="0"/>
-              <a:t>アンケートの結果と個人のタイプ</a:t>
+              <a:t>の結果と個人のタイプ</a:t>
             </a:r>
             <a:r>
               <a:rPr lang="ja-JP" altLang="en-US" sz="1400" dirty="0" smtClean="0"/>
@@ -3579,7 +3568,7 @@
           <a:p>
             <a:pPr algn="ctr"/>
             <a:r>
-              <a:rPr lang="en-US" altLang="ja-JP" sz="2800" dirty="0" smtClean="0">
+              <a:rPr lang="en-US" altLang="ja-JP" sz="2400" dirty="0" smtClean="0">
                 <a:solidFill>
                   <a:schemeClr val="tx1"/>
                 </a:solidFill>
@@ -3589,16 +3578,36 @@
               <a:t>MBTI</a:t>
             </a:r>
             <a:r>
-              <a:rPr lang="ja-JP" altLang="en-US" sz="2800" dirty="0" smtClean="0">
+              <a:rPr lang="ja-JP" altLang="en-US" sz="2400" dirty="0" smtClean="0">
                 <a:solidFill>
                   <a:schemeClr val="tx1"/>
                 </a:solidFill>
                 <a:latin typeface="+mj-ea"/>
                 <a:ea typeface="+mj-ea"/>
               </a:rPr>
-              <a:t>を用いたメンバ間のリスク特定</a:t>
-            </a:r>
-            <a:endParaRPr lang="en-US" altLang="ja-JP" sz="2800" dirty="0" smtClean="0">
+              <a:t>を</a:t>
+            </a:r>
+            <a:r>
+              <a:rPr lang="ja-JP" altLang="en-US" sz="2400" dirty="0" smtClean="0">
+                <a:solidFill>
+                  <a:schemeClr val="tx1"/>
+                </a:solidFill>
+                <a:latin typeface="+mj-ea"/>
+                <a:ea typeface="+mj-ea"/>
+              </a:rPr>
+              <a:t>用いたメンバ間の相互作用によって起きるリスク</a:t>
+            </a:r>
+            <a:r>
+              <a:rPr lang="ja-JP" altLang="en-US" sz="2400" dirty="0" smtClean="0">
+                <a:solidFill>
+                  <a:schemeClr val="tx1"/>
+                </a:solidFill>
+                <a:latin typeface="+mj-ea"/>
+                <a:ea typeface="+mj-ea"/>
+              </a:rPr>
+              <a:t>特定</a:t>
+            </a:r>
+            <a:endParaRPr lang="en-US" altLang="ja-JP" sz="2400" dirty="0" smtClean="0">
               <a:solidFill>
                 <a:schemeClr val="tx1"/>
               </a:solidFill>
@@ -3616,7 +3625,7 @@
         </p:nvSpPr>
         <p:spPr>
           <a:xfrm>
-            <a:off x="206372" y="5324974"/>
+            <a:off x="132901" y="5324974"/>
             <a:ext cx="2562228" cy="302400"/>
           </a:xfrm>
           <a:prstGeom prst="roundRect">
@@ -3796,7 +3805,7 @@
         </p:nvSpPr>
         <p:spPr>
           <a:xfrm>
-            <a:off x="206372" y="3972021"/>
+            <a:off x="132901" y="3972021"/>
             <a:ext cx="873576" cy="302400"/>
           </a:xfrm>
           <a:prstGeom prst="roundRect">
@@ -3904,7 +3913,7 @@
         </p:nvSpPr>
         <p:spPr>
           <a:xfrm>
-            <a:off x="110645" y="8884964"/>
+            <a:off x="116995" y="8910364"/>
             <a:ext cx="6564475" cy="738664"/>
           </a:xfrm>
           <a:prstGeom prst="rect">
@@ -4635,922 +4644,6 @@
           </p:txBody>
         </p:sp>
       </p:grpSp>
-      <p:graphicFrame>
-        <p:nvGraphicFramePr>
-          <p:cNvPr id="66" name="表 65"/>
-          <p:cNvGraphicFramePr>
-            <a:graphicFrameLocks noGrp="1"/>
-          </p:cNvGraphicFramePr>
-          <p:nvPr>
-            <p:extLst>
-              <p:ext uri="{D42A27DB-BD31-4B8C-83A1-F6EECF244321}">
-                <p14:modId xmlns:p14="http://schemas.microsoft.com/office/powerpoint/2010/main" val="910488595"/>
-              </p:ext>
-            </p:extLst>
-          </p:nvPr>
-        </p:nvGraphicFramePr>
-        <p:xfrm>
-          <a:off x="1479031" y="7406600"/>
-          <a:ext cx="1346200" cy="708660"/>
-        </p:xfrm>
-        <a:graphic>
-          <a:graphicData uri="http://schemas.openxmlformats.org/drawingml/2006/table">
-            <a:tbl>
-              <a:tblPr>
-                <a:tableStyleId>{5C22544A-7EE6-4342-B048-85BDC9FD1C3A}</a:tableStyleId>
-              </a:tblPr>
-              <a:tblGrid>
-                <a:gridCol w="546100"/>
-                <a:gridCol w="266700"/>
-                <a:gridCol w="266700"/>
-                <a:gridCol w="266700"/>
-              </a:tblGrid>
-              <a:tr h="171450">
-                <a:tc>
-                  <a:txBody>
-                    <a:bodyPr/>
-                    <a:lstStyle/>
-                    <a:p>
-                      <a:pPr algn="l" fontAlgn="ctr"/>
-                      <a:r>
-                        <a:rPr lang="ja-JP" altLang="en-US" sz="1100" u="none" strike="noStrike" dirty="0">
-                          <a:effectLst/>
-                          <a:latin typeface="+mn-ea"/>
-                          <a:ea typeface="+mn-ea"/>
-                        </a:rPr>
-                        <a:t>集計表</a:t>
-                      </a:r>
-                      <a:endParaRPr lang="ja-JP" altLang="en-US" sz="1100" b="0" i="0" u="none" strike="noStrike" dirty="0">
-                        <a:solidFill>
-                          <a:srgbClr val="000000"/>
-                        </a:solidFill>
-                        <a:effectLst/>
-                        <a:latin typeface="+mn-ea"/>
-                        <a:ea typeface="+mn-ea"/>
-                      </a:endParaRPr>
-                    </a:p>
-                  </a:txBody>
-                  <a:tcPr marL="9525" marR="9525" marT="9525" marB="0" anchor="ctr"/>
-                </a:tc>
-                <a:tc>
-                  <a:txBody>
-                    <a:bodyPr/>
-                    <a:lstStyle/>
-                    <a:p>
-                      <a:pPr algn="l" fontAlgn="ctr"/>
-                      <a:r>
-                        <a:rPr lang="en-US" sz="1100" u="none" strike="noStrike">
-                          <a:effectLst/>
-                          <a:latin typeface="+mn-ea"/>
-                          <a:ea typeface="+mn-ea"/>
-                        </a:rPr>
-                        <a:t>T</a:t>
-                      </a:r>
-                      <a:endParaRPr lang="en-US" sz="1100" b="0" i="0" u="none" strike="noStrike">
-                        <a:solidFill>
-                          <a:srgbClr val="000000"/>
-                        </a:solidFill>
-                        <a:effectLst/>
-                        <a:latin typeface="+mn-ea"/>
-                        <a:ea typeface="+mn-ea"/>
-                      </a:endParaRPr>
-                    </a:p>
-                  </a:txBody>
-                  <a:tcPr marL="9525" marR="9525" marT="9525" marB="0" anchor="ctr"/>
-                </a:tc>
-                <a:tc>
-                  <a:txBody>
-                    <a:bodyPr/>
-                    <a:lstStyle/>
-                    <a:p>
-                      <a:pPr algn="l" fontAlgn="ctr"/>
-                      <a:r>
-                        <a:rPr lang="en-US" sz="1100" u="none" strike="noStrike">
-                          <a:effectLst/>
-                          <a:latin typeface="+mn-ea"/>
-                          <a:ea typeface="+mn-ea"/>
-                        </a:rPr>
-                        <a:t>F</a:t>
-                      </a:r>
-                      <a:endParaRPr lang="en-US" sz="1100" b="0" i="0" u="none" strike="noStrike">
-                        <a:solidFill>
-                          <a:srgbClr val="000000"/>
-                        </a:solidFill>
-                        <a:effectLst/>
-                        <a:latin typeface="+mn-ea"/>
-                        <a:ea typeface="+mn-ea"/>
-                      </a:endParaRPr>
-                    </a:p>
-                  </a:txBody>
-                  <a:tcPr marL="9525" marR="9525" marT="9525" marB="0" anchor="ctr"/>
-                </a:tc>
-                <a:tc>
-                  <a:txBody>
-                    <a:bodyPr/>
-                    <a:lstStyle/>
-                    <a:p>
-                      <a:pPr algn="ctr" fontAlgn="ctr"/>
-                      <a:r>
-                        <a:rPr lang="ja-JP" altLang="en-US" sz="1100" u="none" strike="noStrike">
-                          <a:effectLst/>
-                          <a:latin typeface="+mn-ea"/>
-                          <a:ea typeface="+mn-ea"/>
-                        </a:rPr>
-                        <a:t>計</a:t>
-                      </a:r>
-                      <a:endParaRPr lang="ja-JP" altLang="en-US" sz="1100" b="0" i="0" u="none" strike="noStrike">
-                        <a:solidFill>
-                          <a:srgbClr val="000000"/>
-                        </a:solidFill>
-                        <a:effectLst/>
-                        <a:latin typeface="+mn-ea"/>
-                        <a:ea typeface="+mn-ea"/>
-                      </a:endParaRPr>
-                    </a:p>
-                  </a:txBody>
-                  <a:tcPr marL="9525" marR="9525" marT="9525" marB="0" anchor="ctr"/>
-                </a:tc>
-              </a:tr>
-              <a:tr h="171450">
-                <a:tc>
-                  <a:txBody>
-                    <a:bodyPr/>
-                    <a:lstStyle/>
-                    <a:p>
-                      <a:pPr algn="l" fontAlgn="ctr"/>
-                      <a:r>
-                        <a:rPr lang="ja-JP" altLang="en-US" sz="1100" u="none" strike="noStrike" dirty="0">
-                          <a:effectLst/>
-                          <a:latin typeface="+mn-ea"/>
-                          <a:ea typeface="+mn-ea"/>
-                        </a:rPr>
-                        <a:t>はい</a:t>
-                      </a:r>
-                      <a:endParaRPr lang="ja-JP" altLang="en-US" sz="1100" b="0" i="0" u="none" strike="noStrike" dirty="0">
-                        <a:solidFill>
-                          <a:srgbClr val="000000"/>
-                        </a:solidFill>
-                        <a:effectLst/>
-                        <a:latin typeface="+mn-ea"/>
-                        <a:ea typeface="+mn-ea"/>
-                      </a:endParaRPr>
-                    </a:p>
-                  </a:txBody>
-                  <a:tcPr marL="9525" marR="9525" marT="9525" marB="0" anchor="ctr"/>
-                </a:tc>
-                <a:tc>
-                  <a:txBody>
-                    <a:bodyPr/>
-                    <a:lstStyle/>
-                    <a:p>
-                      <a:pPr algn="r" fontAlgn="ctr"/>
-                      <a:r>
-                        <a:rPr lang="en-US" altLang="ja-JP" sz="1100" u="none" strike="noStrike" dirty="0">
-                          <a:effectLst/>
-                          <a:latin typeface="+mn-ea"/>
-                          <a:ea typeface="+mn-ea"/>
-                        </a:rPr>
-                        <a:t>18</a:t>
-                      </a:r>
-                      <a:endParaRPr lang="en-US" altLang="ja-JP" sz="1100" b="0" i="0" u="none" strike="noStrike" dirty="0">
-                        <a:solidFill>
-                          <a:srgbClr val="000000"/>
-                        </a:solidFill>
-                        <a:effectLst/>
-                        <a:latin typeface="+mn-ea"/>
-                        <a:ea typeface="+mn-ea"/>
-                      </a:endParaRPr>
-                    </a:p>
-                  </a:txBody>
-                  <a:tcPr marL="9525" marR="9525" marT="9525" marB="0" anchor="ctr"/>
-                </a:tc>
-                <a:tc>
-                  <a:txBody>
-                    <a:bodyPr/>
-                    <a:lstStyle/>
-                    <a:p>
-                      <a:pPr algn="r" fontAlgn="ctr"/>
-                      <a:r>
-                        <a:rPr lang="en-US" altLang="ja-JP" sz="1100" u="none" strike="noStrike" dirty="0">
-                          <a:effectLst/>
-                          <a:latin typeface="+mn-ea"/>
-                          <a:ea typeface="+mn-ea"/>
-                        </a:rPr>
-                        <a:t>16</a:t>
-                      </a:r>
-                      <a:endParaRPr lang="en-US" altLang="ja-JP" sz="1100" b="0" i="0" u="none" strike="noStrike" dirty="0">
-                        <a:solidFill>
-                          <a:srgbClr val="000000"/>
-                        </a:solidFill>
-                        <a:effectLst/>
-                        <a:latin typeface="+mn-ea"/>
-                        <a:ea typeface="+mn-ea"/>
-                      </a:endParaRPr>
-                    </a:p>
-                  </a:txBody>
-                  <a:tcPr marL="9525" marR="9525" marT="9525" marB="0" anchor="ctr"/>
-                </a:tc>
-                <a:tc>
-                  <a:txBody>
-                    <a:bodyPr/>
-                    <a:lstStyle/>
-                    <a:p>
-                      <a:pPr algn="r" fontAlgn="ctr"/>
-                      <a:r>
-                        <a:rPr lang="en-US" altLang="ja-JP" sz="1100" u="none" strike="noStrike" dirty="0">
-                          <a:effectLst/>
-                          <a:latin typeface="+mn-ea"/>
-                          <a:ea typeface="+mn-ea"/>
-                        </a:rPr>
-                        <a:t>34</a:t>
-                      </a:r>
-                      <a:endParaRPr lang="en-US" altLang="ja-JP" sz="1100" b="0" i="0" u="none" strike="noStrike" dirty="0">
-                        <a:solidFill>
-                          <a:srgbClr val="000000"/>
-                        </a:solidFill>
-                        <a:effectLst/>
-                        <a:latin typeface="+mn-ea"/>
-                        <a:ea typeface="+mn-ea"/>
-                      </a:endParaRPr>
-                    </a:p>
-                  </a:txBody>
-                  <a:tcPr marL="9525" marR="9525" marT="9525" marB="0" anchor="ctr"/>
-                </a:tc>
-              </a:tr>
-              <a:tr h="171450">
-                <a:tc>
-                  <a:txBody>
-                    <a:bodyPr/>
-                    <a:lstStyle/>
-                    <a:p>
-                      <a:pPr algn="l" fontAlgn="ctr"/>
-                      <a:r>
-                        <a:rPr lang="ja-JP" altLang="en-US" sz="1100" u="none" strike="noStrike" dirty="0">
-                          <a:effectLst/>
-                          <a:latin typeface="+mn-ea"/>
-                          <a:ea typeface="+mn-ea"/>
-                        </a:rPr>
-                        <a:t>いいえ</a:t>
-                      </a:r>
-                      <a:endParaRPr lang="ja-JP" altLang="en-US" sz="1100" b="0" i="0" u="none" strike="noStrike" dirty="0">
-                        <a:solidFill>
-                          <a:srgbClr val="000000"/>
-                        </a:solidFill>
-                        <a:effectLst/>
-                        <a:latin typeface="+mn-ea"/>
-                        <a:ea typeface="+mn-ea"/>
-                      </a:endParaRPr>
-                    </a:p>
-                  </a:txBody>
-                  <a:tcPr marL="9525" marR="9525" marT="9525" marB="0" anchor="ctr"/>
-                </a:tc>
-                <a:tc>
-                  <a:txBody>
-                    <a:bodyPr/>
-                    <a:lstStyle/>
-                    <a:p>
-                      <a:pPr algn="r" fontAlgn="ctr"/>
-                      <a:r>
-                        <a:rPr lang="en-US" altLang="ja-JP" sz="1100" u="none" strike="noStrike" dirty="0">
-                          <a:effectLst/>
-                          <a:latin typeface="+mn-ea"/>
-                          <a:ea typeface="+mn-ea"/>
-                        </a:rPr>
-                        <a:t>0</a:t>
-                      </a:r>
-                      <a:endParaRPr lang="en-US" altLang="ja-JP" sz="1100" b="0" i="0" u="none" strike="noStrike" dirty="0">
-                        <a:solidFill>
-                          <a:srgbClr val="000000"/>
-                        </a:solidFill>
-                        <a:effectLst/>
-                        <a:latin typeface="+mn-ea"/>
-                        <a:ea typeface="+mn-ea"/>
-                      </a:endParaRPr>
-                    </a:p>
-                  </a:txBody>
-                  <a:tcPr marL="9525" marR="9525" marT="9525" marB="0" anchor="ctr"/>
-                </a:tc>
-                <a:tc>
-                  <a:txBody>
-                    <a:bodyPr/>
-                    <a:lstStyle/>
-                    <a:p>
-                      <a:pPr algn="r" fontAlgn="ctr"/>
-                      <a:r>
-                        <a:rPr lang="en-US" altLang="ja-JP" sz="1100" u="none" strike="noStrike" dirty="0">
-                          <a:effectLst/>
-                          <a:latin typeface="+mn-ea"/>
-                          <a:ea typeface="+mn-ea"/>
-                        </a:rPr>
-                        <a:t>4</a:t>
-                      </a:r>
-                      <a:endParaRPr lang="en-US" altLang="ja-JP" sz="1100" b="0" i="0" u="none" strike="noStrike" dirty="0">
-                        <a:solidFill>
-                          <a:srgbClr val="000000"/>
-                        </a:solidFill>
-                        <a:effectLst/>
-                        <a:latin typeface="+mn-ea"/>
-                        <a:ea typeface="+mn-ea"/>
-                      </a:endParaRPr>
-                    </a:p>
-                  </a:txBody>
-                  <a:tcPr marL="9525" marR="9525" marT="9525" marB="0" anchor="ctr"/>
-                </a:tc>
-                <a:tc>
-                  <a:txBody>
-                    <a:bodyPr/>
-                    <a:lstStyle/>
-                    <a:p>
-                      <a:pPr algn="r" fontAlgn="ctr"/>
-                      <a:r>
-                        <a:rPr lang="en-US" altLang="ja-JP" sz="1100" u="none" strike="noStrike" dirty="0">
-                          <a:effectLst/>
-                          <a:latin typeface="+mn-ea"/>
-                          <a:ea typeface="+mn-ea"/>
-                        </a:rPr>
-                        <a:t>4</a:t>
-                      </a:r>
-                      <a:endParaRPr lang="en-US" altLang="ja-JP" sz="1100" b="0" i="0" u="none" strike="noStrike" dirty="0">
-                        <a:solidFill>
-                          <a:srgbClr val="000000"/>
-                        </a:solidFill>
-                        <a:effectLst/>
-                        <a:latin typeface="+mn-ea"/>
-                        <a:ea typeface="+mn-ea"/>
-                      </a:endParaRPr>
-                    </a:p>
-                  </a:txBody>
-                  <a:tcPr marL="9525" marR="9525" marT="9525" marB="0" anchor="ctr"/>
-                </a:tc>
-              </a:tr>
-              <a:tr h="171450">
-                <a:tc>
-                  <a:txBody>
-                    <a:bodyPr/>
-                    <a:lstStyle/>
-                    <a:p>
-                      <a:pPr algn="ctr" fontAlgn="ctr"/>
-                      <a:r>
-                        <a:rPr lang="ja-JP" altLang="en-US" sz="1100" u="none" strike="noStrike">
-                          <a:effectLst/>
-                          <a:latin typeface="+mn-ea"/>
-                          <a:ea typeface="+mn-ea"/>
-                        </a:rPr>
-                        <a:t>計</a:t>
-                      </a:r>
-                      <a:endParaRPr lang="ja-JP" altLang="en-US" sz="1100" b="0" i="0" u="none" strike="noStrike">
-                        <a:solidFill>
-                          <a:srgbClr val="000000"/>
-                        </a:solidFill>
-                        <a:effectLst/>
-                        <a:latin typeface="+mn-ea"/>
-                        <a:ea typeface="+mn-ea"/>
-                      </a:endParaRPr>
-                    </a:p>
-                  </a:txBody>
-                  <a:tcPr marL="9525" marR="9525" marT="9525" marB="0" anchor="ctr"/>
-                </a:tc>
-                <a:tc>
-                  <a:txBody>
-                    <a:bodyPr/>
-                    <a:lstStyle/>
-                    <a:p>
-                      <a:pPr algn="r" fontAlgn="ctr"/>
-                      <a:r>
-                        <a:rPr lang="en-US" altLang="ja-JP" sz="1100" u="none" strike="noStrike">
-                          <a:effectLst/>
-                          <a:latin typeface="+mn-ea"/>
-                          <a:ea typeface="+mn-ea"/>
-                        </a:rPr>
-                        <a:t>18</a:t>
-                      </a:r>
-                      <a:endParaRPr lang="en-US" altLang="ja-JP" sz="1100" b="0" i="0" u="none" strike="noStrike">
-                        <a:solidFill>
-                          <a:srgbClr val="000000"/>
-                        </a:solidFill>
-                        <a:effectLst/>
-                        <a:latin typeface="+mn-ea"/>
-                        <a:ea typeface="+mn-ea"/>
-                      </a:endParaRPr>
-                    </a:p>
-                  </a:txBody>
-                  <a:tcPr marL="9525" marR="9525" marT="9525" marB="0" anchor="ctr"/>
-                </a:tc>
-                <a:tc>
-                  <a:txBody>
-                    <a:bodyPr/>
-                    <a:lstStyle/>
-                    <a:p>
-                      <a:pPr algn="r" fontAlgn="ctr"/>
-                      <a:r>
-                        <a:rPr lang="en-US" altLang="ja-JP" sz="1100" u="none" strike="noStrike">
-                          <a:effectLst/>
-                          <a:latin typeface="+mn-ea"/>
-                          <a:ea typeface="+mn-ea"/>
-                        </a:rPr>
-                        <a:t>20</a:t>
-                      </a:r>
-                      <a:endParaRPr lang="en-US" altLang="ja-JP" sz="1100" b="0" i="0" u="none" strike="noStrike">
-                        <a:solidFill>
-                          <a:srgbClr val="000000"/>
-                        </a:solidFill>
-                        <a:effectLst/>
-                        <a:latin typeface="+mn-ea"/>
-                        <a:ea typeface="+mn-ea"/>
-                      </a:endParaRPr>
-                    </a:p>
-                  </a:txBody>
-                  <a:tcPr marL="9525" marR="9525" marT="9525" marB="0" anchor="ctr"/>
-                </a:tc>
-                <a:tc>
-                  <a:txBody>
-                    <a:bodyPr/>
-                    <a:lstStyle/>
-                    <a:p>
-                      <a:pPr algn="r" fontAlgn="ctr"/>
-                      <a:r>
-                        <a:rPr lang="en-US" altLang="ja-JP" sz="1100" u="none" strike="noStrike" dirty="0">
-                          <a:effectLst/>
-                          <a:latin typeface="+mn-ea"/>
-                          <a:ea typeface="+mn-ea"/>
-                        </a:rPr>
-                        <a:t>38</a:t>
-                      </a:r>
-                      <a:endParaRPr lang="en-US" altLang="ja-JP" sz="1100" b="0" i="0" u="none" strike="noStrike" dirty="0">
-                        <a:solidFill>
-                          <a:srgbClr val="000000"/>
-                        </a:solidFill>
-                        <a:effectLst/>
-                        <a:latin typeface="+mn-ea"/>
-                        <a:ea typeface="+mn-ea"/>
-                      </a:endParaRPr>
-                    </a:p>
-                  </a:txBody>
-                  <a:tcPr marL="9525" marR="9525" marT="9525" marB="0" anchor="ctr"/>
-                </a:tc>
-              </a:tr>
-            </a:tbl>
-          </a:graphicData>
-        </a:graphic>
-      </p:graphicFrame>
-      <p:graphicFrame>
-        <p:nvGraphicFramePr>
-          <p:cNvPr id="67" name="表 66"/>
-          <p:cNvGraphicFramePr>
-            <a:graphicFrameLocks noGrp="1"/>
-          </p:cNvGraphicFramePr>
-          <p:nvPr>
-            <p:extLst>
-              <p:ext uri="{D42A27DB-BD31-4B8C-83A1-F6EECF244321}">
-                <p14:modId xmlns:p14="http://schemas.microsoft.com/office/powerpoint/2010/main" val="1136379393"/>
-              </p:ext>
-            </p:extLst>
-          </p:nvPr>
-        </p:nvGraphicFramePr>
-        <p:xfrm>
-          <a:off x="3135769" y="7405213"/>
-          <a:ext cx="2006600" cy="708660"/>
-        </p:xfrm>
-        <a:graphic>
-          <a:graphicData uri="http://schemas.openxmlformats.org/drawingml/2006/table">
-            <a:tbl>
-              <a:tblPr>
-                <a:tableStyleId>{5C22544A-7EE6-4342-B048-85BDC9FD1C3A}</a:tableStyleId>
-              </a:tblPr>
-              <a:tblGrid>
-                <a:gridCol w="544377"/>
-                <a:gridCol w="598182"/>
-                <a:gridCol w="598182"/>
-                <a:gridCol w="265859"/>
-              </a:tblGrid>
-              <a:tr h="171450">
-                <a:tc>
-                  <a:txBody>
-                    <a:bodyPr/>
-                    <a:lstStyle/>
-                    <a:p>
-                      <a:pPr algn="l" fontAlgn="ctr"/>
-                      <a:r>
-                        <a:rPr lang="ja-JP" altLang="en-US" sz="1100" u="none" strike="noStrike" dirty="0">
-                          <a:effectLst/>
-                          <a:latin typeface="+mn-ea"/>
-                          <a:ea typeface="+mn-ea"/>
-                        </a:rPr>
-                        <a:t>期待度</a:t>
-                      </a:r>
-                      <a:endParaRPr lang="ja-JP" altLang="en-US" sz="1100" b="0" i="0" u="none" strike="noStrike" dirty="0">
-                        <a:solidFill>
-                          <a:srgbClr val="000000"/>
-                        </a:solidFill>
-                        <a:effectLst/>
-                        <a:latin typeface="+mn-ea"/>
-                        <a:ea typeface="+mn-ea"/>
-                      </a:endParaRPr>
-                    </a:p>
-                  </a:txBody>
-                  <a:tcPr marL="9525" marR="9525" marT="9525" marB="0" anchor="ctr"/>
-                </a:tc>
-                <a:tc>
-                  <a:txBody>
-                    <a:bodyPr/>
-                    <a:lstStyle/>
-                    <a:p>
-                      <a:pPr algn="l" fontAlgn="ctr"/>
-                      <a:r>
-                        <a:rPr lang="en-US" sz="1100" u="none" strike="noStrike" dirty="0">
-                          <a:effectLst/>
-                          <a:latin typeface="+mn-ea"/>
-                          <a:ea typeface="+mn-ea"/>
-                        </a:rPr>
-                        <a:t>T</a:t>
-                      </a:r>
-                      <a:endParaRPr lang="en-US" sz="1100" b="0" i="0" u="none" strike="noStrike" dirty="0">
-                        <a:solidFill>
-                          <a:srgbClr val="000000"/>
-                        </a:solidFill>
-                        <a:effectLst/>
-                        <a:latin typeface="+mn-ea"/>
-                        <a:ea typeface="+mn-ea"/>
-                      </a:endParaRPr>
-                    </a:p>
-                  </a:txBody>
-                  <a:tcPr marL="9525" marR="9525" marT="9525" marB="0" anchor="ctr"/>
-                </a:tc>
-                <a:tc>
-                  <a:txBody>
-                    <a:bodyPr/>
-                    <a:lstStyle/>
-                    <a:p>
-                      <a:pPr algn="l" fontAlgn="ctr"/>
-                      <a:r>
-                        <a:rPr lang="en-US" sz="1100" u="none" strike="noStrike" dirty="0">
-                          <a:effectLst/>
-                          <a:latin typeface="+mn-ea"/>
-                          <a:ea typeface="+mn-ea"/>
-                        </a:rPr>
-                        <a:t>F</a:t>
-                      </a:r>
-                      <a:endParaRPr lang="en-US" sz="1100" b="0" i="0" u="none" strike="noStrike" dirty="0">
-                        <a:solidFill>
-                          <a:srgbClr val="000000"/>
-                        </a:solidFill>
-                        <a:effectLst/>
-                        <a:latin typeface="+mn-ea"/>
-                        <a:ea typeface="+mn-ea"/>
-                      </a:endParaRPr>
-                    </a:p>
-                  </a:txBody>
-                  <a:tcPr marL="9525" marR="9525" marT="9525" marB="0" anchor="ctr"/>
-                </a:tc>
-                <a:tc>
-                  <a:txBody>
-                    <a:bodyPr/>
-                    <a:lstStyle/>
-                    <a:p>
-                      <a:pPr algn="ctr" fontAlgn="ctr"/>
-                      <a:r>
-                        <a:rPr lang="ja-JP" altLang="en-US" sz="1100" u="none" strike="noStrike" dirty="0">
-                          <a:effectLst/>
-                          <a:latin typeface="+mn-ea"/>
-                          <a:ea typeface="+mn-ea"/>
-                        </a:rPr>
-                        <a:t>計</a:t>
-                      </a:r>
-                      <a:endParaRPr lang="ja-JP" altLang="en-US" sz="1100" b="0" i="0" u="none" strike="noStrike" dirty="0">
-                        <a:solidFill>
-                          <a:srgbClr val="000000"/>
-                        </a:solidFill>
-                        <a:effectLst/>
-                        <a:latin typeface="+mn-ea"/>
-                        <a:ea typeface="+mn-ea"/>
-                      </a:endParaRPr>
-                    </a:p>
-                  </a:txBody>
-                  <a:tcPr marL="9525" marR="9525" marT="9525" marB="0" anchor="ctr"/>
-                </a:tc>
-              </a:tr>
-              <a:tr h="171450">
-                <a:tc>
-                  <a:txBody>
-                    <a:bodyPr/>
-                    <a:lstStyle/>
-                    <a:p>
-                      <a:pPr algn="l" fontAlgn="ctr"/>
-                      <a:r>
-                        <a:rPr lang="ja-JP" altLang="en-US" sz="1100" u="none" strike="noStrike" dirty="0">
-                          <a:effectLst/>
-                          <a:latin typeface="+mn-ea"/>
-                          <a:ea typeface="+mn-ea"/>
-                        </a:rPr>
-                        <a:t>はい</a:t>
-                      </a:r>
-                      <a:endParaRPr lang="ja-JP" altLang="en-US" sz="1100" b="0" i="0" u="none" strike="noStrike" dirty="0">
-                        <a:solidFill>
-                          <a:srgbClr val="000000"/>
-                        </a:solidFill>
-                        <a:effectLst/>
-                        <a:latin typeface="+mn-ea"/>
-                        <a:ea typeface="+mn-ea"/>
-                      </a:endParaRPr>
-                    </a:p>
-                  </a:txBody>
-                  <a:tcPr marL="9525" marR="9525" marT="9525" marB="0" anchor="ctr"/>
-                </a:tc>
-                <a:tc>
-                  <a:txBody>
-                    <a:bodyPr/>
-                    <a:lstStyle/>
-                    <a:p>
-                      <a:pPr algn="r" fontAlgn="ctr"/>
-                      <a:r>
-                        <a:rPr lang="en-US" altLang="ja-JP" sz="1100" u="none" strike="noStrike" dirty="0">
-                          <a:effectLst/>
-                          <a:latin typeface="+mn-ea"/>
-                          <a:ea typeface="+mn-ea"/>
-                        </a:rPr>
-                        <a:t>16.1053</a:t>
-                      </a:r>
-                      <a:endParaRPr lang="en-US" altLang="ja-JP" sz="1100" b="0" i="0" u="none" strike="noStrike" dirty="0">
-                        <a:solidFill>
-                          <a:srgbClr val="000000"/>
-                        </a:solidFill>
-                        <a:effectLst/>
-                        <a:latin typeface="+mn-ea"/>
-                        <a:ea typeface="+mn-ea"/>
-                      </a:endParaRPr>
-                    </a:p>
-                  </a:txBody>
-                  <a:tcPr marL="9525" marR="9525" marT="9525" marB="0" anchor="ctr"/>
-                </a:tc>
-                <a:tc>
-                  <a:txBody>
-                    <a:bodyPr/>
-                    <a:lstStyle/>
-                    <a:p>
-                      <a:pPr algn="r" fontAlgn="ctr"/>
-                      <a:r>
-                        <a:rPr lang="en-US" altLang="ja-JP" sz="1100" u="none" strike="noStrike">
-                          <a:effectLst/>
-                          <a:latin typeface="+mn-ea"/>
-                          <a:ea typeface="+mn-ea"/>
-                        </a:rPr>
-                        <a:t>17.8947</a:t>
-                      </a:r>
-                      <a:endParaRPr lang="en-US" altLang="ja-JP" sz="1100" b="0" i="0" u="none" strike="noStrike">
-                        <a:solidFill>
-                          <a:srgbClr val="000000"/>
-                        </a:solidFill>
-                        <a:effectLst/>
-                        <a:latin typeface="+mn-ea"/>
-                        <a:ea typeface="+mn-ea"/>
-                      </a:endParaRPr>
-                    </a:p>
-                  </a:txBody>
-                  <a:tcPr marL="9525" marR="9525" marT="9525" marB="0" anchor="ctr"/>
-                </a:tc>
-                <a:tc>
-                  <a:txBody>
-                    <a:bodyPr/>
-                    <a:lstStyle/>
-                    <a:p>
-                      <a:pPr algn="r" fontAlgn="ctr"/>
-                      <a:r>
-                        <a:rPr lang="en-US" altLang="ja-JP" sz="1100" u="none" strike="noStrike">
-                          <a:effectLst/>
-                          <a:latin typeface="+mn-ea"/>
-                          <a:ea typeface="+mn-ea"/>
-                        </a:rPr>
-                        <a:t>34</a:t>
-                      </a:r>
-                      <a:endParaRPr lang="en-US" altLang="ja-JP" sz="1100" b="0" i="0" u="none" strike="noStrike">
-                        <a:solidFill>
-                          <a:srgbClr val="000000"/>
-                        </a:solidFill>
-                        <a:effectLst/>
-                        <a:latin typeface="+mn-ea"/>
-                        <a:ea typeface="+mn-ea"/>
-                      </a:endParaRPr>
-                    </a:p>
-                  </a:txBody>
-                  <a:tcPr marL="9525" marR="9525" marT="9525" marB="0" anchor="ctr"/>
-                </a:tc>
-              </a:tr>
-              <a:tr h="171450">
-                <a:tc>
-                  <a:txBody>
-                    <a:bodyPr/>
-                    <a:lstStyle/>
-                    <a:p>
-                      <a:pPr algn="l" fontAlgn="ctr"/>
-                      <a:r>
-                        <a:rPr lang="ja-JP" altLang="en-US" sz="1100" u="none" strike="noStrike">
-                          <a:effectLst/>
-                          <a:latin typeface="+mn-ea"/>
-                          <a:ea typeface="+mn-ea"/>
-                        </a:rPr>
-                        <a:t>いいえ</a:t>
-                      </a:r>
-                      <a:endParaRPr lang="ja-JP" altLang="en-US" sz="1100" b="0" i="0" u="none" strike="noStrike">
-                        <a:solidFill>
-                          <a:srgbClr val="000000"/>
-                        </a:solidFill>
-                        <a:effectLst/>
-                        <a:latin typeface="+mn-ea"/>
-                        <a:ea typeface="+mn-ea"/>
-                      </a:endParaRPr>
-                    </a:p>
-                  </a:txBody>
-                  <a:tcPr marL="9525" marR="9525" marT="9525" marB="0" anchor="ctr"/>
-                </a:tc>
-                <a:tc>
-                  <a:txBody>
-                    <a:bodyPr/>
-                    <a:lstStyle/>
-                    <a:p>
-                      <a:pPr algn="r" fontAlgn="ctr"/>
-                      <a:r>
-                        <a:rPr lang="en-US" altLang="ja-JP" sz="1100" u="none" strike="noStrike" dirty="0">
-                          <a:effectLst/>
-                          <a:latin typeface="+mn-ea"/>
-                          <a:ea typeface="+mn-ea"/>
-                        </a:rPr>
-                        <a:t>1.8947</a:t>
-                      </a:r>
-                      <a:endParaRPr lang="en-US" altLang="ja-JP" sz="1100" b="0" i="0" u="none" strike="noStrike" dirty="0">
-                        <a:solidFill>
-                          <a:srgbClr val="000000"/>
-                        </a:solidFill>
-                        <a:effectLst/>
-                        <a:latin typeface="+mn-ea"/>
-                        <a:ea typeface="+mn-ea"/>
-                      </a:endParaRPr>
-                    </a:p>
-                  </a:txBody>
-                  <a:tcPr marL="9525" marR="9525" marT="9525" marB="0" anchor="ctr"/>
-                </a:tc>
-                <a:tc>
-                  <a:txBody>
-                    <a:bodyPr/>
-                    <a:lstStyle/>
-                    <a:p>
-                      <a:pPr algn="r" fontAlgn="ctr"/>
-                      <a:r>
-                        <a:rPr lang="en-US" altLang="ja-JP" sz="1100" u="none" strike="noStrike" dirty="0">
-                          <a:effectLst/>
-                          <a:latin typeface="+mn-ea"/>
-                          <a:ea typeface="+mn-ea"/>
-                        </a:rPr>
-                        <a:t>2.1053</a:t>
-                      </a:r>
-                      <a:endParaRPr lang="en-US" altLang="ja-JP" sz="1100" b="0" i="0" u="none" strike="noStrike" dirty="0">
-                        <a:solidFill>
-                          <a:srgbClr val="000000"/>
-                        </a:solidFill>
-                        <a:effectLst/>
-                        <a:latin typeface="+mn-ea"/>
-                        <a:ea typeface="+mn-ea"/>
-                      </a:endParaRPr>
-                    </a:p>
-                  </a:txBody>
-                  <a:tcPr marL="9525" marR="9525" marT="9525" marB="0" anchor="ctr"/>
-                </a:tc>
-                <a:tc>
-                  <a:txBody>
-                    <a:bodyPr/>
-                    <a:lstStyle/>
-                    <a:p>
-                      <a:pPr algn="r" fontAlgn="ctr"/>
-                      <a:r>
-                        <a:rPr lang="en-US" altLang="ja-JP" sz="1100" u="none" strike="noStrike" dirty="0">
-                          <a:effectLst/>
-                          <a:latin typeface="+mn-ea"/>
-                          <a:ea typeface="+mn-ea"/>
-                        </a:rPr>
-                        <a:t>4</a:t>
-                      </a:r>
-                      <a:endParaRPr lang="en-US" altLang="ja-JP" sz="1100" b="0" i="0" u="none" strike="noStrike" dirty="0">
-                        <a:solidFill>
-                          <a:srgbClr val="000000"/>
-                        </a:solidFill>
-                        <a:effectLst/>
-                        <a:latin typeface="+mn-ea"/>
-                        <a:ea typeface="+mn-ea"/>
-                      </a:endParaRPr>
-                    </a:p>
-                  </a:txBody>
-                  <a:tcPr marL="9525" marR="9525" marT="9525" marB="0" anchor="ctr"/>
-                </a:tc>
-              </a:tr>
-              <a:tr h="171450">
-                <a:tc>
-                  <a:txBody>
-                    <a:bodyPr/>
-                    <a:lstStyle/>
-                    <a:p>
-                      <a:pPr algn="ctr" fontAlgn="ctr"/>
-                      <a:r>
-                        <a:rPr lang="ja-JP" altLang="en-US" sz="1100" u="none" strike="noStrike">
-                          <a:effectLst/>
-                          <a:latin typeface="+mn-ea"/>
-                          <a:ea typeface="+mn-ea"/>
-                        </a:rPr>
-                        <a:t>計</a:t>
-                      </a:r>
-                      <a:endParaRPr lang="ja-JP" altLang="en-US" sz="1100" b="0" i="0" u="none" strike="noStrike">
-                        <a:solidFill>
-                          <a:srgbClr val="000000"/>
-                        </a:solidFill>
-                        <a:effectLst/>
-                        <a:latin typeface="+mn-ea"/>
-                        <a:ea typeface="+mn-ea"/>
-                      </a:endParaRPr>
-                    </a:p>
-                  </a:txBody>
-                  <a:tcPr marL="9525" marR="9525" marT="9525" marB="0" anchor="ctr"/>
-                </a:tc>
-                <a:tc>
-                  <a:txBody>
-                    <a:bodyPr/>
-                    <a:lstStyle/>
-                    <a:p>
-                      <a:pPr algn="r" fontAlgn="ctr"/>
-                      <a:r>
-                        <a:rPr lang="en-US" altLang="ja-JP" sz="1100" u="none" strike="noStrike" dirty="0">
-                          <a:effectLst/>
-                          <a:latin typeface="+mn-ea"/>
-                          <a:ea typeface="+mn-ea"/>
-                        </a:rPr>
-                        <a:t>18</a:t>
-                      </a:r>
-                      <a:endParaRPr lang="en-US" altLang="ja-JP" sz="1100" b="0" i="0" u="none" strike="noStrike" dirty="0">
-                        <a:solidFill>
-                          <a:srgbClr val="000000"/>
-                        </a:solidFill>
-                        <a:effectLst/>
-                        <a:latin typeface="+mn-ea"/>
-                        <a:ea typeface="+mn-ea"/>
-                      </a:endParaRPr>
-                    </a:p>
-                  </a:txBody>
-                  <a:tcPr marL="9525" marR="9525" marT="9525" marB="0" anchor="ctr"/>
-                </a:tc>
-                <a:tc>
-                  <a:txBody>
-                    <a:bodyPr/>
-                    <a:lstStyle/>
-                    <a:p>
-                      <a:pPr algn="r" fontAlgn="ctr"/>
-                      <a:r>
-                        <a:rPr lang="en-US" altLang="ja-JP" sz="1100" u="none" strike="noStrike" dirty="0">
-                          <a:effectLst/>
-                          <a:latin typeface="+mn-ea"/>
-                          <a:ea typeface="+mn-ea"/>
-                        </a:rPr>
-                        <a:t>20</a:t>
-                      </a:r>
-                      <a:endParaRPr lang="en-US" altLang="ja-JP" sz="1100" b="0" i="0" u="none" strike="noStrike" dirty="0">
-                        <a:solidFill>
-                          <a:srgbClr val="000000"/>
-                        </a:solidFill>
-                        <a:effectLst/>
-                        <a:latin typeface="+mn-ea"/>
-                        <a:ea typeface="+mn-ea"/>
-                      </a:endParaRPr>
-                    </a:p>
-                  </a:txBody>
-                  <a:tcPr marL="9525" marR="9525" marT="9525" marB="0" anchor="ctr"/>
-                </a:tc>
-                <a:tc>
-                  <a:txBody>
-                    <a:bodyPr/>
-                    <a:lstStyle/>
-                    <a:p>
-                      <a:pPr algn="r" fontAlgn="ctr"/>
-                      <a:r>
-                        <a:rPr lang="en-US" altLang="ja-JP" sz="1100" u="none" strike="noStrike" dirty="0">
-                          <a:effectLst/>
-                          <a:latin typeface="+mn-ea"/>
-                          <a:ea typeface="+mn-ea"/>
-                        </a:rPr>
-                        <a:t>38</a:t>
-                      </a:r>
-                      <a:endParaRPr lang="en-US" altLang="ja-JP" sz="1100" b="0" i="0" u="none" strike="noStrike" dirty="0">
-                        <a:solidFill>
-                          <a:srgbClr val="000000"/>
-                        </a:solidFill>
-                        <a:effectLst/>
-                        <a:latin typeface="+mn-ea"/>
-                        <a:ea typeface="+mn-ea"/>
-                      </a:endParaRPr>
-                    </a:p>
-                  </a:txBody>
-                  <a:tcPr marL="9525" marR="9525" marT="9525" marB="0" anchor="ctr"/>
-                </a:tc>
-              </a:tr>
-            </a:tbl>
-          </a:graphicData>
-        </a:graphic>
-      </p:graphicFrame>
       <p:sp>
         <p:nvSpPr>
           <p:cNvPr id="2" name="テキスト ボックス 1"/>
@@ -5559,7 +4652,7 @@
         </p:nvSpPr>
         <p:spPr>
           <a:xfrm>
-            <a:off x="1451836" y="8145847"/>
+            <a:off x="1194661" y="8145847"/>
             <a:ext cx="5312693" cy="307777"/>
           </a:xfrm>
           <a:prstGeom prst="rect">
@@ -5574,30 +4667,38 @@
           <a:lstStyle/>
           <a:p>
             <a:r>
-              <a:rPr lang="ja-JP" altLang="en-US" sz="1400" dirty="0"/>
+              <a:rPr lang="ja-JP" altLang="en-US" sz="1400" dirty="0" smtClean="0"/>
               <a:t>↑</a:t>
             </a:r>
             <a:r>
-              <a:rPr kumimoji="1" lang="ja-JP" altLang="en-US" sz="1400" dirty="0" smtClean="0"/>
-              <a:t>積極的に発言したかという質問の回答と</a:t>
-            </a:r>
-            <a:r>
-              <a:rPr kumimoji="1" lang="en-US" altLang="ja-JP" sz="1400" dirty="0" smtClean="0"/>
-              <a:t>T</a:t>
-            </a:r>
-            <a:r>
-              <a:rPr kumimoji="1" lang="ja-JP" altLang="en-US" sz="1400" dirty="0" smtClean="0"/>
-              <a:t>・</a:t>
-            </a:r>
-            <a:r>
-              <a:rPr kumimoji="1" lang="en-US" altLang="ja-JP" sz="1400" dirty="0" smtClean="0"/>
-              <a:t>F</a:t>
-            </a:r>
-            <a:r>
-              <a:rPr kumimoji="1" lang="ja-JP" altLang="en-US" sz="1400" dirty="0" smtClean="0"/>
-              <a:t>のクロス集計</a:t>
-            </a:r>
-            <a:endParaRPr kumimoji="1" lang="ja-JP" altLang="en-US" sz="1400" dirty="0"/>
+              <a:rPr lang="ja-JP" altLang="en-US" sz="1200" dirty="0" smtClean="0"/>
+              <a:t>情報共有はできたか</a:t>
+            </a:r>
+            <a:r>
+              <a:rPr kumimoji="1" lang="ja-JP" altLang="en-US" sz="1200" dirty="0" smtClean="0"/>
+              <a:t>と</a:t>
+            </a:r>
+            <a:r>
+              <a:rPr kumimoji="1" lang="ja-JP" altLang="en-US" sz="1200" dirty="0" smtClean="0"/>
+              <a:t>いう質問の</a:t>
+            </a:r>
+            <a:r>
+              <a:rPr kumimoji="1" lang="ja-JP" altLang="en-US" sz="1200" dirty="0" smtClean="0"/>
+              <a:t>回答</a:t>
+            </a:r>
+            <a:r>
+              <a:rPr lang="ja-JP" altLang="en-US" sz="1200" dirty="0" smtClean="0"/>
+              <a:t>とメンバ</a:t>
+            </a:r>
+            <a:r>
+              <a:rPr kumimoji="1" lang="ja-JP" altLang="en-US" sz="1200" dirty="0" smtClean="0"/>
+              <a:t>の差のクロス</a:t>
+            </a:r>
+            <a:r>
+              <a:rPr kumimoji="1" lang="ja-JP" altLang="en-US" sz="1200" dirty="0" smtClean="0"/>
+              <a:t>集計</a:t>
+            </a:r>
+            <a:endParaRPr kumimoji="1" lang="ja-JP" altLang="en-US" sz="1200" dirty="0"/>
           </a:p>
         </p:txBody>
       </p:sp>
@@ -5609,7 +4710,7 @@
         </p:nvSpPr>
         <p:spPr>
           <a:xfrm>
-            <a:off x="1412297" y="6217803"/>
+            <a:off x="1107497" y="6217803"/>
             <a:ext cx="4714940" cy="1200329"/>
           </a:xfrm>
           <a:prstGeom prst="rect">
@@ -5624,12 +4725,24 @@
           <a:lstStyle/>
           <a:p>
             <a:r>
-              <a:rPr lang="ja-JP" altLang="en-US" sz="1400" dirty="0"/>
-              <a:t>上記</a:t>
-            </a:r>
-            <a:r>
               <a:rPr lang="ja-JP" altLang="en-US" sz="1400" dirty="0" smtClean="0"/>
-              <a:t>の表から算出された</a:t>
+              <a:t>下記の</a:t>
+            </a:r>
+            <a:r>
+              <a:rPr lang="ja-JP" altLang="en-US" sz="1400" dirty="0" smtClean="0"/>
+              <a:t>表から</a:t>
+            </a:r>
+            <a:r>
+              <a:rPr lang="en-US" altLang="ja-JP" sz="1400" dirty="0" smtClean="0"/>
+              <a:t>χ2</a:t>
+            </a:r>
+            <a:r>
+              <a:rPr lang="ja-JP" altLang="en-US" sz="1400" dirty="0" smtClean="0"/>
+              <a:t>乗検定によって算出</a:t>
+            </a:r>
+            <a:r>
+              <a:rPr lang="ja-JP" altLang="en-US" sz="1400" dirty="0" smtClean="0"/>
+              <a:t>された</a:t>
             </a:r>
             <a:r>
               <a:rPr lang="en-US" altLang="ja-JP" sz="1400" dirty="0"/>
@@ -5667,34 +4780,19 @@
           <a:p>
             <a:r>
               <a:rPr lang="ja-JP" altLang="en-US" sz="1400" dirty="0" smtClean="0"/>
-              <a:t>「質問の回答と</a:t>
-            </a:r>
-            <a:r>
-              <a:rPr lang="en-US" altLang="ja-JP" sz="1400" dirty="0" smtClean="0"/>
-              <a:t>T</a:t>
+              <a:t>「質問の回答</a:t>
             </a:r>
             <a:r>
               <a:rPr lang="ja-JP" altLang="en-US" sz="1400" dirty="0" smtClean="0"/>
-              <a:t>・</a:t>
-            </a:r>
-            <a:r>
-              <a:rPr lang="en-US" altLang="ja-JP" sz="1400" dirty="0" smtClean="0"/>
-              <a:t>F</a:t>
+              <a:t>とのメンバとの関係に相関</a:t>
             </a:r>
             <a:r>
               <a:rPr lang="ja-JP" altLang="en-US" sz="1400" dirty="0" smtClean="0"/>
-              <a:t>の相関はない」という仮説は棄却される</a:t>
-            </a:r>
-            <a:endParaRPr lang="en-US" altLang="ja-JP" sz="1400" dirty="0" smtClean="0"/>
-          </a:p>
-          <a:p>
+              <a:t>はない」という仮説は棄却</a:t>
+            </a:r>
             <a:r>
               <a:rPr lang="ja-JP" altLang="en-US" sz="1400" dirty="0" smtClean="0"/>
-              <a:t>よ</a:t>
-            </a:r>
-            <a:r>
-              <a:rPr lang="ja-JP" altLang="en-US" sz="1400" dirty="0"/>
-              <a:t>って</a:t>
+              <a:t>される。よって</a:t>
             </a:r>
             <a:r>
               <a:rPr lang="ja-JP" altLang="en-US" sz="1400" dirty="0" smtClean="0"/>
@@ -5704,12 +4802,16 @@
           </a:p>
           <a:p>
             <a:r>
-              <a:rPr lang="en-US" altLang="ja-JP" sz="1600" b="1" u="sng" dirty="0" smtClean="0"/>
-              <a:t>T</a:t>
-            </a:r>
-            <a:r>
               <a:rPr lang="ja-JP" altLang="en-US" sz="1600" b="1" u="sng" dirty="0" smtClean="0"/>
-              <a:t>タイプの人は積極的に発言する傾向がある</a:t>
+              <a:t>違うタイプがいると共有しにくい</a:t>
+            </a:r>
+            <a:r>
+              <a:rPr lang="ja-JP" altLang="en-US" sz="1600" b="1" u="sng" dirty="0" smtClean="0"/>
+              <a:t>傾向</a:t>
+            </a:r>
+            <a:r>
+              <a:rPr lang="ja-JP" altLang="en-US" sz="1600" b="1" u="sng" dirty="0" smtClean="0"/>
+              <a:t>がある</a:t>
             </a:r>
             <a:r>
               <a:rPr lang="ja-JP" altLang="en-US" sz="1400" dirty="0" smtClean="0"/>
@@ -5727,7 +4829,7 @@
         </p:nvSpPr>
         <p:spPr>
           <a:xfrm>
-            <a:off x="1412297" y="5764034"/>
+            <a:off x="1174172" y="5764034"/>
             <a:ext cx="5190913" cy="523220"/>
           </a:xfrm>
           <a:prstGeom prst="rect">
@@ -5790,13 +4892,13 @@
           <p:nvPr>
             <p:extLst>
               <p:ext uri="{D42A27DB-BD31-4B8C-83A1-F6EECF244321}">
-                <p14:modId xmlns:p14="http://schemas.microsoft.com/office/powerpoint/2010/main" val="1863228871"/>
+                <p14:modId xmlns:p14="http://schemas.microsoft.com/office/powerpoint/2010/main" val="3299141774"/>
               </p:ext>
             </p:extLst>
           </p:nvPr>
         </p:nvGraphicFramePr>
         <p:xfrm>
-          <a:off x="5379766" y="7419355"/>
+          <a:off x="5532166" y="7419355"/>
           <a:ext cx="885446" cy="354330"/>
         </p:xfrm>
         <a:graphic>
@@ -5859,18 +4961,26 @@
                     <a:bodyPr/>
                     <a:lstStyle/>
                     <a:p>
-                      <a:pPr algn="ctr" fontAlgn="ctr"/>
+                      <a:pPr algn="r" fontAlgn="ctr"/>
                       <a:r>
-                        <a:rPr lang="en-US" altLang="ja-JP" sz="1100" b="0" i="0" u="none" strike="noStrike" dirty="0">
+                        <a:rPr lang="en-US" altLang="ja-JP" sz="1100" b="0" i="0" u="none" strike="noStrike" dirty="0" smtClean="0">
                           <a:solidFill>
                             <a:srgbClr val="000000"/>
                           </a:solidFill>
                           <a:effectLst/>
-                          <a:latin typeface="+mn-ea"/>
-                          <a:ea typeface="+mn-ea"/>
+                          <a:latin typeface="ＭＳ Ｐゴシック" panose="020B0600070205080204" pitchFamily="50" charset="-128"/>
+                          <a:ea typeface="ＭＳ Ｐゴシック" panose="020B0600070205080204" pitchFamily="50" charset="-128"/>
                         </a:rPr>
-                        <a:t>4.0235</a:t>
+                        <a:t>4.0158</a:t>
                       </a:r>
+                      <a:endParaRPr lang="en-US" altLang="ja-JP" sz="1100" b="0" i="0" u="none" strike="noStrike" dirty="0">
+                        <a:solidFill>
+                          <a:srgbClr val="000000"/>
+                        </a:solidFill>
+                        <a:effectLst/>
+                        <a:latin typeface="ＭＳ Ｐゴシック" panose="020B0600070205080204" pitchFamily="50" charset="-128"/>
+                        <a:ea typeface="ＭＳ Ｐゴシック" panose="020B0600070205080204" pitchFamily="50" charset="-128"/>
+                      </a:endParaRPr>
                     </a:p>
                   </a:txBody>
                   <a:tcPr marL="9525" marR="9525" marT="9525" marB="0" anchor="ctr">
@@ -5924,23 +5034,18 @@
                     <a:bodyPr/>
                     <a:lstStyle/>
                     <a:p>
-                      <a:pPr algn="ctr" fontAlgn="ctr"/>
+                      <a:pPr algn="r" fontAlgn="ctr"/>
                       <a:r>
-                        <a:rPr lang="en-US" altLang="ja-JP" sz="1100" u="none" strike="noStrike" dirty="0">
+                        <a:rPr lang="en-US" altLang="ja-JP" sz="1100" b="0" i="0" u="none" strike="noStrike" dirty="0">
+                          <a:solidFill>
+                            <a:srgbClr val="000000"/>
+                          </a:solidFill>
                           <a:effectLst/>
-                          <a:latin typeface="+mn-ea"/>
-                          <a:ea typeface="+mn-ea"/>
+                          <a:latin typeface="ＭＳ Ｐゴシック" panose="020B0600070205080204" pitchFamily="50" charset="-128"/>
+                          <a:ea typeface="ＭＳ Ｐゴシック" panose="020B0600070205080204" pitchFamily="50" charset="-128"/>
                         </a:rPr>
-                        <a:t>0.0449</a:t>
+                        <a:t>0.1343</a:t>
                       </a:r>
-                      <a:endParaRPr lang="en-US" altLang="ja-JP" sz="1100" b="0" i="0" u="none" strike="noStrike" dirty="0">
-                        <a:solidFill>
-                          <a:srgbClr val="000000"/>
-                        </a:solidFill>
-                        <a:effectLst/>
-                        <a:latin typeface="+mn-ea"/>
-                        <a:ea typeface="+mn-ea"/>
-                      </a:endParaRPr>
                     </a:p>
                   </a:txBody>
                   <a:tcPr marL="9525" marR="9525" marT="9525" marB="0" anchor="ctr"/>
@@ -5958,8 +5063,8 @@
         </p:nvSpPr>
         <p:spPr>
           <a:xfrm>
-            <a:off x="5362259" y="7835855"/>
-            <a:ext cx="1180586" cy="348302"/>
+            <a:off x="5514659" y="7835855"/>
+            <a:ext cx="1192824" cy="348302"/>
           </a:xfrm>
           <a:prstGeom prst="wedgeRoundRectCallout">
             <a:avLst>
@@ -5989,16 +5094,24 @@
           <a:p>
             <a:pPr algn="ctr"/>
             <a:r>
+              <a:rPr kumimoji="1" lang="en-US" altLang="ja-JP" sz="1000" dirty="0" smtClean="0"/>
+              <a:t>p</a:t>
+            </a:r>
+            <a:r>
               <a:rPr kumimoji="1" lang="ja-JP" altLang="en-US" sz="1000" dirty="0" smtClean="0"/>
               <a:t>値</a:t>
             </a:r>
             <a:r>
-              <a:rPr kumimoji="1" lang="en-US" altLang="ja-JP" sz="1000" dirty="0" smtClean="0"/>
-              <a:t>p</a:t>
-            </a:r>
-            <a:r>
-              <a:rPr kumimoji="1" lang="ja-JP" altLang="en-US" sz="1000" dirty="0" smtClean="0"/>
-              <a:t>がこの表から</a:t>
+              <a:rPr lang="ja-JP" altLang="en-US" sz="1000" dirty="0" smtClean="0"/>
+              <a:t>は</a:t>
+            </a:r>
+            <a:r>
+              <a:rPr lang="en-US" altLang="ja-JP" sz="1000" dirty="0" smtClean="0"/>
+              <a:t>χ2</a:t>
+            </a:r>
+            <a:r>
+              <a:rPr lang="ja-JP" altLang="en-US" sz="1000" dirty="0" smtClean="0"/>
+              <a:t>乗検定で</a:t>
             </a:r>
             <a:endParaRPr kumimoji="1" lang="en-US" altLang="ja-JP" sz="1000" dirty="0" smtClean="0"/>
           </a:p>
@@ -6054,44 +5167,6 @@
               <a:t>したい</a:t>
             </a:r>
             <a:endParaRPr lang="ja-JP" altLang="en-US" dirty="0"/>
-          </a:p>
-        </p:txBody>
-      </p:sp>
-      <p:sp>
-        <p:nvSpPr>
-          <p:cNvPr id="42" name="右矢印 41"/>
-          <p:cNvSpPr/>
-          <p:nvPr/>
-        </p:nvSpPr>
-        <p:spPr>
-          <a:xfrm>
-            <a:off x="3051700" y="2007977"/>
-            <a:ext cx="290654" cy="965463"/>
-          </a:xfrm>
-          <a:prstGeom prst="rightArrow">
-            <a:avLst/>
-          </a:prstGeom>
-        </p:spPr>
-        <p:style>
-          <a:lnRef idx="2">
-            <a:schemeClr val="accent1"/>
-          </a:lnRef>
-          <a:fillRef idx="1">
-            <a:schemeClr val="lt1"/>
-          </a:fillRef>
-          <a:effectRef idx="0">
-            <a:schemeClr val="accent1"/>
-          </a:effectRef>
-          <a:fontRef idx="minor">
-            <a:schemeClr val="dk1"/>
-          </a:fontRef>
-        </p:style>
-        <p:txBody>
-          <a:bodyPr rtlCol="0" anchor="ctr"/>
-          <a:lstStyle/>
-          <a:p>
-            <a:pPr algn="ctr"/>
-            <a:endParaRPr kumimoji="1" lang="ja-JP" altLang="en-US"/>
           </a:p>
         </p:txBody>
       </p:sp>
@@ -6141,7 +5216,7 @@
         </p:nvSpPr>
         <p:spPr>
           <a:xfrm>
-            <a:off x="3400943" y="1662504"/>
+            <a:off x="3362843" y="1662504"/>
             <a:ext cx="943896" cy="1635123"/>
           </a:xfrm>
           <a:prstGeom prst="roundRect">
@@ -6265,7 +5340,7 @@
         </p:nvSpPr>
         <p:spPr>
           <a:xfrm>
-            <a:off x="3555819" y="1396484"/>
+            <a:off x="3527244" y="1396484"/>
             <a:ext cx="634144" cy="307777"/>
           </a:xfrm>
           <a:prstGeom prst="rect">
@@ -6328,13 +5403,13 @@
           <p:nvPr>
             <p:extLst>
               <p:ext uri="{D42A27DB-BD31-4B8C-83A1-F6EECF244321}">
-                <p14:modId xmlns:p14="http://schemas.microsoft.com/office/powerpoint/2010/main" val="2494517696"/>
+                <p14:modId xmlns:p14="http://schemas.microsoft.com/office/powerpoint/2010/main" val="1489021014"/>
               </p:ext>
             </p:extLst>
           </p:nvPr>
         </p:nvGraphicFramePr>
         <p:xfrm>
-          <a:off x="358678" y="5923283"/>
+          <a:off x="174528" y="5923283"/>
           <a:ext cx="911666" cy="2514600"/>
         </p:xfrm>
         <a:graphic>
@@ -7169,7 +6244,7 @@
         </p:nvSpPr>
         <p:spPr>
           <a:xfrm>
-            <a:off x="431169" y="5686898"/>
+            <a:off x="247019" y="5686898"/>
             <a:ext cx="758489" cy="276999"/>
           </a:xfrm>
           <a:prstGeom prst="rect">
@@ -7193,6 +6268,1185 @@
               <a:t>1</a:t>
             </a:r>
             <a:endParaRPr kumimoji="1" lang="ja-JP" altLang="en-US" sz="1200" dirty="0"/>
+          </a:p>
+        </p:txBody>
+      </p:sp>
+      <p:sp>
+        <p:nvSpPr>
+          <p:cNvPr id="34" name="テキスト ボックス 33"/>
+          <p:cNvSpPr txBox="1"/>
+          <p:nvPr/>
+        </p:nvSpPr>
+        <p:spPr>
+          <a:xfrm>
+            <a:off x="3063070" y="1339510"/>
+            <a:ext cx="518149" cy="369332"/>
+          </a:xfrm>
+          <a:prstGeom prst="rect">
+            <a:avLst/>
+          </a:prstGeom>
+          <a:noFill/>
+        </p:spPr>
+        <p:txBody>
+          <a:bodyPr wrap="square" rtlCol="0">
+            <a:spAutoFit/>
+          </a:bodyPr>
+          <a:lstStyle/>
+          <a:p>
+            <a:r>
+              <a:rPr lang="ja-JP" altLang="en-US" dirty="0"/>
+              <a:t>例</a:t>
+            </a:r>
+            <a:endParaRPr kumimoji="1" lang="ja-JP" altLang="en-US" dirty="0"/>
+          </a:p>
+        </p:txBody>
+      </p:sp>
+      <p:sp>
+        <p:nvSpPr>
+          <p:cNvPr id="35" name="正方形/長方形 34"/>
+          <p:cNvSpPr/>
+          <p:nvPr/>
+        </p:nvSpPr>
+        <p:spPr>
+          <a:xfrm>
+            <a:off x="3135768" y="1395261"/>
+            <a:ext cx="3578975" cy="1932406"/>
+          </a:xfrm>
+          <a:prstGeom prst="rect">
+            <a:avLst/>
+          </a:prstGeom>
+          <a:noFill/>
+        </p:spPr>
+        <p:style>
+          <a:lnRef idx="2">
+            <a:schemeClr val="accent1"/>
+          </a:lnRef>
+          <a:fillRef idx="1">
+            <a:schemeClr val="lt1"/>
+          </a:fillRef>
+          <a:effectRef idx="0">
+            <a:schemeClr val="accent1"/>
+          </a:effectRef>
+          <a:fontRef idx="minor">
+            <a:schemeClr val="dk1"/>
+          </a:fontRef>
+        </p:style>
+        <p:txBody>
+          <a:bodyPr rtlCol="0" anchor="ctr"/>
+          <a:lstStyle/>
+          <a:p>
+            <a:pPr algn="ctr"/>
+            <a:endParaRPr kumimoji="1" lang="ja-JP" altLang="en-US"/>
+          </a:p>
+        </p:txBody>
+      </p:sp>
+      <p:graphicFrame>
+        <p:nvGraphicFramePr>
+          <p:cNvPr id="37" name="表 36"/>
+          <p:cNvGraphicFramePr>
+            <a:graphicFrameLocks noGrp="1"/>
+          </p:cNvGraphicFramePr>
+          <p:nvPr>
+            <p:extLst>
+              <p:ext uri="{D42A27DB-BD31-4B8C-83A1-F6EECF244321}">
+                <p14:modId xmlns:p14="http://schemas.microsoft.com/office/powerpoint/2010/main" val="1848116104"/>
+              </p:ext>
+            </p:extLst>
+          </p:nvPr>
+        </p:nvGraphicFramePr>
+        <p:xfrm>
+          <a:off x="1229781" y="7419695"/>
+          <a:ext cx="1722969" cy="700316"/>
+        </p:xfrm>
+        <a:graphic>
+          <a:graphicData uri="http://schemas.openxmlformats.org/drawingml/2006/table">
+            <a:tbl>
+              <a:tblPr firstRow="1" bandRow="1">
+                <a:tableStyleId>{3B4B98B0-60AC-42C2-AFA5-B58CD77FA1E5}</a:tableStyleId>
+              </a:tblPr>
+              <a:tblGrid>
+                <a:gridCol w="398994"/>
+                <a:gridCol w="495300"/>
+                <a:gridCol w="285750"/>
+                <a:gridCol w="323850"/>
+                <a:gridCol w="219075"/>
+              </a:tblGrid>
+              <a:tr h="175079">
+                <a:tc>
+                  <a:txBody>
+                    <a:bodyPr/>
+                    <a:lstStyle/>
+                    <a:p>
+                      <a:pPr algn="ctr" fontAlgn="ctr"/>
+                      <a:r>
+                        <a:rPr lang="ja-JP" altLang="en-US" sz="1050" u="none" strike="noStrike" dirty="0">
+                          <a:effectLst/>
+                        </a:rPr>
+                        <a:t>集計</a:t>
+                      </a:r>
+                      <a:endParaRPr lang="ja-JP" altLang="en-US" sz="1050" b="0" i="0" u="none" strike="noStrike" dirty="0">
+                        <a:solidFill>
+                          <a:srgbClr val="000000"/>
+                        </a:solidFill>
+                        <a:effectLst/>
+                        <a:latin typeface="ＭＳ Ｐゴシック" panose="020B0600070205080204" pitchFamily="50" charset="-128"/>
+                        <a:ea typeface="ＭＳ Ｐゴシック" panose="020B0600070205080204" pitchFamily="50" charset="-128"/>
+                      </a:endParaRPr>
+                    </a:p>
+                  </a:txBody>
+                  <a:tcPr marL="9525" marR="9525" marT="9525" marB="0" anchor="ctr"/>
+                </a:tc>
+                <a:tc>
+                  <a:txBody>
+                    <a:bodyPr/>
+                    <a:lstStyle/>
+                    <a:p>
+                      <a:pPr algn="ctr" fontAlgn="ctr"/>
+                      <a:r>
+                        <a:rPr lang="ja-JP" altLang="en-US" sz="1050" u="none" strike="noStrike" dirty="0" smtClean="0">
+                          <a:effectLst/>
+                        </a:rPr>
+                        <a:t>同タイプ</a:t>
+                      </a:r>
+                      <a:endParaRPr lang="ja-JP" altLang="en-US" sz="1050" b="0" i="0" u="none" strike="noStrike" dirty="0">
+                        <a:solidFill>
+                          <a:srgbClr val="000000"/>
+                        </a:solidFill>
+                        <a:effectLst/>
+                        <a:latin typeface="ＭＳ Ｐゴシック" panose="020B0600070205080204" pitchFamily="50" charset="-128"/>
+                        <a:ea typeface="ＭＳ Ｐゴシック" panose="020B0600070205080204" pitchFamily="50" charset="-128"/>
+                      </a:endParaRPr>
+                    </a:p>
+                  </a:txBody>
+                  <a:tcPr marL="9525" marR="9525" marT="9525" marB="0" anchor="ctr"/>
+                </a:tc>
+                <a:tc>
+                  <a:txBody>
+                    <a:bodyPr/>
+                    <a:lstStyle/>
+                    <a:p>
+                      <a:pPr algn="ctr" fontAlgn="ctr"/>
+                      <a:r>
+                        <a:rPr lang="ja-JP" altLang="en-US" sz="1050" u="none" strike="noStrike" dirty="0">
+                          <a:effectLst/>
+                        </a:rPr>
+                        <a:t>両方</a:t>
+                      </a:r>
+                      <a:endParaRPr lang="ja-JP" altLang="en-US" sz="1050" b="0" i="0" u="none" strike="noStrike" dirty="0">
+                        <a:solidFill>
+                          <a:srgbClr val="000000"/>
+                        </a:solidFill>
+                        <a:effectLst/>
+                        <a:latin typeface="ＭＳ Ｐゴシック" panose="020B0600070205080204" pitchFamily="50" charset="-128"/>
+                        <a:ea typeface="ＭＳ Ｐゴシック" panose="020B0600070205080204" pitchFamily="50" charset="-128"/>
+                      </a:endParaRPr>
+                    </a:p>
+                  </a:txBody>
+                  <a:tcPr marL="9525" marR="9525" marT="9525" marB="0" anchor="ctr"/>
+                </a:tc>
+                <a:tc>
+                  <a:txBody>
+                    <a:bodyPr/>
+                    <a:lstStyle/>
+                    <a:p>
+                      <a:pPr algn="ctr" fontAlgn="ctr"/>
+                      <a:r>
+                        <a:rPr lang="ja-JP" altLang="en-US" sz="1050" u="none" strike="noStrike" dirty="0" smtClean="0">
+                          <a:effectLst/>
+                        </a:rPr>
+                        <a:t>反対</a:t>
+                      </a:r>
+                      <a:endParaRPr lang="ja-JP" altLang="en-US" sz="1050" b="0" i="0" u="none" strike="noStrike" dirty="0">
+                        <a:solidFill>
+                          <a:srgbClr val="000000"/>
+                        </a:solidFill>
+                        <a:effectLst/>
+                        <a:latin typeface="ＭＳ Ｐゴシック" panose="020B0600070205080204" pitchFamily="50" charset="-128"/>
+                        <a:ea typeface="ＭＳ Ｐゴシック" panose="020B0600070205080204" pitchFamily="50" charset="-128"/>
+                      </a:endParaRPr>
+                    </a:p>
+                  </a:txBody>
+                  <a:tcPr marL="9525" marR="9525" marT="9525" marB="0" anchor="ctr"/>
+                </a:tc>
+                <a:tc>
+                  <a:txBody>
+                    <a:bodyPr/>
+                    <a:lstStyle/>
+                    <a:p>
+                      <a:pPr algn="ctr" fontAlgn="ctr"/>
+                      <a:r>
+                        <a:rPr lang="ja-JP" altLang="en-US" sz="1050" u="none" strike="noStrike" dirty="0">
+                          <a:effectLst/>
+                        </a:rPr>
+                        <a:t>計</a:t>
+                      </a:r>
+                      <a:endParaRPr lang="ja-JP" altLang="en-US" sz="1050" b="0" i="0" u="none" strike="noStrike" dirty="0">
+                        <a:solidFill>
+                          <a:srgbClr val="000000"/>
+                        </a:solidFill>
+                        <a:effectLst/>
+                        <a:latin typeface="ＭＳ Ｐゴシック" panose="020B0600070205080204" pitchFamily="50" charset="-128"/>
+                        <a:ea typeface="ＭＳ Ｐゴシック" panose="020B0600070205080204" pitchFamily="50" charset="-128"/>
+                      </a:endParaRPr>
+                    </a:p>
+                  </a:txBody>
+                  <a:tcPr marL="9525" marR="9525" marT="9525" marB="0" anchor="ctr"/>
+                </a:tc>
+              </a:tr>
+              <a:tr h="175079">
+                <a:tc>
+                  <a:txBody>
+                    <a:bodyPr/>
+                    <a:lstStyle/>
+                    <a:p>
+                      <a:pPr algn="l" fontAlgn="ctr"/>
+                      <a:r>
+                        <a:rPr lang="ja-JP" altLang="en-US" sz="1050" u="none" strike="noStrike" dirty="0" smtClean="0">
+                          <a:effectLst/>
+                        </a:rPr>
+                        <a:t>はい</a:t>
+                      </a:r>
+                      <a:endParaRPr lang="ja-JP" altLang="en-US" sz="1050" b="0" i="0" u="none" strike="noStrike" dirty="0">
+                        <a:solidFill>
+                          <a:srgbClr val="000000"/>
+                        </a:solidFill>
+                        <a:effectLst/>
+                        <a:latin typeface="ＭＳ Ｐゴシック" panose="020B0600070205080204" pitchFamily="50" charset="-128"/>
+                        <a:ea typeface="ＭＳ Ｐゴシック" panose="020B0600070205080204" pitchFamily="50" charset="-128"/>
+                      </a:endParaRPr>
+                    </a:p>
+                  </a:txBody>
+                  <a:tcPr marL="9525" marR="9525" marT="9525" marB="0" anchor="ctr"/>
+                </a:tc>
+                <a:tc>
+                  <a:txBody>
+                    <a:bodyPr/>
+                    <a:lstStyle/>
+                    <a:p>
+                      <a:pPr algn="r" fontAlgn="ctr"/>
+                      <a:r>
+                        <a:rPr lang="en-US" altLang="ja-JP" sz="1050" u="none" strike="noStrike" dirty="0">
+                          <a:effectLst/>
+                        </a:rPr>
+                        <a:t>2</a:t>
+                      </a:r>
+                      <a:endParaRPr lang="en-US" altLang="ja-JP" sz="1050" b="0" i="0" u="none" strike="noStrike" dirty="0">
+                        <a:solidFill>
+                          <a:srgbClr val="000000"/>
+                        </a:solidFill>
+                        <a:effectLst/>
+                        <a:latin typeface="ＭＳ Ｐゴシック" panose="020B0600070205080204" pitchFamily="50" charset="-128"/>
+                        <a:ea typeface="ＭＳ Ｐゴシック" panose="020B0600070205080204" pitchFamily="50" charset="-128"/>
+                      </a:endParaRPr>
+                    </a:p>
+                  </a:txBody>
+                  <a:tcPr marL="9525" marR="9525" marT="9525" marB="0" anchor="ctr"/>
+                </a:tc>
+                <a:tc>
+                  <a:txBody>
+                    <a:bodyPr/>
+                    <a:lstStyle/>
+                    <a:p>
+                      <a:pPr algn="r" fontAlgn="ctr"/>
+                      <a:r>
+                        <a:rPr lang="en-US" altLang="ja-JP" sz="1050" u="none" strike="noStrike" dirty="0">
+                          <a:effectLst/>
+                        </a:rPr>
+                        <a:t>12</a:t>
+                      </a:r>
+                      <a:endParaRPr lang="en-US" altLang="ja-JP" sz="1050" b="0" i="0" u="none" strike="noStrike" dirty="0">
+                        <a:solidFill>
+                          <a:srgbClr val="000000"/>
+                        </a:solidFill>
+                        <a:effectLst/>
+                        <a:latin typeface="ＭＳ Ｐゴシック" panose="020B0600070205080204" pitchFamily="50" charset="-128"/>
+                        <a:ea typeface="ＭＳ Ｐゴシック" panose="020B0600070205080204" pitchFamily="50" charset="-128"/>
+                      </a:endParaRPr>
+                    </a:p>
+                  </a:txBody>
+                  <a:tcPr marL="9525" marR="9525" marT="9525" marB="0" anchor="ctr"/>
+                </a:tc>
+                <a:tc>
+                  <a:txBody>
+                    <a:bodyPr/>
+                    <a:lstStyle/>
+                    <a:p>
+                      <a:pPr algn="r" fontAlgn="ctr"/>
+                      <a:r>
+                        <a:rPr lang="en-US" altLang="ja-JP" sz="1050" u="none" strike="noStrike" dirty="0">
+                          <a:effectLst/>
+                        </a:rPr>
+                        <a:t>14</a:t>
+                      </a:r>
+                      <a:endParaRPr lang="en-US" altLang="ja-JP" sz="1050" b="0" i="0" u="none" strike="noStrike" dirty="0">
+                        <a:solidFill>
+                          <a:srgbClr val="000000"/>
+                        </a:solidFill>
+                        <a:effectLst/>
+                        <a:latin typeface="ＭＳ Ｐゴシック" panose="020B0600070205080204" pitchFamily="50" charset="-128"/>
+                        <a:ea typeface="ＭＳ Ｐゴシック" panose="020B0600070205080204" pitchFamily="50" charset="-128"/>
+                      </a:endParaRPr>
+                    </a:p>
+                  </a:txBody>
+                  <a:tcPr marL="9525" marR="9525" marT="9525" marB="0" anchor="ctr"/>
+                </a:tc>
+                <a:tc>
+                  <a:txBody>
+                    <a:bodyPr/>
+                    <a:lstStyle/>
+                    <a:p>
+                      <a:pPr algn="r" fontAlgn="ctr"/>
+                      <a:r>
+                        <a:rPr lang="en-US" altLang="ja-JP" sz="1050" u="none" strike="noStrike" dirty="0">
+                          <a:effectLst/>
+                        </a:rPr>
+                        <a:t>28</a:t>
+                      </a:r>
+                      <a:endParaRPr lang="en-US" altLang="ja-JP" sz="1050" b="0" i="0" u="none" strike="noStrike" dirty="0">
+                        <a:solidFill>
+                          <a:srgbClr val="000000"/>
+                        </a:solidFill>
+                        <a:effectLst/>
+                        <a:latin typeface="ＭＳ Ｐゴシック" panose="020B0600070205080204" pitchFamily="50" charset="-128"/>
+                        <a:ea typeface="ＭＳ Ｐゴシック" panose="020B0600070205080204" pitchFamily="50" charset="-128"/>
+                      </a:endParaRPr>
+                    </a:p>
+                  </a:txBody>
+                  <a:tcPr marL="9525" marR="9525" marT="9525" marB="0" anchor="ctr"/>
+                </a:tc>
+              </a:tr>
+              <a:tr h="175079">
+                <a:tc>
+                  <a:txBody>
+                    <a:bodyPr/>
+                    <a:lstStyle/>
+                    <a:p>
+                      <a:pPr algn="l" fontAlgn="ctr"/>
+                      <a:r>
+                        <a:rPr lang="ja-JP" altLang="en-US" sz="1050" u="none" strike="noStrike" dirty="0" smtClean="0">
+                          <a:effectLst/>
+                        </a:rPr>
+                        <a:t>いいえ</a:t>
+                      </a:r>
+                      <a:endParaRPr lang="ja-JP" altLang="en-US" sz="1050" b="0" i="0" u="none" strike="noStrike" dirty="0">
+                        <a:solidFill>
+                          <a:srgbClr val="000000"/>
+                        </a:solidFill>
+                        <a:effectLst/>
+                        <a:latin typeface="ＭＳ Ｐゴシック" panose="020B0600070205080204" pitchFamily="50" charset="-128"/>
+                        <a:ea typeface="ＭＳ Ｐゴシック" panose="020B0600070205080204" pitchFamily="50" charset="-128"/>
+                      </a:endParaRPr>
+                    </a:p>
+                  </a:txBody>
+                  <a:tcPr marL="9525" marR="9525" marT="9525" marB="0" anchor="ctr"/>
+                </a:tc>
+                <a:tc>
+                  <a:txBody>
+                    <a:bodyPr/>
+                    <a:lstStyle/>
+                    <a:p>
+                      <a:pPr algn="r" fontAlgn="ctr"/>
+                      <a:r>
+                        <a:rPr lang="en-US" altLang="ja-JP" sz="1050" u="none" strike="noStrike" dirty="0">
+                          <a:effectLst/>
+                        </a:rPr>
+                        <a:t>2</a:t>
+                      </a:r>
+                      <a:endParaRPr lang="en-US" altLang="ja-JP" sz="1050" b="0" i="0" u="none" strike="noStrike" dirty="0">
+                        <a:solidFill>
+                          <a:srgbClr val="000000"/>
+                        </a:solidFill>
+                        <a:effectLst/>
+                        <a:latin typeface="ＭＳ Ｐゴシック" panose="020B0600070205080204" pitchFamily="50" charset="-128"/>
+                        <a:ea typeface="ＭＳ Ｐゴシック" panose="020B0600070205080204" pitchFamily="50" charset="-128"/>
+                      </a:endParaRPr>
+                    </a:p>
+                  </a:txBody>
+                  <a:tcPr marL="9525" marR="9525" marT="9525" marB="0" anchor="ctr"/>
+                </a:tc>
+                <a:tc>
+                  <a:txBody>
+                    <a:bodyPr/>
+                    <a:lstStyle/>
+                    <a:p>
+                      <a:pPr algn="r" fontAlgn="ctr"/>
+                      <a:r>
+                        <a:rPr lang="en-US" altLang="ja-JP" sz="1050" u="none" strike="noStrike" dirty="0">
+                          <a:effectLst/>
+                        </a:rPr>
+                        <a:t>1</a:t>
+                      </a:r>
+                      <a:endParaRPr lang="en-US" altLang="ja-JP" sz="1050" b="0" i="0" u="none" strike="noStrike" dirty="0">
+                        <a:solidFill>
+                          <a:srgbClr val="000000"/>
+                        </a:solidFill>
+                        <a:effectLst/>
+                        <a:latin typeface="ＭＳ Ｐゴシック" panose="020B0600070205080204" pitchFamily="50" charset="-128"/>
+                        <a:ea typeface="ＭＳ Ｐゴシック" panose="020B0600070205080204" pitchFamily="50" charset="-128"/>
+                      </a:endParaRPr>
+                    </a:p>
+                  </a:txBody>
+                  <a:tcPr marL="9525" marR="9525" marT="9525" marB="0" anchor="ctr"/>
+                </a:tc>
+                <a:tc>
+                  <a:txBody>
+                    <a:bodyPr/>
+                    <a:lstStyle/>
+                    <a:p>
+                      <a:pPr algn="r" fontAlgn="ctr"/>
+                      <a:r>
+                        <a:rPr lang="en-US" altLang="ja-JP" sz="1050" u="none" strike="noStrike" dirty="0" smtClean="0">
+                          <a:effectLst/>
+                        </a:rPr>
+                        <a:t>7</a:t>
+                      </a:r>
+                      <a:endParaRPr lang="en-US" altLang="ja-JP" sz="1050" b="0" i="0" u="none" strike="noStrike" dirty="0">
+                        <a:solidFill>
+                          <a:srgbClr val="000000"/>
+                        </a:solidFill>
+                        <a:effectLst/>
+                        <a:latin typeface="ＭＳ Ｐゴシック" panose="020B0600070205080204" pitchFamily="50" charset="-128"/>
+                        <a:ea typeface="ＭＳ Ｐゴシック" panose="020B0600070205080204" pitchFamily="50" charset="-128"/>
+                      </a:endParaRPr>
+                    </a:p>
+                  </a:txBody>
+                  <a:tcPr marL="9525" marR="9525" marT="9525" marB="0" anchor="ctr"/>
+                </a:tc>
+                <a:tc>
+                  <a:txBody>
+                    <a:bodyPr/>
+                    <a:lstStyle/>
+                    <a:p>
+                      <a:pPr algn="r" fontAlgn="ctr"/>
+                      <a:r>
+                        <a:rPr lang="en-US" altLang="ja-JP" sz="1050" u="none" strike="noStrike">
+                          <a:effectLst/>
+                        </a:rPr>
+                        <a:t>10</a:t>
+                      </a:r>
+                      <a:endParaRPr lang="en-US" altLang="ja-JP" sz="1050" b="0" i="0" u="none" strike="noStrike">
+                        <a:solidFill>
+                          <a:srgbClr val="000000"/>
+                        </a:solidFill>
+                        <a:effectLst/>
+                        <a:latin typeface="ＭＳ Ｐゴシック" panose="020B0600070205080204" pitchFamily="50" charset="-128"/>
+                        <a:ea typeface="ＭＳ Ｐゴシック" panose="020B0600070205080204" pitchFamily="50" charset="-128"/>
+                      </a:endParaRPr>
+                    </a:p>
+                  </a:txBody>
+                  <a:tcPr marL="9525" marR="9525" marT="9525" marB="0" anchor="ctr"/>
+                </a:tc>
+              </a:tr>
+              <a:tr h="175079">
+                <a:tc>
+                  <a:txBody>
+                    <a:bodyPr/>
+                    <a:lstStyle/>
+                    <a:p>
+                      <a:pPr algn="l" fontAlgn="ctr"/>
+                      <a:r>
+                        <a:rPr lang="ja-JP" altLang="en-US" sz="1050" u="none" strike="noStrike">
+                          <a:effectLst/>
+                        </a:rPr>
+                        <a:t>計</a:t>
+                      </a:r>
+                      <a:endParaRPr lang="ja-JP" altLang="en-US" sz="1050" b="0" i="0" u="none" strike="noStrike">
+                        <a:solidFill>
+                          <a:srgbClr val="000000"/>
+                        </a:solidFill>
+                        <a:effectLst/>
+                        <a:latin typeface="ＭＳ Ｐゴシック" panose="020B0600070205080204" pitchFamily="50" charset="-128"/>
+                        <a:ea typeface="ＭＳ Ｐゴシック" panose="020B0600070205080204" pitchFamily="50" charset="-128"/>
+                      </a:endParaRPr>
+                    </a:p>
+                  </a:txBody>
+                  <a:tcPr marL="9525" marR="9525" marT="9525" marB="0" anchor="ctr"/>
+                </a:tc>
+                <a:tc>
+                  <a:txBody>
+                    <a:bodyPr/>
+                    <a:lstStyle/>
+                    <a:p>
+                      <a:pPr algn="r" fontAlgn="ctr"/>
+                      <a:r>
+                        <a:rPr lang="en-US" altLang="ja-JP" sz="1050" u="none" strike="noStrike" dirty="0">
+                          <a:effectLst/>
+                        </a:rPr>
+                        <a:t>4</a:t>
+                      </a:r>
+                      <a:endParaRPr lang="en-US" altLang="ja-JP" sz="1050" b="0" i="0" u="none" strike="noStrike" dirty="0">
+                        <a:solidFill>
+                          <a:srgbClr val="000000"/>
+                        </a:solidFill>
+                        <a:effectLst/>
+                        <a:latin typeface="ＭＳ Ｐゴシック" panose="020B0600070205080204" pitchFamily="50" charset="-128"/>
+                        <a:ea typeface="ＭＳ Ｐゴシック" panose="020B0600070205080204" pitchFamily="50" charset="-128"/>
+                      </a:endParaRPr>
+                    </a:p>
+                  </a:txBody>
+                  <a:tcPr marL="9525" marR="9525" marT="9525" marB="0" anchor="ctr"/>
+                </a:tc>
+                <a:tc>
+                  <a:txBody>
+                    <a:bodyPr/>
+                    <a:lstStyle/>
+                    <a:p>
+                      <a:pPr algn="r" fontAlgn="ctr"/>
+                      <a:r>
+                        <a:rPr lang="en-US" altLang="ja-JP" sz="1050" u="none" strike="noStrike" dirty="0">
+                          <a:effectLst/>
+                        </a:rPr>
+                        <a:t>13</a:t>
+                      </a:r>
+                      <a:endParaRPr lang="en-US" altLang="ja-JP" sz="1050" b="0" i="0" u="none" strike="noStrike" dirty="0">
+                        <a:solidFill>
+                          <a:srgbClr val="000000"/>
+                        </a:solidFill>
+                        <a:effectLst/>
+                        <a:latin typeface="ＭＳ Ｐゴシック" panose="020B0600070205080204" pitchFamily="50" charset="-128"/>
+                        <a:ea typeface="ＭＳ Ｐゴシック" panose="020B0600070205080204" pitchFamily="50" charset="-128"/>
+                      </a:endParaRPr>
+                    </a:p>
+                  </a:txBody>
+                  <a:tcPr marL="9525" marR="9525" marT="9525" marB="0" anchor="ctr"/>
+                </a:tc>
+                <a:tc>
+                  <a:txBody>
+                    <a:bodyPr/>
+                    <a:lstStyle/>
+                    <a:p>
+                      <a:pPr algn="r" fontAlgn="ctr"/>
+                      <a:r>
+                        <a:rPr lang="en-US" altLang="ja-JP" sz="1050" u="none" strike="noStrike" dirty="0">
+                          <a:effectLst/>
+                        </a:rPr>
+                        <a:t>21</a:t>
+                      </a:r>
+                      <a:endParaRPr lang="en-US" altLang="ja-JP" sz="1050" b="0" i="0" u="none" strike="noStrike" dirty="0">
+                        <a:solidFill>
+                          <a:srgbClr val="000000"/>
+                        </a:solidFill>
+                        <a:effectLst/>
+                        <a:latin typeface="ＭＳ Ｐゴシック" panose="020B0600070205080204" pitchFamily="50" charset="-128"/>
+                        <a:ea typeface="ＭＳ Ｐゴシック" panose="020B0600070205080204" pitchFamily="50" charset="-128"/>
+                      </a:endParaRPr>
+                    </a:p>
+                  </a:txBody>
+                  <a:tcPr marL="9525" marR="9525" marT="9525" marB="0" anchor="ctr"/>
+                </a:tc>
+                <a:tc>
+                  <a:txBody>
+                    <a:bodyPr/>
+                    <a:lstStyle/>
+                    <a:p>
+                      <a:pPr algn="r" fontAlgn="ctr"/>
+                      <a:r>
+                        <a:rPr lang="en-US" altLang="ja-JP" sz="1050" u="none" strike="noStrike" dirty="0">
+                          <a:effectLst/>
+                        </a:rPr>
+                        <a:t>38</a:t>
+                      </a:r>
+                      <a:endParaRPr lang="en-US" altLang="ja-JP" sz="1050" b="0" i="0" u="none" strike="noStrike" dirty="0">
+                        <a:solidFill>
+                          <a:srgbClr val="000000"/>
+                        </a:solidFill>
+                        <a:effectLst/>
+                        <a:latin typeface="ＭＳ Ｐゴシック" panose="020B0600070205080204" pitchFamily="50" charset="-128"/>
+                        <a:ea typeface="ＭＳ Ｐゴシック" panose="020B0600070205080204" pitchFamily="50" charset="-128"/>
+                      </a:endParaRPr>
+                    </a:p>
+                  </a:txBody>
+                  <a:tcPr marL="9525" marR="9525" marT="9525" marB="0" anchor="ctr"/>
+                </a:tc>
+              </a:tr>
+            </a:tbl>
+          </a:graphicData>
+        </a:graphic>
+      </p:graphicFrame>
+      <p:graphicFrame>
+        <p:nvGraphicFramePr>
+          <p:cNvPr id="54" name="表 53"/>
+          <p:cNvGraphicFramePr>
+            <a:graphicFrameLocks noGrp="1"/>
+          </p:cNvGraphicFramePr>
+          <p:nvPr>
+            <p:extLst>
+              <p:ext uri="{D42A27DB-BD31-4B8C-83A1-F6EECF244321}">
+                <p14:modId xmlns:p14="http://schemas.microsoft.com/office/powerpoint/2010/main" val="952363603"/>
+              </p:ext>
+            </p:extLst>
+          </p:nvPr>
+        </p:nvGraphicFramePr>
+        <p:xfrm>
+          <a:off x="3123253" y="7409174"/>
+          <a:ext cx="2237358" cy="729720"/>
+        </p:xfrm>
+        <a:graphic>
+          <a:graphicData uri="http://schemas.openxmlformats.org/drawingml/2006/table">
+            <a:tbl>
+              <a:tblPr firstRow="1" bandRow="1">
+                <a:tableStyleId>{3B4B98B0-60AC-42C2-AFA5-B58CD77FA1E5}</a:tableStyleId>
+              </a:tblPr>
+              <a:tblGrid>
+                <a:gridCol w="439097"/>
+                <a:gridCol w="504825"/>
+                <a:gridCol w="504825"/>
+                <a:gridCol w="552450"/>
+                <a:gridCol w="236161"/>
+              </a:tblGrid>
+              <a:tr h="195315">
+                <a:tc>
+                  <a:txBody>
+                    <a:bodyPr/>
+                    <a:lstStyle/>
+                    <a:p>
+                      <a:pPr algn="ctr" fontAlgn="ctr"/>
+                      <a:r>
+                        <a:rPr lang="ja-JP" altLang="en-US" sz="1050" u="none" strike="noStrike" dirty="0">
+                          <a:effectLst/>
+                        </a:rPr>
+                        <a:t>期待度</a:t>
+                      </a:r>
+                      <a:endParaRPr lang="ja-JP" altLang="en-US" sz="1050" b="0" i="0" u="none" strike="noStrike" dirty="0">
+                        <a:solidFill>
+                          <a:srgbClr val="000000"/>
+                        </a:solidFill>
+                        <a:effectLst/>
+                        <a:latin typeface="ＭＳ Ｐゴシック" panose="020B0600070205080204" pitchFamily="50" charset="-128"/>
+                        <a:ea typeface="ＭＳ Ｐゴシック" panose="020B0600070205080204" pitchFamily="50" charset="-128"/>
+                      </a:endParaRPr>
+                    </a:p>
+                  </a:txBody>
+                  <a:tcPr marL="9525" marR="9525" marT="9525" marB="0" anchor="ctr"/>
+                </a:tc>
+                <a:tc>
+                  <a:txBody>
+                    <a:bodyPr/>
+                    <a:lstStyle/>
+                    <a:p>
+                      <a:pPr algn="ctr" fontAlgn="ctr"/>
+                      <a:r>
+                        <a:rPr lang="ja-JP" altLang="en-US" sz="1050" u="none" strike="noStrike" dirty="0">
+                          <a:effectLst/>
+                        </a:rPr>
+                        <a:t>同タイプ</a:t>
+                      </a:r>
+                      <a:endParaRPr lang="ja-JP" altLang="en-US" sz="1050" b="0" i="0" u="none" strike="noStrike" dirty="0">
+                        <a:solidFill>
+                          <a:srgbClr val="000000"/>
+                        </a:solidFill>
+                        <a:effectLst/>
+                        <a:latin typeface="ＭＳ Ｐゴシック" panose="020B0600070205080204" pitchFamily="50" charset="-128"/>
+                        <a:ea typeface="ＭＳ Ｐゴシック" panose="020B0600070205080204" pitchFamily="50" charset="-128"/>
+                      </a:endParaRPr>
+                    </a:p>
+                  </a:txBody>
+                  <a:tcPr marL="9525" marR="9525" marT="9525" marB="0" anchor="ctr"/>
+                </a:tc>
+                <a:tc>
+                  <a:txBody>
+                    <a:bodyPr/>
+                    <a:lstStyle/>
+                    <a:p>
+                      <a:pPr algn="ctr" fontAlgn="ctr"/>
+                      <a:r>
+                        <a:rPr lang="ja-JP" altLang="en-US" sz="1050" u="none" strike="noStrike" dirty="0">
+                          <a:effectLst/>
+                        </a:rPr>
+                        <a:t>両方</a:t>
+                      </a:r>
+                      <a:endParaRPr lang="ja-JP" altLang="en-US" sz="1050" b="0" i="0" u="none" strike="noStrike" dirty="0">
+                        <a:solidFill>
+                          <a:srgbClr val="000000"/>
+                        </a:solidFill>
+                        <a:effectLst/>
+                        <a:latin typeface="ＭＳ Ｐゴシック" panose="020B0600070205080204" pitchFamily="50" charset="-128"/>
+                        <a:ea typeface="ＭＳ Ｐゴシック" panose="020B0600070205080204" pitchFamily="50" charset="-128"/>
+                      </a:endParaRPr>
+                    </a:p>
+                  </a:txBody>
+                  <a:tcPr marL="9525" marR="9525" marT="9525" marB="0" anchor="ctr"/>
+                </a:tc>
+                <a:tc>
+                  <a:txBody>
+                    <a:bodyPr/>
+                    <a:lstStyle/>
+                    <a:p>
+                      <a:pPr algn="ctr" fontAlgn="ctr"/>
+                      <a:r>
+                        <a:rPr lang="ja-JP" altLang="en-US" sz="1050" u="none" strike="noStrike" dirty="0" smtClean="0">
+                          <a:effectLst/>
+                        </a:rPr>
+                        <a:t>反対</a:t>
+                      </a:r>
+                      <a:endParaRPr lang="ja-JP" altLang="en-US" sz="1050" b="0" i="0" u="none" strike="noStrike" dirty="0">
+                        <a:solidFill>
+                          <a:srgbClr val="000000"/>
+                        </a:solidFill>
+                        <a:effectLst/>
+                        <a:latin typeface="ＭＳ Ｐゴシック" panose="020B0600070205080204" pitchFamily="50" charset="-128"/>
+                        <a:ea typeface="ＭＳ Ｐゴシック" panose="020B0600070205080204" pitchFamily="50" charset="-128"/>
+                      </a:endParaRPr>
+                    </a:p>
+                  </a:txBody>
+                  <a:tcPr marL="9525" marR="9525" marT="9525" marB="0" anchor="ctr"/>
+                </a:tc>
+                <a:tc>
+                  <a:txBody>
+                    <a:bodyPr/>
+                    <a:lstStyle/>
+                    <a:p>
+                      <a:pPr algn="ctr" fontAlgn="ctr"/>
+                      <a:r>
+                        <a:rPr lang="ja-JP" altLang="en-US" sz="1050" u="none" strike="noStrike" dirty="0">
+                          <a:effectLst/>
+                        </a:rPr>
+                        <a:t>計</a:t>
+                      </a:r>
+                      <a:endParaRPr lang="ja-JP" altLang="en-US" sz="1050" b="0" i="0" u="none" strike="noStrike" dirty="0">
+                        <a:solidFill>
+                          <a:srgbClr val="000000"/>
+                        </a:solidFill>
+                        <a:effectLst/>
+                        <a:latin typeface="ＭＳ Ｐゴシック" panose="020B0600070205080204" pitchFamily="50" charset="-128"/>
+                        <a:ea typeface="ＭＳ Ｐゴシック" panose="020B0600070205080204" pitchFamily="50" charset="-128"/>
+                      </a:endParaRPr>
+                    </a:p>
+                  </a:txBody>
+                  <a:tcPr marL="9525" marR="9525" marT="9525" marB="0" anchor="ctr"/>
+                </a:tc>
+              </a:tr>
+              <a:tr h="195315">
+                <a:tc>
+                  <a:txBody>
+                    <a:bodyPr/>
+                    <a:lstStyle/>
+                    <a:p>
+                      <a:pPr algn="l" fontAlgn="ctr"/>
+                      <a:r>
+                        <a:rPr lang="ja-JP" altLang="en-US" sz="1050" b="0" i="0" u="none" strike="noStrike" dirty="0" smtClean="0">
+                          <a:solidFill>
+                            <a:srgbClr val="000000"/>
+                          </a:solidFill>
+                          <a:effectLst/>
+                          <a:latin typeface="ＭＳ Ｐゴシック" panose="020B0600070205080204" pitchFamily="50" charset="-128"/>
+                          <a:ea typeface="ＭＳ Ｐゴシック" panose="020B0600070205080204" pitchFamily="50" charset="-128"/>
+                        </a:rPr>
+                        <a:t>はい</a:t>
+                      </a:r>
+                      <a:endParaRPr lang="ja-JP" altLang="en-US" sz="1050" b="0" i="0" u="none" strike="noStrike" dirty="0">
+                        <a:solidFill>
+                          <a:srgbClr val="000000"/>
+                        </a:solidFill>
+                        <a:effectLst/>
+                        <a:latin typeface="ＭＳ Ｐゴシック" panose="020B0600070205080204" pitchFamily="50" charset="-128"/>
+                        <a:ea typeface="ＭＳ Ｐゴシック" panose="020B0600070205080204" pitchFamily="50" charset="-128"/>
+                      </a:endParaRPr>
+                    </a:p>
+                  </a:txBody>
+                  <a:tcPr marL="9525" marR="9525" marT="9525" marB="0" anchor="ctr"/>
+                </a:tc>
+                <a:tc>
+                  <a:txBody>
+                    <a:bodyPr/>
+                    <a:lstStyle/>
+                    <a:p>
+                      <a:pPr algn="r" fontAlgn="ctr"/>
+                      <a:r>
+                        <a:rPr lang="en-US" altLang="ja-JP" sz="1050" u="none" strike="noStrike" dirty="0">
+                          <a:effectLst/>
+                        </a:rPr>
+                        <a:t>2.947</a:t>
+                      </a:r>
+                      <a:endParaRPr lang="en-US" altLang="ja-JP" sz="1050" b="0" i="0" u="none" strike="noStrike" dirty="0">
+                        <a:solidFill>
+                          <a:srgbClr val="000000"/>
+                        </a:solidFill>
+                        <a:effectLst/>
+                        <a:latin typeface="ＭＳ Ｐゴシック" panose="020B0600070205080204" pitchFamily="50" charset="-128"/>
+                        <a:ea typeface="ＭＳ Ｐゴシック" panose="020B0600070205080204" pitchFamily="50" charset="-128"/>
+                      </a:endParaRPr>
+                    </a:p>
+                  </a:txBody>
+                  <a:tcPr marL="9525" marR="9525" marT="9525" marB="0" anchor="ctr"/>
+                </a:tc>
+                <a:tc>
+                  <a:txBody>
+                    <a:bodyPr/>
+                    <a:lstStyle/>
+                    <a:p>
+                      <a:pPr algn="r" fontAlgn="ctr"/>
+                      <a:r>
+                        <a:rPr lang="en-US" altLang="ja-JP" sz="1050" u="none" strike="noStrike" dirty="0">
+                          <a:effectLst/>
+                        </a:rPr>
+                        <a:t>9.579</a:t>
+                      </a:r>
+                      <a:endParaRPr lang="en-US" altLang="ja-JP" sz="1050" b="0" i="0" u="none" strike="noStrike" dirty="0">
+                        <a:solidFill>
+                          <a:srgbClr val="000000"/>
+                        </a:solidFill>
+                        <a:effectLst/>
+                        <a:latin typeface="ＭＳ Ｐゴシック" panose="020B0600070205080204" pitchFamily="50" charset="-128"/>
+                        <a:ea typeface="ＭＳ Ｐゴシック" panose="020B0600070205080204" pitchFamily="50" charset="-128"/>
+                      </a:endParaRPr>
+                    </a:p>
+                  </a:txBody>
+                  <a:tcPr marL="9525" marR="9525" marT="9525" marB="0" anchor="ctr"/>
+                </a:tc>
+                <a:tc>
+                  <a:txBody>
+                    <a:bodyPr/>
+                    <a:lstStyle/>
+                    <a:p>
+                      <a:pPr algn="r" fontAlgn="ctr"/>
+                      <a:r>
+                        <a:rPr lang="en-US" altLang="ja-JP" sz="1050" u="none" strike="noStrike" dirty="0">
+                          <a:effectLst/>
+                        </a:rPr>
+                        <a:t>15.474</a:t>
+                      </a:r>
+                      <a:endParaRPr lang="en-US" altLang="ja-JP" sz="1050" b="0" i="0" u="none" strike="noStrike" dirty="0">
+                        <a:solidFill>
+                          <a:srgbClr val="000000"/>
+                        </a:solidFill>
+                        <a:effectLst/>
+                        <a:latin typeface="ＭＳ Ｐゴシック" panose="020B0600070205080204" pitchFamily="50" charset="-128"/>
+                        <a:ea typeface="ＭＳ Ｐゴシック" panose="020B0600070205080204" pitchFamily="50" charset="-128"/>
+                      </a:endParaRPr>
+                    </a:p>
+                  </a:txBody>
+                  <a:tcPr marL="9525" marR="9525" marT="9525" marB="0" anchor="ctr"/>
+                </a:tc>
+                <a:tc>
+                  <a:txBody>
+                    <a:bodyPr/>
+                    <a:lstStyle/>
+                    <a:p>
+                      <a:pPr algn="r" fontAlgn="ctr"/>
+                      <a:r>
+                        <a:rPr lang="en-US" altLang="ja-JP" sz="1050" u="none" strike="noStrike">
+                          <a:effectLst/>
+                        </a:rPr>
+                        <a:t>28</a:t>
+                      </a:r>
+                      <a:endParaRPr lang="en-US" altLang="ja-JP" sz="1050" b="0" i="0" u="none" strike="noStrike">
+                        <a:solidFill>
+                          <a:srgbClr val="000000"/>
+                        </a:solidFill>
+                        <a:effectLst/>
+                        <a:latin typeface="ＭＳ Ｐゴシック" panose="020B0600070205080204" pitchFamily="50" charset="-128"/>
+                        <a:ea typeface="ＭＳ Ｐゴシック" panose="020B0600070205080204" pitchFamily="50" charset="-128"/>
+                      </a:endParaRPr>
+                    </a:p>
+                  </a:txBody>
+                  <a:tcPr marL="9525" marR="9525" marT="9525" marB="0" anchor="ctr"/>
+                </a:tc>
+              </a:tr>
+              <a:tr h="124798">
+                <a:tc>
+                  <a:txBody>
+                    <a:bodyPr/>
+                    <a:lstStyle/>
+                    <a:p>
+                      <a:pPr algn="l" fontAlgn="ctr"/>
+                      <a:r>
+                        <a:rPr lang="ja-JP" altLang="en-US" sz="1050" b="0" i="0" u="none" strike="noStrike" dirty="0" smtClean="0">
+                          <a:solidFill>
+                            <a:schemeClr val="tx1"/>
+                          </a:solidFill>
+                          <a:effectLst/>
+                          <a:latin typeface="+mn-lt"/>
+                          <a:ea typeface="+mn-ea"/>
+                        </a:rPr>
+                        <a:t>いいえ</a:t>
+                      </a:r>
+                      <a:endParaRPr lang="ja-JP" altLang="en-US" sz="1050" b="0" i="0" u="none" strike="noStrike" dirty="0">
+                        <a:solidFill>
+                          <a:srgbClr val="000000"/>
+                        </a:solidFill>
+                        <a:effectLst/>
+                        <a:latin typeface="ＭＳ Ｐゴシック" panose="020B0600070205080204" pitchFamily="50" charset="-128"/>
+                        <a:ea typeface="ＭＳ Ｐゴシック" panose="020B0600070205080204" pitchFamily="50" charset="-128"/>
+                      </a:endParaRPr>
+                    </a:p>
+                  </a:txBody>
+                  <a:tcPr marL="9525" marR="9525" marT="9525" marB="0" anchor="ctr"/>
+                </a:tc>
+                <a:tc>
+                  <a:txBody>
+                    <a:bodyPr/>
+                    <a:lstStyle/>
+                    <a:p>
+                      <a:pPr algn="r" fontAlgn="ctr"/>
+                      <a:r>
+                        <a:rPr lang="en-US" altLang="ja-JP" sz="1050" u="none" strike="noStrike">
+                          <a:effectLst/>
+                        </a:rPr>
+                        <a:t>1.053</a:t>
+                      </a:r>
+                      <a:endParaRPr lang="en-US" altLang="ja-JP" sz="1050" b="0" i="0" u="none" strike="noStrike">
+                        <a:solidFill>
+                          <a:srgbClr val="000000"/>
+                        </a:solidFill>
+                        <a:effectLst/>
+                        <a:latin typeface="ＭＳ Ｐゴシック" panose="020B0600070205080204" pitchFamily="50" charset="-128"/>
+                        <a:ea typeface="ＭＳ Ｐゴシック" panose="020B0600070205080204" pitchFamily="50" charset="-128"/>
+                      </a:endParaRPr>
+                    </a:p>
+                  </a:txBody>
+                  <a:tcPr marL="9525" marR="9525" marT="9525" marB="0" anchor="ctr"/>
+                </a:tc>
+                <a:tc>
+                  <a:txBody>
+                    <a:bodyPr/>
+                    <a:lstStyle/>
+                    <a:p>
+                      <a:pPr algn="r" fontAlgn="ctr"/>
+                      <a:r>
+                        <a:rPr lang="en-US" altLang="ja-JP" sz="1050" u="none" strike="noStrike" dirty="0">
+                          <a:effectLst/>
+                        </a:rPr>
+                        <a:t>3.421</a:t>
+                      </a:r>
+                      <a:endParaRPr lang="en-US" altLang="ja-JP" sz="1050" b="0" i="0" u="none" strike="noStrike" dirty="0">
+                        <a:solidFill>
+                          <a:srgbClr val="000000"/>
+                        </a:solidFill>
+                        <a:effectLst/>
+                        <a:latin typeface="ＭＳ Ｐゴシック" panose="020B0600070205080204" pitchFamily="50" charset="-128"/>
+                        <a:ea typeface="ＭＳ Ｐゴシック" panose="020B0600070205080204" pitchFamily="50" charset="-128"/>
+                      </a:endParaRPr>
+                    </a:p>
+                  </a:txBody>
+                  <a:tcPr marL="9525" marR="9525" marT="9525" marB="0" anchor="ctr"/>
+                </a:tc>
+                <a:tc>
+                  <a:txBody>
+                    <a:bodyPr/>
+                    <a:lstStyle/>
+                    <a:p>
+                      <a:pPr algn="r" fontAlgn="ctr"/>
+                      <a:r>
+                        <a:rPr lang="en-US" altLang="ja-JP" sz="1050" u="none" strike="noStrike" dirty="0">
+                          <a:effectLst/>
+                        </a:rPr>
+                        <a:t>5.526</a:t>
+                      </a:r>
+                      <a:endParaRPr lang="en-US" altLang="ja-JP" sz="1050" b="0" i="0" u="none" strike="noStrike" dirty="0">
+                        <a:solidFill>
+                          <a:srgbClr val="000000"/>
+                        </a:solidFill>
+                        <a:effectLst/>
+                        <a:latin typeface="ＭＳ Ｐゴシック" panose="020B0600070205080204" pitchFamily="50" charset="-128"/>
+                        <a:ea typeface="ＭＳ Ｐゴシック" panose="020B0600070205080204" pitchFamily="50" charset="-128"/>
+                      </a:endParaRPr>
+                    </a:p>
+                  </a:txBody>
+                  <a:tcPr marL="9525" marR="9525" marT="9525" marB="0" anchor="ctr"/>
+                </a:tc>
+                <a:tc>
+                  <a:txBody>
+                    <a:bodyPr/>
+                    <a:lstStyle/>
+                    <a:p>
+                      <a:pPr algn="r" fontAlgn="ctr"/>
+                      <a:r>
+                        <a:rPr lang="en-US" altLang="ja-JP" sz="1050" u="none" strike="noStrike">
+                          <a:effectLst/>
+                        </a:rPr>
+                        <a:t>10</a:t>
+                      </a:r>
+                      <a:endParaRPr lang="en-US" altLang="ja-JP" sz="1050" b="0" i="0" u="none" strike="noStrike">
+                        <a:solidFill>
+                          <a:srgbClr val="000000"/>
+                        </a:solidFill>
+                        <a:effectLst/>
+                        <a:latin typeface="ＭＳ Ｐゴシック" panose="020B0600070205080204" pitchFamily="50" charset="-128"/>
+                        <a:ea typeface="ＭＳ Ｐゴシック" panose="020B0600070205080204" pitchFamily="50" charset="-128"/>
+                      </a:endParaRPr>
+                    </a:p>
+                  </a:txBody>
+                  <a:tcPr marL="9525" marR="9525" marT="9525" marB="0" anchor="ctr"/>
+                </a:tc>
+              </a:tr>
+              <a:tr h="124798">
+                <a:tc>
+                  <a:txBody>
+                    <a:bodyPr/>
+                    <a:lstStyle/>
+                    <a:p>
+                      <a:pPr algn="l" fontAlgn="ctr"/>
+                      <a:r>
+                        <a:rPr lang="ja-JP" altLang="en-US" sz="1050" u="none" strike="noStrike">
+                          <a:effectLst/>
+                        </a:rPr>
+                        <a:t>計</a:t>
+                      </a:r>
+                      <a:endParaRPr lang="ja-JP" altLang="en-US" sz="1050" b="0" i="0" u="none" strike="noStrike">
+                        <a:solidFill>
+                          <a:srgbClr val="000000"/>
+                        </a:solidFill>
+                        <a:effectLst/>
+                        <a:latin typeface="ＭＳ Ｐゴシック" panose="020B0600070205080204" pitchFamily="50" charset="-128"/>
+                        <a:ea typeface="ＭＳ Ｐゴシック" panose="020B0600070205080204" pitchFamily="50" charset="-128"/>
+                      </a:endParaRPr>
+                    </a:p>
+                  </a:txBody>
+                  <a:tcPr marL="9525" marR="9525" marT="9525" marB="0" anchor="ctr"/>
+                </a:tc>
+                <a:tc>
+                  <a:txBody>
+                    <a:bodyPr/>
+                    <a:lstStyle/>
+                    <a:p>
+                      <a:pPr algn="r" fontAlgn="ctr"/>
+                      <a:r>
+                        <a:rPr lang="en-US" altLang="ja-JP" sz="1050" u="none" strike="noStrike">
+                          <a:effectLst/>
+                        </a:rPr>
+                        <a:t>4</a:t>
+                      </a:r>
+                      <a:endParaRPr lang="en-US" altLang="ja-JP" sz="1050" b="0" i="0" u="none" strike="noStrike">
+                        <a:solidFill>
+                          <a:srgbClr val="000000"/>
+                        </a:solidFill>
+                        <a:effectLst/>
+                        <a:latin typeface="ＭＳ Ｐゴシック" panose="020B0600070205080204" pitchFamily="50" charset="-128"/>
+                        <a:ea typeface="ＭＳ Ｐゴシック" panose="020B0600070205080204" pitchFamily="50" charset="-128"/>
+                      </a:endParaRPr>
+                    </a:p>
+                  </a:txBody>
+                  <a:tcPr marL="9525" marR="9525" marT="9525" marB="0" anchor="ctr"/>
+                </a:tc>
+                <a:tc>
+                  <a:txBody>
+                    <a:bodyPr/>
+                    <a:lstStyle/>
+                    <a:p>
+                      <a:pPr algn="r" fontAlgn="ctr"/>
+                      <a:r>
+                        <a:rPr lang="en-US" altLang="ja-JP" sz="1050" u="none" strike="noStrike" dirty="0">
+                          <a:effectLst/>
+                        </a:rPr>
+                        <a:t>13</a:t>
+                      </a:r>
+                      <a:endParaRPr lang="en-US" altLang="ja-JP" sz="1050" b="0" i="0" u="none" strike="noStrike" dirty="0">
+                        <a:solidFill>
+                          <a:srgbClr val="000000"/>
+                        </a:solidFill>
+                        <a:effectLst/>
+                        <a:latin typeface="ＭＳ Ｐゴシック" panose="020B0600070205080204" pitchFamily="50" charset="-128"/>
+                        <a:ea typeface="ＭＳ Ｐゴシック" panose="020B0600070205080204" pitchFamily="50" charset="-128"/>
+                      </a:endParaRPr>
+                    </a:p>
+                  </a:txBody>
+                  <a:tcPr marL="9525" marR="9525" marT="9525" marB="0" anchor="ctr"/>
+                </a:tc>
+                <a:tc>
+                  <a:txBody>
+                    <a:bodyPr/>
+                    <a:lstStyle/>
+                    <a:p>
+                      <a:pPr algn="r" fontAlgn="ctr"/>
+                      <a:r>
+                        <a:rPr lang="en-US" altLang="ja-JP" sz="1050" u="none" strike="noStrike" dirty="0">
+                          <a:effectLst/>
+                        </a:rPr>
+                        <a:t>21</a:t>
+                      </a:r>
+                      <a:endParaRPr lang="en-US" altLang="ja-JP" sz="1050" b="0" i="0" u="none" strike="noStrike" dirty="0">
+                        <a:solidFill>
+                          <a:srgbClr val="000000"/>
+                        </a:solidFill>
+                        <a:effectLst/>
+                        <a:latin typeface="ＭＳ Ｐゴシック" panose="020B0600070205080204" pitchFamily="50" charset="-128"/>
+                        <a:ea typeface="ＭＳ Ｐゴシック" panose="020B0600070205080204" pitchFamily="50" charset="-128"/>
+                      </a:endParaRPr>
+                    </a:p>
+                  </a:txBody>
+                  <a:tcPr marL="9525" marR="9525" marT="9525" marB="0" anchor="ctr"/>
+                </a:tc>
+                <a:tc>
+                  <a:txBody>
+                    <a:bodyPr/>
+                    <a:lstStyle/>
+                    <a:p>
+                      <a:pPr algn="r" fontAlgn="ctr"/>
+                      <a:r>
+                        <a:rPr lang="en-US" altLang="ja-JP" sz="1050" u="none" strike="noStrike" dirty="0">
+                          <a:effectLst/>
+                        </a:rPr>
+                        <a:t>38</a:t>
+                      </a:r>
+                      <a:endParaRPr lang="en-US" altLang="ja-JP" sz="1050" b="0" i="0" u="none" strike="noStrike" dirty="0">
+                        <a:solidFill>
+                          <a:srgbClr val="000000"/>
+                        </a:solidFill>
+                        <a:effectLst/>
+                        <a:latin typeface="ＭＳ Ｐゴシック" panose="020B0600070205080204" pitchFamily="50" charset="-128"/>
+                        <a:ea typeface="ＭＳ Ｐゴシック" panose="020B0600070205080204" pitchFamily="50" charset="-128"/>
+                      </a:endParaRPr>
+                    </a:p>
+                  </a:txBody>
+                  <a:tcPr marL="9525" marR="9525" marT="9525" marB="0" anchor="ctr"/>
+                </a:tc>
+              </a:tr>
+            </a:tbl>
+          </a:graphicData>
+        </a:graphic>
+      </p:graphicFrame>
+      <p:sp>
+        <p:nvSpPr>
+          <p:cNvPr id="56" name="角丸四角形吹き出し 55"/>
+          <p:cNvSpPr/>
+          <p:nvPr/>
+        </p:nvSpPr>
+        <p:spPr>
+          <a:xfrm>
+            <a:off x="5517221" y="6967662"/>
+            <a:ext cx="1192824" cy="348302"/>
+          </a:xfrm>
+          <a:prstGeom prst="wedgeRoundRectCallout">
+            <a:avLst>
+              <a:gd name="adj1" fmla="val 10750"/>
+              <a:gd name="adj2" fmla="val 87155"/>
+              <a:gd name="adj3" fmla="val 16667"/>
+            </a:avLst>
+          </a:prstGeom>
+        </p:spPr>
+        <p:style>
+          <a:lnRef idx="2">
+            <a:schemeClr val="accent1"/>
+          </a:lnRef>
+          <a:fillRef idx="1">
+            <a:schemeClr val="lt1"/>
+          </a:fillRef>
+          <a:effectRef idx="0">
+            <a:schemeClr val="accent1"/>
+          </a:effectRef>
+          <a:fontRef idx="minor">
+            <a:schemeClr val="dk1"/>
+          </a:fontRef>
+        </p:style>
+        <p:txBody>
+          <a:bodyPr rtlCol="0" anchor="ctr"/>
+          <a:lstStyle/>
+          <a:p>
+            <a:pPr algn="ctr"/>
+            <a:r>
+              <a:rPr kumimoji="1" lang="en-US" altLang="ja-JP" sz="1000" dirty="0" smtClean="0"/>
+              <a:t>Z</a:t>
+            </a:r>
+            <a:r>
+              <a:rPr kumimoji="1" lang="ja-JP" altLang="en-US" sz="1000" dirty="0" smtClean="0"/>
+              <a:t>値</a:t>
+            </a:r>
+            <a:r>
+              <a:rPr lang="ja-JP" altLang="en-US" sz="1000" dirty="0" smtClean="0"/>
+              <a:t>は集計結果と期待度のずれ</a:t>
+            </a:r>
+            <a:endParaRPr kumimoji="1" lang="ja-JP" altLang="en-US" sz="1000" dirty="0"/>
           </a:p>
         </p:txBody>
       </p:sp>

--- a/課題研究/2016/中村真悟/最終発表/課題研究ポスター.pptx
+++ b/課題研究/2016/中村真悟/最終発表/課題研究ポスター.pptx
@@ -3291,7 +3291,7 @@
         <p:spPr>
           <a:xfrm>
             <a:off x="1162134" y="6252417"/>
-            <a:ext cx="5571659" cy="2201207"/>
+            <a:ext cx="5571659" cy="2329801"/>
           </a:xfrm>
           <a:prstGeom prst="rect">
             <a:avLst/>
@@ -3375,11 +3375,7 @@
             </a:pPr>
             <a:r>
               <a:rPr lang="ja-JP" altLang="en-US" sz="1400" dirty="0" smtClean="0"/>
-              <a:t>その</a:t>
-            </a:r>
-            <a:r>
-              <a:rPr lang="ja-JP" altLang="en-US" sz="1400" dirty="0" smtClean="0"/>
-              <a:t>学生達に</a:t>
+              <a:t>その学生達に</a:t>
             </a:r>
             <a:r>
               <a:rPr lang="en-US" altLang="ja-JP" sz="1400" dirty="0" smtClean="0"/>
@@ -3411,11 +3407,7 @@
             </a:r>
             <a:r>
               <a:rPr lang="ja-JP" altLang="en-US" sz="1400" dirty="0" smtClean="0"/>
-              <a:t>起きた事象</a:t>
-            </a:r>
-            <a:r>
-              <a:rPr lang="ja-JP" altLang="en-US" sz="1400" dirty="0" smtClean="0"/>
-              <a:t>を調査</a:t>
+              <a:t>起きた事象を調査</a:t>
             </a:r>
             <a:r>
               <a:rPr lang="ja-JP" altLang="en-US" sz="1400" dirty="0"/>
@@ -3512,7 +3504,7 @@
         </p:blipFill>
         <p:spPr>
           <a:xfrm>
-            <a:off x="6033986" y="9726425"/>
+            <a:off x="5921926" y="9620453"/>
             <a:ext cx="843063" cy="170050"/>
           </a:xfrm>
           <a:prstGeom prst="rect">
@@ -3568,12 +3560,18 @@
           <a:p>
             <a:pPr algn="ctr"/>
             <a:r>
-              <a:rPr lang="en-US" altLang="ja-JP" sz="2400" dirty="0" smtClean="0">
+              <a:rPr lang="ja-JP" altLang="en-US" sz="2400" dirty="0">
                 <a:solidFill>
                   <a:schemeClr val="tx1"/>
                 </a:solidFill>
-                <a:latin typeface="+mj-ea"/>
-                <a:ea typeface="+mj-ea"/>
+              </a:rPr>
+              <a:t>プロジェクトで発生するリスクの</a:t>
+            </a:r>
+            <a:r>
+              <a:rPr lang="en-US" altLang="ja-JP" sz="2400" dirty="0">
+                <a:solidFill>
+                  <a:schemeClr val="tx1"/>
+                </a:solidFill>
               </a:rPr>
               <a:t>MBTI</a:t>
             </a:r>
@@ -3582,30 +3580,32 @@
                 <a:solidFill>
                   <a:schemeClr val="tx1"/>
                 </a:solidFill>
-                <a:latin typeface="+mj-ea"/>
-                <a:ea typeface="+mj-ea"/>
               </a:rPr>
               <a:t>を</a:t>
             </a:r>
-            <a:r>
-              <a:rPr lang="ja-JP" altLang="en-US" sz="2400" dirty="0" smtClean="0">
+            <a:endParaRPr lang="en-US" altLang="ja-JP" sz="2400" smtClean="0">
+              <a:solidFill>
+                <a:schemeClr val="tx1"/>
+              </a:solidFill>
+            </a:endParaRPr>
+          </a:p>
+          <a:p>
+            <a:pPr algn="ctr"/>
+            <a:r>
+              <a:rPr lang="ja-JP" altLang="en-US" sz="2400" smtClean="0">
                 <a:solidFill>
                   <a:schemeClr val="tx1"/>
                 </a:solidFill>
-                <a:latin typeface="+mj-ea"/>
-                <a:ea typeface="+mj-ea"/>
               </a:rPr>
-              <a:t>用いたメンバ間の相互作用によって起きるリスク</a:t>
-            </a:r>
-            <a:r>
-              <a:rPr lang="ja-JP" altLang="en-US" sz="2400" dirty="0" smtClean="0">
+              <a:t>用いた</a:t>
+            </a:r>
+            <a:r>
+              <a:rPr lang="ja-JP" altLang="en-US" sz="2400" dirty="0">
                 <a:solidFill>
                   <a:schemeClr val="tx1"/>
                 </a:solidFill>
-                <a:latin typeface="+mj-ea"/>
-                <a:ea typeface="+mj-ea"/>
               </a:rPr>
-              <a:t>特定</a:t>
+              <a:t>事前予測</a:t>
             </a:r>
             <a:endParaRPr lang="en-US" altLang="ja-JP" sz="2400" dirty="0" smtClean="0">
               <a:solidFill>
@@ -3673,7 +3673,7 @@
         </p:nvSpPr>
         <p:spPr>
           <a:xfrm>
-            <a:off x="132901" y="8582164"/>
+            <a:off x="132901" y="8686939"/>
             <a:ext cx="1486125" cy="302800"/>
           </a:xfrm>
           <a:prstGeom prst="roundRect">
@@ -3913,7 +3913,7 @@
         </p:nvSpPr>
         <p:spPr>
           <a:xfrm>
-            <a:off x="116995" y="8910364"/>
+            <a:off x="116995" y="9015139"/>
             <a:ext cx="6564475" cy="738664"/>
           </a:xfrm>
           <a:prstGeom prst="rect">
@@ -4652,7 +4652,7 @@
         </p:nvSpPr>
         <p:spPr>
           <a:xfrm>
-            <a:off x="1194661" y="8145847"/>
+            <a:off x="1194661" y="8317297"/>
             <a:ext cx="5312693" cy="307777"/>
           </a:xfrm>
           <a:prstGeom prst="rect">
@@ -4676,15 +4676,7 @@
             </a:r>
             <a:r>
               <a:rPr kumimoji="1" lang="ja-JP" altLang="en-US" sz="1200" dirty="0" smtClean="0"/>
-              <a:t>と</a:t>
-            </a:r>
-            <a:r>
-              <a:rPr kumimoji="1" lang="ja-JP" altLang="en-US" sz="1200" dirty="0" smtClean="0"/>
-              <a:t>いう質問の</a:t>
-            </a:r>
-            <a:r>
-              <a:rPr kumimoji="1" lang="ja-JP" altLang="en-US" sz="1200" dirty="0" smtClean="0"/>
-              <a:t>回答</a:t>
+              <a:t>という質問の回答</a:t>
             </a:r>
             <a:r>
               <a:rPr lang="ja-JP" altLang="en-US" sz="1200" dirty="0" smtClean="0"/>
@@ -4692,11 +4684,7 @@
             </a:r>
             <a:r>
               <a:rPr kumimoji="1" lang="ja-JP" altLang="en-US" sz="1200" dirty="0" smtClean="0"/>
-              <a:t>の差のクロス</a:t>
-            </a:r>
-            <a:r>
-              <a:rPr kumimoji="1" lang="ja-JP" altLang="en-US" sz="1200" dirty="0" smtClean="0"/>
-              <a:t>集計</a:t>
+              <a:t>の差のクロス集計</a:t>
             </a:r>
             <a:endParaRPr kumimoji="1" lang="ja-JP" altLang="en-US" sz="1200" dirty="0"/>
           </a:p>
@@ -4710,8 +4698,8 @@
         </p:nvSpPr>
         <p:spPr>
           <a:xfrm>
-            <a:off x="1107497" y="6217803"/>
-            <a:ext cx="4714940" cy="1200329"/>
+            <a:off x="1107496" y="6217803"/>
+            <a:ext cx="5599987" cy="1415772"/>
           </a:xfrm>
           <a:prstGeom prst="rect">
             <a:avLst/>
@@ -4726,11 +4714,7 @@
           <a:p>
             <a:r>
               <a:rPr lang="ja-JP" altLang="en-US" sz="1400" dirty="0" smtClean="0"/>
-              <a:t>下記の</a:t>
-            </a:r>
-            <a:r>
-              <a:rPr lang="ja-JP" altLang="en-US" sz="1400" dirty="0" smtClean="0"/>
-              <a:t>表から</a:t>
+              <a:t>下記の表から</a:t>
             </a:r>
             <a:r>
               <a:rPr lang="en-US" altLang="ja-JP" sz="1400" dirty="0" smtClean="0"/>
@@ -4738,11 +4722,7 @@
             </a:r>
             <a:r>
               <a:rPr lang="ja-JP" altLang="en-US" sz="1400" dirty="0" smtClean="0"/>
-              <a:t>乗検定によって算出</a:t>
-            </a:r>
-            <a:r>
-              <a:rPr lang="ja-JP" altLang="en-US" sz="1400" dirty="0" smtClean="0"/>
-              <a:t>された</a:t>
+              <a:t>乗検定によって算出された</a:t>
             </a:r>
             <a:r>
               <a:rPr lang="en-US" altLang="ja-JP" sz="1400" dirty="0"/>
@@ -4750,14 +4730,15 @@
             </a:r>
             <a:r>
               <a:rPr lang="ja-JP" altLang="en-US" sz="1400" dirty="0" smtClean="0"/>
-              <a:t>値が</a:t>
-            </a:r>
-            <a:endParaRPr lang="en-US" altLang="ja-JP" sz="1400" dirty="0" smtClean="0"/>
-          </a:p>
-          <a:p>
+              <a:t>値</a:t>
+            </a:r>
             <a:r>
               <a:rPr lang="ja-JP" altLang="en-US" sz="1400" dirty="0" smtClean="0"/>
-              <a:t>ずれとの差である</a:t>
+              <a:t>がずれ</a:t>
+            </a:r>
+            <a:r>
+              <a:rPr lang="ja-JP" altLang="en-US" sz="1400" dirty="0" smtClean="0"/>
+              <a:t>との差である</a:t>
             </a:r>
             <a:r>
               <a:rPr lang="en-US" altLang="ja-JP" sz="1400" dirty="0"/>
@@ -4773,49 +4754,68 @@
             </a:r>
             <a:r>
               <a:rPr lang="ja-JP" altLang="en-US" sz="1400" dirty="0" smtClean="0"/>
-              <a:t>を下回っているので</a:t>
+              <a:t>を下回っている</a:t>
+            </a:r>
+            <a:r>
+              <a:rPr lang="ja-JP" altLang="en-US" sz="1400" dirty="0" smtClean="0"/>
+              <a:t>ので「</a:t>
+            </a:r>
+            <a:r>
+              <a:rPr lang="ja-JP" altLang="en-US" sz="1400" dirty="0" smtClean="0"/>
+              <a:t>質問の回答とのメンバとの関係に相関はない</a:t>
+            </a:r>
+            <a:r>
+              <a:rPr lang="ja-JP" altLang="en-US" sz="1400" dirty="0" smtClean="0"/>
+              <a:t>」と</a:t>
+            </a:r>
+            <a:r>
+              <a:rPr lang="ja-JP" altLang="en-US" sz="1400" dirty="0" smtClean="0"/>
+              <a:t>いう仮説は棄却される</a:t>
+            </a:r>
+            <a:r>
+              <a:rPr lang="ja-JP" altLang="en-US" sz="1400" dirty="0" smtClean="0"/>
+              <a:t>。</a:t>
             </a:r>
             <a:endParaRPr lang="en-US" altLang="ja-JP" sz="1400" dirty="0" smtClean="0"/>
           </a:p>
           <a:p>
             <a:r>
               <a:rPr lang="ja-JP" altLang="en-US" sz="1400" dirty="0" smtClean="0"/>
-              <a:t>「質問の回答</a:t>
-            </a:r>
+              <a:t>この</a:t>
+            </a:r>
+            <a:r>
+              <a:rPr lang="ja-JP" altLang="en-US" sz="1400" dirty="0"/>
+              <a:t>結果から</a:t>
+            </a:r>
+            <a:endParaRPr lang="en-US" altLang="ja-JP" sz="1400" dirty="0" smtClean="0"/>
+          </a:p>
+          <a:p>
+            <a:r>
+              <a:rPr lang="ja-JP" altLang="en-US" sz="1600" b="1" u="sng" dirty="0" smtClean="0"/>
+              <a:t>違うタイプがいる</a:t>
+            </a:r>
+            <a:r>
+              <a:rPr lang="ja-JP" altLang="en-US" sz="1600" b="1" u="sng" dirty="0" smtClean="0"/>
+              <a:t>と情報を共有</a:t>
+            </a:r>
+            <a:r>
+              <a:rPr lang="ja-JP" altLang="en-US" sz="1600" b="1" u="sng" dirty="0" smtClean="0"/>
+              <a:t>しにくい傾向が</a:t>
+            </a:r>
+            <a:r>
+              <a:rPr lang="ja-JP" altLang="en-US" sz="1600" b="1" u="sng" dirty="0" smtClean="0"/>
+              <a:t>ある</a:t>
+            </a:r>
+            <a:endParaRPr lang="en-US" altLang="ja-JP" sz="1600" b="1" u="sng" dirty="0" smtClean="0"/>
+          </a:p>
+          <a:p>
             <a:r>
               <a:rPr lang="ja-JP" altLang="en-US" sz="1400" dirty="0" smtClean="0"/>
-              <a:t>とのメンバとの関係に相関</a:t>
+              <a:t>と</a:t>
             </a:r>
             <a:r>
               <a:rPr lang="ja-JP" altLang="en-US" sz="1400" dirty="0" smtClean="0"/>
-              <a:t>はない」という仮説は棄却</a:t>
-            </a:r>
-            <a:r>
-              <a:rPr lang="ja-JP" altLang="en-US" sz="1400" dirty="0" smtClean="0"/>
-              <a:t>される。よって</a:t>
-            </a:r>
-            <a:r>
-              <a:rPr lang="ja-JP" altLang="en-US" sz="1400" dirty="0" smtClean="0"/>
-              <a:t>、相関関係である</a:t>
-            </a:r>
-            <a:endParaRPr lang="en-US" altLang="ja-JP" sz="1400" dirty="0" smtClean="0"/>
-          </a:p>
-          <a:p>
-            <a:r>
-              <a:rPr lang="ja-JP" altLang="en-US" sz="1600" b="1" u="sng" dirty="0" smtClean="0"/>
-              <a:t>違うタイプがいると共有しにくい</a:t>
-            </a:r>
-            <a:r>
-              <a:rPr lang="ja-JP" altLang="en-US" sz="1600" b="1" u="sng" dirty="0" smtClean="0"/>
-              <a:t>傾向</a:t>
-            </a:r>
-            <a:r>
-              <a:rPr lang="ja-JP" altLang="en-US" sz="1600" b="1" u="sng" dirty="0" smtClean="0"/>
-              <a:t>がある</a:t>
-            </a:r>
-            <a:r>
-              <a:rPr lang="ja-JP" altLang="en-US" sz="1400" dirty="0" smtClean="0"/>
-              <a:t>といえる</a:t>
+              <a:t>いえる</a:t>
             </a:r>
             <a:endParaRPr kumimoji="1" lang="en-US" altLang="ja-JP" sz="1400" dirty="0" smtClean="0"/>
           </a:p>
@@ -4829,7 +4829,7 @@
         </p:nvSpPr>
         <p:spPr>
           <a:xfrm>
-            <a:off x="1174172" y="5764034"/>
+            <a:off x="1174172" y="5754509"/>
             <a:ext cx="5190913" cy="523220"/>
           </a:xfrm>
           <a:prstGeom prst="rect">
@@ -4892,13 +4892,13 @@
           <p:nvPr>
             <p:extLst>
               <p:ext uri="{D42A27DB-BD31-4B8C-83A1-F6EECF244321}">
-                <p14:modId xmlns:p14="http://schemas.microsoft.com/office/powerpoint/2010/main" val="3299141774"/>
+                <p14:modId xmlns:p14="http://schemas.microsoft.com/office/powerpoint/2010/main" val="683470101"/>
               </p:ext>
             </p:extLst>
           </p:nvPr>
         </p:nvGraphicFramePr>
         <p:xfrm>
-          <a:off x="5532166" y="7419355"/>
+          <a:off x="5532166" y="7590805"/>
           <a:ext cx="885446" cy="354330"/>
         </p:xfrm>
         <a:graphic>
@@ -5063,7 +5063,7 @@
         </p:nvSpPr>
         <p:spPr>
           <a:xfrm>
-            <a:off x="5514659" y="7835855"/>
+            <a:off x="5514659" y="8007305"/>
             <a:ext cx="1192824" cy="348302"/>
           </a:xfrm>
           <a:prstGeom prst="wedgeRoundRectCallout">
@@ -6349,13 +6349,13 @@
           <p:nvPr>
             <p:extLst>
               <p:ext uri="{D42A27DB-BD31-4B8C-83A1-F6EECF244321}">
-                <p14:modId xmlns:p14="http://schemas.microsoft.com/office/powerpoint/2010/main" val="1848116104"/>
+                <p14:modId xmlns:p14="http://schemas.microsoft.com/office/powerpoint/2010/main" val="1647781123"/>
               </p:ext>
             </p:extLst>
           </p:nvPr>
         </p:nvGraphicFramePr>
         <p:xfrm>
-          <a:off x="1229781" y="7419695"/>
+          <a:off x="1229781" y="7591145"/>
           <a:ext cx="1722969" cy="700316"/>
         </p:xfrm>
         <a:graphic>
@@ -6872,13 +6872,13 @@
           <p:nvPr>
             <p:extLst>
               <p:ext uri="{D42A27DB-BD31-4B8C-83A1-F6EECF244321}">
-                <p14:modId xmlns:p14="http://schemas.microsoft.com/office/powerpoint/2010/main" val="952363603"/>
+                <p14:modId xmlns:p14="http://schemas.microsoft.com/office/powerpoint/2010/main" val="3729536197"/>
               </p:ext>
             </p:extLst>
           </p:nvPr>
         </p:nvGraphicFramePr>
         <p:xfrm>
-          <a:off x="3123253" y="7409174"/>
+          <a:off x="3123253" y="7580624"/>
           <a:ext cx="2237358" cy="729720"/>
         </p:xfrm>
         <a:graphic>
@@ -7404,7 +7404,7 @@
         </p:nvSpPr>
         <p:spPr>
           <a:xfrm>
-            <a:off x="5517221" y="6967662"/>
+            <a:off x="5517221" y="7139112"/>
             <a:ext cx="1192824" cy="348302"/>
           </a:xfrm>
           <a:prstGeom prst="wedgeRoundRectCallout">

--- a/課題研究/2016/中村真悟/最終発表/課題研究ポスター.pptx
+++ b/課題研究/2016/中村真悟/最終発表/課題研究ポスター.pptx
@@ -3291,7 +3291,7 @@
         <p:spPr>
           <a:xfrm>
             <a:off x="1162134" y="6252417"/>
-            <a:ext cx="5571659" cy="2329801"/>
+            <a:ext cx="5571659" cy="2201207"/>
           </a:xfrm>
           <a:prstGeom prst="rect">
             <a:avLst/>
@@ -3447,38 +3447,54 @@
         </p:nvSpPr>
         <p:spPr>
           <a:xfrm>
-            <a:off x="928932" y="997490"/>
+            <a:off x="928932" y="984790"/>
             <a:ext cx="5106307" cy="295370"/>
           </a:xfrm>
         </p:spPr>
         <p:txBody>
           <a:bodyPr>
-            <a:normAutofit lnSpcReduction="10000"/>
+            <a:noAutofit/>
           </a:bodyPr>
           <a:lstStyle/>
           <a:p>
             <a:pPr algn="ctr"/>
             <a:r>
-              <a:rPr lang="en-US" altLang="ja-JP" sz="1625" dirty="0"/>
-              <a:t>PM</a:t>
-            </a:r>
-            <a:r>
-              <a:rPr lang="ja-JP" altLang="en-US" sz="1625" dirty="0"/>
-              <a:t>コース　矢吹研究室　</a:t>
-            </a:r>
-            <a:r>
-              <a:rPr lang="en-US" altLang="ja-JP" sz="1625" dirty="0" smtClean="0"/>
+              <a:rPr lang="ja-JP" altLang="en-US" dirty="0"/>
+              <a:t>　</a:t>
+            </a:r>
+            <a:r>
+              <a:rPr lang="ja-JP" altLang="en-US" sz="2000" dirty="0"/>
+              <a:t>矢吹</a:t>
+            </a:r>
+            <a:r>
+              <a:rPr lang="ja-JP" altLang="en-US" dirty="0" smtClean="0"/>
+              <a:t>研究室　</a:t>
+            </a:r>
+            <a:r>
+              <a:rPr lang="en-US" altLang="ja-JP" smtClean="0"/>
+              <a:t>3</a:t>
+            </a:r>
+            <a:r>
+              <a:rPr lang="ja-JP" altLang="en-US" smtClean="0"/>
+              <a:t>年</a:t>
+            </a:r>
+            <a:r>
+              <a:rPr lang="ja-JP" altLang="en-US" dirty="0"/>
+              <a:t>　</a:t>
+            </a:r>
+            <a:r>
+              <a:rPr lang="en-US" altLang="ja-JP" dirty="0" smtClean="0"/>
               <a:t>1442085</a:t>
             </a:r>
             <a:r>
-              <a:rPr lang="ja-JP" altLang="en-US" sz="1625" dirty="0"/>
+              <a:rPr lang="ja-JP" altLang="en-US" dirty="0"/>
               <a:t>　</a:t>
             </a:r>
             <a:r>
-              <a:rPr lang="ja-JP" altLang="en-US" sz="1625" dirty="0" smtClean="0"/>
+              <a:rPr lang="ja-JP" altLang="en-US" dirty="0" smtClean="0"/>
               <a:t>中村 真悟</a:t>
             </a:r>
-            <a:endParaRPr lang="ja-JP" altLang="en-US" sz="1625" dirty="0"/>
+            <a:endParaRPr lang="ja-JP" altLang="en-US" dirty="0"/>
           </a:p>
         </p:txBody>
       </p:sp>
@@ -3504,7 +3520,7 @@
         </p:blipFill>
         <p:spPr>
           <a:xfrm>
-            <a:off x="5921926" y="9620453"/>
+            <a:off x="5927306" y="9589265"/>
             <a:ext cx="843063" cy="170050"/>
           </a:xfrm>
           <a:prstGeom prst="rect">
@@ -3560,18 +3576,12 @@
           <a:p>
             <a:pPr algn="ctr"/>
             <a:r>
-              <a:rPr lang="ja-JP" altLang="en-US" sz="2400" dirty="0">
+              <a:rPr lang="en-US" altLang="ja-JP" sz="2400" dirty="0" smtClean="0">
                 <a:solidFill>
                   <a:schemeClr val="tx1"/>
                 </a:solidFill>
-              </a:rPr>
-              <a:t>プロジェクトで発生するリスクの</a:t>
-            </a:r>
-            <a:r>
-              <a:rPr lang="en-US" altLang="ja-JP" sz="2400" dirty="0">
-                <a:solidFill>
-                  <a:schemeClr val="tx1"/>
-                </a:solidFill>
+                <a:latin typeface="+mj-ea"/>
+                <a:ea typeface="+mj-ea"/>
               </a:rPr>
               <a:t>MBTI</a:t>
             </a:r>
@@ -3580,32 +3590,10 @@
                 <a:solidFill>
                   <a:schemeClr val="tx1"/>
                 </a:solidFill>
+                <a:latin typeface="+mj-ea"/>
+                <a:ea typeface="+mj-ea"/>
               </a:rPr>
-              <a:t>を</a:t>
-            </a:r>
-            <a:endParaRPr lang="en-US" altLang="ja-JP" sz="2400" smtClean="0">
-              <a:solidFill>
-                <a:schemeClr val="tx1"/>
-              </a:solidFill>
-            </a:endParaRPr>
-          </a:p>
-          <a:p>
-            <a:pPr algn="ctr"/>
-            <a:r>
-              <a:rPr lang="ja-JP" altLang="en-US" sz="2400" smtClean="0">
-                <a:solidFill>
-                  <a:schemeClr val="tx1"/>
-                </a:solidFill>
-              </a:rPr>
-              <a:t>用いた</a:t>
-            </a:r>
-            <a:r>
-              <a:rPr lang="ja-JP" altLang="en-US" sz="2400" dirty="0">
-                <a:solidFill>
-                  <a:schemeClr val="tx1"/>
-                </a:solidFill>
-              </a:rPr>
-              <a:t>事前予測</a:t>
+              <a:t>を用いたメンバ間の相互作用によって起きるリスク特定</a:t>
             </a:r>
             <a:endParaRPr lang="en-US" altLang="ja-JP" sz="2400" dirty="0" smtClean="0">
               <a:solidFill>
@@ -3673,7 +3661,7 @@
         </p:nvSpPr>
         <p:spPr>
           <a:xfrm>
-            <a:off x="132901" y="8686939"/>
+            <a:off x="132901" y="8582164"/>
             <a:ext cx="1486125" cy="302800"/>
           </a:xfrm>
           <a:prstGeom prst="roundRect">
@@ -3849,8 +3837,8 @@
         </p:nvSpPr>
         <p:spPr>
           <a:xfrm>
-            <a:off x="206372" y="4300765"/>
-            <a:ext cx="1893093" cy="954107"/>
+            <a:off x="206373" y="4300765"/>
+            <a:ext cx="1914528" cy="954107"/>
           </a:xfrm>
           <a:prstGeom prst="rect">
             <a:avLst/>
@@ -3913,7 +3901,7 @@
         </p:nvSpPr>
         <p:spPr>
           <a:xfrm>
-            <a:off x="116995" y="9015139"/>
+            <a:off x="116995" y="8910364"/>
             <a:ext cx="6564475" cy="738664"/>
           </a:xfrm>
           <a:prstGeom prst="rect">
@@ -3928,95 +3916,141 @@
           <a:lstStyle/>
           <a:p>
             <a:r>
-              <a:rPr lang="ja-JP" altLang="en-US" sz="1400" dirty="0" smtClean="0"/>
+              <a:rPr lang="ja-JP" altLang="en-US" sz="1400" dirty="0" smtClean="0">
+                <a:latin typeface="+mn-ea"/>
+              </a:rPr>
               <a:t>・</a:t>
             </a:r>
             <a:r>
-              <a:rPr lang="ja-JP" altLang="en-US" sz="1400" dirty="0"/>
+              <a:rPr lang="ja-JP" altLang="en-US" sz="1400" dirty="0">
+                <a:latin typeface="+mn-ea"/>
+              </a:rPr>
               <a:t>今回のアンケート結果を</a:t>
             </a:r>
             <a:r>
-              <a:rPr lang="ja-JP" altLang="en-US" sz="1400" dirty="0" smtClean="0"/>
+              <a:rPr lang="ja-JP" altLang="en-US" sz="1400" dirty="0" smtClean="0">
+                <a:latin typeface="+mn-ea"/>
+              </a:rPr>
               <a:t>踏まえ、アンケート</a:t>
             </a:r>
             <a:r>
-              <a:rPr lang="ja-JP" altLang="en-US" sz="1400" dirty="0"/>
+              <a:rPr lang="ja-JP" altLang="en-US" sz="1400" dirty="0">
+                <a:latin typeface="+mn-ea"/>
+              </a:rPr>
               <a:t>の項目を増やす</a:t>
             </a:r>
           </a:p>
           <a:p>
             <a:r>
-              <a:rPr lang="ja-JP" altLang="en-US" sz="1400" dirty="0" smtClean="0"/>
+              <a:rPr lang="ja-JP" altLang="en-US" sz="1400" dirty="0" smtClean="0">
+                <a:latin typeface="+mn-ea"/>
+              </a:rPr>
               <a:t>・ </a:t>
             </a:r>
             <a:r>
-              <a:rPr lang="en-US" altLang="ja-JP" sz="1400" dirty="0"/>
+              <a:rPr lang="en-US" altLang="ja-JP" sz="1400" dirty="0">
+                <a:latin typeface="+mn-ea"/>
+              </a:rPr>
               <a:t>PM </a:t>
             </a:r>
             <a:r>
-              <a:rPr lang="ja-JP" altLang="en-US" sz="1400" dirty="0"/>
+              <a:rPr lang="ja-JP" altLang="en-US" sz="1400" dirty="0">
+                <a:latin typeface="+mn-ea"/>
+              </a:rPr>
               <a:t>演習を受講する学生</a:t>
             </a:r>
             <a:r>
-              <a:rPr lang="ja-JP" altLang="en-US" sz="1400" dirty="0" smtClean="0"/>
+              <a:rPr lang="ja-JP" altLang="en-US" sz="1400" dirty="0" smtClean="0">
+                <a:latin typeface="+mn-ea"/>
+              </a:rPr>
               <a:t>に、同様</a:t>
             </a:r>
             <a:r>
-              <a:rPr lang="ja-JP" altLang="en-US" sz="1400" dirty="0"/>
+              <a:rPr lang="ja-JP" altLang="en-US" sz="1400" dirty="0">
+                <a:latin typeface="+mn-ea"/>
+              </a:rPr>
               <a:t>の方法でアンケートを行い検証</a:t>
             </a:r>
             <a:r>
-              <a:rPr lang="ja-JP" altLang="en-US" sz="1400" dirty="0" smtClean="0"/>
+              <a:rPr lang="ja-JP" altLang="en-US" sz="1400" dirty="0" smtClean="0">
+                <a:latin typeface="+mn-ea"/>
+              </a:rPr>
               <a:t>する</a:t>
             </a:r>
-            <a:endParaRPr lang="ja-JP" altLang="en-US" sz="1400" dirty="0"/>
-          </a:p>
-          <a:p>
-            <a:r>
-              <a:rPr lang="ja-JP" altLang="en-US" sz="1400" dirty="0" smtClean="0"/>
+            <a:endParaRPr lang="ja-JP" altLang="en-US" sz="1400" dirty="0">
+              <a:latin typeface="+mn-ea"/>
+            </a:endParaRPr>
+          </a:p>
+          <a:p>
+            <a:r>
+              <a:rPr lang="ja-JP" altLang="en-US" sz="1400" dirty="0" smtClean="0">
+                <a:latin typeface="+mn-ea"/>
+              </a:rPr>
               <a:t>・ </a:t>
             </a:r>
             <a:r>
-              <a:rPr lang="en-US" altLang="ja-JP" sz="1400" dirty="0"/>
+              <a:rPr lang="en-US" altLang="ja-JP" sz="1400" dirty="0">
+                <a:latin typeface="+mn-ea"/>
+              </a:rPr>
               <a:t>PM </a:t>
             </a:r>
             <a:r>
-              <a:rPr lang="ja-JP" altLang="en-US" sz="1400" dirty="0"/>
+              <a:rPr lang="ja-JP" altLang="en-US" sz="1400" dirty="0">
+                <a:latin typeface="+mn-ea"/>
+              </a:rPr>
               <a:t>演習の</a:t>
             </a:r>
             <a:r>
-              <a:rPr lang="ja-JP" altLang="en-US" sz="1400" dirty="0" smtClean="0"/>
+              <a:rPr lang="ja-JP" altLang="en-US" sz="1400" dirty="0" smtClean="0">
+                <a:latin typeface="+mn-ea"/>
+              </a:rPr>
               <a:t>間</a:t>
             </a:r>
             <a:r>
-              <a:rPr lang="ja-JP" altLang="en-US" sz="1400" dirty="0"/>
+              <a:rPr lang="ja-JP" altLang="en-US" sz="1400" dirty="0">
+                <a:latin typeface="+mn-ea"/>
+              </a:rPr>
               <a:t>複数</a:t>
             </a:r>
             <a:r>
-              <a:rPr lang="en-US" altLang="ja-JP" sz="1400" dirty="0" smtClean="0"/>
+              <a:rPr lang="en-US" altLang="ja-JP" sz="1400" dirty="0" smtClean="0">
+                <a:latin typeface="+mn-ea"/>
+              </a:rPr>
               <a:t> </a:t>
             </a:r>
             <a:r>
-              <a:rPr lang="ja-JP" altLang="en-US" sz="1400" dirty="0" smtClean="0"/>
+              <a:rPr lang="ja-JP" altLang="en-US" sz="1400" dirty="0" smtClean="0">
+                <a:latin typeface="+mn-ea"/>
+              </a:rPr>
               <a:t>回、発表</a:t>
             </a:r>
             <a:r>
-              <a:rPr lang="ja-JP" altLang="en-US" sz="1400" dirty="0"/>
+              <a:rPr lang="ja-JP" altLang="en-US" sz="1400" dirty="0">
+                <a:latin typeface="+mn-ea"/>
+              </a:rPr>
               <a:t>後</a:t>
             </a:r>
             <a:r>
-              <a:rPr lang="en-US" altLang="ja-JP" sz="1400" dirty="0"/>
+              <a:rPr lang="en-US" altLang="ja-JP" sz="1400" dirty="0">
+                <a:latin typeface="+mn-ea"/>
+              </a:rPr>
               <a:t>1 </a:t>
             </a:r>
             <a:r>
-              <a:rPr lang="ja-JP" altLang="en-US" sz="1400" dirty="0"/>
+              <a:rPr lang="ja-JP" altLang="en-US" sz="1400" dirty="0">
+                <a:latin typeface="+mn-ea"/>
+              </a:rPr>
               <a:t>回アンケートを</a:t>
             </a:r>
             <a:r>
-              <a:rPr lang="ja-JP" altLang="en-US" sz="1400" dirty="0" smtClean="0"/>
+              <a:rPr lang="ja-JP" altLang="en-US" sz="1400" dirty="0" smtClean="0">
+                <a:latin typeface="+mn-ea"/>
+              </a:rPr>
               <a:t>行う</a:t>
             </a:r>
-            <a:endParaRPr lang="ja-JP" altLang="en-US" sz="1400" dirty="0"/>
+            <a:endParaRPr lang="ja-JP" altLang="en-US" sz="1400" dirty="0">
+              <a:latin typeface="+mn-ea"/>
+            </a:endParaRPr>
           </a:p>
         </p:txBody>
       </p:sp>
@@ -4652,7 +4686,7 @@
         </p:nvSpPr>
         <p:spPr>
           <a:xfrm>
-            <a:off x="1194661" y="8317297"/>
+            <a:off x="1194661" y="8145847"/>
             <a:ext cx="5312693" cy="307777"/>
           </a:xfrm>
           <a:prstGeom prst="rect">
@@ -4667,26 +4701,38 @@
           <a:lstStyle/>
           <a:p>
             <a:r>
-              <a:rPr lang="ja-JP" altLang="en-US" sz="1400" dirty="0" smtClean="0"/>
+              <a:rPr lang="ja-JP" altLang="en-US" sz="1400" dirty="0" smtClean="0">
+                <a:latin typeface="+mn-ea"/>
+              </a:rPr>
               <a:t>↑</a:t>
             </a:r>
             <a:r>
-              <a:rPr lang="ja-JP" altLang="en-US" sz="1200" dirty="0" smtClean="0"/>
+              <a:rPr lang="ja-JP" altLang="en-US" sz="1200" dirty="0" smtClean="0">
+                <a:latin typeface="+mn-ea"/>
+              </a:rPr>
               <a:t>情報共有はできたか</a:t>
             </a:r>
             <a:r>
-              <a:rPr kumimoji="1" lang="ja-JP" altLang="en-US" sz="1200" dirty="0" smtClean="0"/>
+              <a:rPr kumimoji="1" lang="ja-JP" altLang="en-US" sz="1200" dirty="0" smtClean="0">
+                <a:latin typeface="+mn-ea"/>
+              </a:rPr>
               <a:t>という質問の回答</a:t>
             </a:r>
             <a:r>
-              <a:rPr lang="ja-JP" altLang="en-US" sz="1200" dirty="0" smtClean="0"/>
+              <a:rPr lang="ja-JP" altLang="en-US" sz="1200" dirty="0" smtClean="0">
+                <a:latin typeface="+mn-ea"/>
+              </a:rPr>
               <a:t>とメンバ</a:t>
             </a:r>
             <a:r>
-              <a:rPr kumimoji="1" lang="ja-JP" altLang="en-US" sz="1200" dirty="0" smtClean="0"/>
+              <a:rPr kumimoji="1" lang="ja-JP" altLang="en-US" sz="1200" dirty="0" smtClean="0">
+                <a:latin typeface="+mn-ea"/>
+              </a:rPr>
               <a:t>の差のクロス集計</a:t>
             </a:r>
-            <a:endParaRPr kumimoji="1" lang="ja-JP" altLang="en-US" sz="1200" dirty="0"/>
+            <a:endParaRPr kumimoji="1" lang="ja-JP" altLang="en-US" sz="1200" dirty="0">
+              <a:latin typeface="+mn-ea"/>
+            </a:endParaRPr>
           </a:p>
         </p:txBody>
       </p:sp>
@@ -4698,8 +4744,8 @@
         </p:nvSpPr>
         <p:spPr>
           <a:xfrm>
-            <a:off x="1107496" y="6217803"/>
-            <a:ext cx="5599987" cy="1415772"/>
+            <a:off x="1107497" y="6217803"/>
+            <a:ext cx="4714940" cy="1200329"/>
           </a:xfrm>
           <a:prstGeom prst="rect">
             <a:avLst/>
@@ -4713,111 +4759,101 @@
           <a:lstStyle/>
           <a:p>
             <a:r>
-              <a:rPr lang="ja-JP" altLang="en-US" sz="1400" dirty="0" smtClean="0"/>
+              <a:rPr lang="ja-JP" altLang="en-US" sz="1400" dirty="0" smtClean="0">
+                <a:latin typeface="+mn-ea"/>
+              </a:rPr>
               <a:t>下記の表から</a:t>
             </a:r>
             <a:r>
-              <a:rPr lang="en-US" altLang="ja-JP" sz="1400" dirty="0" smtClean="0"/>
+              <a:rPr lang="en-US" altLang="ja-JP" sz="1400" dirty="0" smtClean="0">
+                <a:latin typeface="+mn-ea"/>
+              </a:rPr>
               <a:t>χ2</a:t>
             </a:r>
             <a:r>
-              <a:rPr lang="ja-JP" altLang="en-US" sz="1400" dirty="0" smtClean="0"/>
+              <a:rPr lang="ja-JP" altLang="en-US" sz="1400" dirty="0" smtClean="0">
+                <a:latin typeface="+mn-ea"/>
+              </a:rPr>
               <a:t>乗検定によって算出された</a:t>
             </a:r>
             <a:r>
-              <a:rPr lang="en-US" altLang="ja-JP" sz="1400" dirty="0"/>
+              <a:rPr lang="en-US" altLang="ja-JP" sz="1400" dirty="0">
+                <a:latin typeface="+mn-ea"/>
+              </a:rPr>
               <a:t>p</a:t>
             </a:r>
             <a:r>
-              <a:rPr lang="ja-JP" altLang="en-US" sz="1400" dirty="0" smtClean="0"/>
-              <a:t>値</a:t>
-            </a:r>
-            <a:r>
-              <a:rPr lang="ja-JP" altLang="en-US" sz="1400" dirty="0" smtClean="0"/>
-              <a:t>がずれ</a:t>
-            </a:r>
-            <a:r>
-              <a:rPr lang="ja-JP" altLang="en-US" sz="1400" dirty="0" smtClean="0"/>
-              <a:t>との差である</a:t>
-            </a:r>
-            <a:r>
-              <a:rPr lang="en-US" altLang="ja-JP" sz="1400" dirty="0"/>
+              <a:rPr lang="ja-JP" altLang="en-US" sz="1400" dirty="0" smtClean="0">
+                <a:latin typeface="+mn-ea"/>
+              </a:rPr>
+              <a:t>値が</a:t>
+            </a:r>
+            <a:endParaRPr lang="en-US" altLang="ja-JP" sz="1400" dirty="0" smtClean="0">
+              <a:latin typeface="+mn-ea"/>
+            </a:endParaRPr>
+          </a:p>
+          <a:p>
+            <a:r>
+              <a:rPr lang="ja-JP" altLang="en-US" sz="1400" dirty="0" smtClean="0">
+                <a:latin typeface="+mn-ea"/>
+              </a:rPr>
+              <a:t>ずれとの差である</a:t>
+            </a:r>
+            <a:r>
+              <a:rPr lang="en-US" altLang="ja-JP" sz="1400" dirty="0">
+                <a:latin typeface="+mn-ea"/>
+              </a:rPr>
               <a:t>Z</a:t>
             </a:r>
             <a:r>
-              <a:rPr lang="ja-JP" altLang="en-US" sz="1400" dirty="0" smtClean="0"/>
+              <a:rPr lang="ja-JP" altLang="en-US" sz="1400" dirty="0" smtClean="0">
+                <a:latin typeface="+mn-ea"/>
+              </a:rPr>
               <a:t>値の</a:t>
             </a:r>
             <a:r>
-              <a:rPr lang="en-US" altLang="ja-JP" sz="1400" dirty="0" smtClean="0"/>
+              <a:rPr lang="en-US" altLang="ja-JP" sz="1400" dirty="0" smtClean="0">
+                <a:latin typeface="+mn-ea"/>
+              </a:rPr>
               <a:t>5%</a:t>
             </a:r>
             <a:r>
-              <a:rPr lang="ja-JP" altLang="en-US" sz="1400" dirty="0" smtClean="0"/>
-              <a:t>を下回っている</a:t>
-            </a:r>
-            <a:r>
-              <a:rPr lang="ja-JP" altLang="en-US" sz="1400" dirty="0" smtClean="0"/>
-              <a:t>ので「</a:t>
-            </a:r>
-            <a:r>
-              <a:rPr lang="ja-JP" altLang="en-US" sz="1400" dirty="0" smtClean="0"/>
-              <a:t>質問の回答とのメンバとの関係に相関はない</a:t>
-            </a:r>
-            <a:r>
-              <a:rPr lang="ja-JP" altLang="en-US" sz="1400" dirty="0" smtClean="0"/>
-              <a:t>」と</a:t>
-            </a:r>
-            <a:r>
-              <a:rPr lang="ja-JP" altLang="en-US" sz="1400" dirty="0" smtClean="0"/>
-              <a:t>いう仮説は棄却される</a:t>
-            </a:r>
-            <a:r>
-              <a:rPr lang="ja-JP" altLang="en-US" sz="1400" dirty="0" smtClean="0"/>
-              <a:t>。</a:t>
-            </a:r>
-            <a:endParaRPr lang="en-US" altLang="ja-JP" sz="1400" dirty="0" smtClean="0"/>
-          </a:p>
-          <a:p>
-            <a:r>
-              <a:rPr lang="ja-JP" altLang="en-US" sz="1400" dirty="0" smtClean="0"/>
-              <a:t>この</a:t>
-            </a:r>
-            <a:r>
-              <a:rPr lang="ja-JP" altLang="en-US" sz="1400" dirty="0"/>
-              <a:t>結果から</a:t>
-            </a:r>
-            <a:endParaRPr lang="en-US" altLang="ja-JP" sz="1400" dirty="0" smtClean="0"/>
-          </a:p>
-          <a:p>
-            <a:r>
-              <a:rPr lang="ja-JP" altLang="en-US" sz="1600" b="1" u="sng" dirty="0" smtClean="0"/>
-              <a:t>違うタイプがいる</a:t>
-            </a:r>
-            <a:r>
-              <a:rPr lang="ja-JP" altLang="en-US" sz="1600" b="1" u="sng" dirty="0" smtClean="0"/>
-              <a:t>と情報を共有</a:t>
-            </a:r>
-            <a:r>
-              <a:rPr lang="ja-JP" altLang="en-US" sz="1600" b="1" u="sng" dirty="0" smtClean="0"/>
-              <a:t>しにくい傾向が</a:t>
-            </a:r>
-            <a:r>
-              <a:rPr lang="ja-JP" altLang="en-US" sz="1600" b="1" u="sng" dirty="0" smtClean="0"/>
-              <a:t>ある</a:t>
-            </a:r>
-            <a:endParaRPr lang="en-US" altLang="ja-JP" sz="1600" b="1" u="sng" dirty="0" smtClean="0"/>
-          </a:p>
-          <a:p>
-            <a:r>
-              <a:rPr lang="ja-JP" altLang="en-US" sz="1400" dirty="0" smtClean="0"/>
-              <a:t>と</a:t>
-            </a:r>
-            <a:r>
-              <a:rPr lang="ja-JP" altLang="en-US" sz="1400" dirty="0" smtClean="0"/>
-              <a:t>いえる</a:t>
-            </a:r>
-            <a:endParaRPr kumimoji="1" lang="en-US" altLang="ja-JP" sz="1400" dirty="0" smtClean="0"/>
+              <a:rPr lang="ja-JP" altLang="en-US" sz="1400" dirty="0" smtClean="0">
+                <a:latin typeface="+mn-ea"/>
+              </a:rPr>
+              <a:t>を下回っているので</a:t>
+            </a:r>
+            <a:endParaRPr lang="en-US" altLang="ja-JP" sz="1400" dirty="0" smtClean="0">
+              <a:latin typeface="+mn-ea"/>
+            </a:endParaRPr>
+          </a:p>
+          <a:p>
+            <a:r>
+              <a:rPr lang="ja-JP" altLang="en-US" sz="1400" dirty="0" smtClean="0">
+                <a:latin typeface="+mn-ea"/>
+              </a:rPr>
+              <a:t>「質問の回答とのメンバとの関係に相関はない」という仮説は棄却される。よって、相関関係である</a:t>
+            </a:r>
+            <a:endParaRPr lang="en-US" altLang="ja-JP" sz="1400" dirty="0" smtClean="0">
+              <a:latin typeface="+mn-ea"/>
+            </a:endParaRPr>
+          </a:p>
+          <a:p>
+            <a:r>
+              <a:rPr lang="ja-JP" altLang="en-US" sz="1600" b="1" u="sng" dirty="0" smtClean="0">
+                <a:latin typeface="+mn-ea"/>
+              </a:rPr>
+              <a:t>違うタイプがいると共有しにくい傾向がある</a:t>
+            </a:r>
+            <a:r>
+              <a:rPr lang="ja-JP" altLang="en-US" sz="1400" dirty="0" smtClean="0">
+                <a:latin typeface="+mn-ea"/>
+              </a:rPr>
+              <a:t>といえる</a:t>
+            </a:r>
+            <a:endParaRPr kumimoji="1" lang="en-US" altLang="ja-JP" sz="1400" dirty="0" smtClean="0">
+              <a:latin typeface="+mn-ea"/>
+            </a:endParaRPr>
           </a:p>
         </p:txBody>
       </p:sp>
@@ -4829,7 +4865,7 @@
         </p:nvSpPr>
         <p:spPr>
           <a:xfrm>
-            <a:off x="1174172" y="5754509"/>
+            <a:off x="1174172" y="5764034"/>
             <a:ext cx="5190913" cy="523220"/>
           </a:xfrm>
           <a:prstGeom prst="rect">
@@ -4892,13 +4928,13 @@
           <p:nvPr>
             <p:extLst>
               <p:ext uri="{D42A27DB-BD31-4B8C-83A1-F6EECF244321}">
-                <p14:modId xmlns:p14="http://schemas.microsoft.com/office/powerpoint/2010/main" val="683470101"/>
+                <p14:modId xmlns:p14="http://schemas.microsoft.com/office/powerpoint/2010/main" val="3299141774"/>
               </p:ext>
             </p:extLst>
           </p:nvPr>
         </p:nvGraphicFramePr>
         <p:xfrm>
-          <a:off x="5532166" y="7590805"/>
+          <a:off x="5532166" y="7419355"/>
           <a:ext cx="885446" cy="354330"/>
         </p:xfrm>
         <a:graphic>
@@ -5063,7 +5099,7 @@
         </p:nvSpPr>
         <p:spPr>
           <a:xfrm>
-            <a:off x="5514659" y="8007305"/>
+            <a:off x="5514659" y="7835855"/>
             <a:ext cx="1192824" cy="348302"/>
           </a:xfrm>
           <a:prstGeom prst="wedgeRoundRectCallout">
@@ -5094,34 +5130,50 @@
           <a:p>
             <a:pPr algn="ctr"/>
             <a:r>
-              <a:rPr kumimoji="1" lang="en-US" altLang="ja-JP" sz="1000" dirty="0" smtClean="0"/>
+              <a:rPr kumimoji="1" lang="en-US" altLang="ja-JP" sz="1000" dirty="0" smtClean="0">
+                <a:latin typeface="+mn-ea"/>
+              </a:rPr>
               <a:t>p</a:t>
             </a:r>
             <a:r>
-              <a:rPr kumimoji="1" lang="ja-JP" altLang="en-US" sz="1000" dirty="0" smtClean="0"/>
+              <a:rPr kumimoji="1" lang="ja-JP" altLang="en-US" sz="1000" dirty="0" smtClean="0">
+                <a:latin typeface="+mn-ea"/>
+              </a:rPr>
               <a:t>値</a:t>
             </a:r>
             <a:r>
-              <a:rPr lang="ja-JP" altLang="en-US" sz="1000" dirty="0" smtClean="0"/>
+              <a:rPr lang="ja-JP" altLang="en-US" sz="1000" dirty="0" smtClean="0">
+                <a:latin typeface="+mn-ea"/>
+              </a:rPr>
               <a:t>は</a:t>
             </a:r>
             <a:r>
-              <a:rPr lang="en-US" altLang="ja-JP" sz="1000" dirty="0" smtClean="0"/>
+              <a:rPr lang="en-US" altLang="ja-JP" sz="1000" dirty="0" smtClean="0">
+                <a:latin typeface="+mn-ea"/>
+              </a:rPr>
               <a:t>χ2</a:t>
             </a:r>
             <a:r>
-              <a:rPr lang="ja-JP" altLang="en-US" sz="1000" dirty="0" smtClean="0"/>
+              <a:rPr lang="ja-JP" altLang="en-US" sz="1000" dirty="0" smtClean="0">
+                <a:latin typeface="+mn-ea"/>
+              </a:rPr>
               <a:t>乗検定で</a:t>
             </a:r>
-            <a:endParaRPr kumimoji="1" lang="en-US" altLang="ja-JP" sz="1000" dirty="0" smtClean="0"/>
+            <a:endParaRPr kumimoji="1" lang="en-US" altLang="ja-JP" sz="1000" dirty="0" smtClean="0">
+              <a:latin typeface="+mn-ea"/>
+            </a:endParaRPr>
           </a:p>
           <a:p>
             <a:pPr algn="ctr"/>
             <a:r>
-              <a:rPr kumimoji="1" lang="ja-JP" altLang="en-US" sz="1000" dirty="0" smtClean="0"/>
+              <a:rPr kumimoji="1" lang="ja-JP" altLang="en-US" sz="1000" dirty="0" smtClean="0">
+                <a:latin typeface="+mn-ea"/>
+              </a:rPr>
               <a:t>算出された値</a:t>
             </a:r>
-            <a:endParaRPr kumimoji="1" lang="ja-JP" altLang="en-US" sz="1000" dirty="0"/>
+            <a:endParaRPr kumimoji="1" lang="ja-JP" altLang="en-US" sz="1000" dirty="0">
+              <a:latin typeface="+mn-ea"/>
+            </a:endParaRPr>
           </a:p>
         </p:txBody>
       </p:sp>
@@ -6349,13 +6401,13 @@
           <p:nvPr>
             <p:extLst>
               <p:ext uri="{D42A27DB-BD31-4B8C-83A1-F6EECF244321}">
-                <p14:modId xmlns:p14="http://schemas.microsoft.com/office/powerpoint/2010/main" val="1647781123"/>
+                <p14:modId xmlns:p14="http://schemas.microsoft.com/office/powerpoint/2010/main" val="1848116104"/>
               </p:ext>
             </p:extLst>
           </p:nvPr>
         </p:nvGraphicFramePr>
         <p:xfrm>
-          <a:off x="1229781" y="7591145"/>
+          <a:off x="1229781" y="7419695"/>
           <a:ext cx="1722969" cy="700316"/>
         </p:xfrm>
         <a:graphic>
@@ -6872,13 +6924,13 @@
           <p:nvPr>
             <p:extLst>
               <p:ext uri="{D42A27DB-BD31-4B8C-83A1-F6EECF244321}">
-                <p14:modId xmlns:p14="http://schemas.microsoft.com/office/powerpoint/2010/main" val="3729536197"/>
+                <p14:modId xmlns:p14="http://schemas.microsoft.com/office/powerpoint/2010/main" val="952363603"/>
               </p:ext>
             </p:extLst>
           </p:nvPr>
         </p:nvGraphicFramePr>
         <p:xfrm>
-          <a:off x="3123253" y="7580624"/>
+          <a:off x="3123253" y="7409174"/>
           <a:ext cx="2237358" cy="729720"/>
         </p:xfrm>
         <a:graphic>
@@ -7404,7 +7456,7 @@
         </p:nvSpPr>
         <p:spPr>
           <a:xfrm>
-            <a:off x="5517221" y="7139112"/>
+            <a:off x="5517221" y="6967662"/>
             <a:ext cx="1192824" cy="348302"/>
           </a:xfrm>
           <a:prstGeom prst="wedgeRoundRectCallout">
@@ -7435,18 +7487,26 @@
           <a:p>
             <a:pPr algn="ctr"/>
             <a:r>
-              <a:rPr kumimoji="1" lang="en-US" altLang="ja-JP" sz="1000" dirty="0" smtClean="0"/>
+              <a:rPr kumimoji="1" lang="en-US" altLang="ja-JP" sz="1000" dirty="0" smtClean="0">
+                <a:latin typeface="+mn-ea"/>
+              </a:rPr>
               <a:t>Z</a:t>
             </a:r>
             <a:r>
-              <a:rPr kumimoji="1" lang="ja-JP" altLang="en-US" sz="1000" dirty="0" smtClean="0"/>
+              <a:rPr kumimoji="1" lang="ja-JP" altLang="en-US" sz="1000" dirty="0" smtClean="0">
+                <a:latin typeface="+mn-ea"/>
+              </a:rPr>
               <a:t>値</a:t>
             </a:r>
             <a:r>
-              <a:rPr lang="ja-JP" altLang="en-US" sz="1000" dirty="0" smtClean="0"/>
+              <a:rPr lang="ja-JP" altLang="en-US" sz="1000" dirty="0" smtClean="0">
+                <a:latin typeface="+mn-ea"/>
+              </a:rPr>
               <a:t>は集計結果と期待度のずれ</a:t>
             </a:r>
-            <a:endParaRPr kumimoji="1" lang="ja-JP" altLang="en-US" sz="1000" dirty="0"/>
+            <a:endParaRPr kumimoji="1" lang="ja-JP" altLang="en-US" sz="1000" dirty="0">
+              <a:latin typeface="+mn-ea"/>
+            </a:endParaRPr>
           </a:p>
         </p:txBody>
       </p:sp>
